--- a/Bizi Fruit - Final.pptx
+++ b/Bizi Fruit - Final.pptx
@@ -1,57 +1,57 @@
 
 <file path=ppt/presentation.xml><?xml version="1.0" encoding="utf-8"?>
-<p:presentation xmlns:a="http://schemas.openxmlformats.org/drawingml/2006/main" xmlns:r="http://schemas.openxmlformats.org/officeDocument/2006/relationships" xmlns:mc="http://schemas.openxmlformats.org/markup-compatibility/2006" xmlns:mv="urn:schemas-microsoft-com:mac:vml" xmlns:p="http://schemas.openxmlformats.org/presentationml/2006/main" xmlns:c="http://schemas.openxmlformats.org/drawingml/2006/chart" xmlns:dgm="http://schemas.openxmlformats.org/drawingml/2006/diagram" xmlns:o="urn:schemas-microsoft-com:office:office" xmlns:v="urn:schemas-microsoft-com:vml" xmlns:pvml="urn:schemas-microsoft-com:office:powerpoint" xmlns:com="http://schemas.openxmlformats.org/drawingml/2006/compatibility" xmlns:p14="http://schemas.microsoft.com/office/powerpoint/2010/main" xmlns:p15="http://schemas.microsoft.com/office/powerpoint/2012/main" xmlns:ahyp="http://schemas.microsoft.com/office/drawing/2018/hyperlinkcolor" autoCompressPictures="0" embedTrueTypeFonts="1" strictFirstAndLastChars="0" saveSubsetFonts="1">
+<p:presentation xmlns:a="http://schemas.openxmlformats.org/drawingml/2006/main" xmlns:r="http://schemas.openxmlformats.org/officeDocument/2006/relationships" xmlns:p="http://schemas.openxmlformats.org/presentationml/2006/main" strictFirstAndLastChars="0" embedTrueTypeFonts="1" saveSubsetFonts="1" autoCompressPictures="0">
   <p:sldMasterIdLst>
-    <p:sldMasterId id="2147483666" r:id="rId4"/>
+    <p:sldMasterId id="2147483666" r:id="rId1"/>
   </p:sldMasterIdLst>
   <p:notesMasterIdLst>
-    <p:notesMasterId r:id="rId5"/>
+    <p:notesMasterId r:id="rId11"/>
   </p:notesMasterIdLst>
   <p:sldIdLst>
-    <p:sldId id="256" r:id="rId6"/>
-    <p:sldId id="257" r:id="rId7"/>
-    <p:sldId id="258" r:id="rId8"/>
-    <p:sldId id="259" r:id="rId9"/>
-    <p:sldId id="260" r:id="rId10"/>
-    <p:sldId id="261" r:id="rId11"/>
-    <p:sldId id="262" r:id="rId12"/>
-    <p:sldId id="263" r:id="rId13"/>
-    <p:sldId id="264" r:id="rId14"/>
+    <p:sldId id="256" r:id="rId2"/>
+    <p:sldId id="257" r:id="rId3"/>
+    <p:sldId id="258" r:id="rId4"/>
+    <p:sldId id="259" r:id="rId5"/>
+    <p:sldId id="260" r:id="rId6"/>
+    <p:sldId id="261" r:id="rId7"/>
+    <p:sldId id="262" r:id="rId8"/>
+    <p:sldId id="263" r:id="rId9"/>
+    <p:sldId id="264" r:id="rId10"/>
   </p:sldIdLst>
-  <p:sldSz cy="5143500" cx="9144000"/>
+  <p:sldSz cx="9144000" cy="5143500" type="screen16x9"/>
   <p:notesSz cx="6858000" cy="9144000"/>
   <p:embeddedFontLst>
     <p:embeddedFont>
-      <p:font typeface="Proxima Nova"/>
-      <p:regular r:id="rId15"/>
-      <p:bold r:id="rId16"/>
-      <p:italic r:id="rId17"/>
-      <p:boldItalic r:id="rId18"/>
+      <p:font typeface="Lato" panose="020F0502020204030203" pitchFamily="34" charset="0"/>
+      <p:regular r:id="rId12"/>
+      <p:bold r:id="rId13"/>
+      <p:italic r:id="rId14"/>
+      <p:boldItalic r:id="rId15"/>
     </p:embeddedFont>
     <p:embeddedFont>
-      <p:font typeface="Montserrat"/>
-      <p:regular r:id="rId19"/>
-      <p:bold r:id="rId20"/>
-      <p:italic r:id="rId21"/>
-      <p:boldItalic r:id="rId22"/>
+      <p:font typeface="Montserrat" panose="00000500000000000000" pitchFamily="2" charset="0"/>
+      <p:regular r:id="rId16"/>
+      <p:bold r:id="rId17"/>
+      <p:italic r:id="rId18"/>
+      <p:boldItalic r:id="rId19"/>
     </p:embeddedFont>
     <p:embeddedFont>
-      <p:font typeface="Lato"/>
-      <p:regular r:id="rId23"/>
-      <p:bold r:id="rId24"/>
-      <p:italic r:id="rId25"/>
-      <p:boldItalic r:id="rId26"/>
+      <p:font typeface="Montserrat Light" panose="00000400000000000000" pitchFamily="2" charset="0"/>
+      <p:regular r:id="rId20"/>
+      <p:bold r:id="rId21"/>
+      <p:italic r:id="rId22"/>
+      <p:boldItalic r:id="rId23"/>
     </p:embeddedFont>
     <p:embeddedFont>
-      <p:font typeface="Montserrat Light"/>
-      <p:regular r:id="rId27"/>
-      <p:bold r:id="rId28"/>
-      <p:italic r:id="rId29"/>
-      <p:boldItalic r:id="rId30"/>
+      <p:font typeface="Proxima Nova" panose="020B0604020202020204" charset="0"/>
+      <p:regular r:id="rId24"/>
+      <p:bold r:id="rId25"/>
+      <p:italic r:id="rId26"/>
+      <p:boldItalic r:id="rId27"/>
     </p:embeddedFont>
   </p:embeddedFontLst>
   <p:defaultTextStyle>
-    <a:defPPr lvl="0" marR="0" rtl="0" algn="l">
+    <a:defPPr marR="0" lvl="0" algn="l" rtl="0">
       <a:lnSpc>
         <a:spcPct val="100000"/>
       </a:lnSpc>
@@ -62,7 +62,7 @@
         <a:spcPts val="0"/>
       </a:spcAft>
     </a:defPPr>
-    <a:lvl1pPr lvl="0" marR="0" rtl="0" algn="l">
+    <a:lvl1pPr marR="0" lvl="0" algn="l" rtl="0">
       <a:lnSpc>
         <a:spcPct val="100000"/>
       </a:lnSpc>
@@ -76,7 +76,7 @@
         <a:srgbClr val="000000"/>
       </a:buClr>
       <a:buFont typeface="Arial"/>
-      <a:defRPr b="0" i="0" sz="1400" u="none" cap="none" strike="noStrike">
+      <a:defRPr sz="1400" b="0" i="0" u="none" strike="noStrike" cap="none">
         <a:solidFill>
           <a:srgbClr val="000000"/>
         </a:solidFill>
@@ -86,7 +86,7 @@
         <a:sym typeface="Arial"/>
       </a:defRPr>
     </a:lvl1pPr>
-    <a:lvl2pPr lvl="1" marR="0" rtl="0" algn="l">
+    <a:lvl2pPr marR="0" lvl="1" algn="l" rtl="0">
       <a:lnSpc>
         <a:spcPct val="100000"/>
       </a:lnSpc>
@@ -100,7 +100,7 @@
         <a:srgbClr val="000000"/>
       </a:buClr>
       <a:buFont typeface="Arial"/>
-      <a:defRPr b="0" i="0" sz="1400" u="none" cap="none" strike="noStrike">
+      <a:defRPr sz="1400" b="0" i="0" u="none" strike="noStrike" cap="none">
         <a:solidFill>
           <a:srgbClr val="000000"/>
         </a:solidFill>
@@ -110,7 +110,7 @@
         <a:sym typeface="Arial"/>
       </a:defRPr>
     </a:lvl2pPr>
-    <a:lvl3pPr lvl="2" marR="0" rtl="0" algn="l">
+    <a:lvl3pPr marR="0" lvl="2" algn="l" rtl="0">
       <a:lnSpc>
         <a:spcPct val="100000"/>
       </a:lnSpc>
@@ -124,7 +124,7 @@
         <a:srgbClr val="000000"/>
       </a:buClr>
       <a:buFont typeface="Arial"/>
-      <a:defRPr b="0" i="0" sz="1400" u="none" cap="none" strike="noStrike">
+      <a:defRPr sz="1400" b="0" i="0" u="none" strike="noStrike" cap="none">
         <a:solidFill>
           <a:srgbClr val="000000"/>
         </a:solidFill>
@@ -134,7 +134,7 @@
         <a:sym typeface="Arial"/>
       </a:defRPr>
     </a:lvl3pPr>
-    <a:lvl4pPr lvl="3" marR="0" rtl="0" algn="l">
+    <a:lvl4pPr marR="0" lvl="3" algn="l" rtl="0">
       <a:lnSpc>
         <a:spcPct val="100000"/>
       </a:lnSpc>
@@ -148,7 +148,7 @@
         <a:srgbClr val="000000"/>
       </a:buClr>
       <a:buFont typeface="Arial"/>
-      <a:defRPr b="0" i="0" sz="1400" u="none" cap="none" strike="noStrike">
+      <a:defRPr sz="1400" b="0" i="0" u="none" strike="noStrike" cap="none">
         <a:solidFill>
           <a:srgbClr val="000000"/>
         </a:solidFill>
@@ -158,7 +158,7 @@
         <a:sym typeface="Arial"/>
       </a:defRPr>
     </a:lvl4pPr>
-    <a:lvl5pPr lvl="4" marR="0" rtl="0" algn="l">
+    <a:lvl5pPr marR="0" lvl="4" algn="l" rtl="0">
       <a:lnSpc>
         <a:spcPct val="100000"/>
       </a:lnSpc>
@@ -172,7 +172,7 @@
         <a:srgbClr val="000000"/>
       </a:buClr>
       <a:buFont typeface="Arial"/>
-      <a:defRPr b="0" i="0" sz="1400" u="none" cap="none" strike="noStrike">
+      <a:defRPr sz="1400" b="0" i="0" u="none" strike="noStrike" cap="none">
         <a:solidFill>
           <a:srgbClr val="000000"/>
         </a:solidFill>
@@ -182,7 +182,7 @@
         <a:sym typeface="Arial"/>
       </a:defRPr>
     </a:lvl5pPr>
-    <a:lvl6pPr lvl="5" marR="0" rtl="0" algn="l">
+    <a:lvl6pPr marR="0" lvl="5" algn="l" rtl="0">
       <a:lnSpc>
         <a:spcPct val="100000"/>
       </a:lnSpc>
@@ -196,7 +196,7 @@
         <a:srgbClr val="000000"/>
       </a:buClr>
       <a:buFont typeface="Arial"/>
-      <a:defRPr b="0" i="0" sz="1400" u="none" cap="none" strike="noStrike">
+      <a:defRPr sz="1400" b="0" i="0" u="none" strike="noStrike" cap="none">
         <a:solidFill>
           <a:srgbClr val="000000"/>
         </a:solidFill>
@@ -206,7 +206,7 @@
         <a:sym typeface="Arial"/>
       </a:defRPr>
     </a:lvl6pPr>
-    <a:lvl7pPr lvl="6" marR="0" rtl="0" algn="l">
+    <a:lvl7pPr marR="0" lvl="6" algn="l" rtl="0">
       <a:lnSpc>
         <a:spcPct val="100000"/>
       </a:lnSpc>
@@ -220,7 +220,7 @@
         <a:srgbClr val="000000"/>
       </a:buClr>
       <a:buFont typeface="Arial"/>
-      <a:defRPr b="0" i="0" sz="1400" u="none" cap="none" strike="noStrike">
+      <a:defRPr sz="1400" b="0" i="0" u="none" strike="noStrike" cap="none">
         <a:solidFill>
           <a:srgbClr val="000000"/>
         </a:solidFill>
@@ -230,7 +230,7 @@
         <a:sym typeface="Arial"/>
       </a:defRPr>
     </a:lvl7pPr>
-    <a:lvl8pPr lvl="7" marR="0" rtl="0" algn="l">
+    <a:lvl8pPr marR="0" lvl="7" algn="l" rtl="0">
       <a:lnSpc>
         <a:spcPct val="100000"/>
       </a:lnSpc>
@@ -244,7 +244,7 @@
         <a:srgbClr val="000000"/>
       </a:buClr>
       <a:buFont typeface="Arial"/>
-      <a:defRPr b="0" i="0" sz="1400" u="none" cap="none" strike="noStrike">
+      <a:defRPr sz="1400" b="0" i="0" u="none" strike="noStrike" cap="none">
         <a:solidFill>
           <a:srgbClr val="000000"/>
         </a:solidFill>
@@ -254,7 +254,7 @@
         <a:sym typeface="Arial"/>
       </a:defRPr>
     </a:lvl8pPr>
-    <a:lvl9pPr lvl="8" marR="0" rtl="0" algn="l">
+    <a:lvl9pPr marR="0" lvl="8" algn="l" rtl="0">
       <a:lnSpc>
         <a:spcPct val="100000"/>
       </a:lnSpc>
@@ -268,7 +268,7 @@
         <a:srgbClr val="000000"/>
       </a:buClr>
       <a:buFont typeface="Arial"/>
-      <a:defRPr b="0" i="0" sz="1400" u="none" cap="none" strike="noStrike">
+      <a:defRPr sz="1400" b="0" i="0" u="none" strike="noStrike" cap="none">
         <a:solidFill>
           <a:srgbClr val="000000"/>
         </a:solidFill>
@@ -281,7 +281,7 @@
   </p:defaultTextStyle>
   <p:extLst>
     <p:ext uri="{EFAFB233-063F-42B5-8137-9DF3F51BA10A}">
-      <p15:sldGuideLst>
+      <p15:sldGuideLst xmlns:p15="http://schemas.microsoft.com/office/powerpoint/2012/main">
         <p15:guide id="1" orient="horz" pos="1620">
           <p15:clr>
             <a:srgbClr val="A4A3A4"/>
@@ -299,11 +299,16 @@
 </file>
 
 <file path=ppt/notesMasters/notesMaster1.xml><?xml version="1.0" encoding="utf-8"?>
-<p:notesMaster xmlns:a="http://schemas.openxmlformats.org/drawingml/2006/main" xmlns:r="http://schemas.openxmlformats.org/officeDocument/2006/relationships" xmlns:mc="http://schemas.openxmlformats.org/markup-compatibility/2006" xmlns:mv="urn:schemas-microsoft-com:mac:vml" xmlns:p="http://schemas.openxmlformats.org/presentationml/2006/main" xmlns:c="http://schemas.openxmlformats.org/drawingml/2006/chart" xmlns:dgm="http://schemas.openxmlformats.org/drawingml/2006/diagram" xmlns:o="urn:schemas-microsoft-com:office:office" xmlns:v="urn:schemas-microsoft-com:vml" xmlns:pvml="urn:schemas-microsoft-com:office:powerpoint" xmlns:com="http://schemas.openxmlformats.org/drawingml/2006/compatibility" xmlns:p14="http://schemas.microsoft.com/office/powerpoint/2010/main" xmlns:p15="http://schemas.microsoft.com/office/powerpoint/2012/main" xmlns:ahyp="http://schemas.microsoft.com/office/drawing/2018/hyperlinkcolor">
+<p:notesMaster xmlns:a="http://schemas.openxmlformats.org/drawingml/2006/main" xmlns:r="http://schemas.openxmlformats.org/officeDocument/2006/relationships" xmlns:p="http://schemas.openxmlformats.org/presentationml/2006/main">
   <p:cSld>
+    <p:bg>
+      <p:bgRef idx="1001">
+        <a:schemeClr val="bg1"/>
+      </p:bgRef>
+    </p:bg>
     <p:spTree>
       <p:nvGrpSpPr>
-        <p:cNvPr id="2" name="Shape 2"/>
+        <p:cNvPr id="1" name="Shape 2"/>
         <p:cNvGrpSpPr/>
         <p:nvPr/>
       </p:nvGrpSpPr>
@@ -318,9 +323,11 @@
       <p:sp>
         <p:nvSpPr>
           <p:cNvPr id="3" name="Google Shape;3;n"/>
-          <p:cNvSpPr/>
+          <p:cNvSpPr>
+            <a:spLocks noGrp="1" noRot="1" noChangeAspect="1"/>
+          </p:cNvSpPr>
           <p:nvPr>
-            <p:ph idx="2" type="sldImg"/>
+            <p:ph type="sldImg" idx="2"/>
           </p:nvPr>
         </p:nvSpPr>
         <p:spPr>
@@ -329,9 +336,13 @@
             <a:ext cx="6096075" cy="3429000"/>
           </a:xfrm>
           <a:custGeom>
-            <a:rect b="b" l="l" r="r" t="t"/>
+            <a:avLst/>
+            <a:gdLst/>
+            <a:ahLst/>
+            <a:cxnLst/>
+            <a:rect l="l" t="t" r="r" b="b"/>
             <a:pathLst>
-              <a:path extrusionOk="0" h="120000" w="120000">
+              <a:path w="120000" h="120000" extrusionOk="0">
                 <a:moveTo>
                   <a:pt x="0" y="0"/>
                 </a:moveTo>
@@ -349,23 +360,25 @@
             </a:pathLst>
           </a:custGeom>
           <a:noFill/>
-          <a:ln cap="flat" cmpd="sng" w="9525">
+          <a:ln w="9525" cap="flat" cmpd="sng">
             <a:solidFill>
               <a:srgbClr val="000000"/>
             </a:solidFill>
             <a:prstDash val="solid"/>
             <a:round/>
-            <a:headEnd len="sm" w="sm" type="none"/>
-            <a:tailEnd len="sm" w="sm" type="none"/>
+            <a:headEnd type="none" w="sm" len="sm"/>
+            <a:tailEnd type="none" w="sm" len="sm"/>
           </a:ln>
         </p:spPr>
       </p:sp>
       <p:sp>
         <p:nvSpPr>
           <p:cNvPr id="4" name="Google Shape;4;n"/>
-          <p:cNvSpPr txBox="1"/>
+          <p:cNvSpPr txBox="1">
+            <a:spLocks noGrp="1"/>
+          </p:cNvSpPr>
           <p:nvPr>
-            <p:ph idx="1" type="body"/>
+            <p:ph type="body" idx="1"/>
           </p:nvPr>
         </p:nvSpPr>
         <p:spPr>
@@ -382,11 +395,11 @@
           </a:ln>
         </p:spPr>
         <p:txBody>
-          <a:bodyPr anchorCtr="0" anchor="t" bIns="91425" lIns="91425" spcFirstLastPara="1" rIns="91425" wrap="square" tIns="91425">
+          <a:bodyPr spcFirstLastPara="1" wrap="square" lIns="91425" tIns="91425" rIns="91425" bIns="91425" anchor="t" anchorCtr="0">
             <a:noAutofit/>
           </a:bodyPr>
           <a:lstStyle>
-            <a:lvl1pPr indent="-298450" lvl="0" marL="457200">
+            <a:lvl1pPr marL="457200" lvl="0" indent="-298450">
               <a:spcBef>
                 <a:spcPts val="0"/>
               </a:spcBef>
@@ -397,7 +410,7 @@
               <a:buChar char="●"/>
               <a:defRPr sz="1100"/>
             </a:lvl1pPr>
-            <a:lvl2pPr indent="-298450" lvl="1" marL="914400">
+            <a:lvl2pPr marL="914400" lvl="1" indent="-298450">
               <a:spcBef>
                 <a:spcPts val="0"/>
               </a:spcBef>
@@ -408,7 +421,7 @@
               <a:buChar char="○"/>
               <a:defRPr sz="1100"/>
             </a:lvl2pPr>
-            <a:lvl3pPr indent="-298450" lvl="2" marL="1371600">
+            <a:lvl3pPr marL="1371600" lvl="2" indent="-298450">
               <a:spcBef>
                 <a:spcPts val="0"/>
               </a:spcBef>
@@ -419,7 +432,7 @@
               <a:buChar char="■"/>
               <a:defRPr sz="1100"/>
             </a:lvl3pPr>
-            <a:lvl4pPr indent="-298450" lvl="3" marL="1828800">
+            <a:lvl4pPr marL="1828800" lvl="3" indent="-298450">
               <a:spcBef>
                 <a:spcPts val="0"/>
               </a:spcBef>
@@ -430,7 +443,7 @@
               <a:buChar char="●"/>
               <a:defRPr sz="1100"/>
             </a:lvl4pPr>
-            <a:lvl5pPr indent="-298450" lvl="4" marL="2286000">
+            <a:lvl5pPr marL="2286000" lvl="4" indent="-298450">
               <a:spcBef>
                 <a:spcPts val="0"/>
               </a:spcBef>
@@ -441,7 +454,7 @@
               <a:buChar char="○"/>
               <a:defRPr sz="1100"/>
             </a:lvl5pPr>
-            <a:lvl6pPr indent="-298450" lvl="5" marL="2743200">
+            <a:lvl6pPr marL="2743200" lvl="5" indent="-298450">
               <a:spcBef>
                 <a:spcPts val="0"/>
               </a:spcBef>
@@ -452,7 +465,7 @@
               <a:buChar char="■"/>
               <a:defRPr sz="1100"/>
             </a:lvl6pPr>
-            <a:lvl7pPr indent="-298450" lvl="6" marL="3200400">
+            <a:lvl7pPr marL="3200400" lvl="6" indent="-298450">
               <a:spcBef>
                 <a:spcPts val="0"/>
               </a:spcBef>
@@ -463,7 +476,7 @@
               <a:buChar char="●"/>
               <a:defRPr sz="1100"/>
             </a:lvl7pPr>
-            <a:lvl8pPr indent="-298450" lvl="7" marL="3657600">
+            <a:lvl8pPr marL="3657600" lvl="7" indent="-298450">
               <a:spcBef>
                 <a:spcPts val="0"/>
               </a:spcBef>
@@ -474,7 +487,7 @@
               <a:buChar char="○"/>
               <a:defRPr sz="1100"/>
             </a:lvl8pPr>
-            <a:lvl9pPr indent="-298450" lvl="8" marL="4114800">
+            <a:lvl9pPr marL="4114800" lvl="8" indent="-298450">
               <a:spcBef>
                 <a:spcPts val="0"/>
               </a:spcBef>
@@ -486,14 +499,16 @@
               <a:defRPr sz="1100"/>
             </a:lvl9pPr>
           </a:lstStyle>
-          <a:p/>
+          <a:p>
+            <a:endParaRPr/>
+          </a:p>
         </p:txBody>
       </p:sp>
     </p:spTree>
   </p:cSld>
-  <p:clrMap accent1="accent1" accent2="accent2" accent3="accent3" accent4="accent4" accent5="accent5" accent6="accent6" bg1="lt1" bg2="dk2" tx1="dk1" tx2="lt2" folHlink="folHlink" hlink="hlink"/>
+  <p:clrMap bg1="lt1" tx1="dk1" bg2="dk2" tx2="lt2" accent1="accent1" accent2="accent2" accent3="accent3" accent4="accent4" accent5="accent5" accent6="accent6" hlink="hlink" folHlink="folHlink"/>
   <p:notesStyle>
-    <a:defPPr lvl="0" marR="0" rtl="0" algn="l">
+    <a:defPPr marR="0" lvl="0" algn="l" rtl="0">
       <a:lnSpc>
         <a:spcPct val="100000"/>
       </a:lnSpc>
@@ -504,7 +519,7 @@
         <a:spcPts val="0"/>
       </a:spcAft>
     </a:defPPr>
-    <a:lvl1pPr lvl="0" marR="0" rtl="0" algn="l">
+    <a:lvl1pPr marR="0" lvl="0" algn="l" rtl="0">
       <a:lnSpc>
         <a:spcPct val="100000"/>
       </a:lnSpc>
@@ -518,7 +533,7 @@
         <a:srgbClr val="000000"/>
       </a:buClr>
       <a:buFont typeface="Arial"/>
-      <a:defRPr b="0" i="0" sz="1400" u="none" cap="none" strike="noStrike">
+      <a:defRPr sz="1400" b="0" i="0" u="none" strike="noStrike" cap="none">
         <a:solidFill>
           <a:srgbClr val="000000"/>
         </a:solidFill>
@@ -528,7 +543,7 @@
         <a:sym typeface="Arial"/>
       </a:defRPr>
     </a:lvl1pPr>
-    <a:lvl2pPr lvl="1" marR="0" rtl="0" algn="l">
+    <a:lvl2pPr marR="0" lvl="1" algn="l" rtl="0">
       <a:lnSpc>
         <a:spcPct val="100000"/>
       </a:lnSpc>
@@ -542,7 +557,7 @@
         <a:srgbClr val="000000"/>
       </a:buClr>
       <a:buFont typeface="Arial"/>
-      <a:defRPr b="0" i="0" sz="1400" u="none" cap="none" strike="noStrike">
+      <a:defRPr sz="1400" b="0" i="0" u="none" strike="noStrike" cap="none">
         <a:solidFill>
           <a:srgbClr val="000000"/>
         </a:solidFill>
@@ -552,7 +567,7 @@
         <a:sym typeface="Arial"/>
       </a:defRPr>
     </a:lvl2pPr>
-    <a:lvl3pPr lvl="2" marR="0" rtl="0" algn="l">
+    <a:lvl3pPr marR="0" lvl="2" algn="l" rtl="0">
       <a:lnSpc>
         <a:spcPct val="100000"/>
       </a:lnSpc>
@@ -566,7 +581,7 @@
         <a:srgbClr val="000000"/>
       </a:buClr>
       <a:buFont typeface="Arial"/>
-      <a:defRPr b="0" i="0" sz="1400" u="none" cap="none" strike="noStrike">
+      <a:defRPr sz="1400" b="0" i="0" u="none" strike="noStrike" cap="none">
         <a:solidFill>
           <a:srgbClr val="000000"/>
         </a:solidFill>
@@ -576,7 +591,7 @@
         <a:sym typeface="Arial"/>
       </a:defRPr>
     </a:lvl3pPr>
-    <a:lvl4pPr lvl="3" marR="0" rtl="0" algn="l">
+    <a:lvl4pPr marR="0" lvl="3" algn="l" rtl="0">
       <a:lnSpc>
         <a:spcPct val="100000"/>
       </a:lnSpc>
@@ -590,7 +605,7 @@
         <a:srgbClr val="000000"/>
       </a:buClr>
       <a:buFont typeface="Arial"/>
-      <a:defRPr b="0" i="0" sz="1400" u="none" cap="none" strike="noStrike">
+      <a:defRPr sz="1400" b="0" i="0" u="none" strike="noStrike" cap="none">
         <a:solidFill>
           <a:srgbClr val="000000"/>
         </a:solidFill>
@@ -600,7 +615,7 @@
         <a:sym typeface="Arial"/>
       </a:defRPr>
     </a:lvl4pPr>
-    <a:lvl5pPr lvl="4" marR="0" rtl="0" algn="l">
+    <a:lvl5pPr marR="0" lvl="4" algn="l" rtl="0">
       <a:lnSpc>
         <a:spcPct val="100000"/>
       </a:lnSpc>
@@ -614,7 +629,7 @@
         <a:srgbClr val="000000"/>
       </a:buClr>
       <a:buFont typeface="Arial"/>
-      <a:defRPr b="0" i="0" sz="1400" u="none" cap="none" strike="noStrike">
+      <a:defRPr sz="1400" b="0" i="0" u="none" strike="noStrike" cap="none">
         <a:solidFill>
           <a:srgbClr val="000000"/>
         </a:solidFill>
@@ -624,7 +639,7 @@
         <a:sym typeface="Arial"/>
       </a:defRPr>
     </a:lvl5pPr>
-    <a:lvl6pPr lvl="5" marR="0" rtl="0" algn="l">
+    <a:lvl6pPr marR="0" lvl="5" algn="l" rtl="0">
       <a:lnSpc>
         <a:spcPct val="100000"/>
       </a:lnSpc>
@@ -638,7 +653,7 @@
         <a:srgbClr val="000000"/>
       </a:buClr>
       <a:buFont typeface="Arial"/>
-      <a:defRPr b="0" i="0" sz="1400" u="none" cap="none" strike="noStrike">
+      <a:defRPr sz="1400" b="0" i="0" u="none" strike="noStrike" cap="none">
         <a:solidFill>
           <a:srgbClr val="000000"/>
         </a:solidFill>
@@ -648,7 +663,7 @@
         <a:sym typeface="Arial"/>
       </a:defRPr>
     </a:lvl6pPr>
-    <a:lvl7pPr lvl="6" marR="0" rtl="0" algn="l">
+    <a:lvl7pPr marR="0" lvl="6" algn="l" rtl="0">
       <a:lnSpc>
         <a:spcPct val="100000"/>
       </a:lnSpc>
@@ -662,7 +677,7 @@
         <a:srgbClr val="000000"/>
       </a:buClr>
       <a:buFont typeface="Arial"/>
-      <a:defRPr b="0" i="0" sz="1400" u="none" cap="none" strike="noStrike">
+      <a:defRPr sz="1400" b="0" i="0" u="none" strike="noStrike" cap="none">
         <a:solidFill>
           <a:srgbClr val="000000"/>
         </a:solidFill>
@@ -672,7 +687,7 @@
         <a:sym typeface="Arial"/>
       </a:defRPr>
     </a:lvl7pPr>
-    <a:lvl8pPr lvl="7" marR="0" rtl="0" algn="l">
+    <a:lvl8pPr marR="0" lvl="7" algn="l" rtl="0">
       <a:lnSpc>
         <a:spcPct val="100000"/>
       </a:lnSpc>
@@ -686,7 +701,7 @@
         <a:srgbClr val="000000"/>
       </a:buClr>
       <a:buFont typeface="Arial"/>
-      <a:defRPr b="0" i="0" sz="1400" u="none" cap="none" strike="noStrike">
+      <a:defRPr sz="1400" b="0" i="0" u="none" strike="noStrike" cap="none">
         <a:solidFill>
           <a:srgbClr val="000000"/>
         </a:solidFill>
@@ -696,7 +711,7 @@
         <a:sym typeface="Arial"/>
       </a:defRPr>
     </a:lvl8pPr>
-    <a:lvl9pPr lvl="8" marR="0" rtl="0" algn="l">
+    <a:lvl9pPr marR="0" lvl="8" algn="l" rtl="0">
       <a:lnSpc>
         <a:spcPct val="100000"/>
       </a:lnSpc>
@@ -710,7 +725,7 @@
         <a:srgbClr val="000000"/>
       </a:buClr>
       <a:buFont typeface="Arial"/>
-      <a:defRPr b="0" i="0" sz="1400" u="none" cap="none" strike="noStrike">
+      <a:defRPr sz="1400" b="0" i="0" u="none" strike="noStrike" cap="none">
         <a:solidFill>
           <a:srgbClr val="000000"/>
         </a:solidFill>
@@ -725,11 +740,11 @@
 </file>
 
 <file path=ppt/notesSlides/notesSlide1.xml><?xml version="1.0" encoding="utf-8"?>
-<p:notes xmlns:a="http://schemas.openxmlformats.org/drawingml/2006/main" xmlns:r="http://schemas.openxmlformats.org/officeDocument/2006/relationships" xmlns:mc="http://schemas.openxmlformats.org/markup-compatibility/2006" xmlns:mv="urn:schemas-microsoft-com:mac:vml" xmlns:p="http://schemas.openxmlformats.org/presentationml/2006/main" xmlns:c="http://schemas.openxmlformats.org/drawingml/2006/chart" xmlns:dgm="http://schemas.openxmlformats.org/drawingml/2006/diagram" xmlns:o="urn:schemas-microsoft-com:office:office" xmlns:v="urn:schemas-microsoft-com:vml" xmlns:pvml="urn:schemas-microsoft-com:office:powerpoint" xmlns:com="http://schemas.openxmlformats.org/drawingml/2006/compatibility" xmlns:p14="http://schemas.microsoft.com/office/powerpoint/2010/main" xmlns:p15="http://schemas.microsoft.com/office/powerpoint/2012/main" xmlns:ahyp="http://schemas.microsoft.com/office/drawing/2018/hyperlinkcolor" showMasterPhAnim="0" showMasterSp="0">
+<p:notes xmlns:a="http://schemas.openxmlformats.org/drawingml/2006/main" xmlns:r="http://schemas.openxmlformats.org/officeDocument/2006/relationships" xmlns:p="http://schemas.openxmlformats.org/presentationml/2006/main" showMasterSp="0" showMasterPhAnim="0">
   <p:cSld>
     <p:spTree>
       <p:nvGrpSpPr>
-        <p:cNvPr id="124" name="Shape 124"/>
+        <p:cNvPr id="1" name="Shape 124"/>
         <p:cNvGrpSpPr/>
         <p:nvPr/>
       </p:nvGrpSpPr>
@@ -744,20 +759,26 @@
       <p:sp>
         <p:nvSpPr>
           <p:cNvPr id="125" name="Google Shape;125;g210c482b10d_0_0:notes"/>
-          <p:cNvSpPr/>
+          <p:cNvSpPr>
+            <a:spLocks noGrp="1" noRot="1" noChangeAspect="1"/>
+          </p:cNvSpPr>
           <p:nvPr>
-            <p:ph idx="2" type="sldImg"/>
+            <p:ph type="sldImg" idx="2"/>
           </p:nvPr>
         </p:nvSpPr>
         <p:spPr>
           <a:xfrm>
-            <a:off x="381300" y="685800"/>
+            <a:off x="381000" y="685800"/>
             <a:ext cx="6096000" cy="3429000"/>
           </a:xfrm>
           <a:custGeom>
-            <a:rect b="b" l="l" r="r" t="t"/>
+            <a:avLst/>
+            <a:gdLst/>
+            <a:ahLst/>
+            <a:cxnLst/>
+            <a:rect l="l" t="t" r="r" b="b"/>
             <a:pathLst>
-              <a:path extrusionOk="0" h="120000" w="120000">
+              <a:path w="120000" h="120000" extrusionOk="0">
                 <a:moveTo>
                   <a:pt x="0" y="0"/>
                 </a:moveTo>
@@ -779,9 +800,11 @@
       <p:sp>
         <p:nvSpPr>
           <p:cNvPr id="126" name="Google Shape;126;g210c482b10d_0_0:notes"/>
-          <p:cNvSpPr txBox="1"/>
+          <p:cNvSpPr txBox="1">
+            <a:spLocks noGrp="1"/>
+          </p:cNvSpPr>
           <p:nvPr>
-            <p:ph idx="1" type="body"/>
+            <p:ph type="body" idx="1"/>
           </p:nvPr>
         </p:nvSpPr>
         <p:spPr>
@@ -794,12 +817,12 @@
           </a:prstGeom>
         </p:spPr>
         <p:txBody>
-          <a:bodyPr anchorCtr="0" anchor="t" bIns="91425" lIns="91425" spcFirstLastPara="1" rIns="91425" wrap="square" tIns="91425">
+          <a:bodyPr spcFirstLastPara="1" wrap="square" lIns="91425" tIns="91425" rIns="91425" bIns="91425" anchor="t" anchorCtr="0">
             <a:noAutofit/>
           </a:bodyPr>
           <a:lstStyle/>
           <a:p>
-            <a:pPr indent="0" lvl="0" marL="0" rtl="0" algn="l">
+            <a:pPr marL="0" lvl="0" indent="0" algn="l" rtl="0">
               <a:spcBef>
                 <a:spcPts val="0"/>
               </a:spcBef>
@@ -808,9 +831,6 @@
               </a:spcAft>
               <a:buNone/>
             </a:pPr>
-            <a:r>
-              <a:t/>
-            </a:r>
             <a:endParaRPr/>
           </a:p>
         </p:txBody>
@@ -824,11 +844,11 @@
 </file>
 
 <file path=ppt/notesSlides/notesSlide2.xml><?xml version="1.0" encoding="utf-8"?>
-<p:notes xmlns:a="http://schemas.openxmlformats.org/drawingml/2006/main" xmlns:r="http://schemas.openxmlformats.org/officeDocument/2006/relationships" xmlns:mc="http://schemas.openxmlformats.org/markup-compatibility/2006" xmlns:mv="urn:schemas-microsoft-com:mac:vml" xmlns:p="http://schemas.openxmlformats.org/presentationml/2006/main" xmlns:c="http://schemas.openxmlformats.org/drawingml/2006/chart" xmlns:dgm="http://schemas.openxmlformats.org/drawingml/2006/diagram" xmlns:o="urn:schemas-microsoft-com:office:office" xmlns:v="urn:schemas-microsoft-com:vml" xmlns:pvml="urn:schemas-microsoft-com:office:powerpoint" xmlns:com="http://schemas.openxmlformats.org/drawingml/2006/compatibility" xmlns:p14="http://schemas.microsoft.com/office/powerpoint/2010/main" xmlns:p15="http://schemas.microsoft.com/office/powerpoint/2012/main" xmlns:ahyp="http://schemas.microsoft.com/office/drawing/2018/hyperlinkcolor" showMasterPhAnim="0" showMasterSp="0">
+<p:notes xmlns:a="http://schemas.openxmlformats.org/drawingml/2006/main" xmlns:r="http://schemas.openxmlformats.org/officeDocument/2006/relationships" xmlns:p="http://schemas.openxmlformats.org/presentationml/2006/main" showMasterSp="0" showMasterPhAnim="0">
   <p:cSld>
     <p:spTree>
       <p:nvGrpSpPr>
-        <p:cNvPr id="136" name="Shape 136"/>
+        <p:cNvPr id="1" name="Shape 136"/>
         <p:cNvGrpSpPr/>
         <p:nvPr/>
       </p:nvGrpSpPr>
@@ -843,20 +863,26 @@
       <p:sp>
         <p:nvSpPr>
           <p:cNvPr id="137" name="Google Shape;137;g210c482b10d_0_127:notes"/>
-          <p:cNvSpPr/>
+          <p:cNvSpPr>
+            <a:spLocks noGrp="1" noRot="1" noChangeAspect="1"/>
+          </p:cNvSpPr>
           <p:nvPr>
-            <p:ph idx="2" type="sldImg"/>
+            <p:ph type="sldImg" idx="2"/>
           </p:nvPr>
         </p:nvSpPr>
         <p:spPr>
           <a:xfrm>
-            <a:off x="381300" y="685800"/>
+            <a:off x="381000" y="685800"/>
             <a:ext cx="6096000" cy="3429000"/>
           </a:xfrm>
           <a:custGeom>
-            <a:rect b="b" l="l" r="r" t="t"/>
+            <a:avLst/>
+            <a:gdLst/>
+            <a:ahLst/>
+            <a:cxnLst/>
+            <a:rect l="l" t="t" r="r" b="b"/>
             <a:pathLst>
-              <a:path extrusionOk="0" h="120000" w="120000">
+              <a:path w="120000" h="120000" extrusionOk="0">
                 <a:moveTo>
                   <a:pt x="0" y="0"/>
                 </a:moveTo>
@@ -878,9 +904,11 @@
       <p:sp>
         <p:nvSpPr>
           <p:cNvPr id="138" name="Google Shape;138;g210c482b10d_0_127:notes"/>
-          <p:cNvSpPr txBox="1"/>
+          <p:cNvSpPr txBox="1">
+            <a:spLocks noGrp="1"/>
+          </p:cNvSpPr>
           <p:nvPr>
-            <p:ph idx="1" type="body"/>
+            <p:ph type="body" idx="1"/>
           </p:nvPr>
         </p:nvSpPr>
         <p:spPr>
@@ -893,12 +921,12 @@
           </a:prstGeom>
         </p:spPr>
         <p:txBody>
-          <a:bodyPr anchorCtr="0" anchor="t" bIns="91425" lIns="91425" spcFirstLastPara="1" rIns="91425" wrap="square" tIns="91425">
+          <a:bodyPr spcFirstLastPara="1" wrap="square" lIns="91425" tIns="91425" rIns="91425" bIns="91425" anchor="t" anchorCtr="0">
             <a:noAutofit/>
           </a:bodyPr>
           <a:lstStyle/>
           <a:p>
-            <a:pPr indent="0" lvl="0" marL="0" rtl="0" algn="l">
+            <a:pPr marL="0" lvl="0" indent="0" algn="l" rtl="0">
               <a:spcBef>
                 <a:spcPts val="0"/>
               </a:spcBef>
@@ -907,9 +935,6 @@
               </a:spcAft>
               <a:buNone/>
             </a:pPr>
-            <a:r>
-              <a:t/>
-            </a:r>
             <a:endParaRPr/>
           </a:p>
         </p:txBody>
@@ -923,11 +948,11 @@
 </file>
 
 <file path=ppt/notesSlides/notesSlide3.xml><?xml version="1.0" encoding="utf-8"?>
-<p:notes xmlns:a="http://schemas.openxmlformats.org/drawingml/2006/main" xmlns:r="http://schemas.openxmlformats.org/officeDocument/2006/relationships" xmlns:mc="http://schemas.openxmlformats.org/markup-compatibility/2006" xmlns:mv="urn:schemas-microsoft-com:mac:vml" xmlns:p="http://schemas.openxmlformats.org/presentationml/2006/main" xmlns:c="http://schemas.openxmlformats.org/drawingml/2006/chart" xmlns:dgm="http://schemas.openxmlformats.org/drawingml/2006/diagram" xmlns:o="urn:schemas-microsoft-com:office:office" xmlns:v="urn:schemas-microsoft-com:vml" xmlns:pvml="urn:schemas-microsoft-com:office:powerpoint" xmlns:com="http://schemas.openxmlformats.org/drawingml/2006/compatibility" xmlns:p14="http://schemas.microsoft.com/office/powerpoint/2010/main" xmlns:p15="http://schemas.microsoft.com/office/powerpoint/2012/main" xmlns:ahyp="http://schemas.microsoft.com/office/drawing/2018/hyperlinkcolor" showMasterPhAnim="0" showMasterSp="0">
+<p:notes xmlns:a="http://schemas.openxmlformats.org/drawingml/2006/main" xmlns:r="http://schemas.openxmlformats.org/officeDocument/2006/relationships" xmlns:p="http://schemas.openxmlformats.org/presentationml/2006/main" showMasterSp="0" showMasterPhAnim="0">
   <p:cSld>
     <p:spTree>
       <p:nvGrpSpPr>
-        <p:cNvPr id="156" name="Shape 156"/>
+        <p:cNvPr id="1" name="Shape 156"/>
         <p:cNvGrpSpPr/>
         <p:nvPr/>
       </p:nvGrpSpPr>
@@ -942,20 +967,26 @@
       <p:sp>
         <p:nvSpPr>
           <p:cNvPr id="157" name="Google Shape;157;g210c482b10d_0_270:notes"/>
-          <p:cNvSpPr/>
+          <p:cNvSpPr>
+            <a:spLocks noGrp="1" noRot="1" noChangeAspect="1"/>
+          </p:cNvSpPr>
           <p:nvPr>
-            <p:ph idx="2" type="sldImg"/>
+            <p:ph type="sldImg" idx="2"/>
           </p:nvPr>
         </p:nvSpPr>
         <p:spPr>
           <a:xfrm>
-            <a:off x="381300" y="685800"/>
+            <a:off x="381000" y="685800"/>
             <a:ext cx="6096000" cy="3429000"/>
           </a:xfrm>
           <a:custGeom>
-            <a:rect b="b" l="l" r="r" t="t"/>
+            <a:avLst/>
+            <a:gdLst/>
+            <a:ahLst/>
+            <a:cxnLst/>
+            <a:rect l="l" t="t" r="r" b="b"/>
             <a:pathLst>
-              <a:path extrusionOk="0" h="120000" w="120000">
+              <a:path w="120000" h="120000" extrusionOk="0">
                 <a:moveTo>
                   <a:pt x="0" y="0"/>
                 </a:moveTo>
@@ -977,9 +1008,11 @@
       <p:sp>
         <p:nvSpPr>
           <p:cNvPr id="158" name="Google Shape;158;g210c482b10d_0_270:notes"/>
-          <p:cNvSpPr txBox="1"/>
+          <p:cNvSpPr txBox="1">
+            <a:spLocks noGrp="1"/>
+          </p:cNvSpPr>
           <p:nvPr>
-            <p:ph idx="1" type="body"/>
+            <p:ph type="body" idx="1"/>
           </p:nvPr>
         </p:nvSpPr>
         <p:spPr>
@@ -992,12 +1025,12 @@
           </a:prstGeom>
         </p:spPr>
         <p:txBody>
-          <a:bodyPr anchorCtr="0" anchor="t" bIns="91425" lIns="91425" spcFirstLastPara="1" rIns="91425" wrap="square" tIns="91425">
+          <a:bodyPr spcFirstLastPara="1" wrap="square" lIns="91425" tIns="91425" rIns="91425" bIns="91425" anchor="t" anchorCtr="0">
             <a:noAutofit/>
           </a:bodyPr>
           <a:lstStyle/>
           <a:p>
-            <a:pPr indent="0" lvl="0" marL="0" rtl="0" algn="l">
+            <a:pPr marL="0" lvl="0" indent="0" algn="l" rtl="0">
               <a:spcBef>
                 <a:spcPts val="0"/>
               </a:spcBef>
@@ -1023,11 +1056,11 @@
 </file>
 
 <file path=ppt/notesSlides/notesSlide4.xml><?xml version="1.0" encoding="utf-8"?>
-<p:notes xmlns:a="http://schemas.openxmlformats.org/drawingml/2006/main" xmlns:r="http://schemas.openxmlformats.org/officeDocument/2006/relationships" xmlns:mc="http://schemas.openxmlformats.org/markup-compatibility/2006" xmlns:mv="urn:schemas-microsoft-com:mac:vml" xmlns:p="http://schemas.openxmlformats.org/presentationml/2006/main" xmlns:c="http://schemas.openxmlformats.org/drawingml/2006/chart" xmlns:dgm="http://schemas.openxmlformats.org/drawingml/2006/diagram" xmlns:o="urn:schemas-microsoft-com:office:office" xmlns:v="urn:schemas-microsoft-com:vml" xmlns:pvml="urn:schemas-microsoft-com:office:powerpoint" xmlns:com="http://schemas.openxmlformats.org/drawingml/2006/compatibility" xmlns:p14="http://schemas.microsoft.com/office/powerpoint/2010/main" xmlns:p15="http://schemas.microsoft.com/office/powerpoint/2012/main" xmlns:ahyp="http://schemas.microsoft.com/office/drawing/2018/hyperlinkcolor" showMasterPhAnim="0" showMasterSp="0">
+<p:notes xmlns:a="http://schemas.openxmlformats.org/drawingml/2006/main" xmlns:r="http://schemas.openxmlformats.org/officeDocument/2006/relationships" xmlns:p="http://schemas.openxmlformats.org/presentationml/2006/main" showMasterSp="0" showMasterPhAnim="0">
   <p:cSld>
     <p:spTree>
       <p:nvGrpSpPr>
-        <p:cNvPr id="161" name="Shape 161"/>
+        <p:cNvPr id="1" name="Shape 161"/>
         <p:cNvGrpSpPr/>
         <p:nvPr/>
       </p:nvGrpSpPr>
@@ -1042,20 +1075,26 @@
       <p:sp>
         <p:nvSpPr>
           <p:cNvPr id="162" name="Google Shape;162;g210c482b10d_0_428:notes"/>
-          <p:cNvSpPr/>
+          <p:cNvSpPr>
+            <a:spLocks noGrp="1" noRot="1" noChangeAspect="1"/>
+          </p:cNvSpPr>
           <p:nvPr>
-            <p:ph idx="2" type="sldImg"/>
+            <p:ph type="sldImg" idx="2"/>
           </p:nvPr>
         </p:nvSpPr>
         <p:spPr>
           <a:xfrm>
-            <a:off x="381300" y="685800"/>
+            <a:off x="381000" y="685800"/>
             <a:ext cx="6096000" cy="3429000"/>
           </a:xfrm>
           <a:custGeom>
-            <a:rect b="b" l="l" r="r" t="t"/>
+            <a:avLst/>
+            <a:gdLst/>
+            <a:ahLst/>
+            <a:cxnLst/>
+            <a:rect l="l" t="t" r="r" b="b"/>
             <a:pathLst>
-              <a:path extrusionOk="0" h="120000" w="120000">
+              <a:path w="120000" h="120000" extrusionOk="0">
                 <a:moveTo>
                   <a:pt x="0" y="0"/>
                 </a:moveTo>
@@ -1077,9 +1116,11 @@
       <p:sp>
         <p:nvSpPr>
           <p:cNvPr id="163" name="Google Shape;163;g210c482b10d_0_428:notes"/>
-          <p:cNvSpPr txBox="1"/>
+          <p:cNvSpPr txBox="1">
+            <a:spLocks noGrp="1"/>
+          </p:cNvSpPr>
           <p:nvPr>
-            <p:ph idx="1" type="body"/>
+            <p:ph type="body" idx="1"/>
           </p:nvPr>
         </p:nvSpPr>
         <p:spPr>
@@ -1092,12 +1133,12 @@
           </a:prstGeom>
         </p:spPr>
         <p:txBody>
-          <a:bodyPr anchorCtr="0" anchor="t" bIns="91425" lIns="91425" spcFirstLastPara="1" rIns="91425" wrap="square" tIns="91425">
+          <a:bodyPr spcFirstLastPara="1" wrap="square" lIns="91425" tIns="91425" rIns="91425" bIns="91425" anchor="t" anchorCtr="0">
             <a:noAutofit/>
           </a:bodyPr>
           <a:lstStyle/>
           <a:p>
-            <a:pPr indent="0" lvl="0" marL="0" rtl="0" algn="l">
+            <a:pPr marL="0" lvl="0" indent="0" algn="l" rtl="0">
               <a:spcBef>
                 <a:spcPts val="0"/>
               </a:spcBef>
@@ -1123,11 +1164,11 @@
 </file>
 
 <file path=ppt/notesSlides/notesSlide5.xml><?xml version="1.0" encoding="utf-8"?>
-<p:notes xmlns:a="http://schemas.openxmlformats.org/drawingml/2006/main" xmlns:r="http://schemas.openxmlformats.org/officeDocument/2006/relationships" xmlns:mc="http://schemas.openxmlformats.org/markup-compatibility/2006" xmlns:mv="urn:schemas-microsoft-com:mac:vml" xmlns:p="http://schemas.openxmlformats.org/presentationml/2006/main" xmlns:c="http://schemas.openxmlformats.org/drawingml/2006/chart" xmlns:dgm="http://schemas.openxmlformats.org/drawingml/2006/diagram" xmlns:o="urn:schemas-microsoft-com:office:office" xmlns:v="urn:schemas-microsoft-com:vml" xmlns:pvml="urn:schemas-microsoft-com:office:powerpoint" xmlns:com="http://schemas.openxmlformats.org/drawingml/2006/compatibility" xmlns:p14="http://schemas.microsoft.com/office/powerpoint/2010/main" xmlns:p15="http://schemas.microsoft.com/office/powerpoint/2012/main" xmlns:ahyp="http://schemas.microsoft.com/office/drawing/2018/hyperlinkcolor" showMasterPhAnim="0" showMasterSp="0">
+<p:notes xmlns:a="http://schemas.openxmlformats.org/drawingml/2006/main" xmlns:r="http://schemas.openxmlformats.org/officeDocument/2006/relationships" xmlns:p="http://schemas.openxmlformats.org/presentationml/2006/main" showMasterSp="0" showMasterPhAnim="0">
   <p:cSld>
     <p:spTree>
       <p:nvGrpSpPr>
-        <p:cNvPr id="168" name="Shape 168"/>
+        <p:cNvPr id="1" name="Shape 168"/>
         <p:cNvGrpSpPr/>
         <p:nvPr/>
       </p:nvGrpSpPr>
@@ -1142,9 +1183,11 @@
       <p:sp>
         <p:nvSpPr>
           <p:cNvPr id="169" name="Google Shape;169;g210c482b10d_0_545:notes"/>
-          <p:cNvSpPr/>
+          <p:cNvSpPr>
+            <a:spLocks noGrp="1" noRot="1" noChangeAspect="1"/>
+          </p:cNvSpPr>
           <p:nvPr>
-            <p:ph idx="2" type="sldImg"/>
+            <p:ph type="sldImg" idx="2"/>
           </p:nvPr>
         </p:nvSpPr>
         <p:spPr>
@@ -1153,9 +1196,13 @@
             <a:ext cx="6096000" cy="3429000"/>
           </a:xfrm>
           <a:custGeom>
-            <a:rect b="b" l="l" r="r" t="t"/>
+            <a:avLst/>
+            <a:gdLst/>
+            <a:ahLst/>
+            <a:cxnLst/>
+            <a:rect l="l" t="t" r="r" b="b"/>
             <a:pathLst>
-              <a:path extrusionOk="0" h="120000" w="120000">
+              <a:path w="120000" h="120000" extrusionOk="0">
                 <a:moveTo>
                   <a:pt x="0" y="0"/>
                 </a:moveTo>
@@ -1177,9 +1224,11 @@
       <p:sp>
         <p:nvSpPr>
           <p:cNvPr id="170" name="Google Shape;170;g210c482b10d_0_545:notes"/>
-          <p:cNvSpPr txBox="1"/>
+          <p:cNvSpPr txBox="1">
+            <a:spLocks noGrp="1"/>
+          </p:cNvSpPr>
           <p:nvPr>
-            <p:ph idx="1" type="body"/>
+            <p:ph type="body" idx="1"/>
           </p:nvPr>
         </p:nvSpPr>
         <p:spPr>
@@ -1192,12 +1241,12 @@
           </a:prstGeom>
         </p:spPr>
         <p:txBody>
-          <a:bodyPr anchorCtr="0" anchor="t" bIns="91425" lIns="91425" spcFirstLastPara="1" rIns="91425" wrap="square" tIns="91425">
+          <a:bodyPr spcFirstLastPara="1" wrap="square" lIns="91425" tIns="91425" rIns="91425" bIns="91425" anchor="t" anchorCtr="0">
             <a:noAutofit/>
           </a:bodyPr>
           <a:lstStyle/>
           <a:p>
-            <a:pPr indent="0" lvl="0" marL="0" rtl="0" algn="l">
+            <a:pPr marL="0" lvl="0" indent="0" algn="l" rtl="0">
               <a:spcBef>
                 <a:spcPts val="0"/>
               </a:spcBef>
@@ -1206,9 +1255,6 @@
               </a:spcAft>
               <a:buNone/>
             </a:pPr>
-            <a:r>
-              <a:t/>
-            </a:r>
             <a:endParaRPr/>
           </a:p>
         </p:txBody>
@@ -1222,11 +1268,11 @@
 </file>
 
 <file path=ppt/notesSlides/notesSlide6.xml><?xml version="1.0" encoding="utf-8"?>
-<p:notes xmlns:a="http://schemas.openxmlformats.org/drawingml/2006/main" xmlns:r="http://schemas.openxmlformats.org/officeDocument/2006/relationships" xmlns:mc="http://schemas.openxmlformats.org/markup-compatibility/2006" xmlns:mv="urn:schemas-microsoft-com:mac:vml" xmlns:p="http://schemas.openxmlformats.org/presentationml/2006/main" xmlns:c="http://schemas.openxmlformats.org/drawingml/2006/chart" xmlns:dgm="http://schemas.openxmlformats.org/drawingml/2006/diagram" xmlns:o="urn:schemas-microsoft-com:office:office" xmlns:v="urn:schemas-microsoft-com:vml" xmlns:pvml="urn:schemas-microsoft-com:office:powerpoint" xmlns:com="http://schemas.openxmlformats.org/drawingml/2006/compatibility" xmlns:p14="http://schemas.microsoft.com/office/powerpoint/2010/main" xmlns:p15="http://schemas.microsoft.com/office/powerpoint/2012/main" xmlns:ahyp="http://schemas.microsoft.com/office/drawing/2018/hyperlinkcolor" showMasterPhAnim="0" showMasterSp="0">
+<p:notes xmlns:a="http://schemas.openxmlformats.org/drawingml/2006/main" xmlns:r="http://schemas.openxmlformats.org/officeDocument/2006/relationships" xmlns:p="http://schemas.openxmlformats.org/presentationml/2006/main" showMasterSp="0" showMasterPhAnim="0">
   <p:cSld>
     <p:spTree>
       <p:nvGrpSpPr>
-        <p:cNvPr id="174" name="Shape 174"/>
+        <p:cNvPr id="1" name="Shape 174"/>
         <p:cNvGrpSpPr/>
         <p:nvPr/>
       </p:nvGrpSpPr>
@@ -1241,20 +1287,26 @@
       <p:sp>
         <p:nvSpPr>
           <p:cNvPr id="175" name="Google Shape;175;g210c482b10d_0_665:notes"/>
-          <p:cNvSpPr/>
+          <p:cNvSpPr>
+            <a:spLocks noGrp="1" noRot="1" noChangeAspect="1"/>
+          </p:cNvSpPr>
           <p:nvPr>
-            <p:ph idx="2" type="sldImg"/>
+            <p:ph type="sldImg" idx="2"/>
           </p:nvPr>
         </p:nvSpPr>
         <p:spPr>
           <a:xfrm>
-            <a:off x="381300" y="685800"/>
+            <a:off x="381000" y="685800"/>
             <a:ext cx="6096000" cy="3429000"/>
           </a:xfrm>
           <a:custGeom>
-            <a:rect b="b" l="l" r="r" t="t"/>
+            <a:avLst/>
+            <a:gdLst/>
+            <a:ahLst/>
+            <a:cxnLst/>
+            <a:rect l="l" t="t" r="r" b="b"/>
             <a:pathLst>
-              <a:path extrusionOk="0" h="120000" w="120000">
+              <a:path w="120000" h="120000" extrusionOk="0">
                 <a:moveTo>
                   <a:pt x="0" y="0"/>
                 </a:moveTo>
@@ -1276,9 +1328,11 @@
       <p:sp>
         <p:nvSpPr>
           <p:cNvPr id="176" name="Google Shape;176;g210c482b10d_0_665:notes"/>
-          <p:cNvSpPr txBox="1"/>
+          <p:cNvSpPr txBox="1">
+            <a:spLocks noGrp="1"/>
+          </p:cNvSpPr>
           <p:nvPr>
-            <p:ph idx="1" type="body"/>
+            <p:ph type="body" idx="1"/>
           </p:nvPr>
         </p:nvSpPr>
         <p:spPr>
@@ -1291,12 +1345,12 @@
           </a:prstGeom>
         </p:spPr>
         <p:txBody>
-          <a:bodyPr anchorCtr="0" anchor="t" bIns="91425" lIns="91425" spcFirstLastPara="1" rIns="91425" wrap="square" tIns="91425">
+          <a:bodyPr spcFirstLastPara="1" wrap="square" lIns="91425" tIns="91425" rIns="91425" bIns="91425" anchor="t" anchorCtr="0">
             <a:noAutofit/>
           </a:bodyPr>
           <a:lstStyle/>
           <a:p>
-            <a:pPr indent="0" lvl="0" marL="0" rtl="0" algn="l">
+            <a:pPr marL="0" lvl="0" indent="0" algn="l" rtl="0">
               <a:spcBef>
                 <a:spcPts val="0"/>
               </a:spcBef>
@@ -1305,9 +1359,6 @@
               </a:spcAft>
               <a:buNone/>
             </a:pPr>
-            <a:r>
-              <a:t/>
-            </a:r>
             <a:endParaRPr/>
           </a:p>
         </p:txBody>
@@ -1321,11 +1372,11 @@
 </file>
 
 <file path=ppt/notesSlides/notesSlide7.xml><?xml version="1.0" encoding="utf-8"?>
-<p:notes xmlns:a="http://schemas.openxmlformats.org/drawingml/2006/main" xmlns:r="http://schemas.openxmlformats.org/officeDocument/2006/relationships" xmlns:mc="http://schemas.openxmlformats.org/markup-compatibility/2006" xmlns:mv="urn:schemas-microsoft-com:mac:vml" xmlns:p="http://schemas.openxmlformats.org/presentationml/2006/main" xmlns:c="http://schemas.openxmlformats.org/drawingml/2006/chart" xmlns:dgm="http://schemas.openxmlformats.org/drawingml/2006/diagram" xmlns:o="urn:schemas-microsoft-com:office:office" xmlns:v="urn:schemas-microsoft-com:vml" xmlns:pvml="urn:schemas-microsoft-com:office:powerpoint" xmlns:com="http://schemas.openxmlformats.org/drawingml/2006/compatibility" xmlns:p14="http://schemas.microsoft.com/office/powerpoint/2010/main" xmlns:p15="http://schemas.microsoft.com/office/powerpoint/2012/main" xmlns:ahyp="http://schemas.microsoft.com/office/drawing/2018/hyperlinkcolor" showMasterPhAnim="0" showMasterSp="0">
+<p:notes xmlns:a="http://schemas.openxmlformats.org/drawingml/2006/main" xmlns:r="http://schemas.openxmlformats.org/officeDocument/2006/relationships" xmlns:p="http://schemas.openxmlformats.org/presentationml/2006/main" showMasterSp="0" showMasterPhAnim="0">
   <p:cSld>
     <p:spTree>
       <p:nvGrpSpPr>
-        <p:cNvPr id="180" name="Shape 180"/>
+        <p:cNvPr id="1" name="Shape 180"/>
         <p:cNvGrpSpPr/>
         <p:nvPr/>
       </p:nvGrpSpPr>
@@ -1340,20 +1391,26 @@
       <p:sp>
         <p:nvSpPr>
           <p:cNvPr id="181" name="Google Shape;181;g210c482b10d_0_818:notes"/>
-          <p:cNvSpPr/>
+          <p:cNvSpPr>
+            <a:spLocks noGrp="1" noRot="1" noChangeAspect="1"/>
+          </p:cNvSpPr>
           <p:nvPr>
-            <p:ph idx="2" type="sldImg"/>
+            <p:ph type="sldImg" idx="2"/>
           </p:nvPr>
         </p:nvSpPr>
         <p:spPr>
           <a:xfrm>
-            <a:off x="381300" y="685800"/>
+            <a:off x="381000" y="685800"/>
             <a:ext cx="6096000" cy="3429000"/>
           </a:xfrm>
           <a:custGeom>
-            <a:rect b="b" l="l" r="r" t="t"/>
+            <a:avLst/>
+            <a:gdLst/>
+            <a:ahLst/>
+            <a:cxnLst/>
+            <a:rect l="l" t="t" r="r" b="b"/>
             <a:pathLst>
-              <a:path extrusionOk="0" h="120000" w="120000">
+              <a:path w="120000" h="120000" extrusionOk="0">
                 <a:moveTo>
                   <a:pt x="0" y="0"/>
                 </a:moveTo>
@@ -1375,9 +1432,11 @@
       <p:sp>
         <p:nvSpPr>
           <p:cNvPr id="182" name="Google Shape;182;g210c482b10d_0_818:notes"/>
-          <p:cNvSpPr txBox="1"/>
+          <p:cNvSpPr txBox="1">
+            <a:spLocks noGrp="1"/>
+          </p:cNvSpPr>
           <p:nvPr>
-            <p:ph idx="1" type="body"/>
+            <p:ph type="body" idx="1"/>
           </p:nvPr>
         </p:nvSpPr>
         <p:spPr>
@@ -1390,12 +1449,12 @@
           </a:prstGeom>
         </p:spPr>
         <p:txBody>
-          <a:bodyPr anchorCtr="0" anchor="t" bIns="91425" lIns="91425" spcFirstLastPara="1" rIns="91425" wrap="square" tIns="91425">
+          <a:bodyPr spcFirstLastPara="1" wrap="square" lIns="91425" tIns="91425" rIns="91425" bIns="91425" anchor="t" anchorCtr="0">
             <a:noAutofit/>
           </a:bodyPr>
           <a:lstStyle/>
           <a:p>
-            <a:pPr indent="0" lvl="0" marL="0" rtl="0" algn="l">
+            <a:pPr marL="0" lvl="0" indent="0" algn="l" rtl="0">
               <a:spcBef>
                 <a:spcPts val="0"/>
               </a:spcBef>
@@ -1404,9 +1463,6 @@
               </a:spcAft>
               <a:buNone/>
             </a:pPr>
-            <a:r>
-              <a:t/>
-            </a:r>
             <a:endParaRPr/>
           </a:p>
         </p:txBody>
@@ -1420,11 +1476,11 @@
 </file>
 
 <file path=ppt/notesSlides/notesSlide8.xml><?xml version="1.0" encoding="utf-8"?>
-<p:notes xmlns:a="http://schemas.openxmlformats.org/drawingml/2006/main" xmlns:r="http://schemas.openxmlformats.org/officeDocument/2006/relationships" xmlns:mc="http://schemas.openxmlformats.org/markup-compatibility/2006" xmlns:mv="urn:schemas-microsoft-com:mac:vml" xmlns:p="http://schemas.openxmlformats.org/presentationml/2006/main" xmlns:c="http://schemas.openxmlformats.org/drawingml/2006/chart" xmlns:dgm="http://schemas.openxmlformats.org/drawingml/2006/diagram" xmlns:o="urn:schemas-microsoft-com:office:office" xmlns:v="urn:schemas-microsoft-com:vml" xmlns:pvml="urn:schemas-microsoft-com:office:powerpoint" xmlns:com="http://schemas.openxmlformats.org/drawingml/2006/compatibility" xmlns:p14="http://schemas.microsoft.com/office/powerpoint/2010/main" xmlns:p15="http://schemas.microsoft.com/office/powerpoint/2012/main" xmlns:ahyp="http://schemas.microsoft.com/office/drawing/2018/hyperlinkcolor" showMasterPhAnim="0" showMasterSp="0">
+<p:notes xmlns:a="http://schemas.openxmlformats.org/drawingml/2006/main" xmlns:r="http://schemas.openxmlformats.org/officeDocument/2006/relationships" xmlns:p="http://schemas.openxmlformats.org/presentationml/2006/main" showMasterSp="0" showMasterPhAnim="0">
   <p:cSld>
     <p:spTree>
       <p:nvGrpSpPr>
-        <p:cNvPr id="186" name="Shape 186"/>
+        <p:cNvPr id="1" name="Shape 186"/>
         <p:cNvGrpSpPr/>
         <p:nvPr/>
       </p:nvGrpSpPr>
@@ -1439,20 +1495,26 @@
       <p:sp>
         <p:nvSpPr>
           <p:cNvPr id="187" name="Google Shape;187;g210c482b10d_0_971:notes"/>
-          <p:cNvSpPr/>
+          <p:cNvSpPr>
+            <a:spLocks noGrp="1" noRot="1" noChangeAspect="1"/>
+          </p:cNvSpPr>
           <p:nvPr>
-            <p:ph idx="2" type="sldImg"/>
+            <p:ph type="sldImg" idx="2"/>
           </p:nvPr>
         </p:nvSpPr>
         <p:spPr>
           <a:xfrm>
-            <a:off x="381300" y="685800"/>
+            <a:off x="381000" y="685800"/>
             <a:ext cx="6096000" cy="3429000"/>
           </a:xfrm>
           <a:custGeom>
-            <a:rect b="b" l="l" r="r" t="t"/>
+            <a:avLst/>
+            <a:gdLst/>
+            <a:ahLst/>
+            <a:cxnLst/>
+            <a:rect l="l" t="t" r="r" b="b"/>
             <a:pathLst>
-              <a:path extrusionOk="0" h="120000" w="120000">
+              <a:path w="120000" h="120000" extrusionOk="0">
                 <a:moveTo>
                   <a:pt x="0" y="0"/>
                 </a:moveTo>
@@ -1474,9 +1536,11 @@
       <p:sp>
         <p:nvSpPr>
           <p:cNvPr id="188" name="Google Shape;188;g210c482b10d_0_971:notes"/>
-          <p:cNvSpPr txBox="1"/>
+          <p:cNvSpPr txBox="1">
+            <a:spLocks noGrp="1"/>
+          </p:cNvSpPr>
           <p:nvPr>
-            <p:ph idx="1" type="body"/>
+            <p:ph type="body" idx="1"/>
           </p:nvPr>
         </p:nvSpPr>
         <p:spPr>
@@ -1489,12 +1553,12 @@
           </a:prstGeom>
         </p:spPr>
         <p:txBody>
-          <a:bodyPr anchorCtr="0" anchor="t" bIns="91425" lIns="91425" spcFirstLastPara="1" rIns="91425" wrap="square" tIns="91425">
+          <a:bodyPr spcFirstLastPara="1" wrap="square" lIns="91425" tIns="91425" rIns="91425" bIns="91425" anchor="t" anchorCtr="0">
             <a:noAutofit/>
           </a:bodyPr>
           <a:lstStyle/>
           <a:p>
-            <a:pPr indent="0" lvl="0" marL="0" rtl="0" algn="l">
+            <a:pPr marL="0" lvl="0" indent="0" algn="l" rtl="0">
               <a:spcBef>
                 <a:spcPts val="0"/>
               </a:spcBef>
@@ -1503,9 +1567,6 @@
               </a:spcAft>
               <a:buNone/>
             </a:pPr>
-            <a:r>
-              <a:t/>
-            </a:r>
             <a:endParaRPr/>
           </a:p>
         </p:txBody>
@@ -1519,11 +1580,11 @@
 </file>
 
 <file path=ppt/notesSlides/notesSlide9.xml><?xml version="1.0" encoding="utf-8"?>
-<p:notes xmlns:a="http://schemas.openxmlformats.org/drawingml/2006/main" xmlns:r="http://schemas.openxmlformats.org/officeDocument/2006/relationships" xmlns:mc="http://schemas.openxmlformats.org/markup-compatibility/2006" xmlns:mv="urn:schemas-microsoft-com:mac:vml" xmlns:p="http://schemas.openxmlformats.org/presentationml/2006/main" xmlns:c="http://schemas.openxmlformats.org/drawingml/2006/chart" xmlns:dgm="http://schemas.openxmlformats.org/drawingml/2006/diagram" xmlns:o="urn:schemas-microsoft-com:office:office" xmlns:v="urn:schemas-microsoft-com:vml" xmlns:pvml="urn:schemas-microsoft-com:office:powerpoint" xmlns:com="http://schemas.openxmlformats.org/drawingml/2006/compatibility" xmlns:p14="http://schemas.microsoft.com/office/powerpoint/2010/main" xmlns:p15="http://schemas.microsoft.com/office/powerpoint/2012/main" xmlns:ahyp="http://schemas.microsoft.com/office/drawing/2018/hyperlinkcolor" showMasterPhAnim="0" showMasterSp="0">
+<p:notes xmlns:a="http://schemas.openxmlformats.org/drawingml/2006/main" xmlns:r="http://schemas.openxmlformats.org/officeDocument/2006/relationships" xmlns:p="http://schemas.openxmlformats.org/presentationml/2006/main" showMasterSp="0" showMasterPhAnim="0">
   <p:cSld>
     <p:spTree>
       <p:nvGrpSpPr>
-        <p:cNvPr id="192" name="Shape 192"/>
+        <p:cNvPr id="1" name="Shape 192"/>
         <p:cNvGrpSpPr/>
         <p:nvPr/>
       </p:nvGrpSpPr>
@@ -1538,9 +1599,11 @@
       <p:sp>
         <p:nvSpPr>
           <p:cNvPr id="193" name="Google Shape;193;g210c482b10d_0_1096:notes"/>
-          <p:cNvSpPr/>
+          <p:cNvSpPr>
+            <a:spLocks noGrp="1" noRot="1" noChangeAspect="1"/>
+          </p:cNvSpPr>
           <p:nvPr>
-            <p:ph idx="2" type="sldImg"/>
+            <p:ph type="sldImg" idx="2"/>
           </p:nvPr>
         </p:nvSpPr>
         <p:spPr>
@@ -1549,9 +1612,13 @@
             <a:ext cx="6096000" cy="3429000"/>
           </a:xfrm>
           <a:custGeom>
-            <a:rect b="b" l="l" r="r" t="t"/>
+            <a:avLst/>
+            <a:gdLst/>
+            <a:ahLst/>
+            <a:cxnLst/>
+            <a:rect l="l" t="t" r="r" b="b"/>
             <a:pathLst>
-              <a:path extrusionOk="0" h="120000" w="120000">
+              <a:path w="120000" h="120000" extrusionOk="0">
                 <a:moveTo>
                   <a:pt x="0" y="0"/>
                 </a:moveTo>
@@ -1573,9 +1640,11 @@
       <p:sp>
         <p:nvSpPr>
           <p:cNvPr id="194" name="Google Shape;194;g210c482b10d_0_1096:notes"/>
-          <p:cNvSpPr txBox="1"/>
+          <p:cNvSpPr txBox="1">
+            <a:spLocks noGrp="1"/>
+          </p:cNvSpPr>
           <p:nvPr>
-            <p:ph idx="1" type="body"/>
+            <p:ph type="body" idx="1"/>
           </p:nvPr>
         </p:nvSpPr>
         <p:spPr>
@@ -1588,12 +1657,12 @@
           </a:prstGeom>
         </p:spPr>
         <p:txBody>
-          <a:bodyPr anchorCtr="0" anchor="t" bIns="91425" lIns="91425" spcFirstLastPara="1" rIns="91425" wrap="square" tIns="91425">
+          <a:bodyPr spcFirstLastPara="1" wrap="square" lIns="91425" tIns="91425" rIns="91425" bIns="91425" anchor="t" anchorCtr="0">
             <a:noAutofit/>
           </a:bodyPr>
           <a:lstStyle/>
           <a:p>
-            <a:pPr indent="0" lvl="0" marL="0" rtl="0" algn="l">
+            <a:pPr marL="0" lvl="0" indent="0" algn="l" rtl="0">
               <a:spcBef>
                 <a:spcPts val="0"/>
               </a:spcBef>
@@ -1602,9 +1671,6 @@
               </a:spcAft>
               <a:buNone/>
             </a:pPr>
-            <a:r>
-              <a:t/>
-            </a:r>
             <a:endParaRPr/>
           </a:p>
         </p:txBody>
@@ -1618,18 +1684,19 @@
 </file>
 
 <file path=ppt/slideLayouts/slideLayout1.xml><?xml version="1.0" encoding="utf-8"?>
-<p:sldLayout xmlns:a="http://schemas.openxmlformats.org/drawingml/2006/main" xmlns:r="http://schemas.openxmlformats.org/officeDocument/2006/relationships" xmlns:mc="http://schemas.openxmlformats.org/markup-compatibility/2006" xmlns:mv="urn:schemas-microsoft-com:mac:vml" xmlns:p="http://schemas.openxmlformats.org/presentationml/2006/main" xmlns:c="http://schemas.openxmlformats.org/drawingml/2006/chart" xmlns:dgm="http://schemas.openxmlformats.org/drawingml/2006/diagram" xmlns:o="urn:schemas-microsoft-com:office:office" xmlns:v="urn:schemas-microsoft-com:vml" xmlns:pvml="urn:schemas-microsoft-com:office:powerpoint" xmlns:com="http://schemas.openxmlformats.org/drawingml/2006/compatibility" xmlns:p14="http://schemas.microsoft.com/office/powerpoint/2010/main" xmlns:p15="http://schemas.microsoft.com/office/powerpoint/2012/main" xmlns:ahyp="http://schemas.microsoft.com/office/drawing/2018/hyperlinkcolor" matchingName="Title slide" type="title">
+<p:sldLayout xmlns:a="http://schemas.openxmlformats.org/drawingml/2006/main" xmlns:r="http://schemas.openxmlformats.org/officeDocument/2006/relationships" xmlns:p="http://schemas.openxmlformats.org/presentationml/2006/main" matchingName="Title slide" type="title">
   <p:cSld name="TITLE">
     <p:bg>
       <p:bgPr>
         <a:solidFill>
           <a:schemeClr val="dk1"/>
         </a:solidFill>
+        <a:effectLst/>
       </p:bgPr>
     </p:bg>
     <p:spTree>
       <p:nvGrpSpPr>
-        <p:cNvPr id="9" name="Shape 9"/>
+        <p:cNvPr id="1" name="Shape 9"/>
         <p:cNvGrpSpPr/>
         <p:nvPr/>
       </p:nvGrpSpPr>
@@ -1656,21 +1723,23 @@
             <a:avLst/>
           </a:prstGeom>
           <a:noFill/>
-          <a:ln cap="flat" cmpd="sng" w="19050">
+          <a:ln w="19050" cap="flat" cmpd="sng">
             <a:solidFill>
               <a:schemeClr val="lt2"/>
             </a:solidFill>
             <a:prstDash val="solid"/>
             <a:round/>
-            <a:headEnd len="sm" w="sm" type="none"/>
-            <a:tailEnd len="sm" w="sm" type="none"/>
+            <a:headEnd type="none" w="sm" len="sm"/>
+            <a:tailEnd type="none" w="sm" len="sm"/>
           </a:ln>
         </p:spPr>
       </p:cxnSp>
       <p:sp>
         <p:nvSpPr>
           <p:cNvPr id="11" name="Google Shape;11;p2"/>
-          <p:cNvSpPr txBox="1"/>
+          <p:cNvSpPr txBox="1">
+            <a:spLocks noGrp="1"/>
+          </p:cNvSpPr>
           <p:nvPr>
             <p:ph type="ctrTitle"/>
           </p:nvPr>
@@ -1685,7 +1754,7 @@
           </a:prstGeom>
         </p:spPr>
         <p:txBody>
-          <a:bodyPr anchorCtr="0" anchor="b" bIns="91425" lIns="91425" spcFirstLastPara="1" rIns="91425" wrap="square" tIns="91425">
+          <a:bodyPr spcFirstLastPara="1" wrap="square" lIns="91425" tIns="91425" rIns="91425" bIns="91425" anchor="b" anchorCtr="0">
             <a:normAutofit/>
           </a:bodyPr>
           <a:lstStyle>
@@ -1852,15 +1921,19 @@
               </a:defRPr>
             </a:lvl9pPr>
           </a:lstStyle>
-          <a:p/>
+          <a:p>
+            <a:endParaRPr/>
+          </a:p>
         </p:txBody>
       </p:sp>
       <p:sp>
         <p:nvSpPr>
           <p:cNvPr id="12" name="Google Shape;12;p2"/>
-          <p:cNvSpPr txBox="1"/>
+          <p:cNvSpPr txBox="1">
+            <a:spLocks noGrp="1"/>
+          </p:cNvSpPr>
           <p:nvPr>
-            <p:ph idx="1" type="subTitle"/>
+            <p:ph type="subTitle" idx="1"/>
           </p:nvPr>
         </p:nvSpPr>
         <p:spPr>
@@ -1873,7 +1946,7 @@
           </a:prstGeom>
         </p:spPr>
         <p:txBody>
-          <a:bodyPr anchorCtr="0" anchor="t" bIns="91425" lIns="91425" spcFirstLastPara="1" rIns="91425" wrap="square" tIns="91425">
+          <a:bodyPr spcFirstLastPara="1" wrap="square" lIns="91425" tIns="91425" rIns="91425" bIns="91425" anchor="t" anchorCtr="0">
             <a:normAutofit/>
           </a:bodyPr>
           <a:lstStyle>
@@ -2067,15 +2140,19 @@
               </a:defRPr>
             </a:lvl9pPr>
           </a:lstStyle>
-          <a:p/>
+          <a:p>
+            <a:endParaRPr/>
+          </a:p>
         </p:txBody>
       </p:sp>
       <p:sp>
         <p:nvSpPr>
           <p:cNvPr id="13" name="Google Shape;13;p2"/>
-          <p:cNvSpPr txBox="1"/>
+          <p:cNvSpPr txBox="1">
+            <a:spLocks noGrp="1"/>
+          </p:cNvSpPr>
           <p:nvPr>
-            <p:ph idx="12" type="sldNum"/>
+            <p:ph type="sldNum" idx="12"/>
           </p:nvPr>
         </p:nvSpPr>
         <p:spPr>
@@ -2088,7 +2165,7 @@
           </a:prstGeom>
         </p:spPr>
         <p:txBody>
-          <a:bodyPr anchorCtr="0" anchor="ctr" bIns="91425" lIns="91425" spcFirstLastPara="1" rIns="91425" wrap="square" tIns="91425">
+          <a:bodyPr spcFirstLastPara="1" wrap="square" lIns="91425" tIns="91425" rIns="91425" bIns="91425" anchor="ctr" anchorCtr="0">
             <a:normAutofit/>
           </a:bodyPr>
           <a:lstStyle>
@@ -2166,7 +2243,7 @@
             </a:lvl9pPr>
           </a:lstStyle>
           <a:p>
-            <a:pPr indent="0" lvl="0" marL="0" rtl="0" algn="r">
+            <a:pPr marL="0" lvl="0" indent="0" algn="r" rtl="0">
               <a:spcBef>
                 <a:spcPts val="0"/>
               </a:spcBef>
@@ -2192,11 +2269,11 @@
 </file>
 
 <file path=ppt/slideLayouts/slideLayout10.xml><?xml version="1.0" encoding="utf-8"?>
-<p:sldLayout xmlns:a="http://schemas.openxmlformats.org/drawingml/2006/main" xmlns:r="http://schemas.openxmlformats.org/officeDocument/2006/relationships" xmlns:mc="http://schemas.openxmlformats.org/markup-compatibility/2006" xmlns:mv="urn:schemas-microsoft-com:mac:vml" xmlns:p="http://schemas.openxmlformats.org/presentationml/2006/main" xmlns:c="http://schemas.openxmlformats.org/drawingml/2006/chart" xmlns:dgm="http://schemas.openxmlformats.org/drawingml/2006/diagram" xmlns:o="urn:schemas-microsoft-com:office:office" xmlns:v="urn:schemas-microsoft-com:vml" xmlns:pvml="urn:schemas-microsoft-com:office:powerpoint" xmlns:com="http://schemas.openxmlformats.org/drawingml/2006/compatibility" xmlns:p14="http://schemas.microsoft.com/office/powerpoint/2010/main" xmlns:p15="http://schemas.microsoft.com/office/powerpoint/2012/main" xmlns:ahyp="http://schemas.microsoft.com/office/drawing/2018/hyperlinkcolor" matchingName="Big number">
+<p:sldLayout xmlns:a="http://schemas.openxmlformats.org/drawingml/2006/main" xmlns:r="http://schemas.openxmlformats.org/officeDocument/2006/relationships" xmlns:p="http://schemas.openxmlformats.org/presentationml/2006/main" matchingName="Big number">
   <p:cSld name="BIG_NUMBER">
     <p:spTree>
       <p:nvGrpSpPr>
-        <p:cNvPr id="48" name="Shape 48"/>
+        <p:cNvPr id="1" name="Shape 48"/>
         <p:cNvGrpSpPr/>
         <p:nvPr/>
       </p:nvGrpSpPr>
@@ -2230,12 +2307,12 @@
           </a:ln>
         </p:spPr>
         <p:txBody>
-          <a:bodyPr anchorCtr="0" anchor="ctr" bIns="91425" lIns="91425" spcFirstLastPara="1" rIns="91425" wrap="square" tIns="91425">
+          <a:bodyPr spcFirstLastPara="1" wrap="square" lIns="91425" tIns="91425" rIns="91425" bIns="91425" anchor="ctr" anchorCtr="0">
             <a:noAutofit/>
           </a:bodyPr>
           <a:lstStyle/>
           <a:p>
-            <a:pPr indent="0" lvl="0" marL="0" rtl="0" algn="l">
+            <a:pPr marL="0" lvl="0" indent="0" algn="l" rtl="0">
               <a:spcBef>
                 <a:spcPts val="0"/>
               </a:spcBef>
@@ -2244,9 +2321,6 @@
               </a:spcAft>
               <a:buNone/>
             </a:pPr>
-            <a:r>
-              <a:t/>
-            </a:r>
             <a:endParaRPr/>
           </a:p>
         </p:txBody>
@@ -2254,9 +2328,11 @@
       <p:sp>
         <p:nvSpPr>
           <p:cNvPr id="50" name="Google Shape;50;p11"/>
-          <p:cNvSpPr txBox="1"/>
+          <p:cNvSpPr txBox="1">
+            <a:spLocks noGrp="1"/>
+          </p:cNvSpPr>
           <p:nvPr>
-            <p:ph hasCustomPrompt="1" type="title"/>
+            <p:ph type="title" hasCustomPrompt="1"/>
           </p:nvPr>
         </p:nvSpPr>
         <p:spPr>
@@ -2269,7 +2345,7 @@
           </a:prstGeom>
         </p:spPr>
         <p:txBody>
-          <a:bodyPr anchorCtr="0" anchor="ctr" bIns="91425" lIns="91425" spcFirstLastPara="1" rIns="91425" wrap="square" tIns="91425">
+          <a:bodyPr spcFirstLastPara="1" wrap="square" lIns="91425" tIns="91425" rIns="91425" bIns="91425" anchor="ctr" anchorCtr="0">
             <a:normAutofit/>
           </a:bodyPr>
           <a:lstStyle>
@@ -2282,7 +2358,7 @@
               </a:spcAft>
               <a:buSzPts val="14000"/>
               <a:buNone/>
-              <a:defRPr b="1" sz="14000"/>
+              <a:defRPr sz="14000" b="1"/>
             </a:lvl1pPr>
             <a:lvl2pPr lvl="1" algn="ctr">
               <a:spcBef>
@@ -2293,7 +2369,7 @@
               </a:spcAft>
               <a:buSzPts val="14000"/>
               <a:buNone/>
-              <a:defRPr b="1" sz="14000"/>
+              <a:defRPr sz="14000" b="1"/>
             </a:lvl2pPr>
             <a:lvl3pPr lvl="2" algn="ctr">
               <a:spcBef>
@@ -2304,7 +2380,7 @@
               </a:spcAft>
               <a:buSzPts val="14000"/>
               <a:buNone/>
-              <a:defRPr b="1" sz="14000"/>
+              <a:defRPr sz="14000" b="1"/>
             </a:lvl3pPr>
             <a:lvl4pPr lvl="3" algn="ctr">
               <a:spcBef>
@@ -2315,7 +2391,7 @@
               </a:spcAft>
               <a:buSzPts val="14000"/>
               <a:buNone/>
-              <a:defRPr b="1" sz="14000"/>
+              <a:defRPr sz="14000" b="1"/>
             </a:lvl4pPr>
             <a:lvl5pPr lvl="4" algn="ctr">
               <a:spcBef>
@@ -2326,7 +2402,7 @@
               </a:spcAft>
               <a:buSzPts val="14000"/>
               <a:buNone/>
-              <a:defRPr b="1" sz="14000"/>
+              <a:defRPr sz="14000" b="1"/>
             </a:lvl5pPr>
             <a:lvl6pPr lvl="5" algn="ctr">
               <a:spcBef>
@@ -2337,7 +2413,7 @@
               </a:spcAft>
               <a:buSzPts val="14000"/>
               <a:buNone/>
-              <a:defRPr b="1" sz="14000"/>
+              <a:defRPr sz="14000" b="1"/>
             </a:lvl6pPr>
             <a:lvl7pPr lvl="6" algn="ctr">
               <a:spcBef>
@@ -2348,7 +2424,7 @@
               </a:spcAft>
               <a:buSzPts val="14000"/>
               <a:buNone/>
-              <a:defRPr b="1" sz="14000"/>
+              <a:defRPr sz="14000" b="1"/>
             </a:lvl7pPr>
             <a:lvl8pPr lvl="7" algn="ctr">
               <a:spcBef>
@@ -2359,7 +2435,7 @@
               </a:spcAft>
               <a:buSzPts val="14000"/>
               <a:buNone/>
-              <a:defRPr b="1" sz="14000"/>
+              <a:defRPr sz="14000" b="1"/>
             </a:lvl8pPr>
             <a:lvl9pPr lvl="8" algn="ctr">
               <a:spcBef>
@@ -2370,7 +2446,7 @@
               </a:spcAft>
               <a:buSzPts val="14000"/>
               <a:buNone/>
-              <a:defRPr b="1" sz="14000"/>
+              <a:defRPr sz="14000" b="1"/>
             </a:lvl9pPr>
           </a:lstStyle>
           <a:p>
@@ -2383,9 +2459,11 @@
       <p:sp>
         <p:nvSpPr>
           <p:cNvPr id="51" name="Google Shape;51;p11"/>
-          <p:cNvSpPr txBox="1"/>
+          <p:cNvSpPr txBox="1">
+            <a:spLocks noGrp="1"/>
+          </p:cNvSpPr>
           <p:nvPr>
-            <p:ph idx="1" type="body"/>
+            <p:ph type="body" idx="1"/>
           </p:nvPr>
         </p:nvSpPr>
         <p:spPr>
@@ -2398,11 +2476,11 @@
           </a:prstGeom>
         </p:spPr>
         <p:txBody>
-          <a:bodyPr anchorCtr="0" anchor="t" bIns="91425" lIns="91425" spcFirstLastPara="1" rIns="91425" wrap="square" tIns="91425">
+          <a:bodyPr spcFirstLastPara="1" wrap="square" lIns="91425" tIns="91425" rIns="91425" bIns="91425" anchor="t" anchorCtr="0">
             <a:normAutofit/>
           </a:bodyPr>
           <a:lstStyle>
-            <a:lvl1pPr indent="-342900" lvl="0" marL="457200" algn="ctr">
+            <a:lvl1pPr marL="457200" lvl="0" indent="-342900" algn="ctr">
               <a:spcBef>
                 <a:spcPts val="0"/>
               </a:spcBef>
@@ -2413,7 +2491,7 @@
               <a:buChar char="●"/>
               <a:defRPr/>
             </a:lvl1pPr>
-            <a:lvl2pPr indent="-317500" lvl="1" marL="914400" algn="ctr">
+            <a:lvl2pPr marL="914400" lvl="1" indent="-317500" algn="ctr">
               <a:spcBef>
                 <a:spcPts val="0"/>
               </a:spcBef>
@@ -2424,7 +2502,7 @@
               <a:buChar char="○"/>
               <a:defRPr/>
             </a:lvl2pPr>
-            <a:lvl3pPr indent="-317500" lvl="2" marL="1371600" algn="ctr">
+            <a:lvl3pPr marL="1371600" lvl="2" indent="-317500" algn="ctr">
               <a:spcBef>
                 <a:spcPts val="0"/>
               </a:spcBef>
@@ -2435,7 +2513,7 @@
               <a:buChar char="■"/>
               <a:defRPr/>
             </a:lvl3pPr>
-            <a:lvl4pPr indent="-317500" lvl="3" marL="1828800" algn="ctr">
+            <a:lvl4pPr marL="1828800" lvl="3" indent="-317500" algn="ctr">
               <a:spcBef>
                 <a:spcPts val="0"/>
               </a:spcBef>
@@ -2446,7 +2524,7 @@
               <a:buChar char="●"/>
               <a:defRPr/>
             </a:lvl4pPr>
-            <a:lvl5pPr indent="-317500" lvl="4" marL="2286000" algn="ctr">
+            <a:lvl5pPr marL="2286000" lvl="4" indent="-317500" algn="ctr">
               <a:spcBef>
                 <a:spcPts val="0"/>
               </a:spcBef>
@@ -2457,7 +2535,7 @@
               <a:buChar char="○"/>
               <a:defRPr/>
             </a:lvl5pPr>
-            <a:lvl6pPr indent="-317500" lvl="5" marL="2743200" algn="ctr">
+            <a:lvl6pPr marL="2743200" lvl="5" indent="-317500" algn="ctr">
               <a:spcBef>
                 <a:spcPts val="0"/>
               </a:spcBef>
@@ -2468,7 +2546,7 @@
               <a:buChar char="■"/>
               <a:defRPr/>
             </a:lvl6pPr>
-            <a:lvl7pPr indent="-317500" lvl="6" marL="3200400" algn="ctr">
+            <a:lvl7pPr marL="3200400" lvl="6" indent="-317500" algn="ctr">
               <a:spcBef>
                 <a:spcPts val="0"/>
               </a:spcBef>
@@ -2479,7 +2557,7 @@
               <a:buChar char="●"/>
               <a:defRPr/>
             </a:lvl7pPr>
-            <a:lvl8pPr indent="-317500" lvl="7" marL="3657600" algn="ctr">
+            <a:lvl8pPr marL="3657600" lvl="7" indent="-317500" algn="ctr">
               <a:spcBef>
                 <a:spcPts val="0"/>
               </a:spcBef>
@@ -2490,7 +2568,7 @@
               <a:buChar char="○"/>
               <a:defRPr/>
             </a:lvl8pPr>
-            <a:lvl9pPr indent="-317500" lvl="8" marL="4114800" algn="ctr">
+            <a:lvl9pPr marL="4114800" lvl="8" indent="-317500" algn="ctr">
               <a:spcBef>
                 <a:spcPts val="0"/>
               </a:spcBef>
@@ -2502,15 +2580,19 @@
               <a:defRPr/>
             </a:lvl9pPr>
           </a:lstStyle>
-          <a:p/>
+          <a:p>
+            <a:endParaRPr/>
+          </a:p>
         </p:txBody>
       </p:sp>
       <p:sp>
         <p:nvSpPr>
           <p:cNvPr id="52" name="Google Shape;52;p11"/>
-          <p:cNvSpPr txBox="1"/>
+          <p:cNvSpPr txBox="1">
+            <a:spLocks noGrp="1"/>
+          </p:cNvSpPr>
           <p:nvPr>
-            <p:ph idx="12" type="sldNum"/>
+            <p:ph type="sldNum" idx="12"/>
           </p:nvPr>
         </p:nvSpPr>
         <p:spPr>
@@ -2523,7 +2605,7 @@
           </a:prstGeom>
         </p:spPr>
         <p:txBody>
-          <a:bodyPr anchorCtr="0" anchor="ctr" bIns="91425" lIns="91425" spcFirstLastPara="1" rIns="91425" wrap="square" tIns="91425">
+          <a:bodyPr spcFirstLastPara="1" wrap="square" lIns="91425" tIns="91425" rIns="91425" bIns="91425" anchor="ctr" anchorCtr="0">
             <a:normAutofit/>
           </a:bodyPr>
           <a:lstStyle>
@@ -2565,7 +2647,7 @@
             </a:lvl9pPr>
           </a:lstStyle>
           <a:p>
-            <a:pPr indent="0" lvl="0" marL="0" rtl="0" algn="r">
+            <a:pPr marL="0" lvl="0" indent="0" algn="r" rtl="0">
               <a:spcBef>
                 <a:spcPts val="0"/>
               </a:spcBef>
@@ -2591,11 +2673,11 @@
 </file>
 
 <file path=ppt/slideLayouts/slideLayout11.xml><?xml version="1.0" encoding="utf-8"?>
-<p:sldLayout xmlns:a="http://schemas.openxmlformats.org/drawingml/2006/main" xmlns:r="http://schemas.openxmlformats.org/officeDocument/2006/relationships" xmlns:mc="http://schemas.openxmlformats.org/markup-compatibility/2006" xmlns:mv="urn:schemas-microsoft-com:mac:vml" xmlns:p="http://schemas.openxmlformats.org/presentationml/2006/main" xmlns:c="http://schemas.openxmlformats.org/drawingml/2006/chart" xmlns:dgm="http://schemas.openxmlformats.org/drawingml/2006/diagram" xmlns:o="urn:schemas-microsoft-com:office:office" xmlns:v="urn:schemas-microsoft-com:vml" xmlns:pvml="urn:schemas-microsoft-com:office:powerpoint" xmlns:com="http://schemas.openxmlformats.org/drawingml/2006/compatibility" xmlns:p14="http://schemas.microsoft.com/office/powerpoint/2010/main" xmlns:p15="http://schemas.microsoft.com/office/powerpoint/2012/main" xmlns:ahyp="http://schemas.microsoft.com/office/drawing/2018/hyperlinkcolor" matchingName="Blank" type="blank">
+<p:sldLayout xmlns:a="http://schemas.openxmlformats.org/drawingml/2006/main" xmlns:r="http://schemas.openxmlformats.org/officeDocument/2006/relationships" xmlns:p="http://schemas.openxmlformats.org/presentationml/2006/main" matchingName="Blank" type="blank">
   <p:cSld name="BLANK">
     <p:spTree>
       <p:nvGrpSpPr>
-        <p:cNvPr id="53" name="Shape 53"/>
+        <p:cNvPr id="1" name="Shape 53"/>
         <p:cNvGrpSpPr/>
         <p:nvPr/>
       </p:nvGrpSpPr>
@@ -2610,9 +2692,11 @@
       <p:sp>
         <p:nvSpPr>
           <p:cNvPr id="54" name="Google Shape;54;p12"/>
-          <p:cNvSpPr txBox="1"/>
+          <p:cNvSpPr txBox="1">
+            <a:spLocks noGrp="1"/>
+          </p:cNvSpPr>
           <p:nvPr>
-            <p:ph idx="12" type="sldNum"/>
+            <p:ph type="sldNum" idx="12"/>
           </p:nvPr>
         </p:nvSpPr>
         <p:spPr>
@@ -2625,7 +2709,7 @@
           </a:prstGeom>
         </p:spPr>
         <p:txBody>
-          <a:bodyPr anchorCtr="0" anchor="ctr" bIns="91425" lIns="91425" spcFirstLastPara="1" rIns="91425" wrap="square" tIns="91425">
+          <a:bodyPr spcFirstLastPara="1" wrap="square" lIns="91425" tIns="91425" rIns="91425" bIns="91425" anchor="ctr" anchorCtr="0">
             <a:normAutofit/>
           </a:bodyPr>
           <a:lstStyle>
@@ -2667,7 +2751,7 @@
             </a:lvl9pPr>
           </a:lstStyle>
           <a:p>
-            <a:pPr indent="0" lvl="0" marL="0" rtl="0" algn="r">
+            <a:pPr marL="0" lvl="0" indent="0" algn="r" rtl="0">
               <a:spcBef>
                 <a:spcPts val="0"/>
               </a:spcBef>
@@ -2693,11 +2777,11 @@
 </file>
 
 <file path=ppt/slideLayouts/slideLayout12.xml><?xml version="1.0" encoding="utf-8"?>
-<p:sldLayout xmlns:a="http://schemas.openxmlformats.org/drawingml/2006/main" xmlns:r="http://schemas.openxmlformats.org/officeDocument/2006/relationships" xmlns:mc="http://schemas.openxmlformats.org/markup-compatibility/2006" xmlns:mv="urn:schemas-microsoft-com:mac:vml" xmlns:p="http://schemas.openxmlformats.org/presentationml/2006/main" xmlns:c="http://schemas.openxmlformats.org/drawingml/2006/chart" xmlns:dgm="http://schemas.openxmlformats.org/drawingml/2006/diagram" xmlns:o="urn:schemas-microsoft-com:office:office" xmlns:v="urn:schemas-microsoft-com:vml" xmlns:pvml="urn:schemas-microsoft-com:office:powerpoint" xmlns:com="http://schemas.openxmlformats.org/drawingml/2006/compatibility" xmlns:p14="http://schemas.microsoft.com/office/powerpoint/2010/main" xmlns:p15="http://schemas.microsoft.com/office/powerpoint/2012/main" xmlns:ahyp="http://schemas.microsoft.com/office/drawing/2018/hyperlinkcolor" matchingName="Title Slide 1">
+<p:sldLayout xmlns:a="http://schemas.openxmlformats.org/drawingml/2006/main" xmlns:r="http://schemas.openxmlformats.org/officeDocument/2006/relationships" xmlns:p="http://schemas.openxmlformats.org/presentationml/2006/main" matchingName="Title Slide 1">
   <p:cSld name="TITLE_1_1">
     <p:spTree>
       <p:nvGrpSpPr>
-        <p:cNvPr id="55" name="Shape 55"/>
+        <p:cNvPr id="1" name="Shape 55"/>
         <p:cNvGrpSpPr/>
         <p:nvPr/>
       </p:nvGrpSpPr>
@@ -2712,7 +2796,9 @@
       <p:sp>
         <p:nvSpPr>
           <p:cNvPr id="56" name="Google Shape;56;p13"/>
-          <p:cNvSpPr txBox="1"/>
+          <p:cNvSpPr txBox="1">
+            <a:spLocks noGrp="1"/>
+          </p:cNvSpPr>
           <p:nvPr>
             <p:ph type="title"/>
           </p:nvPr>
@@ -2727,11 +2813,11 @@
           </a:prstGeom>
         </p:spPr>
         <p:txBody>
-          <a:bodyPr anchorCtr="0" anchor="t" bIns="91425" lIns="91425" spcFirstLastPara="1" rIns="91425" wrap="square" tIns="91425">
+          <a:bodyPr spcFirstLastPara="1" wrap="square" lIns="91425" tIns="91425" rIns="91425" bIns="91425" anchor="t" anchorCtr="0">
             <a:normAutofit/>
           </a:bodyPr>
           <a:lstStyle>
-            <a:lvl1pPr lvl="0" rtl="0" algn="ctr">
+            <a:lvl1pPr lvl="0" algn="ctr" rtl="0">
               <a:spcBef>
                 <a:spcPts val="0"/>
               </a:spcBef>
@@ -2744,7 +2830,7 @@
               <a:buSzPts val="3500"/>
               <a:buFont typeface="Montserrat"/>
               <a:buNone/>
-              <a:defRPr b="1" sz="3500">
+              <a:defRPr sz="3500" b="1">
                 <a:solidFill>
                   <a:srgbClr val="00274C"/>
                 </a:solidFill>
@@ -2843,15 +2929,19 @@
               <a:defRPr sz="1600"/>
             </a:lvl9pPr>
           </a:lstStyle>
-          <a:p/>
+          <a:p>
+            <a:endParaRPr/>
+          </a:p>
         </p:txBody>
       </p:sp>
       <p:sp>
         <p:nvSpPr>
           <p:cNvPr id="57" name="Google Shape;57;p13"/>
-          <p:cNvSpPr txBox="1"/>
+          <p:cNvSpPr txBox="1">
+            <a:spLocks noGrp="1"/>
+          </p:cNvSpPr>
           <p:nvPr>
-            <p:ph idx="1" type="subTitle"/>
+            <p:ph type="subTitle" idx="1"/>
           </p:nvPr>
         </p:nvSpPr>
         <p:spPr>
@@ -2864,11 +2954,11 @@
           </a:prstGeom>
         </p:spPr>
         <p:txBody>
-          <a:bodyPr anchorCtr="0" anchor="t" bIns="91425" lIns="91425" spcFirstLastPara="1" rIns="91425" wrap="square" tIns="91425">
+          <a:bodyPr spcFirstLastPara="1" wrap="square" lIns="91425" tIns="91425" rIns="91425" bIns="91425" anchor="t" anchorCtr="0">
             <a:normAutofit/>
           </a:bodyPr>
           <a:lstStyle>
-            <a:lvl1pPr lvl="0" rtl="0" algn="ctr">
+            <a:lvl1pPr lvl="0" algn="ctr" rtl="0">
               <a:spcBef>
                 <a:spcPts val="0"/>
               </a:spcBef>
@@ -2881,7 +2971,7 @@
               <a:buSzPts val="1600"/>
               <a:buFont typeface="Montserrat"/>
               <a:buNone/>
-              <a:defRPr b="1" sz="1600">
+              <a:defRPr sz="1600" b="1">
                 <a:solidFill>
                   <a:srgbClr val="00274C"/>
                 </a:solidFill>
@@ -2980,7 +3070,9 @@
               <a:defRPr/>
             </a:lvl9pPr>
           </a:lstStyle>
-          <a:p/>
+          <a:p>
+            <a:endParaRPr/>
+          </a:p>
         </p:txBody>
       </p:sp>
       <p:cxnSp>
@@ -2998,23 +3090,25 @@
             <a:avLst/>
           </a:prstGeom>
           <a:noFill/>
-          <a:ln cap="flat" cmpd="sng" w="28575">
+          <a:ln w="28575" cap="flat" cmpd="sng">
             <a:solidFill>
               <a:srgbClr val="FFCB05"/>
             </a:solidFill>
             <a:prstDash val="solid"/>
             <a:round/>
-            <a:headEnd len="med" w="med" type="none"/>
-            <a:tailEnd len="med" w="med" type="none"/>
+            <a:headEnd type="none" w="med" len="med"/>
+            <a:tailEnd type="none" w="med" len="med"/>
           </a:ln>
         </p:spPr>
       </p:cxnSp>
       <p:sp>
         <p:nvSpPr>
           <p:cNvPr id="59" name="Google Shape;59;p13"/>
-          <p:cNvSpPr txBox="1"/>
+          <p:cNvSpPr txBox="1">
+            <a:spLocks noGrp="1"/>
+          </p:cNvSpPr>
           <p:nvPr>
-            <p:ph idx="2" type="subTitle"/>
+            <p:ph type="subTitle" idx="2"/>
           </p:nvPr>
         </p:nvSpPr>
         <p:spPr>
@@ -3027,11 +3121,11 @@
           </a:prstGeom>
         </p:spPr>
         <p:txBody>
-          <a:bodyPr anchorCtr="0" anchor="t" bIns="91425" lIns="91425" spcFirstLastPara="1" rIns="91425" wrap="square" tIns="91425">
+          <a:bodyPr spcFirstLastPara="1" wrap="square" lIns="91425" tIns="91425" rIns="91425" bIns="91425" anchor="t" anchorCtr="0">
             <a:normAutofit/>
           </a:bodyPr>
           <a:lstStyle>
-            <a:lvl1pPr lvl="0" rtl="0" algn="ctr">
+            <a:lvl1pPr lvl="0" algn="ctr" rtl="0">
               <a:spcBef>
                 <a:spcPts val="0"/>
               </a:spcBef>
@@ -3044,7 +3138,7 @@
               <a:buSzPts val="1200"/>
               <a:buFont typeface="Montserrat"/>
               <a:buNone/>
-              <a:defRPr b="1" sz="1200">
+              <a:defRPr sz="1200" b="1">
                 <a:solidFill>
                   <a:srgbClr val="00274C"/>
                 </a:solidFill>
@@ -3143,7 +3237,9 @@
               <a:defRPr sz="1000"/>
             </a:lvl9pPr>
           </a:lstStyle>
-          <a:p/>
+          <a:p>
+            <a:endParaRPr/>
+          </a:p>
         </p:txBody>
       </p:sp>
     </p:spTree>
@@ -3155,11 +3251,11 @@
 </file>
 
 <file path=ppt/slideLayouts/slideLayout13.xml><?xml version="1.0" encoding="utf-8"?>
-<p:sldLayout xmlns:a="http://schemas.openxmlformats.org/drawingml/2006/main" xmlns:r="http://schemas.openxmlformats.org/officeDocument/2006/relationships" xmlns:mc="http://schemas.openxmlformats.org/markup-compatibility/2006" xmlns:mv="urn:schemas-microsoft-com:mac:vml" xmlns:p="http://schemas.openxmlformats.org/presentationml/2006/main" xmlns:c="http://schemas.openxmlformats.org/drawingml/2006/chart" xmlns:dgm="http://schemas.openxmlformats.org/drawingml/2006/diagram" xmlns:o="urn:schemas-microsoft-com:office:office" xmlns:v="urn:schemas-microsoft-com:vml" xmlns:pvml="urn:schemas-microsoft-com:office:powerpoint" xmlns:com="http://schemas.openxmlformats.org/drawingml/2006/compatibility" xmlns:p14="http://schemas.microsoft.com/office/powerpoint/2010/main" xmlns:p15="http://schemas.microsoft.com/office/powerpoint/2012/main" xmlns:ahyp="http://schemas.microsoft.com/office/drawing/2018/hyperlinkcolor" matchingName="Picture with Caption" type="picTx">
+<p:sldLayout xmlns:a="http://schemas.openxmlformats.org/drawingml/2006/main" xmlns:r="http://schemas.openxmlformats.org/officeDocument/2006/relationships" xmlns:p="http://schemas.openxmlformats.org/presentationml/2006/main" matchingName="Picture with Caption" type="picTx">
   <p:cSld name="PICTURE_WITH_CAPTION_TEXT">
     <p:spTree>
       <p:nvGrpSpPr>
-        <p:cNvPr id="60" name="Shape 60"/>
+        <p:cNvPr id="1" name="Shape 60"/>
         <p:cNvGrpSpPr/>
         <p:nvPr/>
       </p:nvGrpSpPr>
@@ -3188,23 +3284,23 @@
           <a:solidFill>
             <a:srgbClr val="587ABC"/>
           </a:solidFill>
-          <a:ln cap="flat" cmpd="sng" w="9525">
+          <a:ln w="9525" cap="flat" cmpd="sng">
             <a:solidFill>
               <a:srgbClr val="595959"/>
             </a:solidFill>
             <a:prstDash val="solid"/>
             <a:round/>
-            <a:headEnd len="sm" w="sm" type="none"/>
-            <a:tailEnd len="sm" w="sm" type="none"/>
+            <a:headEnd type="none" w="sm" len="sm"/>
+            <a:tailEnd type="none" w="sm" len="sm"/>
           </a:ln>
         </p:spPr>
         <p:txBody>
-          <a:bodyPr anchorCtr="0" anchor="ctr" bIns="91425" lIns="91425" spcFirstLastPara="1" rIns="91425" wrap="square" tIns="91425">
+          <a:bodyPr spcFirstLastPara="1" wrap="square" lIns="91425" tIns="91425" rIns="91425" bIns="91425" anchor="ctr" anchorCtr="0">
             <a:noAutofit/>
           </a:bodyPr>
           <a:lstStyle/>
           <a:p>
-            <a:pPr indent="0" lvl="0" marL="0" rtl="0" algn="l">
+            <a:pPr marL="0" lvl="0" indent="0" algn="l" rtl="0">
               <a:spcBef>
                 <a:spcPts val="0"/>
               </a:spcBef>
@@ -3213,9 +3309,6 @@
               </a:spcAft>
               <a:buNone/>
             </a:pPr>
-            <a:r>
-              <a:t/>
-            </a:r>
             <a:endParaRPr/>
           </a:p>
         </p:txBody>
@@ -3232,9 +3325,13 @@
             <a:ext cx="1353623" cy="756231"/>
           </a:xfrm>
           <a:custGeom>
-            <a:rect b="b" l="l" r="r" t="t"/>
+            <a:avLst/>
+            <a:gdLst/>
+            <a:ahLst/>
+            <a:cxnLst/>
+            <a:rect l="l" t="t" r="r" b="b"/>
             <a:pathLst>
-              <a:path extrusionOk="0" h="5126990" w="6369991">
+              <a:path w="6369991" h="5126990" extrusionOk="0">
                 <a:moveTo>
                   <a:pt x="3548051" y="0"/>
                 </a:moveTo>
@@ -3275,7 +3372,7 @@
           <a:blip r:embed="rId2">
             <a:alphaModFix/>
           </a:blip>
-          <a:srcRect b="0" l="0" r="0" t="0"/>
+          <a:srcRect/>
           <a:stretch/>
         </p:blipFill>
         <p:spPr>
@@ -3302,7 +3399,7 @@
           <a:blip r:embed="rId2">
             <a:alphaModFix/>
           </a:blip>
-          <a:srcRect b="0" l="0" r="0" t="0"/>
+          <a:srcRect/>
           <a:stretch/>
         </p:blipFill>
         <p:spPr>
@@ -3329,7 +3426,7 @@
           <a:blip r:embed="rId2">
             <a:alphaModFix/>
           </a:blip>
-          <a:srcRect b="0" l="0" r="0" t="0"/>
+          <a:srcRect/>
           <a:stretch/>
         </p:blipFill>
         <p:spPr>
@@ -3368,12 +3465,12 @@
           </a:ln>
         </p:spPr>
         <p:txBody>
-          <a:bodyPr anchorCtr="0" anchor="ctr" bIns="91425" lIns="91425" spcFirstLastPara="1" rIns="91425" wrap="square" tIns="91425">
+          <a:bodyPr spcFirstLastPara="1" wrap="square" lIns="91425" tIns="91425" rIns="91425" bIns="91425" anchor="ctr" anchorCtr="0">
             <a:noAutofit/>
           </a:bodyPr>
           <a:lstStyle/>
           <a:p>
-            <a:pPr indent="0" lvl="0" marL="0" rtl="0" algn="l">
+            <a:pPr marL="0" lvl="0" indent="0" algn="l" rtl="0">
               <a:spcBef>
                 <a:spcPts val="0"/>
               </a:spcBef>
@@ -3382,9 +3479,6 @@
               </a:spcAft>
               <a:buNone/>
             </a:pPr>
-            <a:r>
-              <a:t/>
-            </a:r>
             <a:endParaRPr/>
           </a:p>
         </p:txBody>
@@ -3429,9 +3523,13 @@
             <a:ext cx="560773" cy="333254"/>
           </a:xfrm>
           <a:custGeom>
-            <a:rect b="b" l="l" r="r" t="t"/>
+            <a:avLst/>
+            <a:gdLst/>
+            <a:ahLst/>
+            <a:cxnLst/>
+            <a:rect l="l" t="t" r="r" b="b"/>
             <a:pathLst>
-              <a:path extrusionOk="0" h="5126990" w="6408833">
+              <a:path w="6408833" h="5126990" extrusionOk="0">
                 <a:moveTo>
                   <a:pt x="3586893" y="0"/>
                 </a:moveTo>
@@ -3484,12 +3582,12 @@
           </a:ln>
         </p:spPr>
         <p:txBody>
-          <a:bodyPr anchorCtr="0" anchor="ctr" bIns="91425" lIns="91425" spcFirstLastPara="1" rIns="91425" wrap="square" tIns="91425">
+          <a:bodyPr spcFirstLastPara="1" wrap="square" lIns="91425" tIns="91425" rIns="91425" bIns="91425" anchor="ctr" anchorCtr="0">
             <a:noAutofit/>
           </a:bodyPr>
           <a:lstStyle/>
           <a:p>
-            <a:pPr indent="0" lvl="0" marL="0" rtl="0" algn="l">
+            <a:pPr marL="0" lvl="0" indent="0" algn="l" rtl="0">
               <a:spcBef>
                 <a:spcPts val="0"/>
               </a:spcBef>
@@ -3498,9 +3596,6 @@
               </a:spcAft>
               <a:buNone/>
             </a:pPr>
-            <a:r>
-              <a:t/>
-            </a:r>
             <a:endParaRPr/>
           </a:p>
         </p:txBody>
@@ -3508,7 +3603,9 @@
       <p:sp>
         <p:nvSpPr>
           <p:cNvPr id="70" name="Google Shape;70;p14"/>
-          <p:cNvSpPr txBox="1"/>
+          <p:cNvSpPr txBox="1">
+            <a:spLocks noGrp="1"/>
+          </p:cNvSpPr>
           <p:nvPr>
             <p:ph type="title"/>
           </p:nvPr>
@@ -3523,11 +3620,11 @@
           </a:prstGeom>
         </p:spPr>
         <p:txBody>
-          <a:bodyPr anchorCtr="0" anchor="t" bIns="91425" lIns="91425" spcFirstLastPara="1" rIns="91425" wrap="square" tIns="91425">
+          <a:bodyPr spcFirstLastPara="1" wrap="square" lIns="91425" tIns="91425" rIns="91425" bIns="91425" anchor="t" anchorCtr="0">
             <a:normAutofit/>
           </a:bodyPr>
           <a:lstStyle>
-            <a:lvl1pPr lvl="0" rtl="0" algn="ctr">
+            <a:lvl1pPr lvl="0" algn="ctr" rtl="0">
               <a:spcBef>
                 <a:spcPts val="0"/>
               </a:spcBef>
@@ -3540,7 +3637,7 @@
               <a:buSzPts val="4200"/>
               <a:buFont typeface="Montserrat"/>
               <a:buNone/>
-              <a:defRPr b="1" sz="4200">
+              <a:defRPr sz="4200" b="1">
                 <a:solidFill>
                   <a:srgbClr val="00274C"/>
                 </a:solidFill>
@@ -3550,7 +3647,7 @@
                 <a:sym typeface="Montserrat"/>
               </a:defRPr>
             </a:lvl1pPr>
-            <a:lvl2pPr lvl="1" rtl="0" algn="ctr">
+            <a:lvl2pPr lvl="1" algn="ctr" rtl="0">
               <a:spcBef>
                 <a:spcPts val="0"/>
               </a:spcBef>
@@ -3561,7 +3658,7 @@
               <a:buNone/>
               <a:defRPr sz="1600"/>
             </a:lvl2pPr>
-            <a:lvl3pPr lvl="2" rtl="0" algn="ctr">
+            <a:lvl3pPr lvl="2" algn="ctr" rtl="0">
               <a:spcBef>
                 <a:spcPts val="0"/>
               </a:spcBef>
@@ -3572,7 +3669,7 @@
               <a:buNone/>
               <a:defRPr sz="1600"/>
             </a:lvl3pPr>
-            <a:lvl4pPr lvl="3" rtl="0" algn="ctr">
+            <a:lvl4pPr lvl="3" algn="ctr" rtl="0">
               <a:spcBef>
                 <a:spcPts val="0"/>
               </a:spcBef>
@@ -3583,7 +3680,7 @@
               <a:buNone/>
               <a:defRPr sz="1600"/>
             </a:lvl4pPr>
-            <a:lvl5pPr lvl="4" rtl="0" algn="ctr">
+            <a:lvl5pPr lvl="4" algn="ctr" rtl="0">
               <a:spcBef>
                 <a:spcPts val="0"/>
               </a:spcBef>
@@ -3594,7 +3691,7 @@
               <a:buNone/>
               <a:defRPr sz="1600"/>
             </a:lvl5pPr>
-            <a:lvl6pPr lvl="5" rtl="0" algn="ctr">
+            <a:lvl6pPr lvl="5" algn="ctr" rtl="0">
               <a:spcBef>
                 <a:spcPts val="0"/>
               </a:spcBef>
@@ -3605,7 +3702,7 @@
               <a:buNone/>
               <a:defRPr sz="1600"/>
             </a:lvl6pPr>
-            <a:lvl7pPr lvl="6" rtl="0" algn="ctr">
+            <a:lvl7pPr lvl="6" algn="ctr" rtl="0">
               <a:spcBef>
                 <a:spcPts val="0"/>
               </a:spcBef>
@@ -3616,7 +3713,7 @@
               <a:buNone/>
               <a:defRPr sz="1600"/>
             </a:lvl7pPr>
-            <a:lvl8pPr lvl="7" rtl="0" algn="ctr">
+            <a:lvl8pPr lvl="7" algn="ctr" rtl="0">
               <a:spcBef>
                 <a:spcPts val="0"/>
               </a:spcBef>
@@ -3627,7 +3724,7 @@
               <a:buNone/>
               <a:defRPr sz="1600"/>
             </a:lvl8pPr>
-            <a:lvl9pPr lvl="8" rtl="0" algn="ctr">
+            <a:lvl9pPr lvl="8" algn="ctr" rtl="0">
               <a:spcBef>
                 <a:spcPts val="0"/>
               </a:spcBef>
@@ -3639,15 +3736,19 @@
               <a:defRPr sz="1600"/>
             </a:lvl9pPr>
           </a:lstStyle>
-          <a:p/>
+          <a:p>
+            <a:endParaRPr/>
+          </a:p>
         </p:txBody>
       </p:sp>
       <p:sp>
         <p:nvSpPr>
           <p:cNvPr id="71" name="Google Shape;71;p14"/>
-          <p:cNvSpPr txBox="1"/>
+          <p:cNvSpPr txBox="1">
+            <a:spLocks noGrp="1"/>
+          </p:cNvSpPr>
           <p:nvPr>
-            <p:ph idx="1" type="subTitle"/>
+            <p:ph type="subTitle" idx="1"/>
           </p:nvPr>
         </p:nvSpPr>
         <p:spPr>
@@ -3660,7 +3761,7 @@
           </a:prstGeom>
         </p:spPr>
         <p:txBody>
-          <a:bodyPr anchorCtr="0" anchor="t" bIns="91425" lIns="91425" spcFirstLastPara="1" rIns="91425" wrap="square" tIns="91425">
+          <a:bodyPr spcFirstLastPara="1" wrap="square" lIns="91425" tIns="91425" rIns="91425" bIns="91425" anchor="t" anchorCtr="0">
             <a:normAutofit/>
           </a:bodyPr>
           <a:lstStyle>
@@ -3776,15 +3877,19 @@
               <a:defRPr/>
             </a:lvl9pPr>
           </a:lstStyle>
-          <a:p/>
+          <a:p>
+            <a:endParaRPr/>
+          </a:p>
         </p:txBody>
       </p:sp>
       <p:sp>
         <p:nvSpPr>
           <p:cNvPr id="72" name="Google Shape;72;p14"/>
-          <p:cNvSpPr txBox="1"/>
+          <p:cNvSpPr txBox="1">
+            <a:spLocks noGrp="1"/>
+          </p:cNvSpPr>
           <p:nvPr>
-            <p:ph idx="2" type="subTitle"/>
+            <p:ph type="subTitle" idx="2"/>
           </p:nvPr>
         </p:nvSpPr>
         <p:spPr>
@@ -3797,7 +3902,7 @@
           </a:prstGeom>
         </p:spPr>
         <p:txBody>
-          <a:bodyPr anchorCtr="0" anchor="t" bIns="91425" lIns="91425" spcFirstLastPara="1" rIns="91425" wrap="square" tIns="91425">
+          <a:bodyPr spcFirstLastPara="1" wrap="square" lIns="91425" tIns="91425" rIns="91425" bIns="91425" anchor="t" anchorCtr="0">
             <a:normAutofit/>
           </a:bodyPr>
           <a:lstStyle>
@@ -4009,15 +4114,19 @@
               </a:defRPr>
             </a:lvl9pPr>
           </a:lstStyle>
-          <a:p/>
+          <a:p>
+            <a:endParaRPr/>
+          </a:p>
         </p:txBody>
       </p:sp>
       <p:sp>
         <p:nvSpPr>
           <p:cNvPr id="73" name="Google Shape;73;p14"/>
-          <p:cNvSpPr txBox="1"/>
+          <p:cNvSpPr txBox="1">
+            <a:spLocks noGrp="1"/>
+          </p:cNvSpPr>
           <p:nvPr>
-            <p:ph idx="3" type="subTitle"/>
+            <p:ph type="subTitle" idx="3"/>
           </p:nvPr>
         </p:nvSpPr>
         <p:spPr>
@@ -4030,7 +4139,7 @@
           </a:prstGeom>
         </p:spPr>
         <p:txBody>
-          <a:bodyPr anchorCtr="0" anchor="t" bIns="91425" lIns="91425" spcFirstLastPara="1" rIns="91425" wrap="square" tIns="91425">
+          <a:bodyPr spcFirstLastPara="1" wrap="square" lIns="91425" tIns="91425" rIns="91425" bIns="91425" anchor="t" anchorCtr="0">
             <a:normAutofit/>
           </a:bodyPr>
           <a:lstStyle>
@@ -4146,15 +4255,19 @@
               <a:defRPr/>
             </a:lvl9pPr>
           </a:lstStyle>
-          <a:p/>
+          <a:p>
+            <a:endParaRPr/>
+          </a:p>
         </p:txBody>
       </p:sp>
       <p:sp>
         <p:nvSpPr>
           <p:cNvPr id="74" name="Google Shape;74;p14"/>
-          <p:cNvSpPr txBox="1"/>
+          <p:cNvSpPr txBox="1">
+            <a:spLocks noGrp="1"/>
+          </p:cNvSpPr>
           <p:nvPr>
-            <p:ph idx="4" type="subTitle"/>
+            <p:ph type="subTitle" idx="4"/>
           </p:nvPr>
         </p:nvSpPr>
         <p:spPr>
@@ -4167,7 +4280,7 @@
           </a:prstGeom>
         </p:spPr>
         <p:txBody>
-          <a:bodyPr anchorCtr="0" anchor="t" bIns="91425" lIns="91425" spcFirstLastPara="1" rIns="91425" wrap="square" tIns="91425">
+          <a:bodyPr spcFirstLastPara="1" wrap="square" lIns="91425" tIns="91425" rIns="91425" bIns="91425" anchor="t" anchorCtr="0">
             <a:normAutofit/>
           </a:bodyPr>
           <a:lstStyle>
@@ -4379,15 +4492,19 @@
               </a:defRPr>
             </a:lvl9pPr>
           </a:lstStyle>
-          <a:p/>
+          <a:p>
+            <a:endParaRPr/>
+          </a:p>
         </p:txBody>
       </p:sp>
       <p:sp>
         <p:nvSpPr>
           <p:cNvPr id="75" name="Google Shape;75;p14"/>
-          <p:cNvSpPr txBox="1"/>
+          <p:cNvSpPr txBox="1">
+            <a:spLocks noGrp="1"/>
+          </p:cNvSpPr>
           <p:nvPr>
-            <p:ph idx="5" type="subTitle"/>
+            <p:ph type="subTitle" idx="5"/>
           </p:nvPr>
         </p:nvSpPr>
         <p:spPr>
@@ -4400,7 +4517,7 @@
           </a:prstGeom>
         </p:spPr>
         <p:txBody>
-          <a:bodyPr anchorCtr="0" anchor="t" bIns="91425" lIns="91425" spcFirstLastPara="1" rIns="91425" wrap="square" tIns="91425">
+          <a:bodyPr spcFirstLastPara="1" wrap="square" lIns="91425" tIns="91425" rIns="91425" bIns="91425" anchor="t" anchorCtr="0">
             <a:normAutofit/>
           </a:bodyPr>
           <a:lstStyle>
@@ -4516,15 +4633,19 @@
               <a:defRPr/>
             </a:lvl9pPr>
           </a:lstStyle>
-          <a:p/>
+          <a:p>
+            <a:endParaRPr/>
+          </a:p>
         </p:txBody>
       </p:sp>
       <p:sp>
         <p:nvSpPr>
           <p:cNvPr id="76" name="Google Shape;76;p14"/>
-          <p:cNvSpPr txBox="1"/>
+          <p:cNvSpPr txBox="1">
+            <a:spLocks noGrp="1"/>
+          </p:cNvSpPr>
           <p:nvPr>
-            <p:ph idx="6" type="subTitle"/>
+            <p:ph type="subTitle" idx="6"/>
           </p:nvPr>
         </p:nvSpPr>
         <p:spPr>
@@ -4537,7 +4658,7 @@
           </a:prstGeom>
         </p:spPr>
         <p:txBody>
-          <a:bodyPr anchorCtr="0" anchor="t" bIns="91425" lIns="91425" spcFirstLastPara="1" rIns="91425" wrap="square" tIns="91425">
+          <a:bodyPr spcFirstLastPara="1" wrap="square" lIns="91425" tIns="91425" rIns="91425" bIns="91425" anchor="t" anchorCtr="0">
             <a:normAutofit/>
           </a:bodyPr>
           <a:lstStyle>
@@ -4749,7 +4870,9 @@
               </a:defRPr>
             </a:lvl9pPr>
           </a:lstStyle>
-          <a:p/>
+          <a:p>
+            <a:endParaRPr/>
+          </a:p>
         </p:txBody>
       </p:sp>
     </p:spTree>
@@ -4761,11 +4884,11 @@
 </file>
 
 <file path=ppt/slideLayouts/slideLayout14.xml><?xml version="1.0" encoding="utf-8"?>
-<p:sldLayout xmlns:a="http://schemas.openxmlformats.org/drawingml/2006/main" xmlns:r="http://schemas.openxmlformats.org/officeDocument/2006/relationships" xmlns:mc="http://schemas.openxmlformats.org/markup-compatibility/2006" xmlns:mv="urn:schemas-microsoft-com:mac:vml" xmlns:p="http://schemas.openxmlformats.org/presentationml/2006/main" xmlns:c="http://schemas.openxmlformats.org/drawingml/2006/chart" xmlns:dgm="http://schemas.openxmlformats.org/drawingml/2006/diagram" xmlns:o="urn:schemas-microsoft-com:office:office" xmlns:v="urn:schemas-microsoft-com:vml" xmlns:pvml="urn:schemas-microsoft-com:office:powerpoint" xmlns:com="http://schemas.openxmlformats.org/drawingml/2006/compatibility" xmlns:p14="http://schemas.microsoft.com/office/powerpoint/2010/main" xmlns:p15="http://schemas.microsoft.com/office/powerpoint/2012/main" xmlns:ahyp="http://schemas.microsoft.com/office/drawing/2018/hyperlinkcolor" matchingName="Agenda" type="obj">
+<p:sldLayout xmlns:a="http://schemas.openxmlformats.org/drawingml/2006/main" xmlns:r="http://schemas.openxmlformats.org/officeDocument/2006/relationships" xmlns:p="http://schemas.openxmlformats.org/presentationml/2006/main" matchingName="Agenda" type="obj">
   <p:cSld name="OBJECT">
     <p:spTree>
       <p:nvGrpSpPr>
-        <p:cNvPr id="77" name="Shape 77"/>
+        <p:cNvPr id="1" name="Shape 77"/>
         <p:cNvGrpSpPr/>
         <p:nvPr/>
       </p:nvGrpSpPr>
@@ -4787,7 +4910,7 @@
           <a:blip r:embed="rId2">
             <a:alphaModFix/>
           </a:blip>
-          <a:srcRect b="0" l="0" r="0" t="0"/>
+          <a:srcRect/>
           <a:stretch/>
         </p:blipFill>
         <p:spPr>
@@ -4824,12 +4947,12 @@
           </a:ln>
         </p:spPr>
         <p:txBody>
-          <a:bodyPr anchorCtr="0" anchor="t" bIns="0" lIns="0" spcFirstLastPara="1" rIns="0" wrap="square" tIns="0">
+          <a:bodyPr spcFirstLastPara="1" wrap="square" lIns="0" tIns="0" rIns="0" bIns="0" anchor="t" anchorCtr="0">
             <a:noAutofit/>
           </a:bodyPr>
           <a:lstStyle/>
           <a:p>
-            <a:pPr indent="0" lvl="0" marL="0" marR="0" rtl="0" algn="ctr">
+            <a:pPr marL="0" marR="0" lvl="0" indent="0" algn="ctr" rtl="0">
               <a:lnSpc>
                 <a:spcPct val="97004"/>
               </a:lnSpc>
@@ -4842,21 +4965,21 @@
               <a:buNone/>
             </a:pPr>
             <a:r>
-              <a:rPr b="1" lang="en" sz="2100">
+              <a:rPr lang="en" sz="2100" b="1">
                 <a:solidFill>
                   <a:srgbClr val="FFFFFF"/>
                 </a:solidFill>
               </a:rPr>
               <a:t>PROBLEM</a:t>
             </a:r>
-            <a:endParaRPr b="1" sz="2100">
+            <a:endParaRPr sz="2100" b="1">
               <a:solidFill>
                 <a:srgbClr val="FFFFFF"/>
               </a:solidFill>
             </a:endParaRPr>
           </a:p>
           <a:p>
-            <a:pPr indent="0" lvl="0" marL="0" marR="0" rtl="0" algn="ctr">
+            <a:pPr marL="0" marR="0" lvl="0" indent="0" algn="ctr" rtl="0">
               <a:lnSpc>
                 <a:spcPct val="97004"/>
               </a:lnSpc>
@@ -4869,14 +4992,14 @@
               <a:buNone/>
             </a:pPr>
             <a:r>
-              <a:rPr b="1" lang="en" sz="2100">
+              <a:rPr lang="en" sz="2100" b="1">
                 <a:solidFill>
                   <a:srgbClr val="FFFFFF"/>
                 </a:solidFill>
               </a:rPr>
               <a:t>STATEMENT </a:t>
             </a:r>
-            <a:endParaRPr b="1" sz="2900">
+            <a:endParaRPr sz="2900" b="1">
               <a:solidFill>
                 <a:srgbClr val="FFFFFF"/>
               </a:solidFill>
@@ -4904,12 +5027,12 @@
           </a:ln>
         </p:spPr>
         <p:txBody>
-          <a:bodyPr anchorCtr="0" anchor="t" bIns="0" lIns="0" spcFirstLastPara="1" rIns="0" wrap="square" tIns="0">
+          <a:bodyPr spcFirstLastPara="1" wrap="square" lIns="0" tIns="0" rIns="0" bIns="0" anchor="t" anchorCtr="0">
             <a:noAutofit/>
           </a:bodyPr>
           <a:lstStyle/>
           <a:p>
-            <a:pPr indent="0" lvl="0" marL="0" marR="0" rtl="0" algn="l">
+            <a:pPr marL="0" marR="0" lvl="0" indent="0" algn="l" rtl="0">
               <a:lnSpc>
                 <a:spcPct val="97004"/>
               </a:lnSpc>
@@ -4921,9 +5044,6 @@
               </a:spcAft>
               <a:buNone/>
             </a:pPr>
-            <a:r>
-              <a:t/>
-            </a:r>
             <a:endParaRPr sz="1200">
               <a:solidFill>
                 <a:srgbClr val="FFFFFF"/>
@@ -4952,12 +5072,12 @@
           </a:ln>
         </p:spPr>
         <p:txBody>
-          <a:bodyPr anchorCtr="0" anchor="t" bIns="0" lIns="0" spcFirstLastPara="1" rIns="0" wrap="square" tIns="0">
+          <a:bodyPr spcFirstLastPara="1" wrap="square" lIns="0" tIns="0" rIns="0" bIns="0" anchor="t" anchorCtr="0">
             <a:noAutofit/>
           </a:bodyPr>
           <a:lstStyle/>
           <a:p>
-            <a:pPr indent="0" lvl="0" marL="0" marR="0" rtl="0" algn="l">
+            <a:pPr marL="0" marR="0" lvl="0" indent="0" algn="l" rtl="0">
               <a:lnSpc>
                 <a:spcPct val="150093"/>
               </a:lnSpc>
@@ -5007,12 +5127,12 @@
           </a:ln>
         </p:spPr>
         <p:txBody>
-          <a:bodyPr anchorCtr="0" anchor="ctr" bIns="91425" lIns="91425" spcFirstLastPara="1" rIns="91425" wrap="square" tIns="91425">
+          <a:bodyPr spcFirstLastPara="1" wrap="square" lIns="91425" tIns="91425" rIns="91425" bIns="91425" anchor="ctr" anchorCtr="0">
             <a:noAutofit/>
           </a:bodyPr>
           <a:lstStyle/>
           <a:p>
-            <a:pPr indent="0" lvl="0" marL="0" rtl="0" algn="l">
+            <a:pPr marL="0" lvl="0" indent="0" algn="l" rtl="0">
               <a:spcBef>
                 <a:spcPts val="0"/>
               </a:spcBef>
@@ -5021,9 +5141,6 @@
               </a:spcAft>
               <a:buNone/>
             </a:pPr>
-            <a:r>
-              <a:t/>
-            </a:r>
             <a:endParaRPr/>
           </a:p>
         </p:txBody>
@@ -5040,9 +5157,13 @@
             <a:ext cx="1273998" cy="820318"/>
           </a:xfrm>
           <a:custGeom>
-            <a:rect b="b" l="l" r="r" t="t"/>
+            <a:avLst/>
+            <a:gdLst/>
+            <a:ahLst/>
+            <a:cxnLst/>
+            <a:rect l="l" t="t" r="r" b="b"/>
             <a:pathLst>
-              <a:path extrusionOk="0" h="5126990" w="6369991">
+              <a:path w="6369991" h="5126990" extrusionOk="0">
                 <a:moveTo>
                   <a:pt x="3548051" y="0"/>
                 </a:moveTo>
@@ -5085,9 +5206,13 @@
             <a:ext cx="4566294" cy="3332543"/>
           </a:xfrm>
           <a:custGeom>
-            <a:rect b="b" l="l" r="r" t="t"/>
+            <a:avLst/>
+            <a:gdLst/>
+            <a:ahLst/>
+            <a:cxnLst/>
+            <a:rect l="l" t="t" r="r" b="b"/>
             <a:pathLst>
-              <a:path extrusionOk="0" h="5126990" w="6408833">
+              <a:path w="6408833" h="5126990" extrusionOk="0">
                 <a:moveTo>
                   <a:pt x="3586893" y="0"/>
                 </a:moveTo>
@@ -5132,9 +5257,13 @@
             <a:ext cx="844024" cy="730596"/>
           </a:xfrm>
           <a:custGeom>
-            <a:rect b="b" l="l" r="r" t="t"/>
+            <a:avLst/>
+            <a:gdLst/>
+            <a:ahLst/>
+            <a:cxnLst/>
+            <a:rect l="l" t="t" r="r" b="b"/>
             <a:pathLst>
-              <a:path extrusionOk="0" h="5126990" w="6369991">
+              <a:path w="6369991" h="5126990" extrusionOk="0">
                 <a:moveTo>
                   <a:pt x="3548051" y="0"/>
                 </a:moveTo>
@@ -5170,9 +5299,11 @@
       <p:sp>
         <p:nvSpPr>
           <p:cNvPr id="86" name="Google Shape;86;p15"/>
-          <p:cNvSpPr txBox="1"/>
+          <p:cNvSpPr txBox="1">
+            <a:spLocks noGrp="1"/>
+          </p:cNvSpPr>
           <p:nvPr>
-            <p:ph idx="1" type="body"/>
+            <p:ph type="body" idx="1"/>
           </p:nvPr>
         </p:nvSpPr>
         <p:spPr>
@@ -5189,11 +5320,11 @@
           </a:ln>
         </p:spPr>
         <p:txBody>
-          <a:bodyPr anchorCtr="0" anchor="t" bIns="40475" lIns="80950" spcFirstLastPara="1" rIns="80950" wrap="square" tIns="40475">
+          <a:bodyPr spcFirstLastPara="1" wrap="square" lIns="80950" tIns="40475" rIns="80950" bIns="40475" anchor="t" anchorCtr="0">
             <a:normAutofit/>
           </a:bodyPr>
           <a:lstStyle>
-            <a:lvl1pPr indent="-368300" lvl="0" marL="457200" rtl="0" algn="l">
+            <a:lvl1pPr marL="457200" lvl="0" indent="-368300" algn="l" rtl="0">
               <a:spcBef>
                 <a:spcPts val="500"/>
               </a:spcBef>
@@ -5216,7 +5347,7 @@
                 <a:sym typeface="Lato"/>
               </a:defRPr>
             </a:lvl1pPr>
-            <a:lvl2pPr indent="-342900" lvl="1" marL="914400" rtl="0" algn="l">
+            <a:lvl2pPr marL="914400" lvl="1" indent="-342900" algn="l" rtl="0">
               <a:spcBef>
                 <a:spcPts val="1200"/>
               </a:spcBef>
@@ -5239,7 +5370,7 @@
                 <a:sym typeface="Lato"/>
               </a:defRPr>
             </a:lvl2pPr>
-            <a:lvl3pPr indent="-323850" lvl="2" marL="1371600" rtl="0" algn="l">
+            <a:lvl3pPr marL="1371600" lvl="2" indent="-323850" algn="l" rtl="0">
               <a:spcBef>
                 <a:spcPts val="1200"/>
               </a:spcBef>
@@ -5262,7 +5393,7 @@
                 <a:sym typeface="Lato"/>
               </a:defRPr>
             </a:lvl3pPr>
-            <a:lvl4pPr indent="-311150" lvl="3" marL="1828800" rtl="0" algn="l">
+            <a:lvl4pPr marL="1828800" lvl="3" indent="-311150" algn="l" rtl="0">
               <a:spcBef>
                 <a:spcPts val="1200"/>
               </a:spcBef>
@@ -5285,7 +5416,7 @@
                 <a:sym typeface="Lato"/>
               </a:defRPr>
             </a:lvl4pPr>
-            <a:lvl5pPr indent="-311150" lvl="4" marL="2286000" rtl="0" algn="l">
+            <a:lvl5pPr marL="2286000" lvl="4" indent="-311150" algn="l" rtl="0">
               <a:spcBef>
                 <a:spcPts val="1200"/>
               </a:spcBef>
@@ -5308,7 +5439,7 @@
                 <a:sym typeface="Lato"/>
               </a:defRPr>
             </a:lvl5pPr>
-            <a:lvl6pPr indent="-311150" lvl="5" marL="2743200" rtl="0" algn="l">
+            <a:lvl6pPr marL="2743200" lvl="5" indent="-311150" algn="l" rtl="0">
               <a:spcBef>
                 <a:spcPts val="1200"/>
               </a:spcBef>
@@ -5331,7 +5462,7 @@
                 <a:sym typeface="Lato"/>
               </a:defRPr>
             </a:lvl6pPr>
-            <a:lvl7pPr indent="-311150" lvl="6" marL="3200400" rtl="0" algn="l">
+            <a:lvl7pPr marL="3200400" lvl="6" indent="-311150" algn="l" rtl="0">
               <a:spcBef>
                 <a:spcPts val="1200"/>
               </a:spcBef>
@@ -5354,7 +5485,7 @@
                 <a:sym typeface="Lato"/>
               </a:defRPr>
             </a:lvl7pPr>
-            <a:lvl8pPr indent="-311150" lvl="7" marL="3657600" rtl="0" algn="l">
+            <a:lvl8pPr marL="3657600" lvl="7" indent="-311150" algn="l" rtl="0">
               <a:spcBef>
                 <a:spcPts val="1200"/>
               </a:spcBef>
@@ -5377,7 +5508,7 @@
                 <a:sym typeface="Lato"/>
               </a:defRPr>
             </a:lvl8pPr>
-            <a:lvl9pPr indent="-311150" lvl="8" marL="4114800" rtl="0" algn="l">
+            <a:lvl9pPr marL="4114800" lvl="8" indent="-311150" algn="l" rtl="0">
               <a:spcBef>
                 <a:spcPts val="1200"/>
               </a:spcBef>
@@ -5401,7 +5532,9 @@
               </a:defRPr>
             </a:lvl9pPr>
           </a:lstStyle>
-          <a:p/>
+          <a:p>
+            <a:endParaRPr/>
+          </a:p>
         </p:txBody>
       </p:sp>
     </p:spTree>
@@ -5413,18 +5546,19 @@
 </file>
 
 <file path=ppt/slideLayouts/slideLayout15.xml><?xml version="1.0" encoding="utf-8"?>
-<p:sldLayout xmlns:a="http://schemas.openxmlformats.org/drawingml/2006/main" xmlns:r="http://schemas.openxmlformats.org/officeDocument/2006/relationships" xmlns:mc="http://schemas.openxmlformats.org/markup-compatibility/2006" xmlns:mv="urn:schemas-microsoft-com:mac:vml" xmlns:p="http://schemas.openxmlformats.org/presentationml/2006/main" xmlns:c="http://schemas.openxmlformats.org/drawingml/2006/chart" xmlns:dgm="http://schemas.openxmlformats.org/drawingml/2006/diagram" xmlns:o="urn:schemas-microsoft-com:office:office" xmlns:v="urn:schemas-microsoft-com:vml" xmlns:pvml="urn:schemas-microsoft-com:office:powerpoint" xmlns:com="http://schemas.openxmlformats.org/drawingml/2006/compatibility" xmlns:p14="http://schemas.microsoft.com/office/powerpoint/2010/main" xmlns:p15="http://schemas.microsoft.com/office/powerpoint/2012/main" xmlns:ahyp="http://schemas.microsoft.com/office/drawing/2018/hyperlinkcolor" matchingName="section" type="vertTx">
+<p:sldLayout xmlns:a="http://schemas.openxmlformats.org/drawingml/2006/main" xmlns:r="http://schemas.openxmlformats.org/officeDocument/2006/relationships" xmlns:p="http://schemas.openxmlformats.org/presentationml/2006/main" matchingName="section" type="vertTx">
   <p:cSld name="VERTICAL_TEXT">
     <p:bg>
       <p:bgPr>
         <a:solidFill>
           <a:srgbClr val="00274C"/>
         </a:solidFill>
+        <a:effectLst/>
       </p:bgPr>
     </p:bg>
     <p:spTree>
       <p:nvGrpSpPr>
-        <p:cNvPr id="87" name="Shape 87"/>
+        <p:cNvPr id="1" name="Shape 87"/>
         <p:cNvGrpSpPr/>
         <p:nvPr/>
       </p:nvGrpSpPr>
@@ -5446,7 +5580,7 @@
           <a:blip r:embed="rId2">
             <a:alphaModFix/>
           </a:blip>
-          <a:srcRect b="0" l="0" r="0" t="0"/>
+          <a:srcRect/>
           <a:stretch/>
         </p:blipFill>
         <p:spPr>
@@ -5475,9 +5609,13 @@
             <a:ext cx="672927" cy="410159"/>
           </a:xfrm>
           <a:custGeom>
-            <a:rect b="b" l="l" r="r" t="t"/>
+            <a:avLst/>
+            <a:gdLst/>
+            <a:ahLst/>
+            <a:cxnLst/>
+            <a:rect l="l" t="t" r="r" b="b"/>
             <a:pathLst>
-              <a:path extrusionOk="0" h="5126990" w="6408833">
+              <a:path w="6408833" h="5126990" extrusionOk="0">
                 <a:moveTo>
                   <a:pt x="3586893" y="0"/>
                 </a:moveTo>
@@ -5520,9 +5658,13 @@
             <a:ext cx="333876" cy="192262"/>
           </a:xfrm>
           <a:custGeom>
-            <a:rect b="b" l="l" r="r" t="t"/>
+            <a:avLst/>
+            <a:gdLst/>
+            <a:ahLst/>
+            <a:cxnLst/>
+            <a:rect l="l" t="t" r="r" b="b"/>
             <a:pathLst>
-              <a:path extrusionOk="0" h="5126990" w="6359534">
+              <a:path w="6359534" h="5126990" extrusionOk="0">
                 <a:moveTo>
                   <a:pt x="3537594" y="0"/>
                 </a:moveTo>
@@ -5565,9 +5707,13 @@
             <a:ext cx="1787149" cy="1076668"/>
           </a:xfrm>
           <a:custGeom>
-            <a:rect b="b" l="l" r="r" t="t"/>
+            <a:avLst/>
+            <a:gdLst/>
+            <a:ahLst/>
+            <a:cxnLst/>
+            <a:rect l="l" t="t" r="r" b="b"/>
             <a:pathLst>
-              <a:path extrusionOk="0" h="5126990" w="6382674">
+              <a:path w="6382674" h="5126990" extrusionOk="0">
                 <a:moveTo>
                   <a:pt x="3560734" y="0"/>
                 </a:moveTo>
@@ -5610,9 +5756,13 @@
             <a:ext cx="541449" cy="320437"/>
           </a:xfrm>
           <a:custGeom>
-            <a:rect b="b" l="l" r="r" t="t"/>
+            <a:avLst/>
+            <a:gdLst/>
+            <a:ahLst/>
+            <a:cxnLst/>
+            <a:rect l="l" t="t" r="r" b="b"/>
             <a:pathLst>
-              <a:path extrusionOk="0" h="5126990" w="6369991">
+              <a:path w="6369991" h="5126990" extrusionOk="0">
                 <a:moveTo>
                   <a:pt x="3548051" y="0"/>
                 </a:moveTo>
@@ -5646,7 +5796,9 @@
       <p:sp>
         <p:nvSpPr>
           <p:cNvPr id="93" name="Google Shape;93;p16"/>
-          <p:cNvSpPr txBox="1"/>
+          <p:cNvSpPr txBox="1">
+            <a:spLocks noGrp="1"/>
+          </p:cNvSpPr>
           <p:nvPr>
             <p:ph type="title"/>
           </p:nvPr>
@@ -5661,7 +5813,7 @@
           </a:prstGeom>
         </p:spPr>
         <p:txBody>
-          <a:bodyPr anchorCtr="0" anchor="t" bIns="91425" lIns="91425" spcFirstLastPara="1" rIns="91425" wrap="square" tIns="91425">
+          <a:bodyPr spcFirstLastPara="1" wrap="square" lIns="91425" tIns="91425" rIns="91425" bIns="91425" anchor="t" anchorCtr="0">
             <a:normAutofit/>
           </a:bodyPr>
           <a:lstStyle>
@@ -5678,7 +5830,7 @@
               <a:buSzPts val="4600"/>
               <a:buFont typeface="Montserrat"/>
               <a:buNone/>
-              <a:defRPr b="1" sz="4600">
+              <a:defRPr sz="4600" b="1">
                 <a:solidFill>
                   <a:schemeClr val="lt1"/>
                 </a:solidFill>
@@ -5777,15 +5929,19 @@
               <a:defRPr/>
             </a:lvl9pPr>
           </a:lstStyle>
-          <a:p/>
+          <a:p>
+            <a:endParaRPr/>
+          </a:p>
         </p:txBody>
       </p:sp>
       <p:sp>
         <p:nvSpPr>
           <p:cNvPr id="94" name="Google Shape;94;p16"/>
-          <p:cNvSpPr txBox="1"/>
+          <p:cNvSpPr txBox="1">
+            <a:spLocks noGrp="1"/>
+          </p:cNvSpPr>
           <p:nvPr>
-            <p:ph idx="1" type="subTitle"/>
+            <p:ph type="subTitle" idx="1"/>
           </p:nvPr>
         </p:nvSpPr>
         <p:spPr>
@@ -5798,7 +5954,7 @@
           </a:prstGeom>
         </p:spPr>
         <p:txBody>
-          <a:bodyPr anchorCtr="0" anchor="t" bIns="91425" lIns="91425" spcFirstLastPara="1" rIns="91425" wrap="square" tIns="91425">
+          <a:bodyPr spcFirstLastPara="1" wrap="square" lIns="91425" tIns="91425" rIns="91425" bIns="91425" anchor="t" anchorCtr="0">
             <a:normAutofit/>
           </a:bodyPr>
           <a:lstStyle>
@@ -5914,7 +6070,9 @@
               <a:defRPr/>
             </a:lvl9pPr>
           </a:lstStyle>
-          <a:p/>
+          <a:p>
+            <a:endParaRPr/>
+          </a:p>
         </p:txBody>
       </p:sp>
     </p:spTree>
@@ -5926,18 +6084,19 @@
 </file>
 
 <file path=ppt/slideLayouts/slideLayout16.xml><?xml version="1.0" encoding="utf-8"?>
-<p:sldLayout xmlns:a="http://schemas.openxmlformats.org/drawingml/2006/main" xmlns:r="http://schemas.openxmlformats.org/officeDocument/2006/relationships" xmlns:mc="http://schemas.openxmlformats.org/markup-compatibility/2006" xmlns:mv="urn:schemas-microsoft-com:mac:vml" xmlns:p="http://schemas.openxmlformats.org/presentationml/2006/main" xmlns:c="http://schemas.openxmlformats.org/drawingml/2006/chart" xmlns:dgm="http://schemas.openxmlformats.org/drawingml/2006/diagram" xmlns:o="urn:schemas-microsoft-com:office:office" xmlns:v="urn:schemas-microsoft-com:vml" xmlns:pvml="urn:schemas-microsoft-com:office:powerpoint" xmlns:com="http://schemas.openxmlformats.org/drawingml/2006/compatibility" xmlns:p14="http://schemas.microsoft.com/office/powerpoint/2010/main" xmlns:p15="http://schemas.microsoft.com/office/powerpoint/2012/main" xmlns:ahyp="http://schemas.microsoft.com/office/drawing/2018/hyperlinkcolor" matchingName="section 1" type="vertTitleAndTx">
+<p:sldLayout xmlns:a="http://schemas.openxmlformats.org/drawingml/2006/main" xmlns:r="http://schemas.openxmlformats.org/officeDocument/2006/relationships" xmlns:p="http://schemas.openxmlformats.org/presentationml/2006/main" matchingName="section 1" type="vertTitleAndTx">
   <p:cSld name="VERTICAL_TITLE_AND_VERTICAL_TEXT">
     <p:bg>
       <p:bgPr>
         <a:solidFill>
           <a:srgbClr val="FFCB05"/>
         </a:solidFill>
+        <a:effectLst/>
       </p:bgPr>
     </p:bg>
     <p:spTree>
       <p:nvGrpSpPr>
-        <p:cNvPr id="95" name="Shape 95"/>
+        <p:cNvPr id="1" name="Shape 95"/>
         <p:cNvGrpSpPr/>
         <p:nvPr/>
       </p:nvGrpSpPr>
@@ -5959,7 +6118,7 @@
           <a:blip r:embed="rId2">
             <a:alphaModFix/>
           </a:blip>
-          <a:srcRect b="0" l="0" r="0" t="0"/>
+          <a:srcRect/>
           <a:stretch/>
         </p:blipFill>
         <p:spPr>
@@ -5988,9 +6147,13 @@
             <a:ext cx="2092293" cy="1409922"/>
           </a:xfrm>
           <a:custGeom>
-            <a:rect b="b" l="l" r="r" t="t"/>
+            <a:avLst/>
+            <a:gdLst/>
+            <a:ahLst/>
+            <a:cxnLst/>
+            <a:rect l="l" t="t" r="r" b="b"/>
             <a:pathLst>
-              <a:path extrusionOk="0" h="5126990" w="5732310">
+              <a:path w="5732310" h="5126990" extrusionOk="0">
                 <a:moveTo>
                   <a:pt x="2910370" y="0"/>
                 </a:moveTo>
@@ -6033,9 +6196,13 @@
             <a:ext cx="816854" cy="551151"/>
           </a:xfrm>
           <a:custGeom>
-            <a:rect b="b" l="l" r="r" t="t"/>
+            <a:avLst/>
+            <a:gdLst/>
+            <a:ahLst/>
+            <a:cxnLst/>
+            <a:rect l="l" t="t" r="r" b="b"/>
             <a:pathLst>
-              <a:path extrusionOk="0" h="5126990" w="5732310">
+              <a:path w="5732310" h="5126990" extrusionOk="0">
                 <a:moveTo>
                   <a:pt x="2910370" y="0"/>
                 </a:moveTo>
@@ -6078,9 +6245,13 @@
             <a:ext cx="558900" cy="384524"/>
           </a:xfrm>
           <a:custGeom>
-            <a:rect b="b" l="l" r="r" t="t"/>
+            <a:avLst/>
+            <a:gdLst/>
+            <a:ahLst/>
+            <a:cxnLst/>
+            <a:rect l="l" t="t" r="r" b="b"/>
             <a:pathLst>
-              <a:path extrusionOk="0" h="5126990" w="5732310">
+              <a:path w="5732310" h="5126990" extrusionOk="0">
                 <a:moveTo>
                   <a:pt x="2910370" y="0"/>
                 </a:moveTo>
@@ -6123,9 +6294,13 @@
             <a:ext cx="560773" cy="333254"/>
           </a:xfrm>
           <a:custGeom>
-            <a:rect b="b" l="l" r="r" t="t"/>
+            <a:avLst/>
+            <a:gdLst/>
+            <a:ahLst/>
+            <a:cxnLst/>
+            <a:rect l="l" t="t" r="r" b="b"/>
             <a:pathLst>
-              <a:path extrusionOk="0" h="5126990" w="6408833">
+              <a:path w="6408833" h="5126990" extrusionOk="0">
                 <a:moveTo>
                   <a:pt x="3586893" y="0"/>
                 </a:moveTo>
@@ -6159,7 +6334,9 @@
       <p:sp>
         <p:nvSpPr>
           <p:cNvPr id="101" name="Google Shape;101;p17"/>
-          <p:cNvSpPr txBox="1"/>
+          <p:cNvSpPr txBox="1">
+            <a:spLocks noGrp="1"/>
+          </p:cNvSpPr>
           <p:nvPr>
             <p:ph type="title"/>
           </p:nvPr>
@@ -6174,7 +6351,7 @@
           </a:prstGeom>
         </p:spPr>
         <p:txBody>
-          <a:bodyPr anchorCtr="0" anchor="t" bIns="91425" lIns="91425" spcFirstLastPara="1" rIns="91425" wrap="square" tIns="91425">
+          <a:bodyPr spcFirstLastPara="1" wrap="square" lIns="91425" tIns="91425" rIns="91425" bIns="91425" anchor="t" anchorCtr="0">
             <a:normAutofit/>
           </a:bodyPr>
           <a:lstStyle>
@@ -6191,7 +6368,7 @@
               <a:buSzPts val="4600"/>
               <a:buFont typeface="Montserrat"/>
               <a:buNone/>
-              <a:defRPr b="1" sz="4600">
+              <a:defRPr sz="4600" b="1">
                 <a:solidFill>
                   <a:srgbClr val="00274C"/>
                 </a:solidFill>
@@ -6290,15 +6467,19 @@
               <a:defRPr/>
             </a:lvl9pPr>
           </a:lstStyle>
-          <a:p/>
+          <a:p>
+            <a:endParaRPr/>
+          </a:p>
         </p:txBody>
       </p:sp>
       <p:sp>
         <p:nvSpPr>
           <p:cNvPr id="102" name="Google Shape;102;p17"/>
-          <p:cNvSpPr txBox="1"/>
+          <p:cNvSpPr txBox="1">
+            <a:spLocks noGrp="1"/>
+          </p:cNvSpPr>
           <p:nvPr>
-            <p:ph idx="1" type="subTitle"/>
+            <p:ph type="subTitle" idx="1"/>
           </p:nvPr>
         </p:nvSpPr>
         <p:spPr>
@@ -6311,11 +6492,11 @@
           </a:prstGeom>
         </p:spPr>
         <p:txBody>
-          <a:bodyPr anchorCtr="0" anchor="t" bIns="91425" lIns="91425" spcFirstLastPara="1" rIns="91425" wrap="square" tIns="91425">
+          <a:bodyPr spcFirstLastPara="1" wrap="square" lIns="91425" tIns="91425" rIns="91425" bIns="91425" anchor="t" anchorCtr="0">
             <a:normAutofit/>
           </a:bodyPr>
           <a:lstStyle>
-            <a:lvl1pPr lvl="0" rtl="0" algn="r">
+            <a:lvl1pPr lvl="0" algn="r" rtl="0">
               <a:spcBef>
                 <a:spcPts val="0"/>
               </a:spcBef>
@@ -6338,7 +6519,7 @@
                 <a:sym typeface="Montserrat"/>
               </a:defRPr>
             </a:lvl1pPr>
-            <a:lvl2pPr lvl="1" rtl="0" algn="r">
+            <a:lvl2pPr lvl="1" algn="r" rtl="0">
               <a:spcBef>
                 <a:spcPts val="0"/>
               </a:spcBef>
@@ -6349,7 +6530,7 @@
               <a:buNone/>
               <a:defRPr/>
             </a:lvl2pPr>
-            <a:lvl3pPr lvl="2" rtl="0" algn="r">
+            <a:lvl3pPr lvl="2" algn="r" rtl="0">
               <a:spcBef>
                 <a:spcPts val="0"/>
               </a:spcBef>
@@ -6360,7 +6541,7 @@
               <a:buNone/>
               <a:defRPr/>
             </a:lvl3pPr>
-            <a:lvl4pPr lvl="3" rtl="0" algn="r">
+            <a:lvl4pPr lvl="3" algn="r" rtl="0">
               <a:spcBef>
                 <a:spcPts val="0"/>
               </a:spcBef>
@@ -6371,7 +6552,7 @@
               <a:buNone/>
               <a:defRPr/>
             </a:lvl4pPr>
-            <a:lvl5pPr lvl="4" rtl="0" algn="r">
+            <a:lvl5pPr lvl="4" algn="r" rtl="0">
               <a:spcBef>
                 <a:spcPts val="0"/>
               </a:spcBef>
@@ -6382,7 +6563,7 @@
               <a:buNone/>
               <a:defRPr/>
             </a:lvl5pPr>
-            <a:lvl6pPr lvl="5" rtl="0" algn="r">
+            <a:lvl6pPr lvl="5" algn="r" rtl="0">
               <a:spcBef>
                 <a:spcPts val="0"/>
               </a:spcBef>
@@ -6393,7 +6574,7 @@
               <a:buNone/>
               <a:defRPr/>
             </a:lvl6pPr>
-            <a:lvl7pPr lvl="6" rtl="0" algn="r">
+            <a:lvl7pPr lvl="6" algn="r" rtl="0">
               <a:spcBef>
                 <a:spcPts val="0"/>
               </a:spcBef>
@@ -6404,7 +6585,7 @@
               <a:buNone/>
               <a:defRPr/>
             </a:lvl7pPr>
-            <a:lvl8pPr lvl="7" rtl="0" algn="r">
+            <a:lvl8pPr lvl="7" algn="r" rtl="0">
               <a:spcBef>
                 <a:spcPts val="0"/>
               </a:spcBef>
@@ -6415,7 +6596,7 @@
               <a:buNone/>
               <a:defRPr/>
             </a:lvl8pPr>
-            <a:lvl9pPr lvl="8" rtl="0" algn="r">
+            <a:lvl9pPr lvl="8" algn="r" rtl="0">
               <a:spcBef>
                 <a:spcPts val="0"/>
               </a:spcBef>
@@ -6427,7 +6608,9 @@
               <a:defRPr/>
             </a:lvl9pPr>
           </a:lstStyle>
-          <a:p/>
+          <a:p>
+            <a:endParaRPr/>
+          </a:p>
         </p:txBody>
       </p:sp>
     </p:spTree>
@@ -6439,11 +6622,11 @@
 </file>
 
 <file path=ppt/slideLayouts/slideLayout17.xml><?xml version="1.0" encoding="utf-8"?>
-<p:sldLayout xmlns:a="http://schemas.openxmlformats.org/drawingml/2006/main" xmlns:r="http://schemas.openxmlformats.org/officeDocument/2006/relationships" xmlns:mc="http://schemas.openxmlformats.org/markup-compatibility/2006" xmlns:mv="urn:schemas-microsoft-com:mac:vml" xmlns:p="http://schemas.openxmlformats.org/presentationml/2006/main" xmlns:c="http://schemas.openxmlformats.org/drawingml/2006/chart" xmlns:dgm="http://schemas.openxmlformats.org/drawingml/2006/diagram" xmlns:o="urn:schemas-microsoft-com:office:office" xmlns:v="urn:schemas-microsoft-com:vml" xmlns:pvml="urn:schemas-microsoft-com:office:powerpoint" xmlns:com="http://schemas.openxmlformats.org/drawingml/2006/compatibility" xmlns:p14="http://schemas.microsoft.com/office/powerpoint/2010/main" xmlns:p15="http://schemas.microsoft.com/office/powerpoint/2012/main" xmlns:ahyp="http://schemas.microsoft.com/office/drawing/2018/hyperlinkcolor" matchingName="Section Header">
+<p:sldLayout xmlns:a="http://schemas.openxmlformats.org/drawingml/2006/main" xmlns:r="http://schemas.openxmlformats.org/officeDocument/2006/relationships" xmlns:p="http://schemas.openxmlformats.org/presentationml/2006/main" matchingName="Section Header">
   <p:cSld name="SECTION_HEADER_1">
     <p:spTree>
       <p:nvGrpSpPr>
-        <p:cNvPr id="103" name="Shape 103"/>
+        <p:cNvPr id="1" name="Shape 103"/>
         <p:cNvGrpSpPr/>
         <p:nvPr/>
       </p:nvGrpSpPr>
@@ -6472,23 +6655,23 @@
           <a:solidFill>
             <a:srgbClr val="587ABC"/>
           </a:solidFill>
-          <a:ln cap="flat" cmpd="sng" w="9525">
+          <a:ln w="9525" cap="flat" cmpd="sng">
             <a:solidFill>
               <a:srgbClr val="595959"/>
             </a:solidFill>
             <a:prstDash val="solid"/>
             <a:round/>
-            <a:headEnd len="sm" w="sm" type="none"/>
-            <a:tailEnd len="sm" w="sm" type="none"/>
+            <a:headEnd type="none" w="sm" len="sm"/>
+            <a:tailEnd type="none" w="sm" len="sm"/>
           </a:ln>
         </p:spPr>
         <p:txBody>
-          <a:bodyPr anchorCtr="0" anchor="ctr" bIns="91425" lIns="91425" spcFirstLastPara="1" rIns="91425" wrap="square" tIns="91425">
+          <a:bodyPr spcFirstLastPara="1" wrap="square" lIns="91425" tIns="91425" rIns="91425" bIns="91425" anchor="ctr" anchorCtr="0">
             <a:noAutofit/>
           </a:bodyPr>
           <a:lstStyle/>
           <a:p>
-            <a:pPr indent="0" lvl="0" marL="0" rtl="0" algn="l">
+            <a:pPr marL="0" lvl="0" indent="0" algn="l" rtl="0">
               <a:spcBef>
                 <a:spcPts val="0"/>
               </a:spcBef>
@@ -6497,9 +6680,6 @@
               </a:spcAft>
               <a:buNone/>
             </a:pPr>
-            <a:r>
-              <a:t/>
-            </a:r>
             <a:endParaRPr/>
           </a:p>
         </p:txBody>
@@ -6516,9 +6696,13 @@
             <a:ext cx="320442" cy="307619"/>
           </a:xfrm>
           <a:custGeom>
-            <a:rect b="b" l="l" r="r" t="t"/>
+            <a:avLst/>
+            <a:gdLst/>
+            <a:ahLst/>
+            <a:cxnLst/>
+            <a:rect l="l" t="t" r="r" b="b"/>
             <a:pathLst>
-              <a:path extrusionOk="0" h="5126990" w="6408833">
+              <a:path w="6408833" h="5126990" extrusionOk="0">
                 <a:moveTo>
                   <a:pt x="3586893" y="0"/>
                 </a:moveTo>
@@ -6561,9 +6745,13 @@
             <a:ext cx="845704" cy="820318"/>
           </a:xfrm>
           <a:custGeom>
-            <a:rect b="b" l="l" r="r" t="t"/>
+            <a:avLst/>
+            <a:gdLst/>
+            <a:ahLst/>
+            <a:cxnLst/>
+            <a:rect l="l" t="t" r="r" b="b"/>
             <a:pathLst>
-              <a:path extrusionOk="0" h="5126990" w="6382674">
+              <a:path w="6382674" h="5126990" extrusionOk="0">
                 <a:moveTo>
                   <a:pt x="3560734" y="0"/>
                 </a:moveTo>
@@ -6606,9 +6794,13 @@
             <a:ext cx="573299" cy="461429"/>
           </a:xfrm>
           <a:custGeom>
-            <a:rect b="b" l="l" r="r" t="t"/>
+            <a:avLst/>
+            <a:gdLst/>
+            <a:ahLst/>
+            <a:cxnLst/>
+            <a:rect l="l" t="t" r="r" b="b"/>
             <a:pathLst>
-              <a:path extrusionOk="0" h="5126990" w="6369991">
+              <a:path w="6369991" h="5126990" extrusionOk="0">
                 <a:moveTo>
                   <a:pt x="3548051" y="0"/>
                 </a:moveTo>
@@ -6651,9 +6843,13 @@
             <a:ext cx="1369548" cy="756231"/>
           </a:xfrm>
           <a:custGeom>
-            <a:rect b="b" l="l" r="r" t="t"/>
+            <a:avLst/>
+            <a:gdLst/>
+            <a:ahLst/>
+            <a:cxnLst/>
+            <a:rect l="l" t="t" r="r" b="b"/>
             <a:pathLst>
-              <a:path extrusionOk="0" h="5126990" w="6369991">
+              <a:path w="6369991" h="5126990" extrusionOk="0">
                 <a:moveTo>
                   <a:pt x="3548051" y="0"/>
                 </a:moveTo>
@@ -6696,9 +6892,13 @@
             <a:ext cx="560773" cy="333254"/>
           </a:xfrm>
           <a:custGeom>
-            <a:rect b="b" l="l" r="r" t="t"/>
+            <a:avLst/>
+            <a:gdLst/>
+            <a:ahLst/>
+            <a:cxnLst/>
+            <a:rect l="l" t="t" r="r" b="b"/>
             <a:pathLst>
-              <a:path extrusionOk="0" h="5126990" w="6408833">
+              <a:path w="6408833" h="5126990" extrusionOk="0">
                 <a:moveTo>
                   <a:pt x="3586893" y="0"/>
                 </a:moveTo>
@@ -6751,12 +6951,12 @@
           </a:ln>
         </p:spPr>
         <p:txBody>
-          <a:bodyPr anchorCtr="0" anchor="ctr" bIns="91425" lIns="91425" spcFirstLastPara="1" rIns="91425" wrap="square" tIns="91425">
+          <a:bodyPr spcFirstLastPara="1" wrap="square" lIns="91425" tIns="91425" rIns="91425" bIns="91425" anchor="ctr" anchorCtr="0">
             <a:noAutofit/>
           </a:bodyPr>
           <a:lstStyle/>
           <a:p>
-            <a:pPr indent="0" lvl="0" marL="0" rtl="0" algn="l">
+            <a:pPr marL="0" lvl="0" indent="0" algn="l" rtl="0">
               <a:spcBef>
                 <a:spcPts val="0"/>
               </a:spcBef>
@@ -6765,9 +6965,6 @@
               </a:spcAft>
               <a:buNone/>
             </a:pPr>
-            <a:r>
-              <a:t/>
-            </a:r>
             <a:endParaRPr/>
           </a:p>
         </p:txBody>
@@ -6775,9 +6972,11 @@
       <p:sp>
         <p:nvSpPr>
           <p:cNvPr id="111" name="Google Shape;111;p18"/>
-          <p:cNvSpPr txBox="1"/>
+          <p:cNvSpPr txBox="1">
+            <a:spLocks noGrp="1"/>
+          </p:cNvSpPr>
           <p:nvPr>
-            <p:ph idx="1" type="subTitle"/>
+            <p:ph type="subTitle" idx="1"/>
           </p:nvPr>
         </p:nvSpPr>
         <p:spPr>
@@ -6790,7 +6989,7 @@
           </a:prstGeom>
         </p:spPr>
         <p:txBody>
-          <a:bodyPr anchorCtr="0" anchor="t" bIns="91425" lIns="91425" spcFirstLastPara="1" rIns="91425" wrap="square" tIns="91425">
+          <a:bodyPr spcFirstLastPara="1" wrap="square" lIns="91425" tIns="91425" rIns="91425" bIns="91425" anchor="t" anchorCtr="0">
             <a:normAutofit/>
           </a:bodyPr>
           <a:lstStyle>
@@ -6807,7 +7006,7 @@
               <a:buSzPts val="1800"/>
               <a:buFont typeface="Montserrat"/>
               <a:buNone/>
-              <a:defRPr b="1" sz="1800">
+              <a:defRPr sz="1800" b="1">
                 <a:solidFill>
                   <a:srgbClr val="00274C"/>
                 </a:solidFill>
@@ -6906,15 +7105,19 @@
               <a:defRPr/>
             </a:lvl9pPr>
           </a:lstStyle>
-          <a:p/>
+          <a:p>
+            <a:endParaRPr/>
+          </a:p>
         </p:txBody>
       </p:sp>
       <p:sp>
         <p:nvSpPr>
           <p:cNvPr id="112" name="Google Shape;112;p18"/>
-          <p:cNvSpPr txBox="1"/>
+          <p:cNvSpPr txBox="1">
+            <a:spLocks noGrp="1"/>
+          </p:cNvSpPr>
           <p:nvPr>
-            <p:ph idx="2" type="body"/>
+            <p:ph type="body" idx="2"/>
           </p:nvPr>
         </p:nvSpPr>
         <p:spPr>
@@ -6931,11 +7134,11 @@
           </a:ln>
         </p:spPr>
         <p:txBody>
-          <a:bodyPr anchorCtr="0" anchor="t" bIns="40475" lIns="80950" spcFirstLastPara="1" rIns="80950" wrap="square" tIns="40475">
+          <a:bodyPr spcFirstLastPara="1" wrap="square" lIns="80950" tIns="40475" rIns="80950" bIns="40475" anchor="t" anchorCtr="0">
             <a:normAutofit/>
           </a:bodyPr>
           <a:lstStyle>
-            <a:lvl1pPr indent="-342900" lvl="0" marL="457200" rtl="0" algn="l">
+            <a:lvl1pPr marL="457200" lvl="0" indent="-342900" algn="l" rtl="0">
               <a:spcBef>
                 <a:spcPts val="500"/>
               </a:spcBef>
@@ -6958,7 +7161,7 @@
                 <a:sym typeface="Lato"/>
               </a:defRPr>
             </a:lvl1pPr>
-            <a:lvl2pPr indent="-317500" lvl="1" marL="914400" rtl="0" algn="l">
+            <a:lvl2pPr marL="914400" lvl="1" indent="-317500" algn="l" rtl="0">
               <a:spcBef>
                 <a:spcPts val="1200"/>
               </a:spcBef>
@@ -6981,7 +7184,7 @@
                 <a:sym typeface="Lato"/>
               </a:defRPr>
             </a:lvl2pPr>
-            <a:lvl3pPr indent="-298450" lvl="2" marL="1371600" rtl="0" algn="l">
+            <a:lvl3pPr marL="1371600" lvl="2" indent="-298450" algn="l" rtl="0">
               <a:spcBef>
                 <a:spcPts val="1200"/>
               </a:spcBef>
@@ -7004,7 +7207,7 @@
                 <a:sym typeface="Lato"/>
               </a:defRPr>
             </a:lvl3pPr>
-            <a:lvl4pPr indent="-285750" lvl="3" marL="1828800" rtl="0" algn="l">
+            <a:lvl4pPr marL="1828800" lvl="3" indent="-285750" algn="l" rtl="0">
               <a:spcBef>
                 <a:spcPts val="1200"/>
               </a:spcBef>
@@ -7027,7 +7230,7 @@
                 <a:sym typeface="Lato"/>
               </a:defRPr>
             </a:lvl4pPr>
-            <a:lvl5pPr indent="-285750" lvl="4" marL="2286000" rtl="0" algn="l">
+            <a:lvl5pPr marL="2286000" lvl="4" indent="-285750" algn="l" rtl="0">
               <a:spcBef>
                 <a:spcPts val="1200"/>
               </a:spcBef>
@@ -7050,7 +7253,7 @@
                 <a:sym typeface="Lato"/>
               </a:defRPr>
             </a:lvl5pPr>
-            <a:lvl6pPr indent="-285750" lvl="5" marL="2743200" rtl="0" algn="l">
+            <a:lvl6pPr marL="2743200" lvl="5" indent="-285750" algn="l" rtl="0">
               <a:spcBef>
                 <a:spcPts val="1200"/>
               </a:spcBef>
@@ -7073,7 +7276,7 @@
                 <a:sym typeface="Lato"/>
               </a:defRPr>
             </a:lvl6pPr>
-            <a:lvl7pPr indent="-285750" lvl="6" marL="3200400" rtl="0" algn="l">
+            <a:lvl7pPr marL="3200400" lvl="6" indent="-285750" algn="l" rtl="0">
               <a:spcBef>
                 <a:spcPts val="1200"/>
               </a:spcBef>
@@ -7096,7 +7299,7 @@
                 <a:sym typeface="Lato"/>
               </a:defRPr>
             </a:lvl7pPr>
-            <a:lvl8pPr indent="-285750" lvl="7" marL="3657600" rtl="0" algn="l">
+            <a:lvl8pPr marL="3657600" lvl="7" indent="-285750" algn="l" rtl="0">
               <a:spcBef>
                 <a:spcPts val="1200"/>
               </a:spcBef>
@@ -7119,7 +7322,7 @@
                 <a:sym typeface="Lato"/>
               </a:defRPr>
             </a:lvl8pPr>
-            <a:lvl9pPr indent="-285750" lvl="8" marL="4114800" rtl="0" algn="l">
+            <a:lvl9pPr marL="4114800" lvl="8" indent="-285750" algn="l" rtl="0">
               <a:spcBef>
                 <a:spcPts val="1200"/>
               </a:spcBef>
@@ -7143,7 +7346,9 @@
               </a:defRPr>
             </a:lvl9pPr>
           </a:lstStyle>
-          <a:p/>
+          <a:p>
+            <a:endParaRPr/>
+          </a:p>
         </p:txBody>
       </p:sp>
     </p:spTree>
@@ -7155,11 +7360,11 @@
 </file>
 
 <file path=ppt/slideLayouts/slideLayout18.xml><?xml version="1.0" encoding="utf-8"?>
-<p:sldLayout xmlns:a="http://schemas.openxmlformats.org/drawingml/2006/main" xmlns:r="http://schemas.openxmlformats.org/officeDocument/2006/relationships" xmlns:mc="http://schemas.openxmlformats.org/markup-compatibility/2006" xmlns:mv="urn:schemas-microsoft-com:mac:vml" xmlns:p="http://schemas.openxmlformats.org/presentationml/2006/main" xmlns:c="http://schemas.openxmlformats.org/drawingml/2006/chart" xmlns:dgm="http://schemas.openxmlformats.org/drawingml/2006/diagram" xmlns:o="urn:schemas-microsoft-com:office:office" xmlns:v="urn:schemas-microsoft-com:vml" xmlns:pvml="urn:schemas-microsoft-com:office:powerpoint" xmlns:com="http://schemas.openxmlformats.org/drawingml/2006/compatibility" xmlns:p14="http://schemas.microsoft.com/office/powerpoint/2010/main" xmlns:p15="http://schemas.microsoft.com/office/powerpoint/2012/main" xmlns:ahyp="http://schemas.microsoft.com/office/drawing/2018/hyperlinkcolor" matchingName="Thank you! ">
+<p:sldLayout xmlns:a="http://schemas.openxmlformats.org/drawingml/2006/main" xmlns:r="http://schemas.openxmlformats.org/officeDocument/2006/relationships" xmlns:p="http://schemas.openxmlformats.org/presentationml/2006/main" matchingName="Thank you! ">
   <p:cSld name="CUSTOM_2">
     <p:spTree>
       <p:nvGrpSpPr>
-        <p:cNvPr id="113" name="Shape 113"/>
+        <p:cNvPr id="1" name="Shape 113"/>
         <p:cNvGrpSpPr/>
         <p:nvPr/>
       </p:nvGrpSpPr>
@@ -7193,12 +7398,12 @@
           </a:ln>
         </p:spPr>
         <p:txBody>
-          <a:bodyPr anchorCtr="0" anchor="ctr" bIns="78575" lIns="78575" spcFirstLastPara="1" rIns="78575" wrap="square" tIns="78575">
+          <a:bodyPr spcFirstLastPara="1" wrap="square" lIns="78575" tIns="78575" rIns="78575" bIns="78575" anchor="ctr" anchorCtr="0">
             <a:noAutofit/>
           </a:bodyPr>
           <a:lstStyle/>
           <a:p>
-            <a:pPr indent="0" lvl="0" marL="0" rtl="0" algn="l">
+            <a:pPr marL="0" lvl="0" indent="0" algn="l" rtl="0">
               <a:spcBef>
                 <a:spcPts val="0"/>
               </a:spcBef>
@@ -7207,9 +7412,6 @@
               </a:spcAft>
               <a:buNone/>
             </a:pPr>
-            <a:r>
-              <a:t/>
-            </a:r>
             <a:endParaRPr/>
           </a:p>
         </p:txBody>
@@ -7234,12 +7436,12 @@
           </a:ln>
         </p:spPr>
         <p:txBody>
-          <a:bodyPr anchorCtr="0" anchor="t" bIns="0" lIns="0" spcFirstLastPara="1" rIns="0" wrap="square" tIns="0">
+          <a:bodyPr spcFirstLastPara="1" wrap="square" lIns="0" tIns="0" rIns="0" bIns="0" anchor="t" anchorCtr="0">
             <a:noAutofit/>
           </a:bodyPr>
           <a:lstStyle/>
           <a:p>
-            <a:pPr indent="0" lvl="0" marL="0" marR="0" rtl="0" algn="ctr">
+            <a:pPr marL="0" marR="0" lvl="0" indent="0" algn="ctr" rtl="0">
               <a:lnSpc>
                 <a:spcPct val="97002"/>
               </a:lnSpc>
@@ -7252,7 +7454,7 @@
               <a:buNone/>
             </a:pPr>
             <a:r>
-              <a:rPr b="1" lang="en" sz="7700">
+              <a:rPr lang="en" sz="7700" b="1">
                 <a:solidFill>
                   <a:srgbClr val="00274C"/>
                 </a:solidFill>
@@ -7264,7 +7466,7 @@
               <a:t>T</a:t>
             </a:r>
             <a:r>
-              <a:rPr b="1" i="0" lang="en" sz="7700" u="none" cap="none" strike="noStrike">
+              <a:rPr lang="en" sz="7700" b="1" i="0" u="none" strike="noStrike" cap="none">
                 <a:solidFill>
                   <a:srgbClr val="00274C"/>
                 </a:solidFill>
@@ -7276,7 +7478,7 @@
               <a:t>hank </a:t>
             </a:r>
             <a:r>
-              <a:rPr b="1" lang="en" sz="7700">
+              <a:rPr lang="en" sz="7700" b="1">
                 <a:solidFill>
                   <a:srgbClr val="00274C"/>
                 </a:solidFill>
@@ -7288,7 +7490,7 @@
               <a:t>Y</a:t>
             </a:r>
             <a:r>
-              <a:rPr b="1" i="0" lang="en" sz="7700" u="none" cap="none" strike="noStrike">
+              <a:rPr lang="en" sz="7700" b="1" i="0" u="none" strike="noStrike" cap="none">
                 <a:solidFill>
                   <a:srgbClr val="00274C"/>
                 </a:solidFill>
@@ -7319,9 +7521,13 @@
             <a:ext cx="1228862" cy="1320200"/>
           </a:xfrm>
           <a:custGeom>
-            <a:rect b="b" l="l" r="r" t="t"/>
+            <a:avLst/>
+            <a:gdLst/>
+            <a:ahLst/>
+            <a:cxnLst/>
+            <a:rect l="l" t="t" r="r" b="b"/>
             <a:pathLst>
-              <a:path extrusionOk="0" h="5126990" w="6383700">
+              <a:path w="6383700" h="5126990" extrusionOk="0">
                 <a:moveTo>
                   <a:pt x="3561760" y="0"/>
                 </a:moveTo>
@@ -7364,9 +7570,13 @@
             <a:ext cx="1065528" cy="1140755"/>
           </a:xfrm>
           <a:custGeom>
-            <a:rect b="b" l="l" r="r" t="t"/>
+            <a:avLst/>
+            <a:gdLst/>
+            <a:ahLst/>
+            <a:cxnLst/>
+            <a:rect l="l" t="t" r="r" b="b"/>
             <a:pathLst>
-              <a:path extrusionOk="0" h="5126990" w="6361360">
+              <a:path w="6361360" h="5126990" extrusionOk="0">
                 <a:moveTo>
                   <a:pt x="3539420" y="0"/>
                 </a:moveTo>
@@ -7409,9 +7619,13 @@
             <a:ext cx="1497709" cy="1602184"/>
           </a:xfrm>
           <a:custGeom>
-            <a:rect b="b" l="l" r="r" t="t"/>
+            <a:avLst/>
+            <a:gdLst/>
+            <a:ahLst/>
+            <a:cxnLst/>
+            <a:rect l="l" t="t" r="r" b="b"/>
             <a:pathLst>
-              <a:path extrusionOk="0" h="5126990" w="6373228">
+              <a:path w="6373228" h="5126990" extrusionOk="0">
                 <a:moveTo>
                   <a:pt x="3551288" y="0"/>
                 </a:moveTo>
@@ -7454,9 +7668,13 @@
             <a:ext cx="1065528" cy="1140755"/>
           </a:xfrm>
           <a:custGeom>
-            <a:rect b="b" l="l" r="r" t="t"/>
+            <a:avLst/>
+            <a:gdLst/>
+            <a:ahLst/>
+            <a:cxnLst/>
+            <a:rect l="l" t="t" r="r" b="b"/>
             <a:pathLst>
-              <a:path extrusionOk="0" h="5126990" w="6361360">
+              <a:path w="6361360" h="5126990" extrusionOk="0">
                 <a:moveTo>
                   <a:pt x="3539420" y="0"/>
                 </a:moveTo>
@@ -7509,12 +7727,12 @@
           </a:ln>
         </p:spPr>
         <p:txBody>
-          <a:bodyPr anchorCtr="0" anchor="ctr" bIns="91425" lIns="91425" spcFirstLastPara="1" rIns="91425" wrap="square" tIns="91425">
+          <a:bodyPr spcFirstLastPara="1" wrap="square" lIns="91425" tIns="91425" rIns="91425" bIns="91425" anchor="ctr" anchorCtr="0">
             <a:noAutofit/>
           </a:bodyPr>
           <a:lstStyle/>
           <a:p>
-            <a:pPr indent="0" lvl="0" marL="0" rtl="0" algn="l">
+            <a:pPr marL="0" lvl="0" indent="0" algn="l" rtl="0">
               <a:spcBef>
                 <a:spcPts val="0"/>
               </a:spcBef>
@@ -7523,9 +7741,6 @@
               </a:spcAft>
               <a:buNone/>
             </a:pPr>
-            <a:r>
-              <a:t/>
-            </a:r>
             <a:endParaRPr/>
           </a:p>
         </p:txBody>
@@ -7570,9 +7785,13 @@
             <a:ext cx="560773" cy="333254"/>
           </a:xfrm>
           <a:custGeom>
-            <a:rect b="b" l="l" r="r" t="t"/>
+            <a:avLst/>
+            <a:gdLst/>
+            <a:ahLst/>
+            <a:cxnLst/>
+            <a:rect l="l" t="t" r="r" b="b"/>
             <a:pathLst>
-              <a:path extrusionOk="0" h="5126990" w="6408833">
+              <a:path w="6408833" h="5126990" extrusionOk="0">
                 <a:moveTo>
                   <a:pt x="3586893" y="0"/>
                 </a:moveTo>
@@ -7625,12 +7844,12 @@
           </a:ln>
         </p:spPr>
         <p:txBody>
-          <a:bodyPr anchorCtr="0" anchor="ctr" bIns="91425" lIns="91425" spcFirstLastPara="1" rIns="91425" wrap="square" tIns="91425">
+          <a:bodyPr spcFirstLastPara="1" wrap="square" lIns="91425" tIns="91425" rIns="91425" bIns="91425" anchor="ctr" anchorCtr="0">
             <a:noAutofit/>
           </a:bodyPr>
           <a:lstStyle/>
           <a:p>
-            <a:pPr indent="0" lvl="0" marL="0" rtl="0" algn="l">
+            <a:pPr marL="0" lvl="0" indent="0" algn="l" rtl="0">
               <a:spcBef>
                 <a:spcPts val="0"/>
               </a:spcBef>
@@ -7639,9 +7858,6 @@
               </a:spcAft>
               <a:buNone/>
             </a:pPr>
-            <a:r>
-              <a:t/>
-            </a:r>
             <a:endParaRPr/>
           </a:p>
         </p:txBody>
@@ -7655,18 +7871,19 @@
 </file>
 
 <file path=ppt/slideLayouts/slideLayout2.xml><?xml version="1.0" encoding="utf-8"?>
-<p:sldLayout xmlns:a="http://schemas.openxmlformats.org/drawingml/2006/main" xmlns:r="http://schemas.openxmlformats.org/officeDocument/2006/relationships" xmlns:mc="http://schemas.openxmlformats.org/markup-compatibility/2006" xmlns:mv="urn:schemas-microsoft-com:mac:vml" xmlns:p="http://schemas.openxmlformats.org/presentationml/2006/main" xmlns:c="http://schemas.openxmlformats.org/drawingml/2006/chart" xmlns:dgm="http://schemas.openxmlformats.org/drawingml/2006/diagram" xmlns:o="urn:schemas-microsoft-com:office:office" xmlns:v="urn:schemas-microsoft-com:vml" xmlns:pvml="urn:schemas-microsoft-com:office:powerpoint" xmlns:com="http://schemas.openxmlformats.org/drawingml/2006/compatibility" xmlns:p14="http://schemas.microsoft.com/office/powerpoint/2010/main" xmlns:p15="http://schemas.microsoft.com/office/powerpoint/2012/main" xmlns:ahyp="http://schemas.microsoft.com/office/drawing/2018/hyperlinkcolor" matchingName="Section header" type="secHead">
+<p:sldLayout xmlns:a="http://schemas.openxmlformats.org/drawingml/2006/main" xmlns:r="http://schemas.openxmlformats.org/officeDocument/2006/relationships" xmlns:p="http://schemas.openxmlformats.org/presentationml/2006/main" matchingName="Section header" type="secHead">
   <p:cSld name="SECTION_HEADER">
     <p:bg>
       <p:bgPr>
         <a:solidFill>
           <a:schemeClr val="dk1"/>
         </a:solidFill>
+        <a:effectLst/>
       </p:bgPr>
     </p:bg>
     <p:spTree>
       <p:nvGrpSpPr>
-        <p:cNvPr id="14" name="Shape 14"/>
+        <p:cNvPr id="1" name="Shape 14"/>
         <p:cNvGrpSpPr/>
         <p:nvPr/>
       </p:nvGrpSpPr>
@@ -7693,21 +7910,23 @@
             <a:avLst/>
           </a:prstGeom>
           <a:noFill/>
-          <a:ln cap="flat" cmpd="sng" w="19050">
+          <a:ln w="19050" cap="flat" cmpd="sng">
             <a:solidFill>
               <a:schemeClr val="lt2"/>
             </a:solidFill>
             <a:prstDash val="solid"/>
             <a:round/>
-            <a:headEnd len="sm" w="sm" type="none"/>
-            <a:tailEnd len="sm" w="sm" type="none"/>
+            <a:headEnd type="none" w="sm" len="sm"/>
+            <a:tailEnd type="none" w="sm" len="sm"/>
           </a:ln>
         </p:spPr>
       </p:cxnSp>
       <p:sp>
         <p:nvSpPr>
           <p:cNvPr id="16" name="Google Shape;16;p3"/>
-          <p:cNvSpPr txBox="1"/>
+          <p:cNvSpPr txBox="1">
+            <a:spLocks noGrp="1"/>
+          </p:cNvSpPr>
           <p:nvPr>
             <p:ph type="title"/>
           </p:nvPr>
@@ -7722,7 +7941,7 @@
           </a:prstGeom>
         </p:spPr>
         <p:txBody>
-          <a:bodyPr anchorCtr="0" anchor="b" bIns="91425" lIns="91425" spcFirstLastPara="1" rIns="91425" wrap="square" tIns="91425">
+          <a:bodyPr spcFirstLastPara="1" wrap="square" lIns="91425" tIns="91425" rIns="91425" bIns="91425" anchor="b" anchorCtr="0">
             <a:normAutofit/>
           </a:bodyPr>
           <a:lstStyle>
@@ -7889,15 +8108,19 @@
               </a:defRPr>
             </a:lvl9pPr>
           </a:lstStyle>
-          <a:p/>
+          <a:p>
+            <a:endParaRPr/>
+          </a:p>
         </p:txBody>
       </p:sp>
       <p:sp>
         <p:nvSpPr>
           <p:cNvPr id="17" name="Google Shape;17;p3"/>
-          <p:cNvSpPr txBox="1"/>
+          <p:cNvSpPr txBox="1">
+            <a:spLocks noGrp="1"/>
+          </p:cNvSpPr>
           <p:nvPr>
-            <p:ph idx="12" type="sldNum"/>
+            <p:ph type="sldNum" idx="12"/>
           </p:nvPr>
         </p:nvSpPr>
         <p:spPr>
@@ -7910,7 +8133,7 @@
           </a:prstGeom>
         </p:spPr>
         <p:txBody>
-          <a:bodyPr anchorCtr="0" anchor="ctr" bIns="91425" lIns="91425" spcFirstLastPara="1" rIns="91425" wrap="square" tIns="91425">
+          <a:bodyPr spcFirstLastPara="1" wrap="square" lIns="91425" tIns="91425" rIns="91425" bIns="91425" anchor="ctr" anchorCtr="0">
             <a:normAutofit/>
           </a:bodyPr>
           <a:lstStyle>
@@ -7988,7 +8211,7 @@
             </a:lvl9pPr>
           </a:lstStyle>
           <a:p>
-            <a:pPr indent="0" lvl="0" marL="0" rtl="0" algn="r">
+            <a:pPr marL="0" lvl="0" indent="0" algn="r" rtl="0">
               <a:spcBef>
                 <a:spcPts val="0"/>
               </a:spcBef>
@@ -8014,11 +8237,11 @@
 </file>
 
 <file path=ppt/slideLayouts/slideLayout3.xml><?xml version="1.0" encoding="utf-8"?>
-<p:sldLayout xmlns:a="http://schemas.openxmlformats.org/drawingml/2006/main" xmlns:r="http://schemas.openxmlformats.org/officeDocument/2006/relationships" xmlns:mc="http://schemas.openxmlformats.org/markup-compatibility/2006" xmlns:mv="urn:schemas-microsoft-com:mac:vml" xmlns:p="http://schemas.openxmlformats.org/presentationml/2006/main" xmlns:c="http://schemas.openxmlformats.org/drawingml/2006/chart" xmlns:dgm="http://schemas.openxmlformats.org/drawingml/2006/diagram" xmlns:o="urn:schemas-microsoft-com:office:office" xmlns:v="urn:schemas-microsoft-com:vml" xmlns:pvml="urn:schemas-microsoft-com:office:powerpoint" xmlns:com="http://schemas.openxmlformats.org/drawingml/2006/compatibility" xmlns:p14="http://schemas.microsoft.com/office/powerpoint/2010/main" xmlns:p15="http://schemas.microsoft.com/office/powerpoint/2012/main" xmlns:ahyp="http://schemas.microsoft.com/office/drawing/2018/hyperlinkcolor" matchingName="Title and body" type="tx">
+<p:sldLayout xmlns:a="http://schemas.openxmlformats.org/drawingml/2006/main" xmlns:r="http://schemas.openxmlformats.org/officeDocument/2006/relationships" xmlns:p="http://schemas.openxmlformats.org/presentationml/2006/main" matchingName="Title and body" type="tx">
   <p:cSld name="TITLE_AND_BODY">
     <p:spTree>
       <p:nvGrpSpPr>
-        <p:cNvPr id="18" name="Shape 18"/>
+        <p:cNvPr id="1" name="Shape 18"/>
         <p:cNvGrpSpPr/>
         <p:nvPr/>
       </p:nvGrpSpPr>
@@ -8052,12 +8275,12 @@
           </a:ln>
         </p:spPr>
         <p:txBody>
-          <a:bodyPr anchorCtr="0" anchor="ctr" bIns="91425" lIns="91425" spcFirstLastPara="1" rIns="91425" wrap="square" tIns="91425">
+          <a:bodyPr spcFirstLastPara="1" wrap="square" lIns="91425" tIns="91425" rIns="91425" bIns="91425" anchor="ctr" anchorCtr="0">
             <a:noAutofit/>
           </a:bodyPr>
           <a:lstStyle/>
           <a:p>
-            <a:pPr indent="0" lvl="0" marL="0" rtl="0" algn="l">
+            <a:pPr marL="0" lvl="0" indent="0" algn="l" rtl="0">
               <a:spcBef>
                 <a:spcPts val="0"/>
               </a:spcBef>
@@ -8066,9 +8289,6 @@
               </a:spcAft>
               <a:buNone/>
             </a:pPr>
-            <a:r>
-              <a:t/>
-            </a:r>
             <a:endParaRPr/>
           </a:p>
         </p:txBody>
@@ -8076,7 +8296,9 @@
       <p:sp>
         <p:nvSpPr>
           <p:cNvPr id="20" name="Google Shape;20;p4"/>
-          <p:cNvSpPr txBox="1"/>
+          <p:cNvSpPr txBox="1">
+            <a:spLocks noGrp="1"/>
+          </p:cNvSpPr>
           <p:nvPr>
             <p:ph type="title"/>
           </p:nvPr>
@@ -8091,7 +8313,7 @@
           </a:prstGeom>
         </p:spPr>
         <p:txBody>
-          <a:bodyPr anchorCtr="0" anchor="t" bIns="91425" lIns="91425" spcFirstLastPara="1" rIns="91425" wrap="square" tIns="91425">
+          <a:bodyPr spcFirstLastPara="1" wrap="square" lIns="91425" tIns="91425" rIns="91425" bIns="91425" anchor="t" anchorCtr="0">
             <a:normAutofit/>
           </a:bodyPr>
           <a:lstStyle>
@@ -8195,15 +8417,19 @@
               <a:defRPr/>
             </a:lvl9pPr>
           </a:lstStyle>
-          <a:p/>
+          <a:p>
+            <a:endParaRPr/>
+          </a:p>
         </p:txBody>
       </p:sp>
       <p:sp>
         <p:nvSpPr>
           <p:cNvPr id="21" name="Google Shape;21;p4"/>
-          <p:cNvSpPr txBox="1"/>
+          <p:cNvSpPr txBox="1">
+            <a:spLocks noGrp="1"/>
+          </p:cNvSpPr>
           <p:nvPr>
-            <p:ph idx="1" type="body"/>
+            <p:ph type="body" idx="1"/>
           </p:nvPr>
         </p:nvSpPr>
         <p:spPr>
@@ -8216,11 +8442,11 @@
           </a:prstGeom>
         </p:spPr>
         <p:txBody>
-          <a:bodyPr anchorCtr="0" anchor="t" bIns="91425" lIns="91425" spcFirstLastPara="1" rIns="91425" wrap="square" tIns="91425">
+          <a:bodyPr spcFirstLastPara="1" wrap="square" lIns="91425" tIns="91425" rIns="91425" bIns="91425" anchor="t" anchorCtr="0">
             <a:normAutofit/>
           </a:bodyPr>
           <a:lstStyle>
-            <a:lvl1pPr indent="-342900" lvl="0" marL="457200">
+            <a:lvl1pPr marL="457200" lvl="0" indent="-342900">
               <a:spcBef>
                 <a:spcPts val="0"/>
               </a:spcBef>
@@ -8231,7 +8457,7 @@
               <a:buChar char="●"/>
               <a:defRPr/>
             </a:lvl1pPr>
-            <a:lvl2pPr indent="-317500" lvl="1" marL="914400">
+            <a:lvl2pPr marL="914400" lvl="1" indent="-317500">
               <a:spcBef>
                 <a:spcPts val="0"/>
               </a:spcBef>
@@ -8242,7 +8468,7 @@
               <a:buChar char="○"/>
               <a:defRPr/>
             </a:lvl2pPr>
-            <a:lvl3pPr indent="-317500" lvl="2" marL="1371600">
+            <a:lvl3pPr marL="1371600" lvl="2" indent="-317500">
               <a:spcBef>
                 <a:spcPts val="0"/>
               </a:spcBef>
@@ -8253,7 +8479,7 @@
               <a:buChar char="■"/>
               <a:defRPr/>
             </a:lvl3pPr>
-            <a:lvl4pPr indent="-317500" lvl="3" marL="1828800">
+            <a:lvl4pPr marL="1828800" lvl="3" indent="-317500">
               <a:spcBef>
                 <a:spcPts val="0"/>
               </a:spcBef>
@@ -8264,7 +8490,7 @@
               <a:buChar char="●"/>
               <a:defRPr/>
             </a:lvl4pPr>
-            <a:lvl5pPr indent="-317500" lvl="4" marL="2286000">
+            <a:lvl5pPr marL="2286000" lvl="4" indent="-317500">
               <a:spcBef>
                 <a:spcPts val="0"/>
               </a:spcBef>
@@ -8275,7 +8501,7 @@
               <a:buChar char="○"/>
               <a:defRPr/>
             </a:lvl5pPr>
-            <a:lvl6pPr indent="-317500" lvl="5" marL="2743200">
+            <a:lvl6pPr marL="2743200" lvl="5" indent="-317500">
               <a:spcBef>
                 <a:spcPts val="0"/>
               </a:spcBef>
@@ -8286,7 +8512,7 @@
               <a:buChar char="■"/>
               <a:defRPr/>
             </a:lvl6pPr>
-            <a:lvl7pPr indent="-317500" lvl="6" marL="3200400">
+            <a:lvl7pPr marL="3200400" lvl="6" indent="-317500">
               <a:spcBef>
                 <a:spcPts val="0"/>
               </a:spcBef>
@@ -8297,7 +8523,7 @@
               <a:buChar char="●"/>
               <a:defRPr/>
             </a:lvl7pPr>
-            <a:lvl8pPr indent="-317500" lvl="7" marL="3657600">
+            <a:lvl8pPr marL="3657600" lvl="7" indent="-317500">
               <a:spcBef>
                 <a:spcPts val="0"/>
               </a:spcBef>
@@ -8308,7 +8534,7 @@
               <a:buChar char="○"/>
               <a:defRPr/>
             </a:lvl8pPr>
-            <a:lvl9pPr indent="-317500" lvl="8" marL="4114800">
+            <a:lvl9pPr marL="4114800" lvl="8" indent="-317500">
               <a:spcBef>
                 <a:spcPts val="0"/>
               </a:spcBef>
@@ -8320,15 +8546,19 @@
               <a:defRPr/>
             </a:lvl9pPr>
           </a:lstStyle>
-          <a:p/>
+          <a:p>
+            <a:endParaRPr/>
+          </a:p>
         </p:txBody>
       </p:sp>
       <p:sp>
         <p:nvSpPr>
           <p:cNvPr id="22" name="Google Shape;22;p4"/>
-          <p:cNvSpPr txBox="1"/>
+          <p:cNvSpPr txBox="1">
+            <a:spLocks noGrp="1"/>
+          </p:cNvSpPr>
           <p:nvPr>
-            <p:ph idx="12" type="sldNum"/>
+            <p:ph type="sldNum" idx="12"/>
           </p:nvPr>
         </p:nvSpPr>
         <p:spPr>
@@ -8341,7 +8571,7 @@
           </a:prstGeom>
         </p:spPr>
         <p:txBody>
-          <a:bodyPr anchorCtr="0" anchor="ctr" bIns="91425" lIns="91425" spcFirstLastPara="1" rIns="91425" wrap="square" tIns="91425">
+          <a:bodyPr spcFirstLastPara="1" wrap="square" lIns="91425" tIns="91425" rIns="91425" bIns="91425" anchor="ctr" anchorCtr="0">
             <a:normAutofit/>
           </a:bodyPr>
           <a:lstStyle>
@@ -8383,7 +8613,7 @@
             </a:lvl9pPr>
           </a:lstStyle>
           <a:p>
-            <a:pPr indent="0" lvl="0" marL="0" rtl="0" algn="r">
+            <a:pPr marL="0" lvl="0" indent="0" algn="r" rtl="0">
               <a:spcBef>
                 <a:spcPts val="0"/>
               </a:spcBef>
@@ -8409,11 +8639,11 @@
 </file>
 
 <file path=ppt/slideLayouts/slideLayout4.xml><?xml version="1.0" encoding="utf-8"?>
-<p:sldLayout xmlns:a="http://schemas.openxmlformats.org/drawingml/2006/main" xmlns:r="http://schemas.openxmlformats.org/officeDocument/2006/relationships" xmlns:mc="http://schemas.openxmlformats.org/markup-compatibility/2006" xmlns:mv="urn:schemas-microsoft-com:mac:vml" xmlns:p="http://schemas.openxmlformats.org/presentationml/2006/main" xmlns:c="http://schemas.openxmlformats.org/drawingml/2006/chart" xmlns:dgm="http://schemas.openxmlformats.org/drawingml/2006/diagram" xmlns:o="urn:schemas-microsoft-com:office:office" xmlns:v="urn:schemas-microsoft-com:vml" xmlns:pvml="urn:schemas-microsoft-com:office:powerpoint" xmlns:com="http://schemas.openxmlformats.org/drawingml/2006/compatibility" xmlns:p14="http://schemas.microsoft.com/office/powerpoint/2010/main" xmlns:p15="http://schemas.microsoft.com/office/powerpoint/2012/main" xmlns:ahyp="http://schemas.microsoft.com/office/drawing/2018/hyperlinkcolor" matchingName="Title and two columns" type="twoColTx">
+<p:sldLayout xmlns:a="http://schemas.openxmlformats.org/drawingml/2006/main" xmlns:r="http://schemas.openxmlformats.org/officeDocument/2006/relationships" xmlns:p="http://schemas.openxmlformats.org/presentationml/2006/main" matchingName="Title and two columns" type="twoColTx">
   <p:cSld name="TITLE_AND_TWO_COLUMNS">
     <p:spTree>
       <p:nvGrpSpPr>
-        <p:cNvPr id="23" name="Shape 23"/>
+        <p:cNvPr id="1" name="Shape 23"/>
         <p:cNvGrpSpPr/>
         <p:nvPr/>
       </p:nvGrpSpPr>
@@ -8428,7 +8658,9 @@
       <p:sp>
         <p:nvSpPr>
           <p:cNvPr id="24" name="Google Shape;24;p5"/>
-          <p:cNvSpPr txBox="1"/>
+          <p:cNvSpPr txBox="1">
+            <a:spLocks noGrp="1"/>
+          </p:cNvSpPr>
           <p:nvPr>
             <p:ph type="title"/>
           </p:nvPr>
@@ -8443,7 +8675,7 @@
           </a:prstGeom>
         </p:spPr>
         <p:txBody>
-          <a:bodyPr anchorCtr="0" anchor="t" bIns="91425" lIns="91425" spcFirstLastPara="1" rIns="91425" wrap="square" tIns="91425">
+          <a:bodyPr spcFirstLastPara="1" wrap="square" lIns="91425" tIns="91425" rIns="91425" bIns="91425" anchor="t" anchorCtr="0">
             <a:normAutofit/>
           </a:bodyPr>
           <a:lstStyle>
@@ -8547,15 +8779,19 @@
               <a:defRPr/>
             </a:lvl9pPr>
           </a:lstStyle>
-          <a:p/>
+          <a:p>
+            <a:endParaRPr/>
+          </a:p>
         </p:txBody>
       </p:sp>
       <p:sp>
         <p:nvSpPr>
           <p:cNvPr id="25" name="Google Shape;25;p5"/>
-          <p:cNvSpPr txBox="1"/>
+          <p:cNvSpPr txBox="1">
+            <a:spLocks noGrp="1"/>
+          </p:cNvSpPr>
           <p:nvPr>
-            <p:ph idx="1" type="body"/>
+            <p:ph type="body" idx="1"/>
           </p:nvPr>
         </p:nvSpPr>
         <p:spPr>
@@ -8568,11 +8804,11 @@
           </a:prstGeom>
         </p:spPr>
         <p:txBody>
-          <a:bodyPr anchorCtr="0" anchor="t" bIns="91425" lIns="91425" spcFirstLastPara="1" rIns="91425" wrap="square" tIns="91425">
+          <a:bodyPr spcFirstLastPara="1" wrap="square" lIns="91425" tIns="91425" rIns="91425" bIns="91425" anchor="t" anchorCtr="0">
             <a:normAutofit/>
           </a:bodyPr>
           <a:lstStyle>
-            <a:lvl1pPr indent="-317500" lvl="0" marL="457200">
+            <a:lvl1pPr marL="457200" lvl="0" indent="-317500">
               <a:spcBef>
                 <a:spcPts val="0"/>
               </a:spcBef>
@@ -8583,7 +8819,7 @@
               <a:buChar char="●"/>
               <a:defRPr sz="1400"/>
             </a:lvl1pPr>
-            <a:lvl2pPr indent="-304800" lvl="1" marL="914400">
+            <a:lvl2pPr marL="914400" lvl="1" indent="-304800">
               <a:spcBef>
                 <a:spcPts val="0"/>
               </a:spcBef>
@@ -8594,7 +8830,7 @@
               <a:buChar char="○"/>
               <a:defRPr sz="1200"/>
             </a:lvl2pPr>
-            <a:lvl3pPr indent="-304800" lvl="2" marL="1371600">
+            <a:lvl3pPr marL="1371600" lvl="2" indent="-304800">
               <a:spcBef>
                 <a:spcPts val="0"/>
               </a:spcBef>
@@ -8605,7 +8841,7 @@
               <a:buChar char="■"/>
               <a:defRPr sz="1200"/>
             </a:lvl3pPr>
-            <a:lvl4pPr indent="-304800" lvl="3" marL="1828800">
+            <a:lvl4pPr marL="1828800" lvl="3" indent="-304800">
               <a:spcBef>
                 <a:spcPts val="0"/>
               </a:spcBef>
@@ -8616,7 +8852,7 @@
               <a:buChar char="●"/>
               <a:defRPr sz="1200"/>
             </a:lvl4pPr>
-            <a:lvl5pPr indent="-304800" lvl="4" marL="2286000">
+            <a:lvl5pPr marL="2286000" lvl="4" indent="-304800">
               <a:spcBef>
                 <a:spcPts val="0"/>
               </a:spcBef>
@@ -8627,7 +8863,7 @@
               <a:buChar char="○"/>
               <a:defRPr sz="1200"/>
             </a:lvl5pPr>
-            <a:lvl6pPr indent="-304800" lvl="5" marL="2743200">
+            <a:lvl6pPr marL="2743200" lvl="5" indent="-304800">
               <a:spcBef>
                 <a:spcPts val="0"/>
               </a:spcBef>
@@ -8638,7 +8874,7 @@
               <a:buChar char="■"/>
               <a:defRPr sz="1200"/>
             </a:lvl6pPr>
-            <a:lvl7pPr indent="-304800" lvl="6" marL="3200400">
+            <a:lvl7pPr marL="3200400" lvl="6" indent="-304800">
               <a:spcBef>
                 <a:spcPts val="0"/>
               </a:spcBef>
@@ -8649,7 +8885,7 @@
               <a:buChar char="●"/>
               <a:defRPr sz="1200"/>
             </a:lvl7pPr>
-            <a:lvl8pPr indent="-304800" lvl="7" marL="3657600">
+            <a:lvl8pPr marL="3657600" lvl="7" indent="-304800">
               <a:spcBef>
                 <a:spcPts val="0"/>
               </a:spcBef>
@@ -8660,7 +8896,7 @@
               <a:buChar char="○"/>
               <a:defRPr sz="1200"/>
             </a:lvl8pPr>
-            <a:lvl9pPr indent="-304800" lvl="8" marL="4114800">
+            <a:lvl9pPr marL="4114800" lvl="8" indent="-304800">
               <a:spcBef>
                 <a:spcPts val="0"/>
               </a:spcBef>
@@ -8672,15 +8908,19 @@
               <a:defRPr sz="1200"/>
             </a:lvl9pPr>
           </a:lstStyle>
-          <a:p/>
+          <a:p>
+            <a:endParaRPr/>
+          </a:p>
         </p:txBody>
       </p:sp>
       <p:sp>
         <p:nvSpPr>
           <p:cNvPr id="26" name="Google Shape;26;p5"/>
-          <p:cNvSpPr txBox="1"/>
+          <p:cNvSpPr txBox="1">
+            <a:spLocks noGrp="1"/>
+          </p:cNvSpPr>
           <p:nvPr>
-            <p:ph idx="2" type="body"/>
+            <p:ph type="body" idx="2"/>
           </p:nvPr>
         </p:nvSpPr>
         <p:spPr>
@@ -8693,11 +8933,11 @@
           </a:prstGeom>
         </p:spPr>
         <p:txBody>
-          <a:bodyPr anchorCtr="0" anchor="t" bIns="91425" lIns="91425" spcFirstLastPara="1" rIns="91425" wrap="square" tIns="91425">
+          <a:bodyPr spcFirstLastPara="1" wrap="square" lIns="91425" tIns="91425" rIns="91425" bIns="91425" anchor="t" anchorCtr="0">
             <a:normAutofit/>
           </a:bodyPr>
           <a:lstStyle>
-            <a:lvl1pPr indent="-317500" lvl="0" marL="457200">
+            <a:lvl1pPr marL="457200" lvl="0" indent="-317500">
               <a:spcBef>
                 <a:spcPts val="0"/>
               </a:spcBef>
@@ -8708,7 +8948,7 @@
               <a:buChar char="●"/>
               <a:defRPr sz="1400"/>
             </a:lvl1pPr>
-            <a:lvl2pPr indent="-304800" lvl="1" marL="914400">
+            <a:lvl2pPr marL="914400" lvl="1" indent="-304800">
               <a:spcBef>
                 <a:spcPts val="0"/>
               </a:spcBef>
@@ -8719,7 +8959,7 @@
               <a:buChar char="○"/>
               <a:defRPr sz="1200"/>
             </a:lvl2pPr>
-            <a:lvl3pPr indent="-304800" lvl="2" marL="1371600">
+            <a:lvl3pPr marL="1371600" lvl="2" indent="-304800">
               <a:spcBef>
                 <a:spcPts val="0"/>
               </a:spcBef>
@@ -8730,7 +8970,7 @@
               <a:buChar char="■"/>
               <a:defRPr sz="1200"/>
             </a:lvl3pPr>
-            <a:lvl4pPr indent="-304800" lvl="3" marL="1828800">
+            <a:lvl4pPr marL="1828800" lvl="3" indent="-304800">
               <a:spcBef>
                 <a:spcPts val="0"/>
               </a:spcBef>
@@ -8741,7 +8981,7 @@
               <a:buChar char="●"/>
               <a:defRPr sz="1200"/>
             </a:lvl4pPr>
-            <a:lvl5pPr indent="-304800" lvl="4" marL="2286000">
+            <a:lvl5pPr marL="2286000" lvl="4" indent="-304800">
               <a:spcBef>
                 <a:spcPts val="0"/>
               </a:spcBef>
@@ -8752,7 +8992,7 @@
               <a:buChar char="○"/>
               <a:defRPr sz="1200"/>
             </a:lvl5pPr>
-            <a:lvl6pPr indent="-304800" lvl="5" marL="2743200">
+            <a:lvl6pPr marL="2743200" lvl="5" indent="-304800">
               <a:spcBef>
                 <a:spcPts val="0"/>
               </a:spcBef>
@@ -8763,7 +9003,7 @@
               <a:buChar char="■"/>
               <a:defRPr sz="1200"/>
             </a:lvl6pPr>
-            <a:lvl7pPr indent="-304800" lvl="6" marL="3200400">
+            <a:lvl7pPr marL="3200400" lvl="6" indent="-304800">
               <a:spcBef>
                 <a:spcPts val="0"/>
               </a:spcBef>
@@ -8774,7 +9014,7 @@
               <a:buChar char="●"/>
               <a:defRPr sz="1200"/>
             </a:lvl7pPr>
-            <a:lvl8pPr indent="-304800" lvl="7" marL="3657600">
+            <a:lvl8pPr marL="3657600" lvl="7" indent="-304800">
               <a:spcBef>
                 <a:spcPts val="0"/>
               </a:spcBef>
@@ -8785,7 +9025,7 @@
               <a:buChar char="○"/>
               <a:defRPr sz="1200"/>
             </a:lvl8pPr>
-            <a:lvl9pPr indent="-304800" lvl="8" marL="4114800">
+            <a:lvl9pPr marL="4114800" lvl="8" indent="-304800">
               <a:spcBef>
                 <a:spcPts val="0"/>
               </a:spcBef>
@@ -8797,15 +9037,19 @@
               <a:defRPr sz="1200"/>
             </a:lvl9pPr>
           </a:lstStyle>
-          <a:p/>
+          <a:p>
+            <a:endParaRPr/>
+          </a:p>
         </p:txBody>
       </p:sp>
       <p:sp>
         <p:nvSpPr>
           <p:cNvPr id="27" name="Google Shape;27;p5"/>
-          <p:cNvSpPr txBox="1"/>
+          <p:cNvSpPr txBox="1">
+            <a:spLocks noGrp="1"/>
+          </p:cNvSpPr>
           <p:nvPr>
-            <p:ph idx="12" type="sldNum"/>
+            <p:ph type="sldNum" idx="12"/>
           </p:nvPr>
         </p:nvSpPr>
         <p:spPr>
@@ -8818,7 +9062,7 @@
           </a:prstGeom>
         </p:spPr>
         <p:txBody>
-          <a:bodyPr anchorCtr="0" anchor="ctr" bIns="91425" lIns="91425" spcFirstLastPara="1" rIns="91425" wrap="square" tIns="91425">
+          <a:bodyPr spcFirstLastPara="1" wrap="square" lIns="91425" tIns="91425" rIns="91425" bIns="91425" anchor="ctr" anchorCtr="0">
             <a:normAutofit/>
           </a:bodyPr>
           <a:lstStyle>
@@ -8860,7 +9104,7 @@
             </a:lvl9pPr>
           </a:lstStyle>
           <a:p>
-            <a:pPr indent="0" lvl="0" marL="0" rtl="0" algn="r">
+            <a:pPr marL="0" lvl="0" indent="0" algn="r" rtl="0">
               <a:spcBef>
                 <a:spcPts val="0"/>
               </a:spcBef>
@@ -8886,11 +9130,11 @@
 </file>
 
 <file path=ppt/slideLayouts/slideLayout5.xml><?xml version="1.0" encoding="utf-8"?>
-<p:sldLayout xmlns:a="http://schemas.openxmlformats.org/drawingml/2006/main" xmlns:r="http://schemas.openxmlformats.org/officeDocument/2006/relationships" xmlns:mc="http://schemas.openxmlformats.org/markup-compatibility/2006" xmlns:mv="urn:schemas-microsoft-com:mac:vml" xmlns:p="http://schemas.openxmlformats.org/presentationml/2006/main" xmlns:c="http://schemas.openxmlformats.org/drawingml/2006/chart" xmlns:dgm="http://schemas.openxmlformats.org/drawingml/2006/diagram" xmlns:o="urn:schemas-microsoft-com:office:office" xmlns:v="urn:schemas-microsoft-com:vml" xmlns:pvml="urn:schemas-microsoft-com:office:powerpoint" xmlns:com="http://schemas.openxmlformats.org/drawingml/2006/compatibility" xmlns:p14="http://schemas.microsoft.com/office/powerpoint/2010/main" xmlns:p15="http://schemas.microsoft.com/office/powerpoint/2012/main" xmlns:ahyp="http://schemas.microsoft.com/office/drawing/2018/hyperlinkcolor" matchingName="Title only" type="titleOnly">
+<p:sldLayout xmlns:a="http://schemas.openxmlformats.org/drawingml/2006/main" xmlns:r="http://schemas.openxmlformats.org/officeDocument/2006/relationships" xmlns:p="http://schemas.openxmlformats.org/presentationml/2006/main" matchingName="Title only" type="titleOnly">
   <p:cSld name="TITLE_ONLY">
     <p:spTree>
       <p:nvGrpSpPr>
-        <p:cNvPr id="28" name="Shape 28"/>
+        <p:cNvPr id="1" name="Shape 28"/>
         <p:cNvGrpSpPr/>
         <p:nvPr/>
       </p:nvGrpSpPr>
@@ -8905,7 +9149,9 @@
       <p:sp>
         <p:nvSpPr>
           <p:cNvPr id="29" name="Google Shape;29;p6"/>
-          <p:cNvSpPr txBox="1"/>
+          <p:cNvSpPr txBox="1">
+            <a:spLocks noGrp="1"/>
+          </p:cNvSpPr>
           <p:nvPr>
             <p:ph type="title"/>
           </p:nvPr>
@@ -8920,7 +9166,7 @@
           </a:prstGeom>
         </p:spPr>
         <p:txBody>
-          <a:bodyPr anchorCtr="0" anchor="t" bIns="91425" lIns="91425" spcFirstLastPara="1" rIns="91425" wrap="square" tIns="91425">
+          <a:bodyPr spcFirstLastPara="1" wrap="square" lIns="91425" tIns="91425" rIns="91425" bIns="91425" anchor="t" anchorCtr="0">
             <a:normAutofit/>
           </a:bodyPr>
           <a:lstStyle>
@@ -9024,15 +9270,19 @@
               <a:defRPr/>
             </a:lvl9pPr>
           </a:lstStyle>
-          <a:p/>
+          <a:p>
+            <a:endParaRPr/>
+          </a:p>
         </p:txBody>
       </p:sp>
       <p:sp>
         <p:nvSpPr>
           <p:cNvPr id="30" name="Google Shape;30;p6"/>
-          <p:cNvSpPr txBox="1"/>
+          <p:cNvSpPr txBox="1">
+            <a:spLocks noGrp="1"/>
+          </p:cNvSpPr>
           <p:nvPr>
-            <p:ph idx="12" type="sldNum"/>
+            <p:ph type="sldNum" idx="12"/>
           </p:nvPr>
         </p:nvSpPr>
         <p:spPr>
@@ -9045,7 +9295,7 @@
           </a:prstGeom>
         </p:spPr>
         <p:txBody>
-          <a:bodyPr anchorCtr="0" anchor="ctr" bIns="91425" lIns="91425" spcFirstLastPara="1" rIns="91425" wrap="square" tIns="91425">
+          <a:bodyPr spcFirstLastPara="1" wrap="square" lIns="91425" tIns="91425" rIns="91425" bIns="91425" anchor="ctr" anchorCtr="0">
             <a:normAutofit/>
           </a:bodyPr>
           <a:lstStyle>
@@ -9087,7 +9337,7 @@
             </a:lvl9pPr>
           </a:lstStyle>
           <a:p>
-            <a:pPr indent="0" lvl="0" marL="0" rtl="0" algn="r">
+            <a:pPr marL="0" lvl="0" indent="0" algn="r" rtl="0">
               <a:spcBef>
                 <a:spcPts val="0"/>
               </a:spcBef>
@@ -9113,11 +9363,11 @@
 </file>
 
 <file path=ppt/slideLayouts/slideLayout6.xml><?xml version="1.0" encoding="utf-8"?>
-<p:sldLayout xmlns:a="http://schemas.openxmlformats.org/drawingml/2006/main" xmlns:r="http://schemas.openxmlformats.org/officeDocument/2006/relationships" xmlns:mc="http://schemas.openxmlformats.org/markup-compatibility/2006" xmlns:mv="urn:schemas-microsoft-com:mac:vml" xmlns:p="http://schemas.openxmlformats.org/presentationml/2006/main" xmlns:c="http://schemas.openxmlformats.org/drawingml/2006/chart" xmlns:dgm="http://schemas.openxmlformats.org/drawingml/2006/diagram" xmlns:o="urn:schemas-microsoft-com:office:office" xmlns:v="urn:schemas-microsoft-com:vml" xmlns:pvml="urn:schemas-microsoft-com:office:powerpoint" xmlns:com="http://schemas.openxmlformats.org/drawingml/2006/compatibility" xmlns:p14="http://schemas.microsoft.com/office/powerpoint/2010/main" xmlns:p15="http://schemas.microsoft.com/office/powerpoint/2012/main" xmlns:ahyp="http://schemas.microsoft.com/office/drawing/2018/hyperlinkcolor" matchingName="One column text">
+<p:sldLayout xmlns:a="http://schemas.openxmlformats.org/drawingml/2006/main" xmlns:r="http://schemas.openxmlformats.org/officeDocument/2006/relationships" xmlns:p="http://schemas.openxmlformats.org/presentationml/2006/main" matchingName="One column text">
   <p:cSld name="ONE_COLUMN_TEXT">
     <p:spTree>
       <p:nvGrpSpPr>
-        <p:cNvPr id="31" name="Shape 31"/>
+        <p:cNvPr id="1" name="Shape 31"/>
         <p:cNvGrpSpPr/>
         <p:nvPr/>
       </p:nvGrpSpPr>
@@ -9132,7 +9382,9 @@
       <p:sp>
         <p:nvSpPr>
           <p:cNvPr id="32" name="Google Shape;32;p7"/>
-          <p:cNvSpPr txBox="1"/>
+          <p:cNvSpPr txBox="1">
+            <a:spLocks noGrp="1"/>
+          </p:cNvSpPr>
           <p:nvPr>
             <p:ph type="title"/>
           </p:nvPr>
@@ -9147,7 +9399,7 @@
           </a:prstGeom>
         </p:spPr>
         <p:txBody>
-          <a:bodyPr anchorCtr="0" anchor="b" bIns="91425" lIns="91425" spcFirstLastPara="1" rIns="91425" wrap="square" tIns="91425">
+          <a:bodyPr spcFirstLastPara="1" wrap="square" lIns="91425" tIns="91425" rIns="91425" bIns="91425" anchor="b" anchorCtr="0">
             <a:normAutofit/>
           </a:bodyPr>
           <a:lstStyle>
@@ -9251,15 +9503,19 @@
               <a:defRPr sz="2400"/>
             </a:lvl9pPr>
           </a:lstStyle>
-          <a:p/>
+          <a:p>
+            <a:endParaRPr/>
+          </a:p>
         </p:txBody>
       </p:sp>
       <p:sp>
         <p:nvSpPr>
           <p:cNvPr id="33" name="Google Shape;33;p7"/>
-          <p:cNvSpPr txBox="1"/>
+          <p:cNvSpPr txBox="1">
+            <a:spLocks noGrp="1"/>
+          </p:cNvSpPr>
           <p:nvPr>
-            <p:ph idx="1" type="body"/>
+            <p:ph type="body" idx="1"/>
           </p:nvPr>
         </p:nvSpPr>
         <p:spPr>
@@ -9272,11 +9528,11 @@
           </a:prstGeom>
         </p:spPr>
         <p:txBody>
-          <a:bodyPr anchorCtr="0" anchor="t" bIns="91425" lIns="91425" spcFirstLastPara="1" rIns="91425" wrap="square" tIns="91425">
+          <a:bodyPr spcFirstLastPara="1" wrap="square" lIns="91425" tIns="91425" rIns="91425" bIns="91425" anchor="t" anchorCtr="0">
             <a:normAutofit/>
           </a:bodyPr>
           <a:lstStyle>
-            <a:lvl1pPr indent="-304800" lvl="0" marL="457200">
+            <a:lvl1pPr marL="457200" lvl="0" indent="-304800">
               <a:spcBef>
                 <a:spcPts val="0"/>
               </a:spcBef>
@@ -9287,7 +9543,7 @@
               <a:buChar char="●"/>
               <a:defRPr sz="1200"/>
             </a:lvl1pPr>
-            <a:lvl2pPr indent="-304800" lvl="1" marL="914400">
+            <a:lvl2pPr marL="914400" lvl="1" indent="-304800">
               <a:spcBef>
                 <a:spcPts val="0"/>
               </a:spcBef>
@@ -9298,7 +9554,7 @@
               <a:buChar char="○"/>
               <a:defRPr sz="1200"/>
             </a:lvl2pPr>
-            <a:lvl3pPr indent="-304800" lvl="2" marL="1371600">
+            <a:lvl3pPr marL="1371600" lvl="2" indent="-304800">
               <a:spcBef>
                 <a:spcPts val="0"/>
               </a:spcBef>
@@ -9309,7 +9565,7 @@
               <a:buChar char="■"/>
               <a:defRPr sz="1200"/>
             </a:lvl3pPr>
-            <a:lvl4pPr indent="-304800" lvl="3" marL="1828800">
+            <a:lvl4pPr marL="1828800" lvl="3" indent="-304800">
               <a:spcBef>
                 <a:spcPts val="0"/>
               </a:spcBef>
@@ -9320,7 +9576,7 @@
               <a:buChar char="●"/>
               <a:defRPr sz="1200"/>
             </a:lvl4pPr>
-            <a:lvl5pPr indent="-304800" lvl="4" marL="2286000">
+            <a:lvl5pPr marL="2286000" lvl="4" indent="-304800">
               <a:spcBef>
                 <a:spcPts val="0"/>
               </a:spcBef>
@@ -9331,7 +9587,7 @@
               <a:buChar char="○"/>
               <a:defRPr sz="1200"/>
             </a:lvl5pPr>
-            <a:lvl6pPr indent="-304800" lvl="5" marL="2743200">
+            <a:lvl6pPr marL="2743200" lvl="5" indent="-304800">
               <a:spcBef>
                 <a:spcPts val="0"/>
               </a:spcBef>
@@ -9342,7 +9598,7 @@
               <a:buChar char="■"/>
               <a:defRPr sz="1200"/>
             </a:lvl6pPr>
-            <a:lvl7pPr indent="-304800" lvl="6" marL="3200400">
+            <a:lvl7pPr marL="3200400" lvl="6" indent="-304800">
               <a:spcBef>
                 <a:spcPts val="0"/>
               </a:spcBef>
@@ -9353,7 +9609,7 @@
               <a:buChar char="●"/>
               <a:defRPr sz="1200"/>
             </a:lvl7pPr>
-            <a:lvl8pPr indent="-304800" lvl="7" marL="3657600">
+            <a:lvl8pPr marL="3657600" lvl="7" indent="-304800">
               <a:spcBef>
                 <a:spcPts val="0"/>
               </a:spcBef>
@@ -9364,7 +9620,7 @@
               <a:buChar char="○"/>
               <a:defRPr sz="1200"/>
             </a:lvl8pPr>
-            <a:lvl9pPr indent="-304800" lvl="8" marL="4114800">
+            <a:lvl9pPr marL="4114800" lvl="8" indent="-304800">
               <a:spcBef>
                 <a:spcPts val="0"/>
               </a:spcBef>
@@ -9376,15 +9632,19 @@
               <a:defRPr sz="1200"/>
             </a:lvl9pPr>
           </a:lstStyle>
-          <a:p/>
+          <a:p>
+            <a:endParaRPr/>
+          </a:p>
         </p:txBody>
       </p:sp>
       <p:sp>
         <p:nvSpPr>
           <p:cNvPr id="34" name="Google Shape;34;p7"/>
-          <p:cNvSpPr txBox="1"/>
+          <p:cNvSpPr txBox="1">
+            <a:spLocks noGrp="1"/>
+          </p:cNvSpPr>
           <p:nvPr>
-            <p:ph idx="12" type="sldNum"/>
+            <p:ph type="sldNum" idx="12"/>
           </p:nvPr>
         </p:nvSpPr>
         <p:spPr>
@@ -9397,7 +9657,7 @@
           </a:prstGeom>
         </p:spPr>
         <p:txBody>
-          <a:bodyPr anchorCtr="0" anchor="ctr" bIns="91425" lIns="91425" spcFirstLastPara="1" rIns="91425" wrap="square" tIns="91425">
+          <a:bodyPr spcFirstLastPara="1" wrap="square" lIns="91425" tIns="91425" rIns="91425" bIns="91425" anchor="ctr" anchorCtr="0">
             <a:normAutofit/>
           </a:bodyPr>
           <a:lstStyle>
@@ -9439,7 +9699,7 @@
             </a:lvl9pPr>
           </a:lstStyle>
           <a:p>
-            <a:pPr indent="0" lvl="0" marL="0" rtl="0" algn="r">
+            <a:pPr marL="0" lvl="0" indent="0" algn="r" rtl="0">
               <a:spcBef>
                 <a:spcPts val="0"/>
               </a:spcBef>
@@ -9465,18 +9725,19 @@
 </file>
 
 <file path=ppt/slideLayouts/slideLayout7.xml><?xml version="1.0" encoding="utf-8"?>
-<p:sldLayout xmlns:a="http://schemas.openxmlformats.org/drawingml/2006/main" xmlns:r="http://schemas.openxmlformats.org/officeDocument/2006/relationships" xmlns:mc="http://schemas.openxmlformats.org/markup-compatibility/2006" xmlns:mv="urn:schemas-microsoft-com:mac:vml" xmlns:p="http://schemas.openxmlformats.org/presentationml/2006/main" xmlns:c="http://schemas.openxmlformats.org/drawingml/2006/chart" xmlns:dgm="http://schemas.openxmlformats.org/drawingml/2006/diagram" xmlns:o="urn:schemas-microsoft-com:office:office" xmlns:v="urn:schemas-microsoft-com:vml" xmlns:pvml="urn:schemas-microsoft-com:office:powerpoint" xmlns:com="http://schemas.openxmlformats.org/drawingml/2006/compatibility" xmlns:p14="http://schemas.microsoft.com/office/powerpoint/2010/main" xmlns:p15="http://schemas.microsoft.com/office/powerpoint/2012/main" xmlns:ahyp="http://schemas.microsoft.com/office/drawing/2018/hyperlinkcolor" matchingName="Main point">
+<p:sldLayout xmlns:a="http://schemas.openxmlformats.org/drawingml/2006/main" xmlns:r="http://schemas.openxmlformats.org/officeDocument/2006/relationships" xmlns:p="http://schemas.openxmlformats.org/presentationml/2006/main" matchingName="Main point">
   <p:cSld name="MAIN_POINT">
     <p:bg>
       <p:bgPr>
         <a:solidFill>
           <a:schemeClr val="lt2"/>
         </a:solidFill>
+        <a:effectLst/>
       </p:bgPr>
     </p:bg>
     <p:spTree>
       <p:nvGrpSpPr>
-        <p:cNvPr id="35" name="Shape 35"/>
+        <p:cNvPr id="1" name="Shape 35"/>
         <p:cNvGrpSpPr/>
         <p:nvPr/>
       </p:nvGrpSpPr>
@@ -9491,7 +9752,9 @@
       <p:sp>
         <p:nvSpPr>
           <p:cNvPr id="36" name="Google Shape;36;p8"/>
-          <p:cNvSpPr txBox="1"/>
+          <p:cNvSpPr txBox="1">
+            <a:spLocks noGrp="1"/>
+          </p:cNvSpPr>
           <p:nvPr>
             <p:ph type="title"/>
           </p:nvPr>
@@ -9506,7 +9769,7 @@
           </a:prstGeom>
         </p:spPr>
         <p:txBody>
-          <a:bodyPr anchorCtr="0" anchor="ctr" bIns="91425" lIns="91425" spcFirstLastPara="1" rIns="91425" wrap="square" tIns="91425">
+          <a:bodyPr spcFirstLastPara="1" wrap="square" lIns="91425" tIns="91425" rIns="91425" bIns="91425" anchor="ctr" anchorCtr="0">
             <a:normAutofit/>
           </a:bodyPr>
           <a:lstStyle>
@@ -9610,15 +9873,19 @@
               <a:defRPr sz="4800"/>
             </a:lvl9pPr>
           </a:lstStyle>
-          <a:p/>
+          <a:p>
+            <a:endParaRPr/>
+          </a:p>
         </p:txBody>
       </p:sp>
       <p:sp>
         <p:nvSpPr>
           <p:cNvPr id="37" name="Google Shape;37;p8"/>
-          <p:cNvSpPr txBox="1"/>
+          <p:cNvSpPr txBox="1">
+            <a:spLocks noGrp="1"/>
+          </p:cNvSpPr>
           <p:nvPr>
-            <p:ph idx="12" type="sldNum"/>
+            <p:ph type="sldNum" idx="12"/>
           </p:nvPr>
         </p:nvSpPr>
         <p:spPr>
@@ -9631,7 +9898,7 @@
           </a:prstGeom>
         </p:spPr>
         <p:txBody>
-          <a:bodyPr anchorCtr="0" anchor="ctr" bIns="91425" lIns="91425" spcFirstLastPara="1" rIns="91425" wrap="square" tIns="91425">
+          <a:bodyPr spcFirstLastPara="1" wrap="square" lIns="91425" tIns="91425" rIns="91425" bIns="91425" anchor="ctr" anchorCtr="0">
             <a:normAutofit/>
           </a:bodyPr>
           <a:lstStyle>
@@ -9673,7 +9940,7 @@
             </a:lvl9pPr>
           </a:lstStyle>
           <a:p>
-            <a:pPr indent="0" lvl="0" marL="0" rtl="0" algn="r">
+            <a:pPr marL="0" lvl="0" indent="0" algn="r" rtl="0">
               <a:spcBef>
                 <a:spcPts val="0"/>
               </a:spcBef>
@@ -9699,11 +9966,11 @@
 </file>
 
 <file path=ppt/slideLayouts/slideLayout8.xml><?xml version="1.0" encoding="utf-8"?>
-<p:sldLayout xmlns:a="http://schemas.openxmlformats.org/drawingml/2006/main" xmlns:r="http://schemas.openxmlformats.org/officeDocument/2006/relationships" xmlns:mc="http://schemas.openxmlformats.org/markup-compatibility/2006" xmlns:mv="urn:schemas-microsoft-com:mac:vml" xmlns:p="http://schemas.openxmlformats.org/presentationml/2006/main" xmlns:c="http://schemas.openxmlformats.org/drawingml/2006/chart" xmlns:dgm="http://schemas.openxmlformats.org/drawingml/2006/diagram" xmlns:o="urn:schemas-microsoft-com:office:office" xmlns:v="urn:schemas-microsoft-com:vml" xmlns:pvml="urn:schemas-microsoft-com:office:powerpoint" xmlns:com="http://schemas.openxmlformats.org/drawingml/2006/compatibility" xmlns:p14="http://schemas.microsoft.com/office/powerpoint/2010/main" xmlns:p15="http://schemas.microsoft.com/office/powerpoint/2012/main" xmlns:ahyp="http://schemas.microsoft.com/office/drawing/2018/hyperlinkcolor" matchingName="Section title and description">
+<p:sldLayout xmlns:a="http://schemas.openxmlformats.org/drawingml/2006/main" xmlns:r="http://schemas.openxmlformats.org/officeDocument/2006/relationships" xmlns:p="http://schemas.openxmlformats.org/presentationml/2006/main" matchingName="Section title and description">
   <p:cSld name="SECTION_TITLE_AND_DESCRIPTION">
     <p:spTree>
       <p:nvGrpSpPr>
-        <p:cNvPr id="38" name="Shape 38"/>
+        <p:cNvPr id="1" name="Shape 38"/>
         <p:cNvGrpSpPr/>
         <p:nvPr/>
       </p:nvGrpSpPr>
@@ -9737,12 +10004,12 @@
           </a:ln>
         </p:spPr>
         <p:txBody>
-          <a:bodyPr anchorCtr="0" anchor="ctr" bIns="91425" lIns="91425" spcFirstLastPara="1" rIns="91425" wrap="square" tIns="91425">
+          <a:bodyPr spcFirstLastPara="1" wrap="square" lIns="91425" tIns="91425" rIns="91425" bIns="91425" anchor="ctr" anchorCtr="0">
             <a:noAutofit/>
           </a:bodyPr>
           <a:lstStyle/>
           <a:p>
-            <a:pPr indent="0" lvl="0" marL="0" rtl="0" algn="l">
+            <a:pPr marL="0" lvl="0" indent="0" algn="l" rtl="0">
               <a:spcBef>
                 <a:spcPts val="0"/>
               </a:spcBef>
@@ -9751,9 +10018,6 @@
               </a:spcAft>
               <a:buNone/>
             </a:pPr>
-            <a:r>
-              <a:t/>
-            </a:r>
             <a:endParaRPr/>
           </a:p>
         </p:txBody>
@@ -9773,21 +10037,23 @@
             <a:avLst/>
           </a:prstGeom>
           <a:noFill/>
-          <a:ln cap="flat" cmpd="sng" w="19050">
+          <a:ln w="19050" cap="flat" cmpd="sng">
             <a:solidFill>
               <a:schemeClr val="lt2"/>
             </a:solidFill>
             <a:prstDash val="solid"/>
             <a:round/>
-            <a:headEnd len="sm" w="sm" type="none"/>
-            <a:tailEnd len="sm" w="sm" type="none"/>
+            <a:headEnd type="none" w="sm" len="sm"/>
+            <a:tailEnd type="none" w="sm" len="sm"/>
           </a:ln>
         </p:spPr>
       </p:cxnSp>
       <p:sp>
         <p:nvSpPr>
           <p:cNvPr id="41" name="Google Shape;41;p9"/>
-          <p:cNvSpPr txBox="1"/>
+          <p:cNvSpPr txBox="1">
+            <a:spLocks noGrp="1"/>
+          </p:cNvSpPr>
           <p:nvPr>
             <p:ph type="title"/>
           </p:nvPr>
@@ -9802,7 +10068,7 @@
           </a:prstGeom>
         </p:spPr>
         <p:txBody>
-          <a:bodyPr anchorCtr="0" anchor="b" bIns="91425" lIns="91425" spcFirstLastPara="1" rIns="91425" wrap="square" tIns="91425">
+          <a:bodyPr spcFirstLastPara="1" wrap="square" lIns="91425" tIns="91425" rIns="91425" bIns="91425" anchor="b" anchorCtr="0">
             <a:normAutofit/>
           </a:bodyPr>
           <a:lstStyle>
@@ -9906,15 +10172,19 @@
               <a:defRPr sz="4200"/>
             </a:lvl9pPr>
           </a:lstStyle>
-          <a:p/>
+          <a:p>
+            <a:endParaRPr/>
+          </a:p>
         </p:txBody>
       </p:sp>
       <p:sp>
         <p:nvSpPr>
           <p:cNvPr id="42" name="Google Shape;42;p9"/>
-          <p:cNvSpPr txBox="1"/>
+          <p:cNvSpPr txBox="1">
+            <a:spLocks noGrp="1"/>
+          </p:cNvSpPr>
           <p:nvPr>
-            <p:ph idx="1" type="subTitle"/>
+            <p:ph type="subTitle" idx="1"/>
           </p:nvPr>
         </p:nvSpPr>
         <p:spPr>
@@ -9927,7 +10197,7 @@
           </a:prstGeom>
         </p:spPr>
         <p:txBody>
-          <a:bodyPr anchorCtr="0" anchor="t" bIns="91425" lIns="91425" spcFirstLastPara="1" rIns="91425" wrap="square" tIns="91425">
+          <a:bodyPr spcFirstLastPara="1" wrap="square" lIns="91425" tIns="91425" rIns="91425" bIns="91425" anchor="t" anchorCtr="0">
             <a:normAutofit/>
           </a:bodyPr>
           <a:lstStyle>
@@ -10058,15 +10328,19 @@
               <a:defRPr sz="2100"/>
             </a:lvl9pPr>
           </a:lstStyle>
-          <a:p/>
+          <a:p>
+            <a:endParaRPr/>
+          </a:p>
         </p:txBody>
       </p:sp>
       <p:sp>
         <p:nvSpPr>
           <p:cNvPr id="43" name="Google Shape;43;p9"/>
-          <p:cNvSpPr txBox="1"/>
+          <p:cNvSpPr txBox="1">
+            <a:spLocks noGrp="1"/>
+          </p:cNvSpPr>
           <p:nvPr>
-            <p:ph idx="2" type="body"/>
+            <p:ph type="body" idx="2"/>
           </p:nvPr>
         </p:nvSpPr>
         <p:spPr>
@@ -10079,11 +10353,11 @@
           </a:prstGeom>
         </p:spPr>
         <p:txBody>
-          <a:bodyPr anchorCtr="0" anchor="ctr" bIns="91425" lIns="91425" spcFirstLastPara="1" rIns="91425" wrap="square" tIns="91425">
+          <a:bodyPr spcFirstLastPara="1" wrap="square" lIns="91425" tIns="91425" rIns="91425" bIns="91425" anchor="ctr" anchorCtr="0">
             <a:normAutofit/>
           </a:bodyPr>
           <a:lstStyle>
-            <a:lvl1pPr indent="-342900" lvl="0" marL="457200">
+            <a:lvl1pPr marL="457200" lvl="0" indent="-342900">
               <a:spcBef>
                 <a:spcPts val="0"/>
               </a:spcBef>
@@ -10101,7 +10375,7 @@
                 </a:solidFill>
               </a:defRPr>
             </a:lvl1pPr>
-            <a:lvl2pPr indent="-317500" lvl="1" marL="914400">
+            <a:lvl2pPr marL="914400" lvl="1" indent="-317500">
               <a:spcBef>
                 <a:spcPts val="0"/>
               </a:spcBef>
@@ -10119,7 +10393,7 @@
                 </a:solidFill>
               </a:defRPr>
             </a:lvl2pPr>
-            <a:lvl3pPr indent="-317500" lvl="2" marL="1371600">
+            <a:lvl3pPr marL="1371600" lvl="2" indent="-317500">
               <a:spcBef>
                 <a:spcPts val="0"/>
               </a:spcBef>
@@ -10137,7 +10411,7 @@
                 </a:solidFill>
               </a:defRPr>
             </a:lvl3pPr>
-            <a:lvl4pPr indent="-317500" lvl="3" marL="1828800">
+            <a:lvl4pPr marL="1828800" lvl="3" indent="-317500">
               <a:spcBef>
                 <a:spcPts val="0"/>
               </a:spcBef>
@@ -10155,7 +10429,7 @@
                 </a:solidFill>
               </a:defRPr>
             </a:lvl4pPr>
-            <a:lvl5pPr indent="-317500" lvl="4" marL="2286000">
+            <a:lvl5pPr marL="2286000" lvl="4" indent="-317500">
               <a:spcBef>
                 <a:spcPts val="0"/>
               </a:spcBef>
@@ -10173,7 +10447,7 @@
                 </a:solidFill>
               </a:defRPr>
             </a:lvl5pPr>
-            <a:lvl6pPr indent="-317500" lvl="5" marL="2743200">
+            <a:lvl6pPr marL="2743200" lvl="5" indent="-317500">
               <a:spcBef>
                 <a:spcPts val="0"/>
               </a:spcBef>
@@ -10191,7 +10465,7 @@
                 </a:solidFill>
               </a:defRPr>
             </a:lvl6pPr>
-            <a:lvl7pPr indent="-317500" lvl="6" marL="3200400">
+            <a:lvl7pPr marL="3200400" lvl="6" indent="-317500">
               <a:spcBef>
                 <a:spcPts val="0"/>
               </a:spcBef>
@@ -10209,7 +10483,7 @@
                 </a:solidFill>
               </a:defRPr>
             </a:lvl7pPr>
-            <a:lvl8pPr indent="-317500" lvl="7" marL="3657600">
+            <a:lvl8pPr marL="3657600" lvl="7" indent="-317500">
               <a:spcBef>
                 <a:spcPts val="0"/>
               </a:spcBef>
@@ -10227,7 +10501,7 @@
                 </a:solidFill>
               </a:defRPr>
             </a:lvl8pPr>
-            <a:lvl9pPr indent="-317500" lvl="8" marL="4114800">
+            <a:lvl9pPr marL="4114800" lvl="8" indent="-317500">
               <a:spcBef>
                 <a:spcPts val="0"/>
               </a:spcBef>
@@ -10246,15 +10520,19 @@
               </a:defRPr>
             </a:lvl9pPr>
           </a:lstStyle>
-          <a:p/>
+          <a:p>
+            <a:endParaRPr/>
+          </a:p>
         </p:txBody>
       </p:sp>
       <p:sp>
         <p:nvSpPr>
           <p:cNvPr id="44" name="Google Shape;44;p9"/>
-          <p:cNvSpPr txBox="1"/>
+          <p:cNvSpPr txBox="1">
+            <a:spLocks noGrp="1"/>
+          </p:cNvSpPr>
           <p:nvPr>
-            <p:ph idx="12" type="sldNum"/>
+            <p:ph type="sldNum" idx="12"/>
           </p:nvPr>
         </p:nvSpPr>
         <p:spPr>
@@ -10267,7 +10545,7 @@
           </a:prstGeom>
         </p:spPr>
         <p:txBody>
-          <a:bodyPr anchorCtr="0" anchor="ctr" bIns="91425" lIns="91425" spcFirstLastPara="1" rIns="91425" wrap="square" tIns="91425">
+          <a:bodyPr spcFirstLastPara="1" wrap="square" lIns="91425" tIns="91425" rIns="91425" bIns="91425" anchor="ctr" anchorCtr="0">
             <a:normAutofit/>
           </a:bodyPr>
           <a:lstStyle>
@@ -10345,7 +10623,7 @@
             </a:lvl9pPr>
           </a:lstStyle>
           <a:p>
-            <a:pPr indent="0" lvl="0" marL="0" rtl="0" algn="r">
+            <a:pPr marL="0" lvl="0" indent="0" algn="r" rtl="0">
               <a:spcBef>
                 <a:spcPts val="0"/>
               </a:spcBef>
@@ -10371,11 +10649,11 @@
 </file>
 
 <file path=ppt/slideLayouts/slideLayout9.xml><?xml version="1.0" encoding="utf-8"?>
-<p:sldLayout xmlns:a="http://schemas.openxmlformats.org/drawingml/2006/main" xmlns:r="http://schemas.openxmlformats.org/officeDocument/2006/relationships" xmlns:mc="http://schemas.openxmlformats.org/markup-compatibility/2006" xmlns:mv="urn:schemas-microsoft-com:mac:vml" xmlns:p="http://schemas.openxmlformats.org/presentationml/2006/main" xmlns:c="http://schemas.openxmlformats.org/drawingml/2006/chart" xmlns:dgm="http://schemas.openxmlformats.org/drawingml/2006/diagram" xmlns:o="urn:schemas-microsoft-com:office:office" xmlns:v="urn:schemas-microsoft-com:vml" xmlns:pvml="urn:schemas-microsoft-com:office:powerpoint" xmlns:com="http://schemas.openxmlformats.org/drawingml/2006/compatibility" xmlns:p14="http://schemas.microsoft.com/office/powerpoint/2010/main" xmlns:p15="http://schemas.microsoft.com/office/powerpoint/2012/main" xmlns:ahyp="http://schemas.microsoft.com/office/drawing/2018/hyperlinkcolor" matchingName="Caption">
+<p:sldLayout xmlns:a="http://schemas.openxmlformats.org/drawingml/2006/main" xmlns:r="http://schemas.openxmlformats.org/officeDocument/2006/relationships" xmlns:p="http://schemas.openxmlformats.org/presentationml/2006/main" matchingName="Caption">
   <p:cSld name="CAPTION_ONLY">
     <p:spTree>
       <p:nvGrpSpPr>
-        <p:cNvPr id="45" name="Shape 45"/>
+        <p:cNvPr id="1" name="Shape 45"/>
         <p:cNvGrpSpPr/>
         <p:nvPr/>
       </p:nvGrpSpPr>
@@ -10390,9 +10668,11 @@
       <p:sp>
         <p:nvSpPr>
           <p:cNvPr id="46" name="Google Shape;46;p10"/>
-          <p:cNvSpPr txBox="1"/>
+          <p:cNvSpPr txBox="1">
+            <a:spLocks noGrp="1"/>
+          </p:cNvSpPr>
           <p:nvPr>
-            <p:ph idx="1" type="body"/>
+            <p:ph type="body" idx="1"/>
           </p:nvPr>
         </p:nvSpPr>
         <p:spPr>
@@ -10405,11 +10685,11 @@
           </a:prstGeom>
         </p:spPr>
         <p:txBody>
-          <a:bodyPr anchorCtr="0" anchor="ctr" bIns="91425" lIns="91425" spcFirstLastPara="1" rIns="91425" wrap="square" tIns="91425">
+          <a:bodyPr spcFirstLastPara="1" wrap="square" lIns="91425" tIns="91425" rIns="91425" bIns="91425" anchor="ctr" anchorCtr="0">
             <a:normAutofit/>
           </a:bodyPr>
           <a:lstStyle>
-            <a:lvl1pPr indent="-228600" lvl="0" marL="457200">
+            <a:lvl1pPr marL="457200" lvl="0" indent="-228600">
               <a:lnSpc>
                 <a:spcPct val="100000"/>
               </a:lnSpc>
@@ -10424,15 +10704,19 @@
               <a:defRPr sz="2100"/>
             </a:lvl1pPr>
           </a:lstStyle>
-          <a:p/>
+          <a:p>
+            <a:endParaRPr/>
+          </a:p>
         </p:txBody>
       </p:sp>
       <p:sp>
         <p:nvSpPr>
           <p:cNvPr id="47" name="Google Shape;47;p10"/>
-          <p:cNvSpPr txBox="1"/>
+          <p:cNvSpPr txBox="1">
+            <a:spLocks noGrp="1"/>
+          </p:cNvSpPr>
           <p:nvPr>
-            <p:ph idx="12" type="sldNum"/>
+            <p:ph type="sldNum" idx="12"/>
           </p:nvPr>
         </p:nvSpPr>
         <p:spPr>
@@ -10445,7 +10729,7 @@
           </a:prstGeom>
         </p:spPr>
         <p:txBody>
-          <a:bodyPr anchorCtr="0" anchor="ctr" bIns="91425" lIns="91425" spcFirstLastPara="1" rIns="91425" wrap="square" tIns="91425">
+          <a:bodyPr spcFirstLastPara="1" wrap="square" lIns="91425" tIns="91425" rIns="91425" bIns="91425" anchor="ctr" anchorCtr="0">
             <a:normAutofit/>
           </a:bodyPr>
           <a:lstStyle>
@@ -10487,7 +10771,7 @@
             </a:lvl9pPr>
           </a:lstStyle>
           <a:p>
-            <a:pPr indent="0" lvl="0" marL="0" rtl="0" algn="r">
+            <a:pPr marL="0" lvl="0" indent="0" algn="r" rtl="0">
               <a:spcBef>
                 <a:spcPts val="0"/>
               </a:spcBef>
@@ -10513,18 +10797,19 @@
 </file>
 
 <file path=ppt/slideMasters/slideMaster1.xml><?xml version="1.0" encoding="utf-8"?>
-<p:sldMaster xmlns:a="http://schemas.openxmlformats.org/drawingml/2006/main" xmlns:r="http://schemas.openxmlformats.org/officeDocument/2006/relationships" xmlns:mc="http://schemas.openxmlformats.org/markup-compatibility/2006" xmlns:mv="urn:schemas-microsoft-com:mac:vml" xmlns:p="http://schemas.openxmlformats.org/presentationml/2006/main" xmlns:c="http://schemas.openxmlformats.org/drawingml/2006/chart" xmlns:dgm="http://schemas.openxmlformats.org/drawingml/2006/diagram" xmlns:o="urn:schemas-microsoft-com:office:office" xmlns:v="urn:schemas-microsoft-com:vml" xmlns:pvml="urn:schemas-microsoft-com:office:powerpoint" xmlns:com="http://schemas.openxmlformats.org/drawingml/2006/compatibility" xmlns:p14="http://schemas.microsoft.com/office/powerpoint/2010/main" xmlns:p15="http://schemas.microsoft.com/office/powerpoint/2012/main" xmlns:ahyp="http://schemas.microsoft.com/office/drawing/2018/hyperlinkcolor">
+<p:sldMaster xmlns:a="http://schemas.openxmlformats.org/drawingml/2006/main" xmlns:r="http://schemas.openxmlformats.org/officeDocument/2006/relationships" xmlns:p="http://schemas.openxmlformats.org/presentationml/2006/main">
   <p:cSld name="spearmint">
     <p:bg>
       <p:bgPr>
         <a:solidFill>
           <a:schemeClr val="lt1"/>
         </a:solidFill>
+        <a:effectLst/>
       </p:bgPr>
     </p:bg>
     <p:spTree>
       <p:nvGrpSpPr>
-        <p:cNvPr id="5" name="Shape 5"/>
+        <p:cNvPr id="1" name="Shape 5"/>
         <p:cNvGrpSpPr/>
         <p:nvPr/>
       </p:nvGrpSpPr>
@@ -10539,7 +10824,9 @@
       <p:sp>
         <p:nvSpPr>
           <p:cNvPr id="6" name="Google Shape;6;p1"/>
-          <p:cNvSpPr txBox="1"/>
+          <p:cNvSpPr txBox="1">
+            <a:spLocks noGrp="1"/>
+          </p:cNvSpPr>
           <p:nvPr>
             <p:ph type="title"/>
           </p:nvPr>
@@ -10558,7 +10845,7 @@
           </a:ln>
         </p:spPr>
         <p:txBody>
-          <a:bodyPr anchorCtr="0" anchor="t" bIns="91425" lIns="91425" spcFirstLastPara="1" rIns="91425" wrap="square" tIns="91425">
+          <a:bodyPr spcFirstLastPara="1" wrap="square" lIns="91425" tIns="91425" rIns="91425" bIns="91425" anchor="t" anchorCtr="0">
             <a:normAutofit/>
           </a:bodyPr>
           <a:lstStyle>
@@ -10760,408 +11047,6 @@
               <a:buFont typeface="Proxima Nova"/>
               <a:buNone/>
               <a:defRPr sz="2800">
-                <a:solidFill>
-                  <a:schemeClr val="dk1"/>
-                </a:solidFill>
-                <a:latin typeface="Proxima Nova"/>
-                <a:ea typeface="Proxima Nova"/>
-                <a:cs typeface="Proxima Nova"/>
-                <a:sym typeface="Proxima Nova"/>
-              </a:defRPr>
-            </a:lvl9pPr>
-          </a:lstStyle>
-          <a:p/>
-        </p:txBody>
-      </p:sp>
-      <p:sp>
-        <p:nvSpPr>
-          <p:cNvPr id="7" name="Google Shape;7;p1"/>
-          <p:cNvSpPr txBox="1"/>
-          <p:nvPr>
-            <p:ph idx="1" type="body"/>
-          </p:nvPr>
-        </p:nvSpPr>
-        <p:spPr>
-          <a:xfrm>
-            <a:off x="311700" y="1152475"/>
-            <a:ext cx="8520600" cy="3416400"/>
-          </a:xfrm>
-          <a:prstGeom prst="rect">
-            <a:avLst/>
-          </a:prstGeom>
-          <a:noFill/>
-          <a:ln>
-            <a:noFill/>
-          </a:ln>
-        </p:spPr>
-        <p:txBody>
-          <a:bodyPr anchorCtr="0" anchor="t" bIns="91425" lIns="91425" spcFirstLastPara="1" rIns="91425" wrap="square" tIns="91425">
-            <a:normAutofit/>
-          </a:bodyPr>
-          <a:lstStyle>
-            <a:lvl1pPr indent="-342900" lvl="0" marL="457200">
-              <a:lnSpc>
-                <a:spcPct val="115000"/>
-              </a:lnSpc>
-              <a:spcBef>
-                <a:spcPts val="0"/>
-              </a:spcBef>
-              <a:spcAft>
-                <a:spcPts val="0"/>
-              </a:spcAft>
-              <a:buClr>
-                <a:schemeClr val="accent3"/>
-              </a:buClr>
-              <a:buSzPts val="1800"/>
-              <a:buFont typeface="Proxima Nova"/>
-              <a:buChar char="●"/>
-              <a:defRPr sz="1800">
-                <a:solidFill>
-                  <a:schemeClr val="accent3"/>
-                </a:solidFill>
-                <a:latin typeface="Proxima Nova"/>
-                <a:ea typeface="Proxima Nova"/>
-                <a:cs typeface="Proxima Nova"/>
-                <a:sym typeface="Proxima Nova"/>
-              </a:defRPr>
-            </a:lvl1pPr>
-            <a:lvl2pPr indent="-317500" lvl="1" marL="914400">
-              <a:lnSpc>
-                <a:spcPct val="115000"/>
-              </a:lnSpc>
-              <a:spcBef>
-                <a:spcPts val="0"/>
-              </a:spcBef>
-              <a:spcAft>
-                <a:spcPts val="0"/>
-              </a:spcAft>
-              <a:buClr>
-                <a:schemeClr val="accent3"/>
-              </a:buClr>
-              <a:buSzPts val="1400"/>
-              <a:buFont typeface="Proxima Nova"/>
-              <a:buChar char="○"/>
-              <a:defRPr>
-                <a:solidFill>
-                  <a:schemeClr val="accent3"/>
-                </a:solidFill>
-                <a:latin typeface="Proxima Nova"/>
-                <a:ea typeface="Proxima Nova"/>
-                <a:cs typeface="Proxima Nova"/>
-                <a:sym typeface="Proxima Nova"/>
-              </a:defRPr>
-            </a:lvl2pPr>
-            <a:lvl3pPr indent="-317500" lvl="2" marL="1371600">
-              <a:lnSpc>
-                <a:spcPct val="115000"/>
-              </a:lnSpc>
-              <a:spcBef>
-                <a:spcPts val="0"/>
-              </a:spcBef>
-              <a:spcAft>
-                <a:spcPts val="0"/>
-              </a:spcAft>
-              <a:buClr>
-                <a:schemeClr val="accent3"/>
-              </a:buClr>
-              <a:buSzPts val="1400"/>
-              <a:buFont typeface="Proxima Nova"/>
-              <a:buChar char="■"/>
-              <a:defRPr>
-                <a:solidFill>
-                  <a:schemeClr val="accent3"/>
-                </a:solidFill>
-                <a:latin typeface="Proxima Nova"/>
-                <a:ea typeface="Proxima Nova"/>
-                <a:cs typeface="Proxima Nova"/>
-                <a:sym typeface="Proxima Nova"/>
-              </a:defRPr>
-            </a:lvl3pPr>
-            <a:lvl4pPr indent="-317500" lvl="3" marL="1828800">
-              <a:lnSpc>
-                <a:spcPct val="115000"/>
-              </a:lnSpc>
-              <a:spcBef>
-                <a:spcPts val="0"/>
-              </a:spcBef>
-              <a:spcAft>
-                <a:spcPts val="0"/>
-              </a:spcAft>
-              <a:buClr>
-                <a:schemeClr val="accent3"/>
-              </a:buClr>
-              <a:buSzPts val="1400"/>
-              <a:buFont typeface="Proxima Nova"/>
-              <a:buChar char="●"/>
-              <a:defRPr>
-                <a:solidFill>
-                  <a:schemeClr val="accent3"/>
-                </a:solidFill>
-                <a:latin typeface="Proxima Nova"/>
-                <a:ea typeface="Proxima Nova"/>
-                <a:cs typeface="Proxima Nova"/>
-                <a:sym typeface="Proxima Nova"/>
-              </a:defRPr>
-            </a:lvl4pPr>
-            <a:lvl5pPr indent="-317500" lvl="4" marL="2286000">
-              <a:lnSpc>
-                <a:spcPct val="115000"/>
-              </a:lnSpc>
-              <a:spcBef>
-                <a:spcPts val="0"/>
-              </a:spcBef>
-              <a:spcAft>
-                <a:spcPts val="0"/>
-              </a:spcAft>
-              <a:buClr>
-                <a:schemeClr val="accent3"/>
-              </a:buClr>
-              <a:buSzPts val="1400"/>
-              <a:buFont typeface="Proxima Nova"/>
-              <a:buChar char="○"/>
-              <a:defRPr>
-                <a:solidFill>
-                  <a:schemeClr val="accent3"/>
-                </a:solidFill>
-                <a:latin typeface="Proxima Nova"/>
-                <a:ea typeface="Proxima Nova"/>
-                <a:cs typeface="Proxima Nova"/>
-                <a:sym typeface="Proxima Nova"/>
-              </a:defRPr>
-            </a:lvl5pPr>
-            <a:lvl6pPr indent="-317500" lvl="5" marL="2743200">
-              <a:lnSpc>
-                <a:spcPct val="115000"/>
-              </a:lnSpc>
-              <a:spcBef>
-                <a:spcPts val="0"/>
-              </a:spcBef>
-              <a:spcAft>
-                <a:spcPts val="0"/>
-              </a:spcAft>
-              <a:buClr>
-                <a:schemeClr val="accent3"/>
-              </a:buClr>
-              <a:buSzPts val="1400"/>
-              <a:buFont typeface="Proxima Nova"/>
-              <a:buChar char="■"/>
-              <a:defRPr>
-                <a:solidFill>
-                  <a:schemeClr val="accent3"/>
-                </a:solidFill>
-                <a:latin typeface="Proxima Nova"/>
-                <a:ea typeface="Proxima Nova"/>
-                <a:cs typeface="Proxima Nova"/>
-                <a:sym typeface="Proxima Nova"/>
-              </a:defRPr>
-            </a:lvl6pPr>
-            <a:lvl7pPr indent="-317500" lvl="6" marL="3200400">
-              <a:lnSpc>
-                <a:spcPct val="115000"/>
-              </a:lnSpc>
-              <a:spcBef>
-                <a:spcPts val="0"/>
-              </a:spcBef>
-              <a:spcAft>
-                <a:spcPts val="0"/>
-              </a:spcAft>
-              <a:buClr>
-                <a:schemeClr val="accent3"/>
-              </a:buClr>
-              <a:buSzPts val="1400"/>
-              <a:buFont typeface="Proxima Nova"/>
-              <a:buChar char="●"/>
-              <a:defRPr>
-                <a:solidFill>
-                  <a:schemeClr val="accent3"/>
-                </a:solidFill>
-                <a:latin typeface="Proxima Nova"/>
-                <a:ea typeface="Proxima Nova"/>
-                <a:cs typeface="Proxima Nova"/>
-                <a:sym typeface="Proxima Nova"/>
-              </a:defRPr>
-            </a:lvl7pPr>
-            <a:lvl8pPr indent="-317500" lvl="7" marL="3657600">
-              <a:lnSpc>
-                <a:spcPct val="115000"/>
-              </a:lnSpc>
-              <a:spcBef>
-                <a:spcPts val="0"/>
-              </a:spcBef>
-              <a:spcAft>
-                <a:spcPts val="0"/>
-              </a:spcAft>
-              <a:buClr>
-                <a:schemeClr val="accent3"/>
-              </a:buClr>
-              <a:buSzPts val="1400"/>
-              <a:buFont typeface="Proxima Nova"/>
-              <a:buChar char="○"/>
-              <a:defRPr>
-                <a:solidFill>
-                  <a:schemeClr val="accent3"/>
-                </a:solidFill>
-                <a:latin typeface="Proxima Nova"/>
-                <a:ea typeface="Proxima Nova"/>
-                <a:cs typeface="Proxima Nova"/>
-                <a:sym typeface="Proxima Nova"/>
-              </a:defRPr>
-            </a:lvl8pPr>
-            <a:lvl9pPr indent="-317500" lvl="8" marL="4114800">
-              <a:lnSpc>
-                <a:spcPct val="115000"/>
-              </a:lnSpc>
-              <a:spcBef>
-                <a:spcPts val="0"/>
-              </a:spcBef>
-              <a:spcAft>
-                <a:spcPts val="0"/>
-              </a:spcAft>
-              <a:buClr>
-                <a:schemeClr val="accent3"/>
-              </a:buClr>
-              <a:buSzPts val="1400"/>
-              <a:buFont typeface="Proxima Nova"/>
-              <a:buChar char="■"/>
-              <a:defRPr>
-                <a:solidFill>
-                  <a:schemeClr val="accent3"/>
-                </a:solidFill>
-                <a:latin typeface="Proxima Nova"/>
-                <a:ea typeface="Proxima Nova"/>
-                <a:cs typeface="Proxima Nova"/>
-                <a:sym typeface="Proxima Nova"/>
-              </a:defRPr>
-            </a:lvl9pPr>
-          </a:lstStyle>
-          <a:p/>
-        </p:txBody>
-      </p:sp>
-      <p:sp>
-        <p:nvSpPr>
-          <p:cNvPr id="8" name="Google Shape;8;p1"/>
-          <p:cNvSpPr txBox="1"/>
-          <p:nvPr>
-            <p:ph idx="12" type="sldNum"/>
-          </p:nvPr>
-        </p:nvSpPr>
-        <p:spPr>
-          <a:xfrm>
-            <a:off x="8472458" y="4663217"/>
-            <a:ext cx="548700" cy="393600"/>
-          </a:xfrm>
-          <a:prstGeom prst="rect">
-            <a:avLst/>
-          </a:prstGeom>
-          <a:noFill/>
-          <a:ln>
-            <a:noFill/>
-          </a:ln>
-        </p:spPr>
-        <p:txBody>
-          <a:bodyPr anchorCtr="0" anchor="ctr" bIns="91425" lIns="91425" spcFirstLastPara="1" rIns="91425" wrap="square" tIns="91425">
-            <a:normAutofit/>
-          </a:bodyPr>
-          <a:lstStyle>
-            <a:lvl1pPr lvl="0" algn="r">
-              <a:buNone/>
-              <a:defRPr sz="1000">
-                <a:solidFill>
-                  <a:schemeClr val="dk1"/>
-                </a:solidFill>
-                <a:latin typeface="Proxima Nova"/>
-                <a:ea typeface="Proxima Nova"/>
-                <a:cs typeface="Proxima Nova"/>
-                <a:sym typeface="Proxima Nova"/>
-              </a:defRPr>
-            </a:lvl1pPr>
-            <a:lvl2pPr lvl="1" algn="r">
-              <a:buNone/>
-              <a:defRPr sz="1000">
-                <a:solidFill>
-                  <a:schemeClr val="dk1"/>
-                </a:solidFill>
-                <a:latin typeface="Proxima Nova"/>
-                <a:ea typeface="Proxima Nova"/>
-                <a:cs typeface="Proxima Nova"/>
-                <a:sym typeface="Proxima Nova"/>
-              </a:defRPr>
-            </a:lvl2pPr>
-            <a:lvl3pPr lvl="2" algn="r">
-              <a:buNone/>
-              <a:defRPr sz="1000">
-                <a:solidFill>
-                  <a:schemeClr val="dk1"/>
-                </a:solidFill>
-                <a:latin typeface="Proxima Nova"/>
-                <a:ea typeface="Proxima Nova"/>
-                <a:cs typeface="Proxima Nova"/>
-                <a:sym typeface="Proxima Nova"/>
-              </a:defRPr>
-            </a:lvl3pPr>
-            <a:lvl4pPr lvl="3" algn="r">
-              <a:buNone/>
-              <a:defRPr sz="1000">
-                <a:solidFill>
-                  <a:schemeClr val="dk1"/>
-                </a:solidFill>
-                <a:latin typeface="Proxima Nova"/>
-                <a:ea typeface="Proxima Nova"/>
-                <a:cs typeface="Proxima Nova"/>
-                <a:sym typeface="Proxima Nova"/>
-              </a:defRPr>
-            </a:lvl4pPr>
-            <a:lvl5pPr lvl="4" algn="r">
-              <a:buNone/>
-              <a:defRPr sz="1000">
-                <a:solidFill>
-                  <a:schemeClr val="dk1"/>
-                </a:solidFill>
-                <a:latin typeface="Proxima Nova"/>
-                <a:ea typeface="Proxima Nova"/>
-                <a:cs typeface="Proxima Nova"/>
-                <a:sym typeface="Proxima Nova"/>
-              </a:defRPr>
-            </a:lvl5pPr>
-            <a:lvl6pPr lvl="5" algn="r">
-              <a:buNone/>
-              <a:defRPr sz="1000">
-                <a:solidFill>
-                  <a:schemeClr val="dk1"/>
-                </a:solidFill>
-                <a:latin typeface="Proxima Nova"/>
-                <a:ea typeface="Proxima Nova"/>
-                <a:cs typeface="Proxima Nova"/>
-                <a:sym typeface="Proxima Nova"/>
-              </a:defRPr>
-            </a:lvl6pPr>
-            <a:lvl7pPr lvl="6" algn="r">
-              <a:buNone/>
-              <a:defRPr sz="1000">
-                <a:solidFill>
-                  <a:schemeClr val="dk1"/>
-                </a:solidFill>
-                <a:latin typeface="Proxima Nova"/>
-                <a:ea typeface="Proxima Nova"/>
-                <a:cs typeface="Proxima Nova"/>
-                <a:sym typeface="Proxima Nova"/>
-              </a:defRPr>
-            </a:lvl7pPr>
-            <a:lvl8pPr lvl="7" algn="r">
-              <a:buNone/>
-              <a:defRPr sz="1000">
-                <a:solidFill>
-                  <a:schemeClr val="dk1"/>
-                </a:solidFill>
-                <a:latin typeface="Proxima Nova"/>
-                <a:ea typeface="Proxima Nova"/>
-                <a:cs typeface="Proxima Nova"/>
-                <a:sym typeface="Proxima Nova"/>
-              </a:defRPr>
-            </a:lvl8pPr>
-            <a:lvl9pPr lvl="8" algn="r">
-              <a:buNone/>
-              <a:defRPr sz="1000">
                 <a:solidFill>
                   <a:schemeClr val="dk1"/>
                 </a:solidFill>
@@ -11173,7 +11058,417 @@
             </a:lvl9pPr>
           </a:lstStyle>
           <a:p>
-            <a:pPr indent="0" lvl="0" marL="0" rtl="0" algn="r">
+            <a:endParaRPr/>
+          </a:p>
+        </p:txBody>
+      </p:sp>
+      <p:sp>
+        <p:nvSpPr>
+          <p:cNvPr id="7" name="Google Shape;7;p1"/>
+          <p:cNvSpPr txBox="1">
+            <a:spLocks noGrp="1"/>
+          </p:cNvSpPr>
+          <p:nvPr>
+            <p:ph type="body" idx="1"/>
+          </p:nvPr>
+        </p:nvSpPr>
+        <p:spPr>
+          <a:xfrm>
+            <a:off x="311700" y="1152475"/>
+            <a:ext cx="8520600" cy="3416400"/>
+          </a:xfrm>
+          <a:prstGeom prst="rect">
+            <a:avLst/>
+          </a:prstGeom>
+          <a:noFill/>
+          <a:ln>
+            <a:noFill/>
+          </a:ln>
+        </p:spPr>
+        <p:txBody>
+          <a:bodyPr spcFirstLastPara="1" wrap="square" lIns="91425" tIns="91425" rIns="91425" bIns="91425" anchor="t" anchorCtr="0">
+            <a:normAutofit/>
+          </a:bodyPr>
+          <a:lstStyle>
+            <a:lvl1pPr marL="457200" lvl="0" indent="-342900">
+              <a:lnSpc>
+                <a:spcPct val="115000"/>
+              </a:lnSpc>
+              <a:spcBef>
+                <a:spcPts val="0"/>
+              </a:spcBef>
+              <a:spcAft>
+                <a:spcPts val="0"/>
+              </a:spcAft>
+              <a:buClr>
+                <a:schemeClr val="accent3"/>
+              </a:buClr>
+              <a:buSzPts val="1800"/>
+              <a:buFont typeface="Proxima Nova"/>
+              <a:buChar char="●"/>
+              <a:defRPr sz="1800">
+                <a:solidFill>
+                  <a:schemeClr val="accent3"/>
+                </a:solidFill>
+                <a:latin typeface="Proxima Nova"/>
+                <a:ea typeface="Proxima Nova"/>
+                <a:cs typeface="Proxima Nova"/>
+                <a:sym typeface="Proxima Nova"/>
+              </a:defRPr>
+            </a:lvl1pPr>
+            <a:lvl2pPr marL="914400" lvl="1" indent="-317500">
+              <a:lnSpc>
+                <a:spcPct val="115000"/>
+              </a:lnSpc>
+              <a:spcBef>
+                <a:spcPts val="0"/>
+              </a:spcBef>
+              <a:spcAft>
+                <a:spcPts val="0"/>
+              </a:spcAft>
+              <a:buClr>
+                <a:schemeClr val="accent3"/>
+              </a:buClr>
+              <a:buSzPts val="1400"/>
+              <a:buFont typeface="Proxima Nova"/>
+              <a:buChar char="○"/>
+              <a:defRPr>
+                <a:solidFill>
+                  <a:schemeClr val="accent3"/>
+                </a:solidFill>
+                <a:latin typeface="Proxima Nova"/>
+                <a:ea typeface="Proxima Nova"/>
+                <a:cs typeface="Proxima Nova"/>
+                <a:sym typeface="Proxima Nova"/>
+              </a:defRPr>
+            </a:lvl2pPr>
+            <a:lvl3pPr marL="1371600" lvl="2" indent="-317500">
+              <a:lnSpc>
+                <a:spcPct val="115000"/>
+              </a:lnSpc>
+              <a:spcBef>
+                <a:spcPts val="0"/>
+              </a:spcBef>
+              <a:spcAft>
+                <a:spcPts val="0"/>
+              </a:spcAft>
+              <a:buClr>
+                <a:schemeClr val="accent3"/>
+              </a:buClr>
+              <a:buSzPts val="1400"/>
+              <a:buFont typeface="Proxima Nova"/>
+              <a:buChar char="■"/>
+              <a:defRPr>
+                <a:solidFill>
+                  <a:schemeClr val="accent3"/>
+                </a:solidFill>
+                <a:latin typeface="Proxima Nova"/>
+                <a:ea typeface="Proxima Nova"/>
+                <a:cs typeface="Proxima Nova"/>
+                <a:sym typeface="Proxima Nova"/>
+              </a:defRPr>
+            </a:lvl3pPr>
+            <a:lvl4pPr marL="1828800" lvl="3" indent="-317500">
+              <a:lnSpc>
+                <a:spcPct val="115000"/>
+              </a:lnSpc>
+              <a:spcBef>
+                <a:spcPts val="0"/>
+              </a:spcBef>
+              <a:spcAft>
+                <a:spcPts val="0"/>
+              </a:spcAft>
+              <a:buClr>
+                <a:schemeClr val="accent3"/>
+              </a:buClr>
+              <a:buSzPts val="1400"/>
+              <a:buFont typeface="Proxima Nova"/>
+              <a:buChar char="●"/>
+              <a:defRPr>
+                <a:solidFill>
+                  <a:schemeClr val="accent3"/>
+                </a:solidFill>
+                <a:latin typeface="Proxima Nova"/>
+                <a:ea typeface="Proxima Nova"/>
+                <a:cs typeface="Proxima Nova"/>
+                <a:sym typeface="Proxima Nova"/>
+              </a:defRPr>
+            </a:lvl4pPr>
+            <a:lvl5pPr marL="2286000" lvl="4" indent="-317500">
+              <a:lnSpc>
+                <a:spcPct val="115000"/>
+              </a:lnSpc>
+              <a:spcBef>
+                <a:spcPts val="0"/>
+              </a:spcBef>
+              <a:spcAft>
+                <a:spcPts val="0"/>
+              </a:spcAft>
+              <a:buClr>
+                <a:schemeClr val="accent3"/>
+              </a:buClr>
+              <a:buSzPts val="1400"/>
+              <a:buFont typeface="Proxima Nova"/>
+              <a:buChar char="○"/>
+              <a:defRPr>
+                <a:solidFill>
+                  <a:schemeClr val="accent3"/>
+                </a:solidFill>
+                <a:latin typeface="Proxima Nova"/>
+                <a:ea typeface="Proxima Nova"/>
+                <a:cs typeface="Proxima Nova"/>
+                <a:sym typeface="Proxima Nova"/>
+              </a:defRPr>
+            </a:lvl5pPr>
+            <a:lvl6pPr marL="2743200" lvl="5" indent="-317500">
+              <a:lnSpc>
+                <a:spcPct val="115000"/>
+              </a:lnSpc>
+              <a:spcBef>
+                <a:spcPts val="0"/>
+              </a:spcBef>
+              <a:spcAft>
+                <a:spcPts val="0"/>
+              </a:spcAft>
+              <a:buClr>
+                <a:schemeClr val="accent3"/>
+              </a:buClr>
+              <a:buSzPts val="1400"/>
+              <a:buFont typeface="Proxima Nova"/>
+              <a:buChar char="■"/>
+              <a:defRPr>
+                <a:solidFill>
+                  <a:schemeClr val="accent3"/>
+                </a:solidFill>
+                <a:latin typeface="Proxima Nova"/>
+                <a:ea typeface="Proxima Nova"/>
+                <a:cs typeface="Proxima Nova"/>
+                <a:sym typeface="Proxima Nova"/>
+              </a:defRPr>
+            </a:lvl6pPr>
+            <a:lvl7pPr marL="3200400" lvl="6" indent="-317500">
+              <a:lnSpc>
+                <a:spcPct val="115000"/>
+              </a:lnSpc>
+              <a:spcBef>
+                <a:spcPts val="0"/>
+              </a:spcBef>
+              <a:spcAft>
+                <a:spcPts val="0"/>
+              </a:spcAft>
+              <a:buClr>
+                <a:schemeClr val="accent3"/>
+              </a:buClr>
+              <a:buSzPts val="1400"/>
+              <a:buFont typeface="Proxima Nova"/>
+              <a:buChar char="●"/>
+              <a:defRPr>
+                <a:solidFill>
+                  <a:schemeClr val="accent3"/>
+                </a:solidFill>
+                <a:latin typeface="Proxima Nova"/>
+                <a:ea typeface="Proxima Nova"/>
+                <a:cs typeface="Proxima Nova"/>
+                <a:sym typeface="Proxima Nova"/>
+              </a:defRPr>
+            </a:lvl7pPr>
+            <a:lvl8pPr marL="3657600" lvl="7" indent="-317500">
+              <a:lnSpc>
+                <a:spcPct val="115000"/>
+              </a:lnSpc>
+              <a:spcBef>
+                <a:spcPts val="0"/>
+              </a:spcBef>
+              <a:spcAft>
+                <a:spcPts val="0"/>
+              </a:spcAft>
+              <a:buClr>
+                <a:schemeClr val="accent3"/>
+              </a:buClr>
+              <a:buSzPts val="1400"/>
+              <a:buFont typeface="Proxima Nova"/>
+              <a:buChar char="○"/>
+              <a:defRPr>
+                <a:solidFill>
+                  <a:schemeClr val="accent3"/>
+                </a:solidFill>
+                <a:latin typeface="Proxima Nova"/>
+                <a:ea typeface="Proxima Nova"/>
+                <a:cs typeface="Proxima Nova"/>
+                <a:sym typeface="Proxima Nova"/>
+              </a:defRPr>
+            </a:lvl8pPr>
+            <a:lvl9pPr marL="4114800" lvl="8" indent="-317500">
+              <a:lnSpc>
+                <a:spcPct val="115000"/>
+              </a:lnSpc>
+              <a:spcBef>
+                <a:spcPts val="0"/>
+              </a:spcBef>
+              <a:spcAft>
+                <a:spcPts val="0"/>
+              </a:spcAft>
+              <a:buClr>
+                <a:schemeClr val="accent3"/>
+              </a:buClr>
+              <a:buSzPts val="1400"/>
+              <a:buFont typeface="Proxima Nova"/>
+              <a:buChar char="■"/>
+              <a:defRPr>
+                <a:solidFill>
+                  <a:schemeClr val="accent3"/>
+                </a:solidFill>
+                <a:latin typeface="Proxima Nova"/>
+                <a:ea typeface="Proxima Nova"/>
+                <a:cs typeface="Proxima Nova"/>
+                <a:sym typeface="Proxima Nova"/>
+              </a:defRPr>
+            </a:lvl9pPr>
+          </a:lstStyle>
+          <a:p>
+            <a:endParaRPr/>
+          </a:p>
+        </p:txBody>
+      </p:sp>
+      <p:sp>
+        <p:nvSpPr>
+          <p:cNvPr id="8" name="Google Shape;8;p1"/>
+          <p:cNvSpPr txBox="1">
+            <a:spLocks noGrp="1"/>
+          </p:cNvSpPr>
+          <p:nvPr>
+            <p:ph type="sldNum" idx="12"/>
+          </p:nvPr>
+        </p:nvSpPr>
+        <p:spPr>
+          <a:xfrm>
+            <a:off x="8472458" y="4663217"/>
+            <a:ext cx="548700" cy="393600"/>
+          </a:xfrm>
+          <a:prstGeom prst="rect">
+            <a:avLst/>
+          </a:prstGeom>
+          <a:noFill/>
+          <a:ln>
+            <a:noFill/>
+          </a:ln>
+        </p:spPr>
+        <p:txBody>
+          <a:bodyPr spcFirstLastPara="1" wrap="square" lIns="91425" tIns="91425" rIns="91425" bIns="91425" anchor="ctr" anchorCtr="0">
+            <a:normAutofit/>
+          </a:bodyPr>
+          <a:lstStyle>
+            <a:lvl1pPr lvl="0" algn="r">
+              <a:buNone/>
+              <a:defRPr sz="1000">
+                <a:solidFill>
+                  <a:schemeClr val="dk1"/>
+                </a:solidFill>
+                <a:latin typeface="Proxima Nova"/>
+                <a:ea typeface="Proxima Nova"/>
+                <a:cs typeface="Proxima Nova"/>
+                <a:sym typeface="Proxima Nova"/>
+              </a:defRPr>
+            </a:lvl1pPr>
+            <a:lvl2pPr lvl="1" algn="r">
+              <a:buNone/>
+              <a:defRPr sz="1000">
+                <a:solidFill>
+                  <a:schemeClr val="dk1"/>
+                </a:solidFill>
+                <a:latin typeface="Proxima Nova"/>
+                <a:ea typeface="Proxima Nova"/>
+                <a:cs typeface="Proxima Nova"/>
+                <a:sym typeface="Proxima Nova"/>
+              </a:defRPr>
+            </a:lvl2pPr>
+            <a:lvl3pPr lvl="2" algn="r">
+              <a:buNone/>
+              <a:defRPr sz="1000">
+                <a:solidFill>
+                  <a:schemeClr val="dk1"/>
+                </a:solidFill>
+                <a:latin typeface="Proxima Nova"/>
+                <a:ea typeface="Proxima Nova"/>
+                <a:cs typeface="Proxima Nova"/>
+                <a:sym typeface="Proxima Nova"/>
+              </a:defRPr>
+            </a:lvl3pPr>
+            <a:lvl4pPr lvl="3" algn="r">
+              <a:buNone/>
+              <a:defRPr sz="1000">
+                <a:solidFill>
+                  <a:schemeClr val="dk1"/>
+                </a:solidFill>
+                <a:latin typeface="Proxima Nova"/>
+                <a:ea typeface="Proxima Nova"/>
+                <a:cs typeface="Proxima Nova"/>
+                <a:sym typeface="Proxima Nova"/>
+              </a:defRPr>
+            </a:lvl4pPr>
+            <a:lvl5pPr lvl="4" algn="r">
+              <a:buNone/>
+              <a:defRPr sz="1000">
+                <a:solidFill>
+                  <a:schemeClr val="dk1"/>
+                </a:solidFill>
+                <a:latin typeface="Proxima Nova"/>
+                <a:ea typeface="Proxima Nova"/>
+                <a:cs typeface="Proxima Nova"/>
+                <a:sym typeface="Proxima Nova"/>
+              </a:defRPr>
+            </a:lvl5pPr>
+            <a:lvl6pPr lvl="5" algn="r">
+              <a:buNone/>
+              <a:defRPr sz="1000">
+                <a:solidFill>
+                  <a:schemeClr val="dk1"/>
+                </a:solidFill>
+                <a:latin typeface="Proxima Nova"/>
+                <a:ea typeface="Proxima Nova"/>
+                <a:cs typeface="Proxima Nova"/>
+                <a:sym typeface="Proxima Nova"/>
+              </a:defRPr>
+            </a:lvl6pPr>
+            <a:lvl7pPr lvl="6" algn="r">
+              <a:buNone/>
+              <a:defRPr sz="1000">
+                <a:solidFill>
+                  <a:schemeClr val="dk1"/>
+                </a:solidFill>
+                <a:latin typeface="Proxima Nova"/>
+                <a:ea typeface="Proxima Nova"/>
+                <a:cs typeface="Proxima Nova"/>
+                <a:sym typeface="Proxima Nova"/>
+              </a:defRPr>
+            </a:lvl7pPr>
+            <a:lvl8pPr lvl="7" algn="r">
+              <a:buNone/>
+              <a:defRPr sz="1000">
+                <a:solidFill>
+                  <a:schemeClr val="dk1"/>
+                </a:solidFill>
+                <a:latin typeface="Proxima Nova"/>
+                <a:ea typeface="Proxima Nova"/>
+                <a:cs typeface="Proxima Nova"/>
+                <a:sym typeface="Proxima Nova"/>
+              </a:defRPr>
+            </a:lvl8pPr>
+            <a:lvl9pPr lvl="8" algn="r">
+              <a:buNone/>
+              <a:defRPr sz="1000">
+                <a:solidFill>
+                  <a:schemeClr val="dk1"/>
+                </a:solidFill>
+                <a:latin typeface="Proxima Nova"/>
+                <a:ea typeface="Proxima Nova"/>
+                <a:cs typeface="Proxima Nova"/>
+                <a:sym typeface="Proxima Nova"/>
+              </a:defRPr>
+            </a:lvl9pPr>
+          </a:lstStyle>
+          <a:p>
+            <a:pPr marL="0" lvl="0" indent="0" algn="r" rtl="0">
               <a:spcBef>
                 <a:spcPts val="0"/>
               </a:spcBef>
@@ -11192,7 +11487,7 @@
       </p:sp>
     </p:spTree>
   </p:cSld>
-  <p:clrMap accent1="accent1" accent2="accent2" accent3="accent3" accent4="accent4" accent5="accent5" accent6="accent6" bg1="lt1" bg2="dk2" tx1="dk1" tx2="lt2" folHlink="folHlink" hlink="hlink"/>
+  <p:clrMap bg1="lt1" tx1="dk1" bg2="dk2" tx2="lt2" accent1="accent1" accent2="accent2" accent3="accent3" accent4="accent4" accent5="accent5" accent6="accent6" hlink="hlink" folHlink="folHlink"/>
   <p:sldLayoutIdLst>
     <p:sldLayoutId id="2147483648" r:id="rId1"/>
     <p:sldLayoutId id="2147483649" r:id="rId2"/>
@@ -11213,10 +11508,10 @@
     <p:sldLayoutId id="2147483664" r:id="rId17"/>
     <p:sldLayoutId id="2147483665" r:id="rId18"/>
   </p:sldLayoutIdLst>
-  <p:hf dt="0" ftr="0" hdr="0" sldNum="0"/>
+  <p:hf sldNum="0" hdr="0" ftr="0" dt="0"/>
   <p:txStyles>
     <p:titleStyle>
-      <a:defPPr lvl="0" marR="0" rtl="0" algn="l">
+      <a:defPPr marR="0" lvl="0" algn="l" rtl="0">
         <a:lnSpc>
           <a:spcPct val="100000"/>
         </a:lnSpc>
@@ -11227,7 +11522,7 @@
           <a:spcPts val="0"/>
         </a:spcAft>
       </a:defPPr>
-      <a:lvl1pPr lvl="0" marR="0" rtl="0" algn="l">
+      <a:lvl1pPr marR="0" lvl="0" algn="l" rtl="0">
         <a:lnSpc>
           <a:spcPct val="100000"/>
         </a:lnSpc>
@@ -11241,7 +11536,7 @@
           <a:srgbClr val="000000"/>
         </a:buClr>
         <a:buFont typeface="Arial"/>
-        <a:defRPr b="0" i="0" sz="1400" u="none" cap="none" strike="noStrike">
+        <a:defRPr sz="1400" b="0" i="0" u="none" strike="noStrike" cap="none">
           <a:solidFill>
             <a:srgbClr val="000000"/>
           </a:solidFill>
@@ -11251,7 +11546,7 @@
           <a:sym typeface="Arial"/>
         </a:defRPr>
       </a:lvl1pPr>
-      <a:lvl2pPr lvl="1" marR="0" rtl="0" algn="l">
+      <a:lvl2pPr marR="0" lvl="1" algn="l" rtl="0">
         <a:lnSpc>
           <a:spcPct val="100000"/>
         </a:lnSpc>
@@ -11265,7 +11560,7 @@
           <a:srgbClr val="000000"/>
         </a:buClr>
         <a:buFont typeface="Arial"/>
-        <a:defRPr b="0" i="0" sz="1400" u="none" cap="none" strike="noStrike">
+        <a:defRPr sz="1400" b="0" i="0" u="none" strike="noStrike" cap="none">
           <a:solidFill>
             <a:srgbClr val="000000"/>
           </a:solidFill>
@@ -11275,7 +11570,7 @@
           <a:sym typeface="Arial"/>
         </a:defRPr>
       </a:lvl2pPr>
-      <a:lvl3pPr lvl="2" marR="0" rtl="0" algn="l">
+      <a:lvl3pPr marR="0" lvl="2" algn="l" rtl="0">
         <a:lnSpc>
           <a:spcPct val="100000"/>
         </a:lnSpc>
@@ -11289,7 +11584,7 @@
           <a:srgbClr val="000000"/>
         </a:buClr>
         <a:buFont typeface="Arial"/>
-        <a:defRPr b="0" i="0" sz="1400" u="none" cap="none" strike="noStrike">
+        <a:defRPr sz="1400" b="0" i="0" u="none" strike="noStrike" cap="none">
           <a:solidFill>
             <a:srgbClr val="000000"/>
           </a:solidFill>
@@ -11299,7 +11594,7 @@
           <a:sym typeface="Arial"/>
         </a:defRPr>
       </a:lvl3pPr>
-      <a:lvl4pPr lvl="3" marR="0" rtl="0" algn="l">
+      <a:lvl4pPr marR="0" lvl="3" algn="l" rtl="0">
         <a:lnSpc>
           <a:spcPct val="100000"/>
         </a:lnSpc>
@@ -11313,7 +11608,7 @@
           <a:srgbClr val="000000"/>
         </a:buClr>
         <a:buFont typeface="Arial"/>
-        <a:defRPr b="0" i="0" sz="1400" u="none" cap="none" strike="noStrike">
+        <a:defRPr sz="1400" b="0" i="0" u="none" strike="noStrike" cap="none">
           <a:solidFill>
             <a:srgbClr val="000000"/>
           </a:solidFill>
@@ -11323,7 +11618,7 @@
           <a:sym typeface="Arial"/>
         </a:defRPr>
       </a:lvl4pPr>
-      <a:lvl5pPr lvl="4" marR="0" rtl="0" algn="l">
+      <a:lvl5pPr marR="0" lvl="4" algn="l" rtl="0">
         <a:lnSpc>
           <a:spcPct val="100000"/>
         </a:lnSpc>
@@ -11337,7 +11632,7 @@
           <a:srgbClr val="000000"/>
         </a:buClr>
         <a:buFont typeface="Arial"/>
-        <a:defRPr b="0" i="0" sz="1400" u="none" cap="none" strike="noStrike">
+        <a:defRPr sz="1400" b="0" i="0" u="none" strike="noStrike" cap="none">
           <a:solidFill>
             <a:srgbClr val="000000"/>
           </a:solidFill>
@@ -11347,7 +11642,7 @@
           <a:sym typeface="Arial"/>
         </a:defRPr>
       </a:lvl5pPr>
-      <a:lvl6pPr lvl="5" marR="0" rtl="0" algn="l">
+      <a:lvl6pPr marR="0" lvl="5" algn="l" rtl="0">
         <a:lnSpc>
           <a:spcPct val="100000"/>
         </a:lnSpc>
@@ -11361,7 +11656,7 @@
           <a:srgbClr val="000000"/>
         </a:buClr>
         <a:buFont typeface="Arial"/>
-        <a:defRPr b="0" i="0" sz="1400" u="none" cap="none" strike="noStrike">
+        <a:defRPr sz="1400" b="0" i="0" u="none" strike="noStrike" cap="none">
           <a:solidFill>
             <a:srgbClr val="000000"/>
           </a:solidFill>
@@ -11371,7 +11666,7 @@
           <a:sym typeface="Arial"/>
         </a:defRPr>
       </a:lvl6pPr>
-      <a:lvl7pPr lvl="6" marR="0" rtl="0" algn="l">
+      <a:lvl7pPr marR="0" lvl="6" algn="l" rtl="0">
         <a:lnSpc>
           <a:spcPct val="100000"/>
         </a:lnSpc>
@@ -11385,7 +11680,7 @@
           <a:srgbClr val="000000"/>
         </a:buClr>
         <a:buFont typeface="Arial"/>
-        <a:defRPr b="0" i="0" sz="1400" u="none" cap="none" strike="noStrike">
+        <a:defRPr sz="1400" b="0" i="0" u="none" strike="noStrike" cap="none">
           <a:solidFill>
             <a:srgbClr val="000000"/>
           </a:solidFill>
@@ -11395,7 +11690,7 @@
           <a:sym typeface="Arial"/>
         </a:defRPr>
       </a:lvl7pPr>
-      <a:lvl8pPr lvl="7" marR="0" rtl="0" algn="l">
+      <a:lvl8pPr marR="0" lvl="7" algn="l" rtl="0">
         <a:lnSpc>
           <a:spcPct val="100000"/>
         </a:lnSpc>
@@ -11409,7 +11704,7 @@
           <a:srgbClr val="000000"/>
         </a:buClr>
         <a:buFont typeface="Arial"/>
-        <a:defRPr b="0" i="0" sz="1400" u="none" cap="none" strike="noStrike">
+        <a:defRPr sz="1400" b="0" i="0" u="none" strike="noStrike" cap="none">
           <a:solidFill>
             <a:srgbClr val="000000"/>
           </a:solidFill>
@@ -11419,7 +11714,7 @@
           <a:sym typeface="Arial"/>
         </a:defRPr>
       </a:lvl8pPr>
-      <a:lvl9pPr lvl="8" marR="0" rtl="0" algn="l">
+      <a:lvl9pPr marR="0" lvl="8" algn="l" rtl="0">
         <a:lnSpc>
           <a:spcPct val="100000"/>
         </a:lnSpc>
@@ -11433,7 +11728,7 @@
           <a:srgbClr val="000000"/>
         </a:buClr>
         <a:buFont typeface="Arial"/>
-        <a:defRPr b="0" i="0" sz="1400" u="none" cap="none" strike="noStrike">
+        <a:defRPr sz="1400" b="0" i="0" u="none" strike="noStrike" cap="none">
           <a:solidFill>
             <a:srgbClr val="000000"/>
           </a:solidFill>
@@ -11445,7 +11740,7 @@
       </a:lvl9pPr>
     </p:titleStyle>
     <p:bodyStyle>
-      <a:defPPr lvl="0" marR="0" rtl="0" algn="l">
+      <a:defPPr marR="0" lvl="0" algn="l" rtl="0">
         <a:lnSpc>
           <a:spcPct val="100000"/>
         </a:lnSpc>
@@ -11456,7 +11751,7 @@
           <a:spcPts val="0"/>
         </a:spcAft>
       </a:defPPr>
-      <a:lvl1pPr lvl="0" marR="0" rtl="0" algn="l">
+      <a:lvl1pPr marR="0" lvl="0" algn="l" rtl="0">
         <a:lnSpc>
           <a:spcPct val="100000"/>
         </a:lnSpc>
@@ -11470,7 +11765,7 @@
           <a:srgbClr val="000000"/>
         </a:buClr>
         <a:buFont typeface="Arial"/>
-        <a:defRPr b="0" i="0" sz="1400" u="none" cap="none" strike="noStrike">
+        <a:defRPr sz="1400" b="0" i="0" u="none" strike="noStrike" cap="none">
           <a:solidFill>
             <a:srgbClr val="000000"/>
           </a:solidFill>
@@ -11480,7 +11775,7 @@
           <a:sym typeface="Arial"/>
         </a:defRPr>
       </a:lvl1pPr>
-      <a:lvl2pPr lvl="1" marR="0" rtl="0" algn="l">
+      <a:lvl2pPr marR="0" lvl="1" algn="l" rtl="0">
         <a:lnSpc>
           <a:spcPct val="100000"/>
         </a:lnSpc>
@@ -11494,7 +11789,7 @@
           <a:srgbClr val="000000"/>
         </a:buClr>
         <a:buFont typeface="Arial"/>
-        <a:defRPr b="0" i="0" sz="1400" u="none" cap="none" strike="noStrike">
+        <a:defRPr sz="1400" b="0" i="0" u="none" strike="noStrike" cap="none">
           <a:solidFill>
             <a:srgbClr val="000000"/>
           </a:solidFill>
@@ -11504,7 +11799,7 @@
           <a:sym typeface="Arial"/>
         </a:defRPr>
       </a:lvl2pPr>
-      <a:lvl3pPr lvl="2" marR="0" rtl="0" algn="l">
+      <a:lvl3pPr marR="0" lvl="2" algn="l" rtl="0">
         <a:lnSpc>
           <a:spcPct val="100000"/>
         </a:lnSpc>
@@ -11518,7 +11813,7 @@
           <a:srgbClr val="000000"/>
         </a:buClr>
         <a:buFont typeface="Arial"/>
-        <a:defRPr b="0" i="0" sz="1400" u="none" cap="none" strike="noStrike">
+        <a:defRPr sz="1400" b="0" i="0" u="none" strike="noStrike" cap="none">
           <a:solidFill>
             <a:srgbClr val="000000"/>
           </a:solidFill>
@@ -11528,7 +11823,7 @@
           <a:sym typeface="Arial"/>
         </a:defRPr>
       </a:lvl3pPr>
-      <a:lvl4pPr lvl="3" marR="0" rtl="0" algn="l">
+      <a:lvl4pPr marR="0" lvl="3" algn="l" rtl="0">
         <a:lnSpc>
           <a:spcPct val="100000"/>
         </a:lnSpc>
@@ -11542,7 +11837,7 @@
           <a:srgbClr val="000000"/>
         </a:buClr>
         <a:buFont typeface="Arial"/>
-        <a:defRPr b="0" i="0" sz="1400" u="none" cap="none" strike="noStrike">
+        <a:defRPr sz="1400" b="0" i="0" u="none" strike="noStrike" cap="none">
           <a:solidFill>
             <a:srgbClr val="000000"/>
           </a:solidFill>
@@ -11552,7 +11847,7 @@
           <a:sym typeface="Arial"/>
         </a:defRPr>
       </a:lvl4pPr>
-      <a:lvl5pPr lvl="4" marR="0" rtl="0" algn="l">
+      <a:lvl5pPr marR="0" lvl="4" algn="l" rtl="0">
         <a:lnSpc>
           <a:spcPct val="100000"/>
         </a:lnSpc>
@@ -11566,7 +11861,7 @@
           <a:srgbClr val="000000"/>
         </a:buClr>
         <a:buFont typeface="Arial"/>
-        <a:defRPr b="0" i="0" sz="1400" u="none" cap="none" strike="noStrike">
+        <a:defRPr sz="1400" b="0" i="0" u="none" strike="noStrike" cap="none">
           <a:solidFill>
             <a:srgbClr val="000000"/>
           </a:solidFill>
@@ -11576,7 +11871,7 @@
           <a:sym typeface="Arial"/>
         </a:defRPr>
       </a:lvl5pPr>
-      <a:lvl6pPr lvl="5" marR="0" rtl="0" algn="l">
+      <a:lvl6pPr marR="0" lvl="5" algn="l" rtl="0">
         <a:lnSpc>
           <a:spcPct val="100000"/>
         </a:lnSpc>
@@ -11590,7 +11885,7 @@
           <a:srgbClr val="000000"/>
         </a:buClr>
         <a:buFont typeface="Arial"/>
-        <a:defRPr b="0" i="0" sz="1400" u="none" cap="none" strike="noStrike">
+        <a:defRPr sz="1400" b="0" i="0" u="none" strike="noStrike" cap="none">
           <a:solidFill>
             <a:srgbClr val="000000"/>
           </a:solidFill>
@@ -11600,7 +11895,7 @@
           <a:sym typeface="Arial"/>
         </a:defRPr>
       </a:lvl6pPr>
-      <a:lvl7pPr lvl="6" marR="0" rtl="0" algn="l">
+      <a:lvl7pPr marR="0" lvl="6" algn="l" rtl="0">
         <a:lnSpc>
           <a:spcPct val="100000"/>
         </a:lnSpc>
@@ -11614,7 +11909,7 @@
           <a:srgbClr val="000000"/>
         </a:buClr>
         <a:buFont typeface="Arial"/>
-        <a:defRPr b="0" i="0" sz="1400" u="none" cap="none" strike="noStrike">
+        <a:defRPr sz="1400" b="0" i="0" u="none" strike="noStrike" cap="none">
           <a:solidFill>
             <a:srgbClr val="000000"/>
           </a:solidFill>
@@ -11624,7 +11919,7 @@
           <a:sym typeface="Arial"/>
         </a:defRPr>
       </a:lvl7pPr>
-      <a:lvl8pPr lvl="7" marR="0" rtl="0" algn="l">
+      <a:lvl8pPr marR="0" lvl="7" algn="l" rtl="0">
         <a:lnSpc>
           <a:spcPct val="100000"/>
         </a:lnSpc>
@@ -11638,7 +11933,7 @@
           <a:srgbClr val="000000"/>
         </a:buClr>
         <a:buFont typeface="Arial"/>
-        <a:defRPr b="0" i="0" sz="1400" u="none" cap="none" strike="noStrike">
+        <a:defRPr sz="1400" b="0" i="0" u="none" strike="noStrike" cap="none">
           <a:solidFill>
             <a:srgbClr val="000000"/>
           </a:solidFill>
@@ -11648,7 +11943,7 @@
           <a:sym typeface="Arial"/>
         </a:defRPr>
       </a:lvl8pPr>
-      <a:lvl9pPr lvl="8" marR="0" rtl="0" algn="l">
+      <a:lvl9pPr marR="0" lvl="8" algn="l" rtl="0">
         <a:lnSpc>
           <a:spcPct val="100000"/>
         </a:lnSpc>
@@ -11662,7 +11957,7 @@
           <a:srgbClr val="000000"/>
         </a:buClr>
         <a:buFont typeface="Arial"/>
-        <a:defRPr b="0" i="0" sz="1400" u="none" cap="none" strike="noStrike">
+        <a:defRPr sz="1400" b="0" i="0" u="none" strike="noStrike" cap="none">
           <a:solidFill>
             <a:srgbClr val="000000"/>
           </a:solidFill>
@@ -11674,7 +11969,7 @@
       </a:lvl9pPr>
     </p:bodyStyle>
     <p:otherStyle>
-      <a:defPPr lvl="0" marR="0" rtl="0" algn="l">
+      <a:defPPr marR="0" lvl="0" algn="l" rtl="0">
         <a:lnSpc>
           <a:spcPct val="100000"/>
         </a:lnSpc>
@@ -11685,7 +11980,7 @@
           <a:spcPts val="0"/>
         </a:spcAft>
       </a:defPPr>
-      <a:lvl1pPr lvl="0" marR="0" rtl="0" algn="l">
+      <a:lvl1pPr marR="0" lvl="0" algn="l" rtl="0">
         <a:lnSpc>
           <a:spcPct val="100000"/>
         </a:lnSpc>
@@ -11699,7 +11994,7 @@
           <a:srgbClr val="000000"/>
         </a:buClr>
         <a:buFont typeface="Arial"/>
-        <a:defRPr b="0" i="0" sz="1400" u="none" cap="none" strike="noStrike">
+        <a:defRPr sz="1400" b="0" i="0" u="none" strike="noStrike" cap="none">
           <a:solidFill>
             <a:srgbClr val="000000"/>
           </a:solidFill>
@@ -11709,7 +12004,7 @@
           <a:sym typeface="Arial"/>
         </a:defRPr>
       </a:lvl1pPr>
-      <a:lvl2pPr lvl="1" marR="0" rtl="0" algn="l">
+      <a:lvl2pPr marR="0" lvl="1" algn="l" rtl="0">
         <a:lnSpc>
           <a:spcPct val="100000"/>
         </a:lnSpc>
@@ -11723,7 +12018,7 @@
           <a:srgbClr val="000000"/>
         </a:buClr>
         <a:buFont typeface="Arial"/>
-        <a:defRPr b="0" i="0" sz="1400" u="none" cap="none" strike="noStrike">
+        <a:defRPr sz="1400" b="0" i="0" u="none" strike="noStrike" cap="none">
           <a:solidFill>
             <a:srgbClr val="000000"/>
           </a:solidFill>
@@ -11733,7 +12028,7 @@
           <a:sym typeface="Arial"/>
         </a:defRPr>
       </a:lvl2pPr>
-      <a:lvl3pPr lvl="2" marR="0" rtl="0" algn="l">
+      <a:lvl3pPr marR="0" lvl="2" algn="l" rtl="0">
         <a:lnSpc>
           <a:spcPct val="100000"/>
         </a:lnSpc>
@@ -11747,7 +12042,7 @@
           <a:srgbClr val="000000"/>
         </a:buClr>
         <a:buFont typeface="Arial"/>
-        <a:defRPr b="0" i="0" sz="1400" u="none" cap="none" strike="noStrike">
+        <a:defRPr sz="1400" b="0" i="0" u="none" strike="noStrike" cap="none">
           <a:solidFill>
             <a:srgbClr val="000000"/>
           </a:solidFill>
@@ -11757,7 +12052,7 @@
           <a:sym typeface="Arial"/>
         </a:defRPr>
       </a:lvl3pPr>
-      <a:lvl4pPr lvl="3" marR="0" rtl="0" algn="l">
+      <a:lvl4pPr marR="0" lvl="3" algn="l" rtl="0">
         <a:lnSpc>
           <a:spcPct val="100000"/>
         </a:lnSpc>
@@ -11771,7 +12066,7 @@
           <a:srgbClr val="000000"/>
         </a:buClr>
         <a:buFont typeface="Arial"/>
-        <a:defRPr b="0" i="0" sz="1400" u="none" cap="none" strike="noStrike">
+        <a:defRPr sz="1400" b="0" i="0" u="none" strike="noStrike" cap="none">
           <a:solidFill>
             <a:srgbClr val="000000"/>
           </a:solidFill>
@@ -11781,7 +12076,7 @@
           <a:sym typeface="Arial"/>
         </a:defRPr>
       </a:lvl4pPr>
-      <a:lvl5pPr lvl="4" marR="0" rtl="0" algn="l">
+      <a:lvl5pPr marR="0" lvl="4" algn="l" rtl="0">
         <a:lnSpc>
           <a:spcPct val="100000"/>
         </a:lnSpc>
@@ -11795,7 +12090,7 @@
           <a:srgbClr val="000000"/>
         </a:buClr>
         <a:buFont typeface="Arial"/>
-        <a:defRPr b="0" i="0" sz="1400" u="none" cap="none" strike="noStrike">
+        <a:defRPr sz="1400" b="0" i="0" u="none" strike="noStrike" cap="none">
           <a:solidFill>
             <a:srgbClr val="000000"/>
           </a:solidFill>
@@ -11805,7 +12100,7 @@
           <a:sym typeface="Arial"/>
         </a:defRPr>
       </a:lvl5pPr>
-      <a:lvl6pPr lvl="5" marR="0" rtl="0" algn="l">
+      <a:lvl6pPr marR="0" lvl="5" algn="l" rtl="0">
         <a:lnSpc>
           <a:spcPct val="100000"/>
         </a:lnSpc>
@@ -11819,7 +12114,7 @@
           <a:srgbClr val="000000"/>
         </a:buClr>
         <a:buFont typeface="Arial"/>
-        <a:defRPr b="0" i="0" sz="1400" u="none" cap="none" strike="noStrike">
+        <a:defRPr sz="1400" b="0" i="0" u="none" strike="noStrike" cap="none">
           <a:solidFill>
             <a:srgbClr val="000000"/>
           </a:solidFill>
@@ -11829,7 +12124,7 @@
           <a:sym typeface="Arial"/>
         </a:defRPr>
       </a:lvl6pPr>
-      <a:lvl7pPr lvl="6" marR="0" rtl="0" algn="l">
+      <a:lvl7pPr marR="0" lvl="6" algn="l" rtl="0">
         <a:lnSpc>
           <a:spcPct val="100000"/>
         </a:lnSpc>
@@ -11843,7 +12138,7 @@
           <a:srgbClr val="000000"/>
         </a:buClr>
         <a:buFont typeface="Arial"/>
-        <a:defRPr b="0" i="0" sz="1400" u="none" cap="none" strike="noStrike">
+        <a:defRPr sz="1400" b="0" i="0" u="none" strike="noStrike" cap="none">
           <a:solidFill>
             <a:srgbClr val="000000"/>
           </a:solidFill>
@@ -11853,7 +12148,7 @@
           <a:sym typeface="Arial"/>
         </a:defRPr>
       </a:lvl7pPr>
-      <a:lvl8pPr lvl="7" marR="0" rtl="0" algn="l">
+      <a:lvl8pPr marR="0" lvl="7" algn="l" rtl="0">
         <a:lnSpc>
           <a:spcPct val="100000"/>
         </a:lnSpc>
@@ -11867,7 +12162,7 @@
           <a:srgbClr val="000000"/>
         </a:buClr>
         <a:buFont typeface="Arial"/>
-        <a:defRPr b="0" i="0" sz="1400" u="none" cap="none" strike="noStrike">
+        <a:defRPr sz="1400" b="0" i="0" u="none" strike="noStrike" cap="none">
           <a:solidFill>
             <a:srgbClr val="000000"/>
           </a:solidFill>
@@ -11877,7 +12172,7 @@
           <a:sym typeface="Arial"/>
         </a:defRPr>
       </a:lvl8pPr>
-      <a:lvl9pPr lvl="8" marR="0" rtl="0" algn="l">
+      <a:lvl9pPr marR="0" lvl="8" algn="l" rtl="0">
         <a:lnSpc>
           <a:spcPct val="100000"/>
         </a:lnSpc>
@@ -11891,7 +12186,7 @@
           <a:srgbClr val="000000"/>
         </a:buClr>
         <a:buFont typeface="Arial"/>
-        <a:defRPr b="0" i="0" sz="1400" u="none" cap="none" strike="noStrike">
+        <a:defRPr sz="1400" b="0" i="0" u="none" strike="noStrike" cap="none">
           <a:solidFill>
             <a:srgbClr val="000000"/>
           </a:solidFill>
@@ -11907,11 +12202,11 @@
 </file>
 
 <file path=ppt/slides/slide1.xml><?xml version="1.0" encoding="utf-8"?>
-<p:sld xmlns:a="http://schemas.openxmlformats.org/drawingml/2006/main" xmlns:r="http://schemas.openxmlformats.org/officeDocument/2006/relationships" xmlns:mc="http://schemas.openxmlformats.org/markup-compatibility/2006" xmlns:mv="urn:schemas-microsoft-com:mac:vml" xmlns:p="http://schemas.openxmlformats.org/presentationml/2006/main" xmlns:c="http://schemas.openxmlformats.org/drawingml/2006/chart" xmlns:dgm="http://schemas.openxmlformats.org/drawingml/2006/diagram" xmlns:o="urn:schemas-microsoft-com:office:office" xmlns:v="urn:schemas-microsoft-com:vml" xmlns:pvml="urn:schemas-microsoft-com:office:powerpoint" xmlns:com="http://schemas.openxmlformats.org/drawingml/2006/compatibility" xmlns:p14="http://schemas.microsoft.com/office/powerpoint/2010/main" xmlns:p15="http://schemas.microsoft.com/office/powerpoint/2012/main" xmlns:ahyp="http://schemas.microsoft.com/office/drawing/2018/hyperlinkcolor">
+<p:sld xmlns:a="http://schemas.openxmlformats.org/drawingml/2006/main" xmlns:r="http://schemas.openxmlformats.org/officeDocument/2006/relationships" xmlns:p="http://schemas.openxmlformats.org/presentationml/2006/main">
   <p:cSld>
     <p:spTree>
       <p:nvGrpSpPr>
-        <p:cNvPr id="127" name="Shape 127"/>
+        <p:cNvPr id="1" name="Shape 127"/>
         <p:cNvGrpSpPr/>
         <p:nvPr/>
       </p:nvGrpSpPr>
@@ -11926,7 +12221,9 @@
       <p:sp>
         <p:nvSpPr>
           <p:cNvPr id="128" name="Google Shape;128;p20"/>
-          <p:cNvSpPr txBox="1"/>
+          <p:cNvSpPr txBox="1">
+            <a:spLocks noGrp="1"/>
+          </p:cNvSpPr>
           <p:nvPr>
             <p:ph type="title"/>
           </p:nvPr>
@@ -11941,12 +12238,12 @@
           </a:prstGeom>
         </p:spPr>
         <p:txBody>
-          <a:bodyPr anchorCtr="0" anchor="t" bIns="91425" lIns="91425" spcFirstLastPara="1" rIns="91425" wrap="square" tIns="91425">
+          <a:bodyPr spcFirstLastPara="1" wrap="square" lIns="91425" tIns="91425" rIns="91425" bIns="91425" anchor="t" anchorCtr="0">
             <a:noAutofit/>
           </a:bodyPr>
           <a:lstStyle/>
           <a:p>
-            <a:pPr indent="0" lvl="0" marL="0" rtl="0" algn="ctr">
+            <a:pPr marL="0" lvl="0" indent="0" algn="ctr" rtl="0">
               <a:spcBef>
                 <a:spcPts val="0"/>
               </a:spcBef>
@@ -11967,9 +12264,11 @@
       <p:sp>
         <p:nvSpPr>
           <p:cNvPr id="129" name="Google Shape;129;p20"/>
-          <p:cNvSpPr txBox="1"/>
+          <p:cNvSpPr txBox="1">
+            <a:spLocks noGrp="1"/>
+          </p:cNvSpPr>
           <p:nvPr>
-            <p:ph idx="1" type="subTitle"/>
+            <p:ph type="subTitle" idx="1"/>
           </p:nvPr>
         </p:nvSpPr>
         <p:spPr>
@@ -11982,12 +12281,12 @@
           </a:prstGeom>
         </p:spPr>
         <p:txBody>
-          <a:bodyPr anchorCtr="0" anchor="t" bIns="91425" lIns="91425" spcFirstLastPara="1" rIns="91425" wrap="square" tIns="91425">
+          <a:bodyPr spcFirstLastPara="1" wrap="square" lIns="91425" tIns="91425" rIns="91425" bIns="91425" anchor="t" anchorCtr="0">
             <a:noAutofit/>
           </a:bodyPr>
           <a:lstStyle/>
           <a:p>
-            <a:pPr indent="0" lvl="0" marL="0" rtl="0" algn="ctr">
+            <a:pPr marL="0" lvl="0" indent="0" algn="ctr" rtl="0">
               <a:lnSpc>
                 <a:spcPct val="95000"/>
               </a:lnSpc>
@@ -12007,7 +12306,7 @@
             <a:endParaRPr sz="1440"/>
           </a:p>
           <a:p>
-            <a:pPr indent="0" lvl="0" marL="0" rtl="0" algn="ctr">
+            <a:pPr marL="0" lvl="0" indent="0" algn="ctr" rtl="0">
               <a:lnSpc>
                 <a:spcPct val="95000"/>
               </a:lnSpc>
@@ -12031,27 +12330,29 @@
       <p:sp>
         <p:nvSpPr>
           <p:cNvPr id="130" name="Google Shape;130;p20"/>
-          <p:cNvSpPr txBox="1"/>
+          <p:cNvSpPr txBox="1">
+            <a:spLocks noGrp="1"/>
+          </p:cNvSpPr>
           <p:nvPr>
-            <p:ph idx="2" type="subTitle"/>
+            <p:ph type="subTitle" idx="2"/>
           </p:nvPr>
         </p:nvSpPr>
         <p:spPr>
           <a:xfrm>
             <a:off x="2690711" y="3379775"/>
-            <a:ext cx="3466800" cy="1896600"/>
+            <a:ext cx="3466800" cy="877225"/>
           </a:xfrm>
           <a:prstGeom prst="rect">
             <a:avLst/>
           </a:prstGeom>
         </p:spPr>
         <p:txBody>
-          <a:bodyPr anchorCtr="0" anchor="t" bIns="91425" lIns="91425" spcFirstLastPara="1" rIns="91425" wrap="square" tIns="91425">
+          <a:bodyPr spcFirstLastPara="1" wrap="square" lIns="91425" tIns="91425" rIns="91425" bIns="91425" anchor="t" anchorCtr="0">
             <a:normAutofit/>
           </a:bodyPr>
           <a:lstStyle/>
           <a:p>
-            <a:pPr indent="0" lvl="0" marL="0" rtl="0" algn="ctr">
+            <a:pPr marL="0" lvl="0" indent="0" algn="ctr" rtl="0">
               <a:spcBef>
                 <a:spcPts val="0"/>
               </a:spcBef>
@@ -12061,13 +12362,13 @@
               <a:buNone/>
             </a:pPr>
             <a:r>
-              <a:rPr lang="en" sz="1400"/>
-              <a:t>ITI 200 -Intro to Cloud Computing </a:t>
+              <a:rPr lang="en" sz="1400" dirty="0"/>
+              <a:t>IIITI 200 -Intro to Cloud Computing </a:t>
             </a:r>
-            <a:endParaRPr sz="1400"/>
+            <a:endParaRPr sz="1400" dirty="0"/>
           </a:p>
           <a:p>
-            <a:pPr indent="0" lvl="0" marL="0" rtl="0" algn="ctr">
+            <a:pPr marL="0" lvl="0" indent="0" algn="ctr" rtl="0">
               <a:spcBef>
                 <a:spcPts val="1200"/>
               </a:spcBef>
@@ -12077,13 +12378,13 @@
               <a:buNone/>
             </a:pPr>
             <a:r>
-              <a:rPr lang="en" sz="1400"/>
-              <a:t>Professor: Thiago Ferreira </a:t>
+              <a:rPr lang="en" sz="1400" dirty="0"/>
+              <a:t>Professor: Dr. Thiago Ferreira </a:t>
             </a:r>
-            <a:endParaRPr sz="1400"/>
+            <a:endParaRPr sz="1400" dirty="0"/>
           </a:p>
           <a:p>
-            <a:pPr indent="0" lvl="0" marL="0" rtl="0" algn="ctr">
+            <a:pPr marL="0" lvl="0" indent="0" algn="ctr" rtl="0">
               <a:spcBef>
                 <a:spcPts val="1200"/>
               </a:spcBef>
@@ -12092,10 +12393,7 @@
               </a:spcAft>
               <a:buNone/>
             </a:pPr>
-            <a:r>
-              <a:t/>
-            </a:r>
-            <a:endParaRPr/>
+            <a:endParaRPr dirty="0"/>
           </a:p>
         </p:txBody>
       </p:sp>
@@ -12109,7 +12407,7 @@
           <a:blip r:embed="rId3">
             <a:alphaModFix/>
           </a:blip>
-          <a:srcRect b="17247" l="0" r="0" t="22908"/>
+          <a:srcRect t="22908" b="17247"/>
           <a:stretch/>
         </p:blipFill>
         <p:spPr>
@@ -12164,7 +12462,7 @@
           <a:blip r:embed="rId4">
             <a:alphaModFix/>
           </a:blip>
-          <a:srcRect b="3074" l="0" r="8667" t="2896"/>
+          <a:srcRect t="2896" r="8667" b="3074"/>
           <a:stretch/>
         </p:blipFill>
         <p:spPr>
@@ -12191,7 +12489,7 @@
           <a:blip r:embed="rId4">
             <a:alphaModFix/>
           </a:blip>
-          <a:srcRect b="40813" l="0" r="0" t="6407"/>
+          <a:srcRect t="6407" b="40813"/>
           <a:stretch/>
         </p:blipFill>
         <p:spPr>
@@ -12218,7 +12516,7 @@
           <a:blip r:embed="rId4">
             <a:alphaModFix/>
           </a:blip>
-          <a:srcRect b="40813" l="0" r="8214" t="6407"/>
+          <a:srcRect t="6407" r="8214" b="40813"/>
           <a:stretch/>
         </p:blipFill>
         <p:spPr>
@@ -12244,11 +12542,11 @@
 </file>
 
 <file path=ppt/slides/slide2.xml><?xml version="1.0" encoding="utf-8"?>
-<p:sld xmlns:a="http://schemas.openxmlformats.org/drawingml/2006/main" xmlns:r="http://schemas.openxmlformats.org/officeDocument/2006/relationships" xmlns:mc="http://schemas.openxmlformats.org/markup-compatibility/2006" xmlns:mv="urn:schemas-microsoft-com:mac:vml" xmlns:p="http://schemas.openxmlformats.org/presentationml/2006/main" xmlns:c="http://schemas.openxmlformats.org/drawingml/2006/chart" xmlns:dgm="http://schemas.openxmlformats.org/drawingml/2006/diagram" xmlns:o="urn:schemas-microsoft-com:office:office" xmlns:v="urn:schemas-microsoft-com:vml" xmlns:pvml="urn:schemas-microsoft-com:office:powerpoint" xmlns:com="http://schemas.openxmlformats.org/drawingml/2006/compatibility" xmlns:p14="http://schemas.microsoft.com/office/powerpoint/2010/main" xmlns:p15="http://schemas.microsoft.com/office/powerpoint/2012/main" xmlns:ahyp="http://schemas.microsoft.com/office/drawing/2018/hyperlinkcolor">
+<p:sld xmlns:a="http://schemas.openxmlformats.org/drawingml/2006/main" xmlns:r="http://schemas.openxmlformats.org/officeDocument/2006/relationships" xmlns:p="http://schemas.openxmlformats.org/presentationml/2006/main">
   <p:cSld>
     <p:spTree>
       <p:nvGrpSpPr>
-        <p:cNvPr id="139" name="Shape 139"/>
+        <p:cNvPr id="1" name="Shape 139"/>
         <p:cNvGrpSpPr/>
         <p:nvPr/>
       </p:nvGrpSpPr>
@@ -12263,9 +12561,11 @@
       <p:sp>
         <p:nvSpPr>
           <p:cNvPr id="140" name="Google Shape;140;p21"/>
-          <p:cNvSpPr txBox="1"/>
+          <p:cNvSpPr txBox="1">
+            <a:spLocks noGrp="1"/>
+          </p:cNvSpPr>
           <p:nvPr>
-            <p:ph idx="1" type="subTitle"/>
+            <p:ph type="subTitle" idx="1"/>
           </p:nvPr>
         </p:nvSpPr>
         <p:spPr>
@@ -12278,12 +12578,12 @@
           </a:prstGeom>
         </p:spPr>
         <p:txBody>
-          <a:bodyPr anchorCtr="0" anchor="t" bIns="91425" lIns="91425" spcFirstLastPara="1" rIns="91425" wrap="square" tIns="91425">
+          <a:bodyPr spcFirstLastPara="1" wrap="square" lIns="91425" tIns="91425" rIns="91425" bIns="91425" anchor="t" anchorCtr="0">
             <a:noAutofit/>
           </a:bodyPr>
           <a:lstStyle/>
           <a:p>
-            <a:pPr indent="0" lvl="0" marL="0" rtl="0" algn="l">
+            <a:pPr marL="0" lvl="0" indent="0" algn="l" rtl="0">
               <a:spcBef>
                 <a:spcPts val="0"/>
               </a:spcBef>
@@ -12304,7 +12604,9 @@
       <p:sp>
         <p:nvSpPr>
           <p:cNvPr id="141" name="Google Shape;141;p21"/>
-          <p:cNvSpPr txBox="1"/>
+          <p:cNvSpPr txBox="1">
+            <a:spLocks noGrp="1"/>
+          </p:cNvSpPr>
           <p:nvPr>
             <p:ph type="title"/>
           </p:nvPr>
@@ -12319,12 +12621,12 @@
           </a:prstGeom>
         </p:spPr>
         <p:txBody>
-          <a:bodyPr anchorCtr="0" anchor="t" bIns="91425" lIns="91425" spcFirstLastPara="1" rIns="91425" wrap="square" tIns="91425">
+          <a:bodyPr spcFirstLastPara="1" wrap="square" lIns="91425" tIns="91425" rIns="91425" bIns="91425" anchor="t" anchorCtr="0">
             <a:normAutofit/>
           </a:bodyPr>
           <a:lstStyle/>
           <a:p>
-            <a:pPr indent="0" lvl="0" marL="0" rtl="0" algn="ctr">
+            <a:pPr marL="0" lvl="0" indent="0" algn="ctr" rtl="0">
               <a:spcBef>
                 <a:spcPts val="0"/>
               </a:spcBef>
@@ -12344,9 +12646,11 @@
       <p:sp>
         <p:nvSpPr>
           <p:cNvPr id="142" name="Google Shape;142;p21"/>
-          <p:cNvSpPr txBox="1"/>
+          <p:cNvSpPr txBox="1">
+            <a:spLocks noGrp="1"/>
+          </p:cNvSpPr>
           <p:nvPr>
-            <p:ph idx="2" type="subTitle"/>
+            <p:ph type="subTitle" idx="2"/>
           </p:nvPr>
         </p:nvSpPr>
         <p:spPr>
@@ -12359,12 +12663,12 @@
           </a:prstGeom>
         </p:spPr>
         <p:txBody>
-          <a:bodyPr anchorCtr="0" anchor="t" bIns="91425" lIns="91425" spcFirstLastPara="1" rIns="91425" wrap="square" tIns="91425">
+          <a:bodyPr spcFirstLastPara="1" wrap="square" lIns="91425" tIns="91425" rIns="91425" bIns="91425" anchor="t" anchorCtr="0">
             <a:normAutofit/>
           </a:bodyPr>
           <a:lstStyle/>
           <a:p>
-            <a:pPr indent="0" lvl="0" marL="0" rtl="0" algn="l">
+            <a:pPr marL="0" lvl="0" indent="0" algn="l" rtl="0">
               <a:lnSpc>
                 <a:spcPct val="95000"/>
               </a:lnSpc>
@@ -12388,9 +12692,11 @@
       <p:sp>
         <p:nvSpPr>
           <p:cNvPr id="143" name="Google Shape;143;p21"/>
-          <p:cNvSpPr txBox="1"/>
+          <p:cNvSpPr txBox="1">
+            <a:spLocks noGrp="1"/>
+          </p:cNvSpPr>
           <p:nvPr>
-            <p:ph idx="5" type="subTitle"/>
+            <p:ph type="subTitle" idx="5"/>
           </p:nvPr>
         </p:nvSpPr>
         <p:spPr>
@@ -12403,12 +12709,12 @@
           </a:prstGeom>
         </p:spPr>
         <p:txBody>
-          <a:bodyPr anchorCtr="0" anchor="t" bIns="91425" lIns="91425" spcFirstLastPara="1" rIns="91425" wrap="square" tIns="91425">
+          <a:bodyPr spcFirstLastPara="1" wrap="square" lIns="91425" tIns="91425" rIns="91425" bIns="91425" anchor="t" anchorCtr="0">
             <a:noAutofit/>
           </a:bodyPr>
           <a:lstStyle/>
           <a:p>
-            <a:pPr indent="0" lvl="0" marL="0" rtl="0" algn="l">
+            <a:pPr marL="0" lvl="0" indent="0" algn="l" rtl="0">
               <a:spcBef>
                 <a:spcPts val="0"/>
               </a:spcBef>
@@ -12429,9 +12735,11 @@
       <p:sp>
         <p:nvSpPr>
           <p:cNvPr id="144" name="Google Shape;144;p21"/>
-          <p:cNvSpPr txBox="1"/>
+          <p:cNvSpPr txBox="1">
+            <a:spLocks noGrp="1"/>
+          </p:cNvSpPr>
           <p:nvPr>
-            <p:ph idx="6" type="subTitle"/>
+            <p:ph type="subTitle" idx="6"/>
           </p:nvPr>
         </p:nvSpPr>
         <p:spPr>
@@ -12444,12 +12752,12 @@
           </a:prstGeom>
         </p:spPr>
         <p:txBody>
-          <a:bodyPr anchorCtr="0" anchor="t" bIns="91425" lIns="91425" spcFirstLastPara="1" rIns="91425" wrap="square" tIns="91425">
+          <a:bodyPr spcFirstLastPara="1" wrap="square" lIns="91425" tIns="91425" rIns="91425" bIns="91425" anchor="t" anchorCtr="0">
             <a:noAutofit/>
           </a:bodyPr>
           <a:lstStyle/>
           <a:p>
-            <a:pPr indent="0" lvl="0" marL="0" rtl="0" algn="l">
+            <a:pPr marL="0" lvl="0" indent="0" algn="l" rtl="0">
               <a:spcBef>
                 <a:spcPts val="0"/>
               </a:spcBef>
@@ -12512,23 +12820,23 @@
           <a:solidFill>
             <a:schemeClr val="lt1"/>
           </a:solidFill>
-          <a:ln cap="flat" cmpd="sng" w="9525">
+          <a:ln w="9525" cap="flat" cmpd="sng">
             <a:solidFill>
               <a:schemeClr val="lt1"/>
             </a:solidFill>
             <a:prstDash val="solid"/>
             <a:round/>
-            <a:headEnd len="sm" w="sm" type="none"/>
-            <a:tailEnd len="sm" w="sm" type="none"/>
+            <a:headEnd type="none" w="sm" len="sm"/>
+            <a:tailEnd type="none" w="sm" len="sm"/>
           </a:ln>
         </p:spPr>
         <p:txBody>
-          <a:bodyPr anchorCtr="0" anchor="ctr" bIns="91425" lIns="91425" spcFirstLastPara="1" rIns="91425" wrap="square" tIns="91425">
+          <a:bodyPr spcFirstLastPara="1" wrap="square" lIns="91425" tIns="91425" rIns="91425" bIns="91425" anchor="ctr" anchorCtr="0">
             <a:noAutofit/>
           </a:bodyPr>
           <a:lstStyle/>
           <a:p>
-            <a:pPr indent="0" lvl="0" marL="0" rtl="0" algn="l">
+            <a:pPr marL="0" lvl="0" indent="0" algn="l" rtl="0">
               <a:spcBef>
                 <a:spcPts val="0"/>
               </a:spcBef>
@@ -12537,9 +12845,6 @@
               </a:spcAft>
               <a:buNone/>
             </a:pPr>
-            <a:r>
-              <a:t/>
-            </a:r>
             <a:endParaRPr/>
           </a:p>
         </p:txBody>
@@ -12561,23 +12866,23 @@
           <a:solidFill>
             <a:schemeClr val="lt1"/>
           </a:solidFill>
-          <a:ln cap="flat" cmpd="sng" w="9525">
+          <a:ln w="9525" cap="flat" cmpd="sng">
             <a:solidFill>
               <a:schemeClr val="lt1"/>
             </a:solidFill>
             <a:prstDash val="solid"/>
             <a:round/>
-            <a:headEnd len="sm" w="sm" type="none"/>
-            <a:tailEnd len="sm" w="sm" type="none"/>
+            <a:headEnd type="none" w="sm" len="sm"/>
+            <a:tailEnd type="none" w="sm" len="sm"/>
           </a:ln>
         </p:spPr>
         <p:txBody>
-          <a:bodyPr anchorCtr="0" anchor="ctr" bIns="91425" lIns="91425" spcFirstLastPara="1" rIns="91425" wrap="square" tIns="91425">
+          <a:bodyPr spcFirstLastPara="1" wrap="square" lIns="91425" tIns="91425" rIns="91425" bIns="91425" anchor="ctr" anchorCtr="0">
             <a:noAutofit/>
           </a:bodyPr>
           <a:lstStyle/>
           <a:p>
-            <a:pPr indent="0" lvl="0" marL="0" rtl="0" algn="l">
+            <a:pPr marL="0" lvl="0" indent="0" algn="l" rtl="0">
               <a:spcBef>
                 <a:spcPts val="0"/>
               </a:spcBef>
@@ -12586,9 +12891,6 @@
               </a:spcAft>
               <a:buNone/>
             </a:pPr>
-            <a:r>
-              <a:t/>
-            </a:r>
             <a:endParaRPr/>
           </a:p>
         </p:txBody>
@@ -12603,7 +12905,7 @@
           <a:blip r:embed="rId4">
             <a:alphaModFix/>
           </a:blip>
-          <a:srcRect b="34704" l="0" r="0" t="0"/>
+          <a:srcRect b="34704"/>
           <a:stretch/>
         </p:blipFill>
         <p:spPr>
@@ -12637,23 +12939,23 @@
           <a:solidFill>
             <a:schemeClr val="lt1"/>
           </a:solidFill>
-          <a:ln cap="flat" cmpd="sng" w="9525">
+          <a:ln w="9525" cap="flat" cmpd="sng">
             <a:solidFill>
               <a:schemeClr val="lt1"/>
             </a:solidFill>
             <a:prstDash val="solid"/>
             <a:round/>
-            <a:headEnd len="sm" w="sm" type="none"/>
-            <a:tailEnd len="sm" w="sm" type="none"/>
+            <a:headEnd type="none" w="sm" len="sm"/>
+            <a:tailEnd type="none" w="sm" len="sm"/>
           </a:ln>
         </p:spPr>
         <p:txBody>
-          <a:bodyPr anchorCtr="0" anchor="ctr" bIns="91425" lIns="91425" spcFirstLastPara="1" rIns="91425" wrap="square" tIns="91425">
+          <a:bodyPr spcFirstLastPara="1" wrap="square" lIns="91425" tIns="91425" rIns="91425" bIns="91425" anchor="ctr" anchorCtr="0">
             <a:noAutofit/>
           </a:bodyPr>
           <a:lstStyle/>
           <a:p>
-            <a:pPr indent="0" lvl="0" marL="0" rtl="0" algn="l">
+            <a:pPr marL="0" lvl="0" indent="0" algn="l" rtl="0">
               <a:spcBef>
                 <a:spcPts val="0"/>
               </a:spcBef>
@@ -12662,9 +12964,6 @@
               </a:spcAft>
               <a:buNone/>
             </a:pPr>
-            <a:r>
-              <a:t/>
-            </a:r>
             <a:endParaRPr/>
           </a:p>
         </p:txBody>
@@ -12679,7 +12978,7 @@
           <a:blip r:embed="rId5">
             <a:alphaModFix/>
           </a:blip>
-          <a:srcRect b="12699" l="0" r="0" t="-12700"/>
+          <a:srcRect t="-12700" b="12699"/>
           <a:stretch/>
         </p:blipFill>
         <p:spPr>
@@ -12706,7 +13005,7 @@
           <a:blip r:embed="rId4">
             <a:alphaModFix/>
           </a:blip>
-          <a:srcRect b="1151" l="-630" r="629" t="54201"/>
+          <a:srcRect l="-630" t="54201" r="629" b="1151"/>
           <a:stretch/>
         </p:blipFill>
         <p:spPr>
@@ -12733,7 +13032,7 @@
           <a:blip r:embed="rId4">
             <a:alphaModFix/>
           </a:blip>
-          <a:srcRect b="1151" l="-630" r="629" t="54201"/>
+          <a:srcRect l="-630" t="54201" r="629" b="1151"/>
           <a:stretch/>
         </p:blipFill>
         <p:spPr>
@@ -12770,12 +13069,12 @@
           </a:ln>
         </p:spPr>
         <p:txBody>
-          <a:bodyPr anchorCtr="0" anchor="t" bIns="91425" lIns="91425" spcFirstLastPara="1" rIns="91425" wrap="square" tIns="91425">
+          <a:bodyPr spcFirstLastPara="1" wrap="square" lIns="91425" tIns="91425" rIns="91425" bIns="91425" anchor="t" anchorCtr="0">
             <a:spAutoFit/>
           </a:bodyPr>
           <a:lstStyle/>
           <a:p>
-            <a:pPr indent="0" lvl="0" marL="0" rtl="0" algn="l">
+            <a:pPr marL="0" lvl="0" indent="0" algn="l" rtl="0">
               <a:spcBef>
                 <a:spcPts val="0"/>
               </a:spcBef>
@@ -12785,7 +13084,7 @@
               <a:buNone/>
             </a:pPr>
             <a:r>
-              <a:rPr b="1" lang="en" sz="1300">
+              <a:rPr lang="en" sz="1300" b="1">
                 <a:solidFill>
                   <a:schemeClr val="lt1"/>
                 </a:solidFill>
@@ -12796,7 +13095,7 @@
               </a:rPr>
               <a:t>SAL DIMAGGIO</a:t>
             </a:r>
-            <a:endParaRPr b="1" sz="1300">
+            <a:endParaRPr sz="1300" b="1">
               <a:solidFill>
                 <a:schemeClr val="lt1"/>
               </a:solidFill>
@@ -12828,12 +13127,12 @@
           </a:ln>
         </p:spPr>
         <p:txBody>
-          <a:bodyPr anchorCtr="0" anchor="t" bIns="91425" lIns="91425" spcFirstLastPara="1" rIns="91425" wrap="square" tIns="91425">
+          <a:bodyPr spcFirstLastPara="1" wrap="square" lIns="91425" tIns="91425" rIns="91425" bIns="91425" anchor="t" anchorCtr="0">
             <a:spAutoFit/>
           </a:bodyPr>
           <a:lstStyle/>
           <a:p>
-            <a:pPr indent="0" lvl="0" marL="0" rtl="0" algn="l">
+            <a:pPr marL="0" lvl="0" indent="0" algn="l" rtl="0">
               <a:spcBef>
                 <a:spcPts val="0"/>
               </a:spcBef>
@@ -12843,7 +13142,7 @@
               <a:buNone/>
             </a:pPr>
             <a:r>
-              <a:rPr lang="en" sz="1000">
+              <a:rPr lang="en" sz="1000" dirty="0">
                 <a:solidFill>
                   <a:schemeClr val="lt1"/>
                 </a:solidFill>
@@ -12852,33 +13151,9 @@
                 <a:cs typeface="Proxima Nova"/>
                 <a:sym typeface="Proxima Nova"/>
               </a:rPr>
-              <a:t>Information </a:t>
+              <a:t>Information Technology &amp; Informatics Major</a:t>
             </a:r>
-            <a:r>
-              <a:rPr lang="en" sz="1000">
-                <a:solidFill>
-                  <a:schemeClr val="lt1"/>
-                </a:solidFill>
-                <a:latin typeface="Proxima Nova"/>
-                <a:ea typeface="Proxima Nova"/>
-                <a:cs typeface="Proxima Nova"/>
-                <a:sym typeface="Proxima Nova"/>
-              </a:rPr>
-              <a:t>Technology</a:t>
-            </a:r>
-            <a:r>
-              <a:rPr lang="en" sz="1000">
-                <a:solidFill>
-                  <a:schemeClr val="lt1"/>
-                </a:solidFill>
-                <a:latin typeface="Proxima Nova"/>
-                <a:ea typeface="Proxima Nova"/>
-                <a:cs typeface="Proxima Nova"/>
-                <a:sym typeface="Proxima Nova"/>
-              </a:rPr>
-              <a:t> &amp; Informatics Major, Cybersecurity</a:t>
-            </a:r>
-            <a:endParaRPr sz="1000">
+            <a:endParaRPr sz="1000" dirty="0">
               <a:solidFill>
                 <a:schemeClr val="lt1"/>
               </a:solidFill>
@@ -12889,7 +13164,7 @@
             </a:endParaRPr>
           </a:p>
           <a:p>
-            <a:pPr indent="0" lvl="0" marL="0" rtl="0" algn="l">
+            <a:pPr marL="0" lvl="0" indent="0" algn="l" rtl="0">
               <a:spcBef>
                 <a:spcPts val="0"/>
               </a:spcBef>
@@ -12899,7 +13174,7 @@
               <a:buNone/>
             </a:pPr>
             <a:r>
-              <a:rPr lang="en" sz="1000">
+              <a:rPr lang="en" sz="1000" dirty="0">
                 <a:solidFill>
                   <a:schemeClr val="lt1"/>
                 </a:solidFill>
@@ -12910,7 +13185,7 @@
               </a:rPr>
               <a:t>Minor: Data Analytics</a:t>
             </a:r>
-            <a:endParaRPr sz="1000">
+            <a:endParaRPr sz="1000" dirty="0">
               <a:solidFill>
                 <a:schemeClr val="lt1"/>
               </a:solidFill>
@@ -12932,7 +13207,7 @@
           <a:blip r:embed="rId6">
             <a:alphaModFix/>
           </a:blip>
-          <a:srcRect b="42276" l="20429" r="19055" t="10786"/>
+          <a:srcRect l="20429" t="10786" r="19055" b="42276"/>
           <a:stretch/>
         </p:blipFill>
         <p:spPr>
@@ -12958,11 +13233,11 @@
 </file>
 
 <file path=ppt/slides/slide3.xml><?xml version="1.0" encoding="utf-8"?>
-<p:sld xmlns:a="http://schemas.openxmlformats.org/drawingml/2006/main" xmlns:r="http://schemas.openxmlformats.org/officeDocument/2006/relationships" xmlns:mc="http://schemas.openxmlformats.org/markup-compatibility/2006" xmlns:mv="urn:schemas-microsoft-com:mac:vml" xmlns:p="http://schemas.openxmlformats.org/presentationml/2006/main" xmlns:c="http://schemas.openxmlformats.org/drawingml/2006/chart" xmlns:dgm="http://schemas.openxmlformats.org/drawingml/2006/diagram" xmlns:o="urn:schemas-microsoft-com:office:office" xmlns:v="urn:schemas-microsoft-com:vml" xmlns:pvml="urn:schemas-microsoft-com:office:powerpoint" xmlns:com="http://schemas.openxmlformats.org/drawingml/2006/compatibility" xmlns:p14="http://schemas.microsoft.com/office/powerpoint/2010/main" xmlns:p15="http://schemas.microsoft.com/office/powerpoint/2012/main" xmlns:ahyp="http://schemas.microsoft.com/office/drawing/2018/hyperlinkcolor">
+<p:sld xmlns:a="http://schemas.openxmlformats.org/drawingml/2006/main" xmlns:r="http://schemas.openxmlformats.org/officeDocument/2006/relationships" xmlns:p="http://schemas.openxmlformats.org/presentationml/2006/main">
   <p:cSld>
     <p:spTree>
       <p:nvGrpSpPr>
-        <p:cNvPr id="159" name="Shape 159"/>
+        <p:cNvPr id="1" name="Shape 159"/>
         <p:cNvGrpSpPr/>
         <p:nvPr/>
       </p:nvGrpSpPr>
@@ -12977,27 +13252,29 @@
       <p:sp>
         <p:nvSpPr>
           <p:cNvPr id="160" name="Google Shape;160;p22"/>
-          <p:cNvSpPr txBox="1"/>
+          <p:cNvSpPr txBox="1">
+            <a:spLocks noGrp="1"/>
+          </p:cNvSpPr>
           <p:nvPr>
-            <p:ph idx="1" type="body"/>
+            <p:ph type="body" idx="1"/>
           </p:nvPr>
         </p:nvSpPr>
         <p:spPr>
           <a:xfrm>
             <a:off x="2339050" y="1948825"/>
-            <a:ext cx="6571500" cy="1834200"/>
+            <a:ext cx="6289795" cy="1834200"/>
           </a:xfrm>
           <a:prstGeom prst="rect">
             <a:avLst/>
           </a:prstGeom>
         </p:spPr>
         <p:txBody>
-          <a:bodyPr anchorCtr="0" anchor="t" bIns="40475" lIns="80950" spcFirstLastPara="1" rIns="80950" wrap="square" tIns="40475">
-            <a:normAutofit lnSpcReduction="20000"/>
+          <a:bodyPr spcFirstLastPara="1" wrap="square" lIns="80950" tIns="40475" rIns="80950" bIns="40475" anchor="t" anchorCtr="0">
+            <a:normAutofit/>
           </a:bodyPr>
           <a:lstStyle/>
           <a:p>
-            <a:pPr indent="0" lvl="0" marL="0" rtl="0" algn="l">
+            <a:pPr marL="0" lvl="0" indent="0" algn="l" rtl="0">
               <a:spcBef>
                 <a:spcPts val="500"/>
               </a:spcBef>
@@ -13007,29 +13284,13 @@
               <a:buNone/>
             </a:pPr>
             <a:r>
-              <a:rPr lang="en" sz="1717"/>
-              <a:t>A lot of people in the United States, do not have the time or money to explore the </a:t>
+              <a:rPr lang="en" sz="1717" dirty="0"/>
+              <a:t>A lot of people in the United States, do not have the time or money to explore the world and try fruits from different regions of the world. </a:t>
             </a:r>
-            <a:r>
-              <a:rPr lang="en" sz="1717"/>
-              <a:t>world</a:t>
-            </a:r>
-            <a:r>
-              <a:rPr lang="en" sz="1717"/>
-              <a:t> and try fruits from </a:t>
-            </a:r>
-            <a:r>
-              <a:rPr lang="en" sz="1717"/>
-              <a:t>different</a:t>
-            </a:r>
-            <a:r>
-              <a:rPr lang="en" sz="1717"/>
-              <a:t> regions of the world. </a:t>
-            </a:r>
-            <a:endParaRPr sz="1717"/>
+            <a:endParaRPr sz="1717" dirty="0"/>
           </a:p>
           <a:p>
-            <a:pPr indent="0" lvl="0" marL="0" rtl="0" algn="l">
+            <a:pPr marL="0" lvl="0" indent="0" algn="l" rtl="0">
               <a:spcBef>
                 <a:spcPts val="1200"/>
               </a:spcBef>
@@ -13038,13 +13299,10 @@
               </a:spcAft>
               <a:buNone/>
             </a:pPr>
-            <a:r>
-              <a:t/>
-            </a:r>
-            <a:endParaRPr sz="2117"/>
+            <a:endParaRPr sz="2117" dirty="0"/>
           </a:p>
           <a:p>
-            <a:pPr indent="0" lvl="0" marL="0" rtl="0" algn="l">
+            <a:pPr marL="0" lvl="0" indent="0" algn="l" rtl="0">
               <a:spcBef>
                 <a:spcPts val="1200"/>
               </a:spcBef>
@@ -13053,10 +13311,7 @@
               </a:spcAft>
               <a:buNone/>
             </a:pPr>
-            <a:r>
-              <a:t/>
-            </a:r>
-            <a:endParaRPr sz="2000"/>
+            <a:endParaRPr sz="2000" dirty="0"/>
           </a:p>
         </p:txBody>
       </p:sp>
@@ -13069,11 +13324,11 @@
 </file>
 
 <file path=ppt/slides/slide4.xml><?xml version="1.0" encoding="utf-8"?>
-<p:sld xmlns:a="http://schemas.openxmlformats.org/drawingml/2006/main" xmlns:r="http://schemas.openxmlformats.org/officeDocument/2006/relationships" xmlns:mc="http://schemas.openxmlformats.org/markup-compatibility/2006" xmlns:mv="urn:schemas-microsoft-com:mac:vml" xmlns:p="http://schemas.openxmlformats.org/presentationml/2006/main" xmlns:c="http://schemas.openxmlformats.org/drawingml/2006/chart" xmlns:dgm="http://schemas.openxmlformats.org/drawingml/2006/diagram" xmlns:o="urn:schemas-microsoft-com:office:office" xmlns:v="urn:schemas-microsoft-com:vml" xmlns:pvml="urn:schemas-microsoft-com:office:powerpoint" xmlns:com="http://schemas.openxmlformats.org/drawingml/2006/compatibility" xmlns:p14="http://schemas.microsoft.com/office/powerpoint/2010/main" xmlns:p15="http://schemas.microsoft.com/office/powerpoint/2012/main" xmlns:ahyp="http://schemas.microsoft.com/office/drawing/2018/hyperlinkcolor">
+<p:sld xmlns:a="http://schemas.openxmlformats.org/drawingml/2006/main" xmlns:r="http://schemas.openxmlformats.org/officeDocument/2006/relationships" xmlns:p="http://schemas.openxmlformats.org/presentationml/2006/main">
   <p:cSld>
     <p:spTree>
       <p:nvGrpSpPr>
-        <p:cNvPr id="164" name="Shape 164"/>
+        <p:cNvPr id="1" name="Shape 164"/>
         <p:cNvGrpSpPr/>
         <p:nvPr/>
       </p:nvGrpSpPr>
@@ -13105,12 +13360,12 @@
           </a:ln>
         </p:spPr>
         <p:txBody>
-          <a:bodyPr anchorCtr="0" anchor="t" bIns="91425" lIns="91425" spcFirstLastPara="1" rIns="91425" wrap="square" tIns="91425">
+          <a:bodyPr spcFirstLastPara="1" wrap="square" lIns="91425" tIns="91425" rIns="91425" bIns="91425" anchor="t" anchorCtr="0">
             <a:spAutoFit/>
           </a:bodyPr>
           <a:lstStyle/>
           <a:p>
-            <a:pPr indent="0" lvl="0" marL="0" rtl="0" algn="l">
+            <a:pPr marL="0" lvl="0" indent="0" algn="l" rtl="0">
               <a:spcBef>
                 <a:spcPts val="0"/>
               </a:spcBef>
@@ -13126,61 +13381,7 @@
                 <a:cs typeface="Proxima Nova"/>
                 <a:sym typeface="Proxima Nova"/>
               </a:rPr>
-              <a:t>Bizi Fruit ships unique fruit from all over the world to the </a:t>
-            </a:r>
-            <a:r>
-              <a:rPr lang="en">
-                <a:latin typeface="Proxima Nova"/>
-                <a:ea typeface="Proxima Nova"/>
-                <a:cs typeface="Proxima Nova"/>
-                <a:sym typeface="Proxima Nova"/>
-              </a:rPr>
-              <a:t>United</a:t>
-            </a:r>
-            <a:r>
-              <a:rPr lang="en">
-                <a:latin typeface="Proxima Nova"/>
-                <a:ea typeface="Proxima Nova"/>
-                <a:cs typeface="Proxima Nova"/>
-                <a:sym typeface="Proxima Nova"/>
-              </a:rPr>
-              <a:t> States making it more </a:t>
-            </a:r>
-            <a:r>
-              <a:rPr lang="en">
-                <a:latin typeface="Proxima Nova"/>
-                <a:ea typeface="Proxima Nova"/>
-                <a:cs typeface="Proxima Nova"/>
-                <a:sym typeface="Proxima Nova"/>
-              </a:rPr>
-              <a:t>accessible</a:t>
-            </a:r>
-            <a:r>
-              <a:rPr lang="en">
-                <a:latin typeface="Proxima Nova"/>
-                <a:ea typeface="Proxima Nova"/>
-                <a:cs typeface="Proxima Nova"/>
-                <a:sym typeface="Proxima Nova"/>
-              </a:rPr>
-              <a:t> to enjoy good quality fruits of all varieties. Many of our fruits come from small organic farms to </a:t>
-            </a:r>
-            <a:r>
-              <a:rPr lang="en">
-                <a:latin typeface="Proxima Nova"/>
-                <a:ea typeface="Proxima Nova"/>
-                <a:cs typeface="Proxima Nova"/>
-                <a:sym typeface="Proxima Nova"/>
-              </a:rPr>
-              <a:t>maintain</a:t>
-            </a:r>
-            <a:r>
-              <a:rPr lang="en">
-                <a:latin typeface="Proxima Nova"/>
-                <a:ea typeface="Proxima Nova"/>
-                <a:cs typeface="Proxima Nova"/>
-                <a:sym typeface="Proxima Nova"/>
-              </a:rPr>
-              <a:t> the authenticity of the regions fruit. Other fruits are imported from countries or states with the best climates suitable for growing the fruit. We specialize in offering fruits that are not common in grocery stores and ship them directly to your door!</a:t>
+              <a:t>Bizi Fruit ships unique fruit from all over the world to the United States making it more accessible to enjoy good quality fruits of all varieties. Many of our fruits come from small organic farms to maintain the authenticity of the regions fruit. Other fruits are imported from countries or states with the best climates suitable for growing the fruit. We specialize in offering fruits that are not common in grocery stores and ship them directly to your door!</a:t>
             </a:r>
             <a:endParaRPr>
               <a:latin typeface="Proxima Nova"/>
@@ -13190,7 +13391,24 @@
             </a:endParaRPr>
           </a:p>
           <a:p>
-            <a:pPr indent="0" lvl="0" marL="0" rtl="0" algn="l">
+            <a:pPr marL="0" lvl="0" indent="0" algn="l" rtl="0">
+              <a:spcBef>
+                <a:spcPts val="0"/>
+              </a:spcBef>
+              <a:spcAft>
+                <a:spcPts val="0"/>
+              </a:spcAft>
+              <a:buNone/>
+            </a:pPr>
+            <a:endParaRPr>
+              <a:latin typeface="Proxima Nova"/>
+              <a:ea typeface="Proxima Nova"/>
+              <a:cs typeface="Proxima Nova"/>
+              <a:sym typeface="Proxima Nova"/>
+            </a:endParaRPr>
+          </a:p>
+          <a:p>
+            <a:pPr marL="0" lvl="0" indent="0" algn="l" rtl="0">
               <a:spcBef>
                 <a:spcPts val="0"/>
               </a:spcBef>
@@ -13200,7 +13418,13 @@
               <a:buNone/>
             </a:pPr>
             <a:r>
-              <a:t/>
+              <a:rPr lang="en">
+                <a:latin typeface="Proxima Nova"/>
+                <a:ea typeface="Proxima Nova"/>
+                <a:cs typeface="Proxima Nova"/>
+                <a:sym typeface="Proxima Nova"/>
+              </a:rPr>
+              <a:t>We make this service possible by using AWS to host the website so it can be accessed worldwide.</a:t>
             </a:r>
             <a:endParaRPr>
               <a:latin typeface="Proxima Nova"/>
@@ -13210,7 +13434,7 @@
             </a:endParaRPr>
           </a:p>
           <a:p>
-            <a:pPr indent="0" lvl="0" marL="0" rtl="0" algn="l">
+            <a:pPr marL="0" lvl="0" indent="0" algn="l" rtl="0">
               <a:spcBef>
                 <a:spcPts val="0"/>
               </a:spcBef>
@@ -13219,71 +13443,6 @@
               </a:spcAft>
               <a:buNone/>
             </a:pPr>
-            <a:r>
-              <a:rPr lang="en">
-                <a:latin typeface="Proxima Nova"/>
-                <a:ea typeface="Proxima Nova"/>
-                <a:cs typeface="Proxima Nova"/>
-                <a:sym typeface="Proxima Nova"/>
-              </a:rPr>
-              <a:t>We make this service possible by using AWS to host the </a:t>
-            </a:r>
-            <a:r>
-              <a:rPr lang="en">
-                <a:latin typeface="Proxima Nova"/>
-                <a:ea typeface="Proxima Nova"/>
-                <a:cs typeface="Proxima Nova"/>
-                <a:sym typeface="Proxima Nova"/>
-              </a:rPr>
-              <a:t>website</a:t>
-            </a:r>
-            <a:r>
-              <a:rPr lang="en">
-                <a:latin typeface="Proxima Nova"/>
-                <a:ea typeface="Proxima Nova"/>
-                <a:cs typeface="Proxima Nova"/>
-                <a:sym typeface="Proxima Nova"/>
-              </a:rPr>
-              <a:t> so it can be </a:t>
-            </a:r>
-            <a:r>
-              <a:rPr lang="en">
-                <a:latin typeface="Proxima Nova"/>
-                <a:ea typeface="Proxima Nova"/>
-                <a:cs typeface="Proxima Nova"/>
-                <a:sym typeface="Proxima Nova"/>
-              </a:rPr>
-              <a:t>accessed</a:t>
-            </a:r>
-            <a:r>
-              <a:rPr lang="en">
-                <a:latin typeface="Proxima Nova"/>
-                <a:ea typeface="Proxima Nova"/>
-                <a:cs typeface="Proxima Nova"/>
-                <a:sym typeface="Proxima Nova"/>
-              </a:rPr>
-              <a:t> worldwide.</a:t>
-            </a:r>
-            <a:endParaRPr>
-              <a:latin typeface="Proxima Nova"/>
-              <a:ea typeface="Proxima Nova"/>
-              <a:cs typeface="Proxima Nova"/>
-              <a:sym typeface="Proxima Nova"/>
-            </a:endParaRPr>
-          </a:p>
-          <a:p>
-            <a:pPr indent="0" lvl="0" marL="0" rtl="0" algn="l">
-              <a:spcBef>
-                <a:spcPts val="0"/>
-              </a:spcBef>
-              <a:spcAft>
-                <a:spcPts val="0"/>
-              </a:spcAft>
-              <a:buNone/>
-            </a:pPr>
-            <a:r>
-              <a:t/>
-            </a:r>
             <a:endParaRPr>
               <a:latin typeface="Proxima Nova"/>
               <a:ea typeface="Proxima Nova"/>
@@ -13308,25 +13467,25 @@
             <a:avLst/>
           </a:prstGeom>
           <a:solidFill>
-            <a:srgbClr val="20124D"/>
+            <a:schemeClr val="tx1"/>
           </a:solidFill>
-          <a:ln cap="flat" cmpd="sng" w="9525">
+          <a:ln w="9525" cap="flat" cmpd="sng">
             <a:solidFill>
               <a:srgbClr val="073763"/>
             </a:solidFill>
             <a:prstDash val="solid"/>
             <a:round/>
-            <a:headEnd len="sm" w="sm" type="none"/>
-            <a:tailEnd len="sm" w="sm" type="none"/>
+            <a:headEnd type="none" w="sm" len="sm"/>
+            <a:tailEnd type="none" w="sm" len="sm"/>
           </a:ln>
         </p:spPr>
         <p:txBody>
-          <a:bodyPr anchorCtr="0" anchor="ctr" bIns="91425" lIns="91425" spcFirstLastPara="1" rIns="91425" wrap="square" tIns="91425">
+          <a:bodyPr spcFirstLastPara="1" wrap="square" lIns="91425" tIns="91425" rIns="91425" bIns="91425" anchor="ctr" anchorCtr="0">
             <a:noAutofit/>
           </a:bodyPr>
           <a:lstStyle/>
           <a:p>
-            <a:pPr indent="0" lvl="0" marL="0" rtl="0" algn="l">
+            <a:pPr marL="0" lvl="0" indent="0" algn="l" rtl="0">
               <a:spcBef>
                 <a:spcPts val="0"/>
               </a:spcBef>
@@ -13335,9 +13494,6 @@
               </a:spcAft>
               <a:buNone/>
             </a:pPr>
-            <a:r>
-              <a:t/>
-            </a:r>
             <a:endParaRPr/>
           </a:p>
         </p:txBody>
@@ -13351,29 +13507,29 @@
         <p:spPr>
           <a:xfrm>
             <a:off x="266775" y="990100"/>
-            <a:ext cx="1509000" cy="507900"/>
+            <a:ext cx="1549146" cy="507900"/>
           </a:xfrm>
           <a:prstGeom prst="rect">
             <a:avLst/>
           </a:prstGeom>
           <a:noFill/>
-          <a:ln cap="flat" cmpd="sng" w="9525">
+          <a:ln w="9525" cap="flat" cmpd="sng">
             <a:solidFill>
               <a:schemeClr val="lt1"/>
             </a:solidFill>
             <a:prstDash val="solid"/>
             <a:round/>
-            <a:headEnd len="sm" w="sm" type="none"/>
-            <a:tailEnd len="sm" w="sm" type="none"/>
+            <a:headEnd type="none" w="sm" len="sm"/>
+            <a:tailEnd type="none" w="sm" len="sm"/>
           </a:ln>
         </p:spPr>
         <p:txBody>
-          <a:bodyPr anchorCtr="0" anchor="t" bIns="91425" lIns="91425" spcFirstLastPara="1" rIns="91425" wrap="square" tIns="91425">
+          <a:bodyPr spcFirstLastPara="1" wrap="square" lIns="91425" tIns="91425" rIns="91425" bIns="91425" anchor="t" anchorCtr="0">
             <a:spAutoFit/>
           </a:bodyPr>
           <a:lstStyle/>
           <a:p>
-            <a:pPr indent="0" lvl="0" marL="0" rtl="0" algn="l">
+            <a:pPr marL="0" lvl="0" indent="0" algn="l" rtl="0">
               <a:spcBef>
                 <a:spcPts val="0"/>
               </a:spcBef>
@@ -13383,7 +13539,7 @@
               <a:buNone/>
             </a:pPr>
             <a:r>
-              <a:rPr b="1" lang="en" sz="2100">
+              <a:rPr lang="en" sz="2100" b="1">
                 <a:solidFill>
                   <a:schemeClr val="lt1"/>
                 </a:solidFill>
@@ -13394,7 +13550,7 @@
               </a:rPr>
               <a:t>SOLUTION</a:t>
             </a:r>
-            <a:endParaRPr b="1" sz="2100">
+            <a:endParaRPr sz="2100" b="1">
               <a:solidFill>
                 <a:schemeClr val="lt1"/>
               </a:solidFill>
@@ -13415,11 +13571,11 @@
 </file>
 
 <file path=ppt/slides/slide5.xml><?xml version="1.0" encoding="utf-8"?>
-<p:sld xmlns:a="http://schemas.openxmlformats.org/drawingml/2006/main" xmlns:r="http://schemas.openxmlformats.org/officeDocument/2006/relationships" xmlns:mc="http://schemas.openxmlformats.org/markup-compatibility/2006" xmlns:mv="urn:schemas-microsoft-com:mac:vml" xmlns:p="http://schemas.openxmlformats.org/presentationml/2006/main" xmlns:c="http://schemas.openxmlformats.org/drawingml/2006/chart" xmlns:dgm="http://schemas.openxmlformats.org/drawingml/2006/diagram" xmlns:o="urn:schemas-microsoft-com:office:office" xmlns:v="urn:schemas-microsoft-com:vml" xmlns:pvml="urn:schemas-microsoft-com:office:powerpoint" xmlns:com="http://schemas.openxmlformats.org/drawingml/2006/compatibility" xmlns:p14="http://schemas.microsoft.com/office/powerpoint/2010/main" xmlns:p15="http://schemas.microsoft.com/office/powerpoint/2012/main" xmlns:ahyp="http://schemas.microsoft.com/office/drawing/2018/hyperlinkcolor">
+<p:sld xmlns:a="http://schemas.openxmlformats.org/drawingml/2006/main" xmlns:r="http://schemas.openxmlformats.org/officeDocument/2006/relationships" xmlns:p="http://schemas.openxmlformats.org/presentationml/2006/main">
   <p:cSld>
     <p:spTree>
       <p:nvGrpSpPr>
-        <p:cNvPr id="171" name="Shape 171"/>
+        <p:cNvPr id="1" name="Shape 171"/>
         <p:cNvGrpSpPr/>
         <p:nvPr/>
       </p:nvGrpSpPr>
@@ -13434,7 +13590,9 @@
       <p:sp>
         <p:nvSpPr>
           <p:cNvPr id="172" name="Google Shape;172;p24"/>
-          <p:cNvSpPr txBox="1"/>
+          <p:cNvSpPr txBox="1">
+            <a:spLocks noGrp="1"/>
+          </p:cNvSpPr>
           <p:nvPr>
             <p:ph type="title"/>
           </p:nvPr>
@@ -13449,12 +13607,12 @@
           </a:prstGeom>
         </p:spPr>
         <p:txBody>
-          <a:bodyPr anchorCtr="0" anchor="t" bIns="91425" lIns="91425" spcFirstLastPara="1" rIns="91425" wrap="square" tIns="91425">
+          <a:bodyPr spcFirstLastPara="1" wrap="square" lIns="91425" tIns="91425" rIns="91425" bIns="91425" anchor="t" anchorCtr="0">
             <a:normAutofit fontScale="90000"/>
           </a:bodyPr>
           <a:lstStyle/>
           <a:p>
-            <a:pPr indent="0" lvl="0" marL="0" rtl="0" algn="ctr">
+            <a:pPr marL="0" lvl="0" indent="0" algn="ctr" rtl="0">
               <a:spcBef>
                 <a:spcPts val="0"/>
               </a:spcBef>
@@ -13464,7 +13622,7 @@
               <a:buNone/>
             </a:pPr>
             <a:r>
-              <a:rPr b="1" lang="en"/>
+              <a:rPr lang="en" b="1"/>
               <a:t>DEMO</a:t>
             </a:r>
             <a:endParaRPr b="1"/>
@@ -13508,11 +13666,11 @@
 </file>
 
 <file path=ppt/slides/slide6.xml><?xml version="1.0" encoding="utf-8"?>
-<p:sld xmlns:a="http://schemas.openxmlformats.org/drawingml/2006/main" xmlns:r="http://schemas.openxmlformats.org/officeDocument/2006/relationships" xmlns:mc="http://schemas.openxmlformats.org/markup-compatibility/2006" xmlns:mv="urn:schemas-microsoft-com:mac:vml" xmlns:p="http://schemas.openxmlformats.org/presentationml/2006/main" xmlns:c="http://schemas.openxmlformats.org/drawingml/2006/chart" xmlns:dgm="http://schemas.openxmlformats.org/drawingml/2006/diagram" xmlns:o="urn:schemas-microsoft-com:office:office" xmlns:v="urn:schemas-microsoft-com:vml" xmlns:pvml="urn:schemas-microsoft-com:office:powerpoint" xmlns:com="http://schemas.openxmlformats.org/drawingml/2006/compatibility" xmlns:p14="http://schemas.microsoft.com/office/powerpoint/2010/main" xmlns:p15="http://schemas.microsoft.com/office/powerpoint/2012/main" xmlns:ahyp="http://schemas.microsoft.com/office/drawing/2018/hyperlinkcolor">
+<p:sld xmlns:a="http://schemas.openxmlformats.org/drawingml/2006/main" xmlns:r="http://schemas.openxmlformats.org/officeDocument/2006/relationships" xmlns:p="http://schemas.openxmlformats.org/presentationml/2006/main">
   <p:cSld>
     <p:spTree>
       <p:nvGrpSpPr>
-        <p:cNvPr id="177" name="Shape 177"/>
+        <p:cNvPr id="1" name="Shape 177"/>
         <p:cNvGrpSpPr/>
         <p:nvPr/>
       </p:nvGrpSpPr>
@@ -13527,14 +13685,16 @@
       <p:sp>
         <p:nvSpPr>
           <p:cNvPr id="178" name="Google Shape;178;p25"/>
-          <p:cNvSpPr txBox="1"/>
+          <p:cNvSpPr txBox="1">
+            <a:spLocks noGrp="1"/>
+          </p:cNvSpPr>
           <p:nvPr>
-            <p:ph idx="1" type="subTitle"/>
+            <p:ph type="subTitle" idx="1"/>
           </p:nvPr>
         </p:nvSpPr>
         <p:spPr>
           <a:xfrm>
-            <a:off x="4787300" y="1835525"/>
+            <a:off x="4780860" y="1655220"/>
             <a:ext cx="4169700" cy="2970000"/>
           </a:xfrm>
           <a:prstGeom prst="rect">
@@ -13542,12 +13702,12 @@
           </a:prstGeom>
         </p:spPr>
         <p:txBody>
-          <a:bodyPr anchorCtr="0" anchor="t" bIns="91425" lIns="91425" spcFirstLastPara="1" rIns="91425" wrap="square" tIns="91425">
-            <a:normAutofit fontScale="77500" lnSpcReduction="10000"/>
+          <a:bodyPr spcFirstLastPara="1" wrap="square" lIns="91425" tIns="91425" rIns="91425" bIns="91425" anchor="t" anchorCtr="0">
+            <a:normAutofit fontScale="70000" lnSpcReduction="20000"/>
           </a:bodyPr>
           <a:lstStyle/>
           <a:p>
-            <a:pPr indent="0" lvl="0" marL="0" rtl="0" algn="l">
+            <a:pPr marL="0" lvl="0" indent="0" algn="l" rtl="0">
               <a:spcBef>
                 <a:spcPts val="0"/>
               </a:spcBef>
@@ -13556,13 +13716,10 @@
               </a:spcAft>
               <a:buNone/>
             </a:pPr>
-            <a:r>
-              <a:t/>
-            </a:r>
-            <a:endParaRPr b="1"/>
+            <a:endParaRPr b="1" dirty="0"/>
           </a:p>
           <a:p>
-            <a:pPr indent="-317182" lvl="0" marL="457200" rtl="0" algn="l">
+            <a:pPr marL="457200" lvl="0" indent="-317182" algn="l" rtl="0">
               <a:spcBef>
                 <a:spcPts val="1200"/>
               </a:spcBef>
@@ -13573,13 +13730,13 @@
               <a:buAutoNum type="arabicPeriod"/>
             </a:pPr>
             <a:r>
-              <a:rPr b="1" lang="en"/>
+              <a:rPr lang="en" b="1" dirty="0"/>
               <a:t>How to incorporate a front-end html file to backend functions and storing on the cloud through AWS</a:t>
             </a:r>
-            <a:endParaRPr b="1"/>
+            <a:endParaRPr b="1" dirty="0"/>
           </a:p>
           <a:p>
-            <a:pPr indent="-317182" lvl="0" marL="457200" rtl="0" algn="l">
+            <a:pPr marL="457200" lvl="0" indent="-317182" algn="l" rtl="0">
               <a:spcBef>
                 <a:spcPts val="0"/>
               </a:spcBef>
@@ -13590,21 +13747,13 @@
               <a:buAutoNum type="arabicPeriod"/>
             </a:pPr>
             <a:r>
-              <a:rPr b="1" lang="en"/>
-              <a:t>How to use </a:t>
+              <a:rPr lang="en" b="1" dirty="0"/>
+              <a:t>How to use bootstrap to create a friendly front end UI for the user</a:t>
             </a:r>
-            <a:r>
-              <a:rPr b="1" lang="en"/>
-              <a:t>bootstrap</a:t>
-            </a:r>
-            <a:r>
-              <a:rPr b="1" lang="en"/>
-              <a:t> to create a friendly front end UI for the user</a:t>
-            </a:r>
-            <a:endParaRPr b="1"/>
+            <a:endParaRPr b="1" dirty="0"/>
           </a:p>
           <a:p>
-            <a:pPr indent="-317182" lvl="0" marL="457200" rtl="0" algn="l">
+            <a:pPr marL="457200" lvl="0" indent="-317182" algn="l" rtl="0">
               <a:spcBef>
                 <a:spcPts val="0"/>
               </a:spcBef>
@@ -13615,13 +13764,13 @@
               <a:buAutoNum type="arabicPeriod"/>
             </a:pPr>
             <a:r>
-              <a:rPr b="1" lang="en"/>
-              <a:t>How to use a server to hold data and send it to user by using get requests</a:t>
+              <a:rPr lang="en" b="1" dirty="0"/>
+              <a:t>How to use a EC2 server to send data to the backend by using post requests</a:t>
             </a:r>
-            <a:endParaRPr b="1"/>
+            <a:endParaRPr b="1" dirty="0"/>
           </a:p>
           <a:p>
-            <a:pPr indent="-317182" lvl="0" marL="457200" rtl="0" algn="l">
+            <a:pPr marL="457200" lvl="0" indent="-317182" algn="l" rtl="0">
               <a:spcBef>
                 <a:spcPts val="0"/>
               </a:spcBef>
@@ -13632,32 +13781,47 @@
               <a:buAutoNum type="arabicPeriod"/>
             </a:pPr>
             <a:r>
-              <a:rPr b="1" lang="en"/>
+              <a:rPr lang="en" b="1" dirty="0"/>
               <a:t>&lt;Divs&gt; are very important for structuring </a:t>
             </a:r>
-            <a:endParaRPr b="1"/>
           </a:p>
           <a:p>
-            <a:pPr indent="0" lvl="0" marL="457200" rtl="0" algn="l">
-              <a:spcBef>
-                <a:spcPts val="1200"/>
-              </a:spcBef>
-              <a:spcAft>
-                <a:spcPts val="1200"/>
-              </a:spcAft>
-              <a:buNone/>
+            <a:pPr marL="457200" lvl="0" indent="-317182" algn="l" rtl="0">
+              <a:spcBef>
+                <a:spcPts val="0"/>
+              </a:spcBef>
+              <a:spcAft>
+                <a:spcPts val="0"/>
+              </a:spcAft>
+              <a:buSzPct val="100000"/>
+              <a:buAutoNum type="arabicPeriod"/>
             </a:pPr>
             <a:r>
-              <a:t/>
+              <a:rPr lang="en" b="1" dirty="0"/>
+              <a:t>How to run a database, server and files in the cloud.</a:t>
             </a:r>
-            <a:endParaRPr/>
+            <a:endParaRPr b="1" dirty="0"/>
+          </a:p>
+          <a:p>
+            <a:pPr marL="457200" lvl="0" indent="0" algn="l" rtl="0">
+              <a:spcBef>
+                <a:spcPts val="1200"/>
+              </a:spcBef>
+              <a:spcAft>
+                <a:spcPts val="1200"/>
+              </a:spcAft>
+              <a:buNone/>
+            </a:pPr>
+            <a:endParaRPr dirty="0"/>
           </a:p>
         </p:txBody>
       </p:sp>
       <p:sp>
         <p:nvSpPr>
           <p:cNvPr id="179" name="Google Shape;179;p25"/>
-          <p:cNvSpPr txBox="1"/>
+          <p:cNvSpPr txBox="1">
+            <a:spLocks noGrp="1"/>
+          </p:cNvSpPr>
           <p:nvPr>
             <p:ph type="title"/>
           </p:nvPr>
@@ -13672,12 +13836,12 @@
           </a:prstGeom>
         </p:spPr>
         <p:txBody>
-          <a:bodyPr anchorCtr="0" anchor="t" bIns="91425" lIns="91425" spcFirstLastPara="1" rIns="91425" wrap="square" tIns="91425">
+          <a:bodyPr spcFirstLastPara="1" wrap="square" lIns="91425" tIns="91425" rIns="91425" bIns="91425" anchor="t" anchorCtr="0">
             <a:normAutofit/>
           </a:bodyPr>
           <a:lstStyle/>
           <a:p>
-            <a:pPr indent="0" lvl="0" marL="0" rtl="0" algn="l">
+            <a:pPr marL="0" lvl="0" indent="0" algn="l" rtl="0">
               <a:spcBef>
                 <a:spcPts val="0"/>
               </a:spcBef>
@@ -13703,11 +13867,11 @@
 </file>
 
 <file path=ppt/slides/slide7.xml><?xml version="1.0" encoding="utf-8"?>
-<p:sld xmlns:a="http://schemas.openxmlformats.org/drawingml/2006/main" xmlns:r="http://schemas.openxmlformats.org/officeDocument/2006/relationships" xmlns:mc="http://schemas.openxmlformats.org/markup-compatibility/2006" xmlns:mv="urn:schemas-microsoft-com:mac:vml" xmlns:p="http://schemas.openxmlformats.org/presentationml/2006/main" xmlns:c="http://schemas.openxmlformats.org/drawingml/2006/chart" xmlns:dgm="http://schemas.openxmlformats.org/drawingml/2006/diagram" xmlns:o="urn:schemas-microsoft-com:office:office" xmlns:v="urn:schemas-microsoft-com:vml" xmlns:pvml="urn:schemas-microsoft-com:office:powerpoint" xmlns:com="http://schemas.openxmlformats.org/drawingml/2006/compatibility" xmlns:p14="http://schemas.microsoft.com/office/powerpoint/2010/main" xmlns:p15="http://schemas.microsoft.com/office/powerpoint/2012/main" xmlns:ahyp="http://schemas.microsoft.com/office/drawing/2018/hyperlinkcolor">
+<p:sld xmlns:a="http://schemas.openxmlformats.org/drawingml/2006/main" xmlns:r="http://schemas.openxmlformats.org/officeDocument/2006/relationships" xmlns:p="http://schemas.openxmlformats.org/presentationml/2006/main">
   <p:cSld>
     <p:spTree>
       <p:nvGrpSpPr>
-        <p:cNvPr id="183" name="Shape 183"/>
+        <p:cNvPr id="1" name="Shape 183"/>
         <p:cNvGrpSpPr/>
         <p:nvPr/>
       </p:nvGrpSpPr>
@@ -13722,9 +13886,11 @@
       <p:sp>
         <p:nvSpPr>
           <p:cNvPr id="184" name="Google Shape;184;p26"/>
-          <p:cNvSpPr txBox="1"/>
+          <p:cNvSpPr txBox="1">
+            <a:spLocks noGrp="1"/>
+          </p:cNvSpPr>
           <p:nvPr>
-            <p:ph idx="1" type="subTitle"/>
+            <p:ph type="subTitle" idx="1"/>
           </p:nvPr>
         </p:nvSpPr>
         <p:spPr>
@@ -13737,12 +13903,12 @@
           </a:prstGeom>
         </p:spPr>
         <p:txBody>
-          <a:bodyPr anchorCtr="0" anchor="t" bIns="91425" lIns="91425" spcFirstLastPara="1" rIns="91425" wrap="square" tIns="91425">
+          <a:bodyPr spcFirstLastPara="1" wrap="square" lIns="91425" tIns="91425" rIns="91425" bIns="91425" anchor="t" anchorCtr="0">
             <a:noAutofit/>
           </a:bodyPr>
           <a:lstStyle/>
           <a:p>
-            <a:pPr indent="-299720" lvl="0" marL="457200" rtl="0" algn="l">
+            <a:pPr marL="457200" lvl="0" indent="-299720" algn="l" rtl="0">
               <a:lnSpc>
                 <a:spcPct val="105000"/>
               </a:lnSpc>
@@ -13756,32 +13922,13 @@
               <a:buAutoNum type="arabicPeriod"/>
             </a:pPr>
             <a:r>
-              <a:rPr b="1" lang="en" sz="1120"/>
+              <a:rPr lang="en" sz="1120" b="1" dirty="0"/>
               <a:t>Connecting the front end to backend </a:t>
             </a:r>
-            <a:endParaRPr b="1" sz="1120"/>
+            <a:endParaRPr sz="1120" b="1" dirty="0"/>
           </a:p>
           <a:p>
-            <a:pPr indent="0" lvl="0" marL="457200" rtl="0" algn="l">
-              <a:lnSpc>
-                <a:spcPct val="105000"/>
-              </a:lnSpc>
-              <a:spcBef>
-                <a:spcPts val="1200"/>
-              </a:spcBef>
-              <a:spcAft>
-                <a:spcPts val="0"/>
-              </a:spcAft>
-              <a:buSzPts val="440"/>
-              <a:buNone/>
-            </a:pPr>
-            <a:r>
-              <a:t/>
-            </a:r>
-            <a:endParaRPr b="1" sz="1120"/>
-          </a:p>
-          <a:p>
-            <a:pPr indent="-299720" lvl="0" marL="457200" rtl="0" algn="l">
+            <a:pPr marL="457200" lvl="0" indent="-299720" algn="l" rtl="0">
               <a:lnSpc>
                 <a:spcPct val="105000"/>
               </a:lnSpc>
@@ -13795,32 +13942,13 @@
               <a:buAutoNum type="arabicPeriod"/>
             </a:pPr>
             <a:r>
-              <a:rPr b="1" lang="en" sz="1120"/>
+              <a:rPr lang="en" sz="1120" b="1" dirty="0"/>
               <a:t>We had difficulty in outputting a “order has been placed” message for the user once they had placed an order</a:t>
             </a:r>
-            <a:endParaRPr b="1" sz="1120"/>
+            <a:endParaRPr sz="1120" b="1" dirty="0"/>
           </a:p>
           <a:p>
-            <a:pPr indent="0" lvl="0" marL="0" rtl="0" algn="l">
-              <a:lnSpc>
-                <a:spcPct val="105000"/>
-              </a:lnSpc>
-              <a:spcBef>
-                <a:spcPts val="1200"/>
-              </a:spcBef>
-              <a:spcAft>
-                <a:spcPts val="0"/>
-              </a:spcAft>
-              <a:buSzPts val="440"/>
-              <a:buNone/>
-            </a:pPr>
-            <a:r>
-              <a:t/>
-            </a:r>
-            <a:endParaRPr b="1" sz="1120"/>
-          </a:p>
-          <a:p>
-            <a:pPr indent="-299720" lvl="0" marL="457200" rtl="0" algn="l">
+            <a:pPr marL="457200" lvl="0" indent="-299720" algn="l" rtl="0">
               <a:lnSpc>
                 <a:spcPct val="105000"/>
               </a:lnSpc>
@@ -13834,29 +13962,57 @@
               <a:buAutoNum type="arabicPeriod"/>
             </a:pPr>
             <a:r>
-              <a:rPr b="1" lang="en" sz="1120"/>
-              <a:t>When adding the “Place Order” features into the html file we had </a:t>
+              <a:rPr lang="en" sz="1120" b="1" dirty="0"/>
+              <a:t>When adding the “Place Order” features into the html file we had difficulty with structuring it correctly  </a:t>
             </a:r>
+          </a:p>
+          <a:p>
+            <a:pPr marL="457200" lvl="0" indent="-299720" algn="l" rtl="0">
+              <a:lnSpc>
+                <a:spcPct val="105000"/>
+              </a:lnSpc>
+              <a:spcBef>
+                <a:spcPts val="1200"/>
+              </a:spcBef>
+              <a:spcAft>
+                <a:spcPts val="0"/>
+              </a:spcAft>
+              <a:buSzPts val="1120"/>
+              <a:buAutoNum type="arabicPeriod"/>
+            </a:pPr>
             <a:r>
-              <a:rPr b="1" lang="en" sz="1120"/>
-              <a:t>difficulty</a:t>
+              <a:rPr lang="en" sz="1120" b="1" dirty="0"/>
+              <a:t>There is no indication that the form was submitted</a:t>
             </a:r>
+          </a:p>
+          <a:p>
+            <a:pPr marL="457200" lvl="0" indent="-299720" algn="l" rtl="0">
+              <a:lnSpc>
+                <a:spcPct val="105000"/>
+              </a:lnSpc>
+              <a:spcBef>
+                <a:spcPts val="1200"/>
+              </a:spcBef>
+              <a:spcAft>
+                <a:spcPts val="0"/>
+              </a:spcAft>
+              <a:buSzPts val="1120"/>
+              <a:buAutoNum type="arabicPeriod"/>
+            </a:pPr>
             <a:r>
-              <a:rPr b="1" lang="en" sz="1120"/>
-              <a:t> with structuring it correctly </a:t>
+              <a:rPr lang="en" sz="1120" b="1" dirty="0"/>
+              <a:t>Not being able to use eduroam</a:t>
             </a:r>
-            <a:r>
-              <a:rPr b="1" lang="en" sz="1120"/>
-              <a:t> </a:t>
-            </a:r>
-            <a:endParaRPr sz="720"/>
+            <a:endParaRPr sz="720" dirty="0"/>
           </a:p>
         </p:txBody>
       </p:sp>
       <p:sp>
         <p:nvSpPr>
           <p:cNvPr id="185" name="Google Shape;185;p26"/>
-          <p:cNvSpPr txBox="1"/>
+          <p:cNvSpPr txBox="1">
+            <a:spLocks noGrp="1"/>
+          </p:cNvSpPr>
           <p:nvPr>
             <p:ph type="title"/>
           </p:nvPr>
@@ -13871,12 +14027,12 @@
           </a:prstGeom>
         </p:spPr>
         <p:txBody>
-          <a:bodyPr anchorCtr="0" anchor="t" bIns="91425" lIns="91425" spcFirstLastPara="1" rIns="91425" wrap="square" tIns="91425">
+          <a:bodyPr spcFirstLastPara="1" wrap="square" lIns="91425" tIns="91425" rIns="91425" bIns="91425" anchor="t" anchorCtr="0">
             <a:normAutofit/>
           </a:bodyPr>
           <a:lstStyle/>
           <a:p>
-            <a:pPr indent="0" lvl="0" marL="0" rtl="0" algn="l">
+            <a:pPr marL="0" lvl="0" indent="0" algn="l" rtl="0">
               <a:spcBef>
                 <a:spcPts val="0"/>
               </a:spcBef>
@@ -13886,18 +14042,18 @@
               <a:buNone/>
             </a:pPr>
             <a:r>
-              <a:rPr lang="en" sz="3200"/>
+              <a:rPr lang="en" sz="3200" dirty="0"/>
               <a:t>ISSUES AND CHALLENGES ENCOUNTERED </a:t>
             </a:r>
             <a:r>
-              <a:rPr lang="en" sz="3800"/>
+              <a:rPr lang="en" sz="3800" dirty="0"/>
               <a:t> </a:t>
             </a:r>
             <a:r>
-              <a:rPr lang="en" sz="4400"/>
+              <a:rPr lang="en" sz="4400" dirty="0"/>
               <a:t> </a:t>
             </a:r>
-            <a:endParaRPr sz="4400"/>
+            <a:endParaRPr sz="4400" dirty="0"/>
           </a:p>
         </p:txBody>
       </p:sp>
@@ -13910,11 +14066,11 @@
 </file>
 
 <file path=ppt/slides/slide8.xml><?xml version="1.0" encoding="utf-8"?>
-<p:sld xmlns:a="http://schemas.openxmlformats.org/drawingml/2006/main" xmlns:r="http://schemas.openxmlformats.org/officeDocument/2006/relationships" xmlns:mc="http://schemas.openxmlformats.org/markup-compatibility/2006" xmlns:mv="urn:schemas-microsoft-com:mac:vml" xmlns:p="http://schemas.openxmlformats.org/presentationml/2006/main" xmlns:c="http://schemas.openxmlformats.org/drawingml/2006/chart" xmlns:dgm="http://schemas.openxmlformats.org/drawingml/2006/diagram" xmlns:o="urn:schemas-microsoft-com:office:office" xmlns:v="urn:schemas-microsoft-com:vml" xmlns:pvml="urn:schemas-microsoft-com:office:powerpoint" xmlns:com="http://schemas.openxmlformats.org/drawingml/2006/compatibility" xmlns:p14="http://schemas.microsoft.com/office/powerpoint/2010/main" xmlns:p15="http://schemas.microsoft.com/office/powerpoint/2012/main" xmlns:ahyp="http://schemas.microsoft.com/office/drawing/2018/hyperlinkcolor">
+<p:sld xmlns:a="http://schemas.openxmlformats.org/drawingml/2006/main" xmlns:r="http://schemas.openxmlformats.org/officeDocument/2006/relationships" xmlns:p="http://schemas.openxmlformats.org/presentationml/2006/main">
   <p:cSld>
     <p:spTree>
       <p:nvGrpSpPr>
-        <p:cNvPr id="189" name="Shape 189"/>
+        <p:cNvPr id="1" name="Shape 189"/>
         <p:cNvGrpSpPr/>
         <p:nvPr/>
       </p:nvGrpSpPr>
@@ -13929,9 +14085,11 @@
       <p:sp>
         <p:nvSpPr>
           <p:cNvPr id="190" name="Google Shape;190;p27"/>
-          <p:cNvSpPr txBox="1"/>
+          <p:cNvSpPr txBox="1">
+            <a:spLocks noGrp="1"/>
+          </p:cNvSpPr>
           <p:nvPr>
-            <p:ph idx="1" type="subTitle"/>
+            <p:ph type="subTitle" idx="1"/>
           </p:nvPr>
         </p:nvSpPr>
         <p:spPr>
@@ -13944,12 +14102,12 @@
           </a:prstGeom>
         </p:spPr>
         <p:txBody>
-          <a:bodyPr anchorCtr="0" anchor="t" bIns="91425" lIns="91425" spcFirstLastPara="1" rIns="91425" wrap="square" tIns="91425">
+          <a:bodyPr spcFirstLastPara="1" wrap="square" lIns="91425" tIns="91425" rIns="91425" bIns="91425" anchor="t" anchorCtr="0">
             <a:noAutofit/>
           </a:bodyPr>
           <a:lstStyle/>
           <a:p>
-            <a:pPr indent="0" lvl="0" marL="0" rtl="0" algn="l">
+            <a:pPr marL="0" lvl="0" indent="0" algn="l" rtl="0">
               <a:lnSpc>
                 <a:spcPct val="95000"/>
               </a:lnSpc>
@@ -13973,9 +14131,11 @@
       <p:sp>
         <p:nvSpPr>
           <p:cNvPr id="191" name="Google Shape;191;p27"/>
-          <p:cNvSpPr txBox="1"/>
+          <p:cNvSpPr txBox="1">
+            <a:spLocks noGrp="1"/>
+          </p:cNvSpPr>
           <p:nvPr>
-            <p:ph idx="2" type="body"/>
+            <p:ph type="body" idx="2"/>
           </p:nvPr>
         </p:nvSpPr>
         <p:spPr>
@@ -13988,12 +14148,12 @@
           </a:prstGeom>
         </p:spPr>
         <p:txBody>
-          <a:bodyPr anchorCtr="0" anchor="t" bIns="40475" lIns="80950" spcFirstLastPara="1" rIns="80950" wrap="square" tIns="40475">
+          <a:bodyPr spcFirstLastPara="1" wrap="square" lIns="80950" tIns="40475" rIns="80950" bIns="40475" anchor="t" anchorCtr="0">
             <a:noAutofit/>
           </a:bodyPr>
           <a:lstStyle/>
           <a:p>
-            <a:pPr indent="-329882" lvl="0" marL="457200" rtl="0" algn="l">
+            <a:pPr marL="457200" lvl="0" indent="-329882" algn="l" rtl="0">
               <a:lnSpc>
                 <a:spcPct val="105000"/>
               </a:lnSpc>
@@ -14007,13 +14167,13 @@
               <a:buChar char="●"/>
             </a:pPr>
             <a:r>
-              <a:rPr lang="en" sz="1595"/>
+              <a:rPr lang="en" sz="1595" dirty="0"/>
               <a:t>Bizi Fruit ships worldwide!</a:t>
             </a:r>
-            <a:endParaRPr sz="1595"/>
+            <a:endParaRPr sz="1595" dirty="0"/>
           </a:p>
           <a:p>
-            <a:pPr indent="-329882" lvl="0" marL="457200" rtl="0" algn="l">
+            <a:pPr marL="457200" lvl="0" indent="-329882" algn="l" rtl="0">
               <a:lnSpc>
                 <a:spcPct val="105000"/>
               </a:lnSpc>
@@ -14027,13 +14187,13 @@
               <a:buChar char="●"/>
             </a:pPr>
             <a:r>
-              <a:rPr lang="en" sz="1595"/>
+              <a:rPr lang="en" sz="1595" dirty="0"/>
               <a:t>We want to include a landing page for the “Place order and checkout” process</a:t>
             </a:r>
-            <a:endParaRPr sz="1595"/>
+            <a:endParaRPr sz="1595" dirty="0"/>
           </a:p>
           <a:p>
-            <a:pPr indent="-329882" lvl="0" marL="457200" rtl="0" algn="l">
+            <a:pPr marL="457200" lvl="0" indent="-329882" algn="l" rtl="0">
               <a:lnSpc>
                 <a:spcPct val="105000"/>
               </a:lnSpc>
@@ -14047,13 +14207,13 @@
               <a:buChar char="●"/>
             </a:pPr>
             <a:r>
-              <a:rPr lang="en" sz="1595"/>
+              <a:rPr lang="en" sz="1595" dirty="0"/>
               <a:t>We want to add a message display for when an order to placed</a:t>
             </a:r>
-            <a:endParaRPr sz="1595"/>
+            <a:endParaRPr sz="1595" dirty="0"/>
           </a:p>
           <a:p>
-            <a:pPr indent="-329882" lvl="0" marL="457200" rtl="0" algn="l">
+            <a:pPr marL="457200" lvl="0" indent="-329882" algn="l" rtl="0">
               <a:lnSpc>
                 <a:spcPct val="105000"/>
               </a:lnSpc>
@@ -14067,13 +14227,13 @@
               <a:buChar char="●"/>
             </a:pPr>
             <a:r>
-              <a:rPr lang="en" sz="1595"/>
+              <a:rPr lang="en" sz="1595" dirty="0"/>
               <a:t>We want each order placed to be followed up with a confirmation number as well as tracking information</a:t>
             </a:r>
-            <a:endParaRPr sz="1595"/>
+            <a:endParaRPr sz="1595" dirty="0"/>
           </a:p>
           <a:p>
-            <a:pPr indent="-329882" lvl="0" marL="457200" rtl="0" algn="l">
+            <a:pPr marL="457200" lvl="0" indent="-329882" algn="l" rtl="0">
               <a:lnSpc>
                 <a:spcPct val="105000"/>
               </a:lnSpc>
@@ -14087,31 +14247,28 @@
               <a:buChar char="●"/>
             </a:pPr>
             <a:r>
-              <a:rPr lang="en" sz="1595"/>
+              <a:rPr lang="en" sz="1595" dirty="0"/>
               <a:t>We want to provide a customer care service  </a:t>
             </a:r>
-            <a:endParaRPr sz="1595"/>
           </a:p>
           <a:p>
-            <a:pPr indent="0" lvl="0" marL="0" rtl="0" algn="l">
+            <a:pPr marL="127318" lvl="0" indent="0" algn="l" rtl="0">
               <a:lnSpc>
                 <a:spcPct val="105000"/>
               </a:lnSpc>
               <a:spcBef>
-                <a:spcPts val="1200"/>
-              </a:spcBef>
-              <a:spcAft>
-                <a:spcPts val="0"/>
-              </a:spcAft>
+                <a:spcPts val="0"/>
+              </a:spcBef>
+              <a:spcAft>
+                <a:spcPts val="0"/>
+              </a:spcAft>
+              <a:buSzPts val="1595"/>
               <a:buNone/>
             </a:pPr>
-            <a:r>
-              <a:t/>
-            </a:r>
-            <a:endParaRPr sz="1595"/>
+            <a:endParaRPr sz="1595" dirty="0"/>
           </a:p>
           <a:p>
-            <a:pPr indent="0" lvl="0" marL="0" rtl="0" algn="l">
+            <a:pPr marL="0" lvl="0" indent="0" algn="l" rtl="0">
               <a:lnSpc>
                 <a:spcPct val="105000"/>
               </a:lnSpc>
@@ -14121,16 +14278,12 @@
               <a:spcAft>
                 <a:spcPts val="0"/>
               </a:spcAft>
-              <a:buSzPts val="852"/>
               <a:buNone/>
             </a:pPr>
-            <a:r>
-              <a:t/>
-            </a:r>
-            <a:endParaRPr sz="1395"/>
+            <a:endParaRPr sz="1595" dirty="0"/>
           </a:p>
           <a:p>
-            <a:pPr indent="0" lvl="0" marL="0" rtl="0" algn="l">
+            <a:pPr marL="0" lvl="0" indent="0" algn="l" rtl="0">
               <a:lnSpc>
                 <a:spcPct val="105000"/>
               </a:lnSpc>
@@ -14143,13 +14296,10 @@
               <a:buSzPts val="852"/>
               <a:buNone/>
             </a:pPr>
-            <a:r>
-              <a:t/>
-            </a:r>
-            <a:endParaRPr sz="1395"/>
+            <a:endParaRPr sz="1395" dirty="0"/>
           </a:p>
           <a:p>
-            <a:pPr indent="0" lvl="0" marL="0" rtl="0" algn="l">
+            <a:pPr marL="0" lvl="0" indent="0" algn="l" rtl="0">
               <a:lnSpc>
                 <a:spcPct val="105000"/>
               </a:lnSpc>
@@ -14162,13 +14312,10 @@
               <a:buSzPts val="852"/>
               <a:buNone/>
             </a:pPr>
-            <a:r>
-              <a:t/>
-            </a:r>
-            <a:endParaRPr sz="1395"/>
+            <a:endParaRPr sz="1395" dirty="0"/>
           </a:p>
           <a:p>
-            <a:pPr indent="0" lvl="0" marL="0" rtl="0" algn="l">
+            <a:pPr marL="0" lvl="0" indent="0" algn="l" rtl="0">
               <a:lnSpc>
                 <a:spcPct val="105000"/>
               </a:lnSpc>
@@ -14181,13 +14328,10 @@
               <a:buSzPts val="852"/>
               <a:buNone/>
             </a:pPr>
-            <a:r>
-              <a:t/>
-            </a:r>
-            <a:endParaRPr sz="1395"/>
+            <a:endParaRPr sz="1395" dirty="0"/>
           </a:p>
           <a:p>
-            <a:pPr indent="0" lvl="0" marL="0" rtl="0" algn="l">
+            <a:pPr marL="0" lvl="0" indent="0" algn="l" rtl="0">
               <a:lnSpc>
                 <a:spcPct val="105000"/>
               </a:lnSpc>
@@ -14200,13 +14344,10 @@
               <a:buSzPts val="852"/>
               <a:buNone/>
             </a:pPr>
-            <a:r>
-              <a:t/>
-            </a:r>
-            <a:endParaRPr sz="1395"/>
+            <a:endParaRPr sz="1395" dirty="0"/>
           </a:p>
           <a:p>
-            <a:pPr indent="0" lvl="0" marL="0" rtl="0" algn="l">
+            <a:pPr marL="0" lvl="0" indent="0" algn="l" rtl="0">
               <a:lnSpc>
                 <a:spcPct val="105000"/>
               </a:lnSpc>
@@ -14219,13 +14360,10 @@
               <a:buSzPts val="852"/>
               <a:buNone/>
             </a:pPr>
-            <a:r>
-              <a:t/>
-            </a:r>
-            <a:endParaRPr sz="1395"/>
+            <a:endParaRPr sz="1395" dirty="0"/>
           </a:p>
           <a:p>
-            <a:pPr indent="0" lvl="0" marL="0" rtl="0" algn="l">
+            <a:pPr marL="0" lvl="0" indent="0" algn="l" rtl="0">
               <a:lnSpc>
                 <a:spcPct val="105000"/>
               </a:lnSpc>
@@ -14233,15 +14371,28 @@
                 <a:spcPts val="1200"/>
               </a:spcBef>
               <a:spcAft>
+                <a:spcPts val="0"/>
+              </a:spcAft>
+              <a:buSzPts val="852"/>
+              <a:buNone/>
+            </a:pPr>
+            <a:endParaRPr sz="1395" dirty="0"/>
+          </a:p>
+          <a:p>
+            <a:pPr marL="0" lvl="0" indent="0" algn="l" rtl="0">
+              <a:lnSpc>
+                <a:spcPct val="105000"/>
+              </a:lnSpc>
+              <a:spcBef>
                 <a:spcPts val="1200"/>
+              </a:spcBef>
+              <a:spcAft>
+                <a:spcPts val="1200"/>
               </a:spcAft>
               <a:buSzPts val="852"/>
               <a:buNone/>
             </a:pPr>
-            <a:r>
-              <a:t/>
-            </a:r>
-            <a:endParaRPr sz="1395"/>
+            <a:endParaRPr sz="1395" dirty="0"/>
           </a:p>
         </p:txBody>
       </p:sp>
@@ -14254,11 +14405,11 @@
 </file>
 
 <file path=ppt/slides/slide9.xml><?xml version="1.0" encoding="utf-8"?>
-<p:sld xmlns:a="http://schemas.openxmlformats.org/drawingml/2006/main" xmlns:r="http://schemas.openxmlformats.org/officeDocument/2006/relationships" xmlns:mc="http://schemas.openxmlformats.org/markup-compatibility/2006" xmlns:mv="urn:schemas-microsoft-com:mac:vml" xmlns:p="http://schemas.openxmlformats.org/presentationml/2006/main" xmlns:c="http://schemas.openxmlformats.org/drawingml/2006/chart" xmlns:dgm="http://schemas.openxmlformats.org/drawingml/2006/diagram" xmlns:o="urn:schemas-microsoft-com:office:office" xmlns:v="urn:schemas-microsoft-com:vml" xmlns:pvml="urn:schemas-microsoft-com:office:powerpoint" xmlns:com="http://schemas.openxmlformats.org/drawingml/2006/compatibility" xmlns:p14="http://schemas.microsoft.com/office/powerpoint/2010/main" xmlns:p15="http://schemas.microsoft.com/office/powerpoint/2012/main" xmlns:ahyp="http://schemas.microsoft.com/office/drawing/2018/hyperlinkcolor">
+<p:sld xmlns:a="http://schemas.openxmlformats.org/drawingml/2006/main" xmlns:r="http://schemas.openxmlformats.org/officeDocument/2006/relationships" xmlns:p="http://schemas.openxmlformats.org/presentationml/2006/main">
   <p:cSld>
     <p:spTree>
       <p:nvGrpSpPr>
-        <p:cNvPr id="195" name="Shape 195"/>
+        <p:cNvPr id="1" name="Shape 195"/>
         <p:cNvGrpSpPr/>
         <p:nvPr/>
       </p:nvGrpSpPr>
@@ -14279,7 +14430,288 @@
 </file>
 
 <file path=ppt/theme/theme1.xml><?xml version="1.0" encoding="utf-8"?>
-<a:theme xmlns:a="http://schemas.openxmlformats.org/drawingml/2006/main" xmlns:r="http://schemas.openxmlformats.org/officeDocument/2006/relationships">
+<a:theme xmlns:a="http://schemas.openxmlformats.org/drawingml/2006/main" name="Spearmint">
+  <a:themeElements>
+    <a:clrScheme name="Spearmint">
+      <a:dk1>
+        <a:srgbClr val="202729"/>
+      </a:dk1>
+      <a:lt1>
+        <a:srgbClr val="FFFFFF"/>
+      </a:lt1>
+      <a:dk2>
+        <a:srgbClr val="4BA173"/>
+      </a:dk2>
+      <a:lt2>
+        <a:srgbClr val="63D297"/>
+      </a:lt2>
+      <a:accent1>
+        <a:srgbClr val="353744"/>
+      </a:accent1>
+      <a:accent2>
+        <a:srgbClr val="424242"/>
+      </a:accent2>
+      <a:accent3>
+        <a:srgbClr val="616161"/>
+      </a:accent3>
+      <a:accent4>
+        <a:srgbClr val="999999"/>
+      </a:accent4>
+      <a:accent5>
+        <a:srgbClr val="FF5252"/>
+      </a:accent5>
+      <a:accent6>
+        <a:srgbClr val="FFF176"/>
+      </a:accent6>
+      <a:hlink>
+        <a:srgbClr val="FF5252"/>
+      </a:hlink>
+      <a:folHlink>
+        <a:srgbClr val="FF5252"/>
+      </a:folHlink>
+    </a:clrScheme>
+    <a:fontScheme name="Office">
+      <a:majorFont>
+        <a:latin typeface="Arial"/>
+        <a:ea typeface=""/>
+        <a:cs typeface=""/>
+        <a:font script="Jpan" typeface="ＭＳ Ｐゴシック"/>
+        <a:font script="Hang" typeface="맑은 고딕"/>
+        <a:font script="Hans" typeface="宋体"/>
+        <a:font script="Hant" typeface="新細明體"/>
+        <a:font script="Arab" typeface="Times New Roman"/>
+        <a:font script="Hebr" typeface="Times New Roman"/>
+        <a:font script="Thai" typeface="Angsana New"/>
+        <a:font script="Ethi" typeface="Nyala"/>
+        <a:font script="Beng" typeface="Vrinda"/>
+        <a:font script="Gujr" typeface="Shruti"/>
+        <a:font script="Khmr" typeface="MoolBoran"/>
+        <a:font script="Knda" typeface="Tunga"/>
+        <a:font script="Guru" typeface="Raavi"/>
+        <a:font script="Cans" typeface="Euphemia"/>
+        <a:font script="Cher" typeface="Plantagenet Cherokee"/>
+        <a:font script="Yiii" typeface="Microsoft Yi Baiti"/>
+        <a:font script="Tibt" typeface="Microsoft Himalaya"/>
+        <a:font script="Thaa" typeface="MV Boli"/>
+        <a:font script="Deva" typeface="Mangal"/>
+        <a:font script="Telu" typeface="Gautami"/>
+        <a:font script="Taml" typeface="Latha"/>
+        <a:font script="Syrc" typeface="Estrangelo Edessa"/>
+        <a:font script="Orya" typeface="Kalinga"/>
+        <a:font script="Mlym" typeface="Kartika"/>
+        <a:font script="Laoo" typeface="DokChampa"/>
+        <a:font script="Sinh" typeface="Iskoola Pota"/>
+        <a:font script="Mong" typeface="Mongolian Baiti"/>
+        <a:font script="Viet" typeface="Times New Roman"/>
+        <a:font script="Uigh" typeface="Microsoft Uighur"/>
+        <a:font script="Geor" typeface="Sylfaen"/>
+      </a:majorFont>
+      <a:minorFont>
+        <a:latin typeface="Arial"/>
+        <a:ea typeface=""/>
+        <a:cs typeface=""/>
+        <a:font script="Jpan" typeface="ＭＳ Ｐゴシック"/>
+        <a:font script="Hang" typeface="맑은 고딕"/>
+        <a:font script="Hans" typeface="宋体"/>
+        <a:font script="Hant" typeface="新細明體"/>
+        <a:font script="Arab" typeface="Arial"/>
+        <a:font script="Hebr" typeface="Arial"/>
+        <a:font script="Thai" typeface="Cordia New"/>
+        <a:font script="Ethi" typeface="Nyala"/>
+        <a:font script="Beng" typeface="Vrinda"/>
+        <a:font script="Gujr" typeface="Shruti"/>
+        <a:font script="Khmr" typeface="DaunPenh"/>
+        <a:font script="Knda" typeface="Tunga"/>
+        <a:font script="Guru" typeface="Raavi"/>
+        <a:font script="Cans" typeface="Euphemia"/>
+        <a:font script="Cher" typeface="Plantagenet Cherokee"/>
+        <a:font script="Yiii" typeface="Microsoft Yi Baiti"/>
+        <a:font script="Tibt" typeface="Microsoft Himalaya"/>
+        <a:font script="Thaa" typeface="MV Boli"/>
+        <a:font script="Deva" typeface="Mangal"/>
+        <a:font script="Telu" typeface="Gautami"/>
+        <a:font script="Taml" typeface="Latha"/>
+        <a:font script="Syrc" typeface="Estrangelo Edessa"/>
+        <a:font script="Orya" typeface="Kalinga"/>
+        <a:font script="Mlym" typeface="Kartika"/>
+        <a:font script="Laoo" typeface="DokChampa"/>
+        <a:font script="Sinh" typeface="Iskoola Pota"/>
+        <a:font script="Mong" typeface="Mongolian Baiti"/>
+        <a:font script="Viet" typeface="Arial"/>
+        <a:font script="Uigh" typeface="Microsoft Uighur"/>
+        <a:font script="Geor" typeface="Sylfaen"/>
+      </a:minorFont>
+    </a:fontScheme>
+    <a:fmtScheme name="Office">
+      <a:fillStyleLst>
+        <a:solidFill>
+          <a:schemeClr val="phClr"/>
+        </a:solidFill>
+        <a:gradFill rotWithShape="1">
+          <a:gsLst>
+            <a:gs pos="0">
+              <a:schemeClr val="phClr">
+                <a:tint val="50000"/>
+                <a:satMod val="300000"/>
+              </a:schemeClr>
+            </a:gs>
+            <a:gs pos="35000">
+              <a:schemeClr val="phClr">
+                <a:tint val="37000"/>
+                <a:satMod val="300000"/>
+              </a:schemeClr>
+            </a:gs>
+            <a:gs pos="100000">
+              <a:schemeClr val="phClr">
+                <a:tint val="15000"/>
+                <a:satMod val="350000"/>
+              </a:schemeClr>
+            </a:gs>
+          </a:gsLst>
+          <a:lin ang="16200000" scaled="1"/>
+        </a:gradFill>
+        <a:gradFill rotWithShape="1">
+          <a:gsLst>
+            <a:gs pos="0">
+              <a:schemeClr val="phClr">
+                <a:tint val="100000"/>
+                <a:shade val="100000"/>
+                <a:satMod val="130000"/>
+              </a:schemeClr>
+            </a:gs>
+            <a:gs pos="100000">
+              <a:schemeClr val="phClr">
+                <a:tint val="50000"/>
+                <a:shade val="100000"/>
+                <a:satMod val="350000"/>
+              </a:schemeClr>
+            </a:gs>
+          </a:gsLst>
+          <a:lin ang="16200000" scaled="0"/>
+        </a:gradFill>
+      </a:fillStyleLst>
+      <a:lnStyleLst>
+        <a:ln w="9525" cap="flat" cmpd="sng" algn="ctr">
+          <a:solidFill>
+            <a:schemeClr val="phClr">
+              <a:shade val="95000"/>
+              <a:satMod val="105000"/>
+            </a:schemeClr>
+          </a:solidFill>
+          <a:prstDash val="solid"/>
+        </a:ln>
+        <a:ln w="25400" cap="flat" cmpd="sng" algn="ctr">
+          <a:solidFill>
+            <a:schemeClr val="phClr"/>
+          </a:solidFill>
+          <a:prstDash val="solid"/>
+        </a:ln>
+        <a:ln w="38100" cap="flat" cmpd="sng" algn="ctr">
+          <a:solidFill>
+            <a:schemeClr val="phClr"/>
+          </a:solidFill>
+          <a:prstDash val="solid"/>
+        </a:ln>
+      </a:lnStyleLst>
+      <a:effectStyleLst>
+        <a:effectStyle>
+          <a:effectLst>
+            <a:outerShdw blurRad="40000" dist="20000" dir="5400000" rotWithShape="0">
+              <a:srgbClr val="000000">
+                <a:alpha val="38000"/>
+              </a:srgbClr>
+            </a:outerShdw>
+          </a:effectLst>
+        </a:effectStyle>
+        <a:effectStyle>
+          <a:effectLst>
+            <a:outerShdw blurRad="40000" dist="23000" dir="5400000" rotWithShape="0">
+              <a:srgbClr val="000000">
+                <a:alpha val="35000"/>
+              </a:srgbClr>
+            </a:outerShdw>
+          </a:effectLst>
+        </a:effectStyle>
+        <a:effectStyle>
+          <a:effectLst>
+            <a:outerShdw blurRad="40000" dist="23000" dir="5400000" rotWithShape="0">
+              <a:srgbClr val="000000">
+                <a:alpha val="35000"/>
+              </a:srgbClr>
+            </a:outerShdw>
+          </a:effectLst>
+          <a:scene3d>
+            <a:camera prst="orthographicFront">
+              <a:rot lat="0" lon="0" rev="0"/>
+            </a:camera>
+            <a:lightRig rig="threePt" dir="t">
+              <a:rot lat="0" lon="0" rev="1200000"/>
+            </a:lightRig>
+          </a:scene3d>
+          <a:sp3d>
+            <a:bevelT w="63500" h="25400"/>
+          </a:sp3d>
+        </a:effectStyle>
+      </a:effectStyleLst>
+      <a:bgFillStyleLst>
+        <a:solidFill>
+          <a:schemeClr val="phClr"/>
+        </a:solidFill>
+        <a:gradFill rotWithShape="1">
+          <a:gsLst>
+            <a:gs pos="0">
+              <a:schemeClr val="phClr">
+                <a:tint val="40000"/>
+                <a:satMod val="350000"/>
+              </a:schemeClr>
+            </a:gs>
+            <a:gs pos="40000">
+              <a:schemeClr val="phClr">
+                <a:tint val="45000"/>
+                <a:shade val="99000"/>
+                <a:satMod val="350000"/>
+              </a:schemeClr>
+            </a:gs>
+            <a:gs pos="100000">
+              <a:schemeClr val="phClr">
+                <a:shade val="20000"/>
+                <a:satMod val="255000"/>
+              </a:schemeClr>
+            </a:gs>
+          </a:gsLst>
+          <a:path path="circle">
+            <a:fillToRect l="50000" t="-80000" r="50000" b="180000"/>
+          </a:path>
+        </a:gradFill>
+        <a:gradFill rotWithShape="1">
+          <a:gsLst>
+            <a:gs pos="0">
+              <a:schemeClr val="phClr">
+                <a:tint val="80000"/>
+                <a:satMod val="300000"/>
+              </a:schemeClr>
+            </a:gs>
+            <a:gs pos="100000">
+              <a:schemeClr val="phClr">
+                <a:shade val="30000"/>
+                <a:satMod val="200000"/>
+              </a:schemeClr>
+            </a:gs>
+          </a:gsLst>
+          <a:path path="circle">
+            <a:fillToRect l="50000" t="50000" r="50000" b="50000"/>
+          </a:path>
+        </a:gradFill>
+      </a:bgFillStyleLst>
+    </a:fmtScheme>
+  </a:themeElements>
+  <a:objectDefaults/>
+  <a:extraClrSchemeLst/>
+</a:theme>
+</file>
+
+<file path=ppt/theme/theme2.xml><?xml version="1.0" encoding="utf-8"?>
+<a:theme xmlns:a="http://schemas.openxmlformats.org/drawingml/2006/main">
   <a:themeElements>
     <a:clrScheme name="Default">
       <a:dk1>
@@ -14554,284 +14986,7 @@
       </a:bgFillStyleLst>
     </a:fmtScheme>
   </a:themeElements>
-</a:theme>
-</file>
-
-<file path=ppt/theme/theme2.xml><?xml version="1.0" encoding="utf-8"?>
-<a:theme xmlns:a="http://schemas.openxmlformats.org/drawingml/2006/main" xmlns:r="http://schemas.openxmlformats.org/officeDocument/2006/relationships" name="Spearmint">
-  <a:themeElements>
-    <a:clrScheme name="Spearmint">
-      <a:dk1>
-        <a:srgbClr val="202729"/>
-      </a:dk1>
-      <a:lt1>
-        <a:srgbClr val="FFFFFF"/>
-      </a:lt1>
-      <a:dk2>
-        <a:srgbClr val="4BA173"/>
-      </a:dk2>
-      <a:lt2>
-        <a:srgbClr val="63D297"/>
-      </a:lt2>
-      <a:accent1>
-        <a:srgbClr val="353744"/>
-      </a:accent1>
-      <a:accent2>
-        <a:srgbClr val="424242"/>
-      </a:accent2>
-      <a:accent3>
-        <a:srgbClr val="616161"/>
-      </a:accent3>
-      <a:accent4>
-        <a:srgbClr val="999999"/>
-      </a:accent4>
-      <a:accent5>
-        <a:srgbClr val="FF5252"/>
-      </a:accent5>
-      <a:accent6>
-        <a:srgbClr val="FFF176"/>
-      </a:accent6>
-      <a:hlink>
-        <a:srgbClr val="FF5252"/>
-      </a:hlink>
-      <a:folHlink>
-        <a:srgbClr val="FF5252"/>
-      </a:folHlink>
-    </a:clrScheme>
-    <a:fontScheme name="Office">
-      <a:majorFont>
-        <a:latin typeface="Arial"/>
-        <a:ea typeface=""/>
-        <a:cs typeface=""/>
-        <a:font script="Jpan" typeface="ＭＳ Ｐゴシック"/>
-        <a:font script="Hang" typeface="맑은 고딕"/>
-        <a:font script="Hans" typeface="宋体"/>
-        <a:font script="Hant" typeface="新細明體"/>
-        <a:font script="Arab" typeface="Times New Roman"/>
-        <a:font script="Hebr" typeface="Times New Roman"/>
-        <a:font script="Thai" typeface="Angsana New"/>
-        <a:font script="Ethi" typeface="Nyala"/>
-        <a:font script="Beng" typeface="Vrinda"/>
-        <a:font script="Gujr" typeface="Shruti"/>
-        <a:font script="Khmr" typeface="MoolBoran"/>
-        <a:font script="Knda" typeface="Tunga"/>
-        <a:font script="Guru" typeface="Raavi"/>
-        <a:font script="Cans" typeface="Euphemia"/>
-        <a:font script="Cher" typeface="Plantagenet Cherokee"/>
-        <a:font script="Yiii" typeface="Microsoft Yi Baiti"/>
-        <a:font script="Tibt" typeface="Microsoft Himalaya"/>
-        <a:font script="Thaa" typeface="MV Boli"/>
-        <a:font script="Deva" typeface="Mangal"/>
-        <a:font script="Telu" typeface="Gautami"/>
-        <a:font script="Taml" typeface="Latha"/>
-        <a:font script="Syrc" typeface="Estrangelo Edessa"/>
-        <a:font script="Orya" typeface="Kalinga"/>
-        <a:font script="Mlym" typeface="Kartika"/>
-        <a:font script="Laoo" typeface="DokChampa"/>
-        <a:font script="Sinh" typeface="Iskoola Pota"/>
-        <a:font script="Mong" typeface="Mongolian Baiti"/>
-        <a:font script="Viet" typeface="Times New Roman"/>
-        <a:font script="Uigh" typeface="Microsoft Uighur"/>
-        <a:font script="Geor" typeface="Sylfaen"/>
-      </a:majorFont>
-      <a:minorFont>
-        <a:latin typeface="Arial"/>
-        <a:ea typeface=""/>
-        <a:cs typeface=""/>
-        <a:font script="Jpan" typeface="ＭＳ Ｐゴシック"/>
-        <a:font script="Hang" typeface="맑은 고딕"/>
-        <a:font script="Hans" typeface="宋体"/>
-        <a:font script="Hant" typeface="新細明體"/>
-        <a:font script="Arab" typeface="Arial"/>
-        <a:font script="Hebr" typeface="Arial"/>
-        <a:font script="Thai" typeface="Cordia New"/>
-        <a:font script="Ethi" typeface="Nyala"/>
-        <a:font script="Beng" typeface="Vrinda"/>
-        <a:font script="Gujr" typeface="Shruti"/>
-        <a:font script="Khmr" typeface="DaunPenh"/>
-        <a:font script="Knda" typeface="Tunga"/>
-        <a:font script="Guru" typeface="Raavi"/>
-        <a:font script="Cans" typeface="Euphemia"/>
-        <a:font script="Cher" typeface="Plantagenet Cherokee"/>
-        <a:font script="Yiii" typeface="Microsoft Yi Baiti"/>
-        <a:font script="Tibt" typeface="Microsoft Himalaya"/>
-        <a:font script="Thaa" typeface="MV Boli"/>
-        <a:font script="Deva" typeface="Mangal"/>
-        <a:font script="Telu" typeface="Gautami"/>
-        <a:font script="Taml" typeface="Latha"/>
-        <a:font script="Syrc" typeface="Estrangelo Edessa"/>
-        <a:font script="Orya" typeface="Kalinga"/>
-        <a:font script="Mlym" typeface="Kartika"/>
-        <a:font script="Laoo" typeface="DokChampa"/>
-        <a:font script="Sinh" typeface="Iskoola Pota"/>
-        <a:font script="Mong" typeface="Mongolian Baiti"/>
-        <a:font script="Viet" typeface="Arial"/>
-        <a:font script="Uigh" typeface="Microsoft Uighur"/>
-        <a:font script="Geor" typeface="Sylfaen"/>
-      </a:minorFont>
-    </a:fontScheme>
-    <a:fmtScheme name="Office">
-      <a:fillStyleLst>
-        <a:solidFill>
-          <a:schemeClr val="phClr"/>
-        </a:solidFill>
-        <a:gradFill rotWithShape="1">
-          <a:gsLst>
-            <a:gs pos="0">
-              <a:schemeClr val="phClr">
-                <a:tint val="50000"/>
-                <a:satMod val="300000"/>
-              </a:schemeClr>
-            </a:gs>
-            <a:gs pos="35000">
-              <a:schemeClr val="phClr">
-                <a:tint val="37000"/>
-                <a:satMod val="300000"/>
-              </a:schemeClr>
-            </a:gs>
-            <a:gs pos="100000">
-              <a:schemeClr val="phClr">
-                <a:tint val="15000"/>
-                <a:satMod val="350000"/>
-              </a:schemeClr>
-            </a:gs>
-          </a:gsLst>
-          <a:lin ang="16200000" scaled="1"/>
-        </a:gradFill>
-        <a:gradFill rotWithShape="1">
-          <a:gsLst>
-            <a:gs pos="0">
-              <a:schemeClr val="phClr">
-                <a:tint val="100000"/>
-                <a:shade val="100000"/>
-                <a:satMod val="130000"/>
-              </a:schemeClr>
-            </a:gs>
-            <a:gs pos="100000">
-              <a:schemeClr val="phClr">
-                <a:tint val="50000"/>
-                <a:shade val="100000"/>
-                <a:satMod val="350000"/>
-              </a:schemeClr>
-            </a:gs>
-          </a:gsLst>
-          <a:lin ang="16200000" scaled="0"/>
-        </a:gradFill>
-      </a:fillStyleLst>
-      <a:lnStyleLst>
-        <a:ln w="9525" cap="flat" cmpd="sng" algn="ctr">
-          <a:solidFill>
-            <a:schemeClr val="phClr">
-              <a:shade val="95000"/>
-              <a:satMod val="105000"/>
-            </a:schemeClr>
-          </a:solidFill>
-          <a:prstDash val="solid"/>
-        </a:ln>
-        <a:ln w="25400" cap="flat" cmpd="sng" algn="ctr">
-          <a:solidFill>
-            <a:schemeClr val="phClr"/>
-          </a:solidFill>
-          <a:prstDash val="solid"/>
-        </a:ln>
-        <a:ln w="38100" cap="flat" cmpd="sng" algn="ctr">
-          <a:solidFill>
-            <a:schemeClr val="phClr"/>
-          </a:solidFill>
-          <a:prstDash val="solid"/>
-        </a:ln>
-      </a:lnStyleLst>
-      <a:effectStyleLst>
-        <a:effectStyle>
-          <a:effectLst>
-            <a:outerShdw blurRad="40000" dist="20000" dir="5400000" rotWithShape="0">
-              <a:srgbClr val="000000">
-                <a:alpha val="38000"/>
-              </a:srgbClr>
-            </a:outerShdw>
-          </a:effectLst>
-        </a:effectStyle>
-        <a:effectStyle>
-          <a:effectLst>
-            <a:outerShdw blurRad="40000" dist="23000" dir="5400000" rotWithShape="0">
-              <a:srgbClr val="000000">
-                <a:alpha val="35000"/>
-              </a:srgbClr>
-            </a:outerShdw>
-          </a:effectLst>
-        </a:effectStyle>
-        <a:effectStyle>
-          <a:effectLst>
-            <a:outerShdw blurRad="40000" dist="23000" dir="5400000" rotWithShape="0">
-              <a:srgbClr val="000000">
-                <a:alpha val="35000"/>
-              </a:srgbClr>
-            </a:outerShdw>
-          </a:effectLst>
-          <a:scene3d>
-            <a:camera prst="orthographicFront">
-              <a:rot lat="0" lon="0" rev="0"/>
-            </a:camera>
-            <a:lightRig rig="threePt" dir="t">
-              <a:rot lat="0" lon="0" rev="1200000"/>
-            </a:lightRig>
-          </a:scene3d>
-          <a:sp3d>
-            <a:bevelT w="63500" h="25400"/>
-          </a:sp3d>
-        </a:effectStyle>
-      </a:effectStyleLst>
-      <a:bgFillStyleLst>
-        <a:solidFill>
-          <a:schemeClr val="phClr"/>
-        </a:solidFill>
-        <a:gradFill rotWithShape="1">
-          <a:gsLst>
-            <a:gs pos="0">
-              <a:schemeClr val="phClr">
-                <a:tint val="40000"/>
-                <a:satMod val="350000"/>
-              </a:schemeClr>
-            </a:gs>
-            <a:gs pos="40000">
-              <a:schemeClr val="phClr">
-                <a:tint val="45000"/>
-                <a:shade val="99000"/>
-                <a:satMod val="350000"/>
-              </a:schemeClr>
-            </a:gs>
-            <a:gs pos="100000">
-              <a:schemeClr val="phClr">
-                <a:shade val="20000"/>
-                <a:satMod val="255000"/>
-              </a:schemeClr>
-            </a:gs>
-          </a:gsLst>
-          <a:path path="circle">
-            <a:fillToRect l="50000" t="-80000" r="50000" b="180000"/>
-          </a:path>
-        </a:gradFill>
-        <a:gradFill rotWithShape="1">
-          <a:gsLst>
-            <a:gs pos="0">
-              <a:schemeClr val="phClr">
-                <a:tint val="80000"/>
-                <a:satMod val="300000"/>
-              </a:schemeClr>
-            </a:gs>
-            <a:gs pos="100000">
-              <a:schemeClr val="phClr">
-                <a:shade val="30000"/>
-                <a:satMod val="200000"/>
-              </a:schemeClr>
-            </a:gs>
-          </a:gsLst>
-          <a:path path="circle">
-            <a:fillToRect l="50000" t="50000" r="50000" b="50000"/>
-          </a:path>
-        </a:gradFill>
-      </a:bgFillStyleLst>
-    </a:fmtScheme>
-  </a:themeElements>
+  <a:objectDefaults/>
+  <a:extraClrSchemeLst/>
 </a:theme>
 </file>